--- a/Sys_final/SysP 기말.pptx
+++ b/Sys_final/SysP 기말.pptx
@@ -8,16 +8,21 @@
     <p:sldId id="256" r:id="rId2"/>
     <p:sldId id="268" r:id="rId3"/>
     <p:sldId id="267" r:id="rId4"/>
-    <p:sldId id="264" r:id="rId5"/>
-    <p:sldId id="265" r:id="rId6"/>
-    <p:sldId id="266" r:id="rId7"/>
-    <p:sldId id="257" r:id="rId8"/>
-    <p:sldId id="258" r:id="rId9"/>
-    <p:sldId id="262" r:id="rId10"/>
-    <p:sldId id="259" r:id="rId11"/>
-    <p:sldId id="260" r:id="rId12"/>
-    <p:sldId id="261" r:id="rId13"/>
-    <p:sldId id="263" r:id="rId14"/>
+    <p:sldId id="273" r:id="rId5"/>
+    <p:sldId id="264" r:id="rId6"/>
+    <p:sldId id="265" r:id="rId7"/>
+    <p:sldId id="266" r:id="rId8"/>
+    <p:sldId id="269" r:id="rId9"/>
+    <p:sldId id="270" r:id="rId10"/>
+    <p:sldId id="257" r:id="rId11"/>
+    <p:sldId id="271" r:id="rId12"/>
+    <p:sldId id="272" r:id="rId13"/>
+    <p:sldId id="258" r:id="rId14"/>
+    <p:sldId id="262" r:id="rId15"/>
+    <p:sldId id="259" r:id="rId16"/>
+    <p:sldId id="260" r:id="rId17"/>
+    <p:sldId id="261" r:id="rId18"/>
+    <p:sldId id="263" r:id="rId19"/>
   </p:sldIdLst>
   <p:sldSz cx="12192000" cy="6858000"/>
   <p:notesSz cx="6858000" cy="9144000"/>
@@ -271,7 +276,7 @@
           <a:p>
             <a:fld id="{5F49F4F1-57EE-49A9-A1AA-F463A547ADAF}" type="datetimeFigureOut">
               <a:rPr lang="ko-KR" altLang="en-US" smtClean="0"/>
-              <a:t>2023-06-09</a:t>
+              <a:t>2023-06-10</a:t>
             </a:fld>
             <a:endParaRPr lang="ko-KR" altLang="en-US"/>
           </a:p>
@@ -469,7 +474,7 @@
           <a:p>
             <a:fld id="{5F49F4F1-57EE-49A9-A1AA-F463A547ADAF}" type="datetimeFigureOut">
               <a:rPr lang="ko-KR" altLang="en-US" smtClean="0"/>
-              <a:t>2023-06-09</a:t>
+              <a:t>2023-06-10</a:t>
             </a:fld>
             <a:endParaRPr lang="ko-KR" altLang="en-US"/>
           </a:p>
@@ -677,7 +682,7 @@
           <a:p>
             <a:fld id="{5F49F4F1-57EE-49A9-A1AA-F463A547ADAF}" type="datetimeFigureOut">
               <a:rPr lang="ko-KR" altLang="en-US" smtClean="0"/>
-              <a:t>2023-06-09</a:t>
+              <a:t>2023-06-10</a:t>
             </a:fld>
             <a:endParaRPr lang="ko-KR" altLang="en-US"/>
           </a:p>
@@ -875,7 +880,7 @@
           <a:p>
             <a:fld id="{5F49F4F1-57EE-49A9-A1AA-F463A547ADAF}" type="datetimeFigureOut">
               <a:rPr lang="ko-KR" altLang="en-US" smtClean="0"/>
-              <a:t>2023-06-09</a:t>
+              <a:t>2023-06-10</a:t>
             </a:fld>
             <a:endParaRPr lang="ko-KR" altLang="en-US"/>
           </a:p>
@@ -1150,7 +1155,7 @@
           <a:p>
             <a:fld id="{5F49F4F1-57EE-49A9-A1AA-F463A547ADAF}" type="datetimeFigureOut">
               <a:rPr lang="ko-KR" altLang="en-US" smtClean="0"/>
-              <a:t>2023-06-09</a:t>
+              <a:t>2023-06-10</a:t>
             </a:fld>
             <a:endParaRPr lang="ko-KR" altLang="en-US"/>
           </a:p>
@@ -1415,7 +1420,7 @@
           <a:p>
             <a:fld id="{5F49F4F1-57EE-49A9-A1AA-F463A547ADAF}" type="datetimeFigureOut">
               <a:rPr lang="ko-KR" altLang="en-US" smtClean="0"/>
-              <a:t>2023-06-09</a:t>
+              <a:t>2023-06-10</a:t>
             </a:fld>
             <a:endParaRPr lang="ko-KR" altLang="en-US"/>
           </a:p>
@@ -1827,7 +1832,7 @@
           <a:p>
             <a:fld id="{5F49F4F1-57EE-49A9-A1AA-F463A547ADAF}" type="datetimeFigureOut">
               <a:rPr lang="ko-KR" altLang="en-US" smtClean="0"/>
-              <a:t>2023-06-09</a:t>
+              <a:t>2023-06-10</a:t>
             </a:fld>
             <a:endParaRPr lang="ko-KR" altLang="en-US"/>
           </a:p>
@@ -1968,7 +1973,7 @@
           <a:p>
             <a:fld id="{5F49F4F1-57EE-49A9-A1AA-F463A547ADAF}" type="datetimeFigureOut">
               <a:rPr lang="ko-KR" altLang="en-US" smtClean="0"/>
-              <a:t>2023-06-09</a:t>
+              <a:t>2023-06-10</a:t>
             </a:fld>
             <a:endParaRPr lang="ko-KR" altLang="en-US"/>
           </a:p>
@@ -2081,7 +2086,7 @@
           <a:p>
             <a:fld id="{5F49F4F1-57EE-49A9-A1AA-F463A547ADAF}" type="datetimeFigureOut">
               <a:rPr lang="ko-KR" altLang="en-US" smtClean="0"/>
-              <a:t>2023-06-09</a:t>
+              <a:t>2023-06-10</a:t>
             </a:fld>
             <a:endParaRPr lang="ko-KR" altLang="en-US"/>
           </a:p>
@@ -2392,7 +2397,7 @@
           <a:p>
             <a:fld id="{5F49F4F1-57EE-49A9-A1AA-F463A547ADAF}" type="datetimeFigureOut">
               <a:rPr lang="ko-KR" altLang="en-US" smtClean="0"/>
-              <a:t>2023-06-09</a:t>
+              <a:t>2023-06-10</a:t>
             </a:fld>
             <a:endParaRPr lang="ko-KR" altLang="en-US"/>
           </a:p>
@@ -2680,7 +2685,7 @@
           <a:p>
             <a:fld id="{5F49F4F1-57EE-49A9-A1AA-F463A547ADAF}" type="datetimeFigureOut">
               <a:rPr lang="ko-KR" altLang="en-US" smtClean="0"/>
-              <a:t>2023-06-09</a:t>
+              <a:t>2023-06-10</a:t>
             </a:fld>
             <a:endParaRPr lang="ko-KR" altLang="en-US"/>
           </a:p>
@@ -2921,7 +2926,7 @@
           <a:p>
             <a:fld id="{5F49F4F1-57EE-49A9-A1AA-F463A547ADAF}" type="datetimeFigureOut">
               <a:rPr lang="ko-KR" altLang="en-US" smtClean="0"/>
-              <a:t>2023-06-09</a:t>
+              <a:t>2023-06-10</a:t>
             </a:fld>
             <a:endParaRPr lang="ko-KR" altLang="en-US"/>
           </a:p>
@@ -3395,6 +3400,42 @@
           <a:bodyPr/>
           <a:lstStyle/>
           <a:p>
+            <a:pPr algn="r"/>
+            <a:r>
+              <a:rPr lang="ko-KR" altLang="en-US" dirty="0"/>
+              <a:t>학번 </a:t>
+            </a:r>
+            <a:r>
+              <a:rPr lang="en-US" altLang="ko-KR" dirty="0"/>
+              <a:t>: 2019775036</a:t>
+            </a:r>
+          </a:p>
+          <a:p>
+            <a:pPr algn="r"/>
+            <a:r>
+              <a:rPr lang="ko-KR" altLang="en-US" dirty="0"/>
+              <a:t>이름 </a:t>
+            </a:r>
+            <a:r>
+              <a:rPr lang="en-US" altLang="ko-KR" dirty="0"/>
+              <a:t>: </a:t>
+            </a:r>
+            <a:r>
+              <a:rPr lang="ko-KR" altLang="en-US" dirty="0"/>
+              <a:t>양민철</a:t>
+            </a:r>
+            <a:endParaRPr lang="en-US" altLang="ko-KR" dirty="0"/>
+          </a:p>
+          <a:p>
+            <a:pPr algn="r"/>
+            <a:r>
+              <a:rPr lang="ko-KR" altLang="en-US" dirty="0"/>
+              <a:t>발표 일자 </a:t>
+            </a:r>
+            <a:r>
+              <a:rPr lang="en-US" altLang="ko-KR" dirty="0"/>
+              <a:t>: 06/13</a:t>
+            </a:r>
             <a:endParaRPr lang="ko-KR" altLang="en-US" dirty="0"/>
           </a:p>
         </p:txBody>
@@ -3434,6 +3475,1205 @@
           <p:cNvPr id="2" name="제목 1">
             <a:extLst>
               <a:ext uri="{FF2B5EF4-FFF2-40B4-BE49-F238E27FC236}">
+                <a16:creationId xmlns:a16="http://schemas.microsoft.com/office/drawing/2014/main" id="{75A4F99B-B72C-6EDA-3EBC-C95A1F00BF5B}"/>
+              </a:ext>
+            </a:extLst>
+          </p:cNvPr>
+          <p:cNvSpPr>
+            <a:spLocks noGrp="1"/>
+          </p:cNvSpPr>
+          <p:nvPr>
+            <p:ph type="title"/>
+          </p:nvPr>
+        </p:nvSpPr>
+        <p:spPr/>
+        <p:txBody>
+          <a:bodyPr/>
+          <a:lstStyle/>
+          <a:p>
+            <a:r>
+              <a:rPr lang="en-US" altLang="ko-KR" dirty="0"/>
+              <a:t>head </a:t>
+            </a:r>
+            <a:endParaRPr lang="ko-KR" altLang="en-US" dirty="0"/>
+          </a:p>
+        </p:txBody>
+      </p:sp>
+      <p:sp>
+        <p:nvSpPr>
+          <p:cNvPr id="3" name="내용 개체 틀 2">
+            <a:extLst>
+              <a:ext uri="{FF2B5EF4-FFF2-40B4-BE49-F238E27FC236}">
+                <a16:creationId xmlns:a16="http://schemas.microsoft.com/office/drawing/2014/main" id="{49339F53-8190-A00D-2CC1-4E72E5F75B0B}"/>
+              </a:ext>
+            </a:extLst>
+          </p:cNvPr>
+          <p:cNvSpPr>
+            <a:spLocks noGrp="1"/>
+          </p:cNvSpPr>
+          <p:nvPr>
+            <p:ph idx="1"/>
+          </p:nvPr>
+        </p:nvSpPr>
+        <p:spPr/>
+        <p:txBody>
+          <a:bodyPr>
+            <a:normAutofit/>
+          </a:bodyPr>
+          <a:lstStyle/>
+          <a:p>
+            <a:pPr algn="l">
+              <a:buFont typeface="Arial" panose="020B0604020202020204" pitchFamily="34" charset="0"/>
+              <a:buChar char="•"/>
+            </a:pPr>
+            <a:r>
+              <a:rPr lang="ko-KR" altLang="en-US" sz="2000" b="0" i="0" dirty="0">
+                <a:effectLst/>
+                <a:latin typeface="-apple-system"/>
+              </a:rPr>
+              <a:t>텍스트 파일의 앞부분을 출력하는 데 사용</a:t>
+            </a:r>
+          </a:p>
+          <a:p>
+            <a:pPr algn="l">
+              <a:buFont typeface="Arial" panose="020B0604020202020204" pitchFamily="34" charset="0"/>
+              <a:buChar char="•"/>
+            </a:pPr>
+            <a:r>
+              <a:rPr lang="ko-KR" altLang="en-US" sz="2000" b="0" i="0" dirty="0">
+                <a:effectLst/>
+                <a:latin typeface="-apple-system"/>
+              </a:rPr>
+              <a:t>출력할 줄 수 </a:t>
+            </a:r>
+            <a:r>
+              <a:rPr lang="en-US" altLang="ko-KR" sz="2000" b="0" i="0" dirty="0">
+                <a:effectLst/>
+                <a:latin typeface="-apple-system"/>
+              </a:rPr>
+              <a:t>default = 10</a:t>
+            </a:r>
+          </a:p>
+          <a:p>
+            <a:pPr marL="0" indent="0">
+              <a:lnSpc>
+                <a:spcPct val="120000"/>
+              </a:lnSpc>
+              <a:buNone/>
+            </a:pPr>
+            <a:endParaRPr lang="en-US" altLang="ko-KR" dirty="0"/>
+          </a:p>
+        </p:txBody>
+      </p:sp>
+      <p:pic>
+        <p:nvPicPr>
+          <p:cNvPr id="1026" name="Picture 2">
+            <a:extLst>
+              <a:ext uri="{FF2B5EF4-FFF2-40B4-BE49-F238E27FC236}">
+                <a16:creationId xmlns:a16="http://schemas.microsoft.com/office/drawing/2014/main" id="{D81208A3-14DD-CDCD-8737-D1790CC2313C}"/>
+              </a:ext>
+            </a:extLst>
+          </p:cNvPr>
+          <p:cNvPicPr>
+            <a:picLocks noChangeAspect="1" noChangeArrowheads="1"/>
+          </p:cNvPicPr>
+          <p:nvPr/>
+        </p:nvPicPr>
+        <p:blipFill>
+          <a:blip r:embed="rId2">
+            <a:extLst>
+              <a:ext uri="{28A0092B-C50C-407E-A947-70E740481C1C}">
+                <a14:useLocalDpi xmlns:a14="http://schemas.microsoft.com/office/drawing/2010/main" val="0"/>
+              </a:ext>
+            </a:extLst>
+          </a:blip>
+          <a:srcRect/>
+          <a:stretch>
+            <a:fillRect/>
+          </a:stretch>
+        </p:blipFill>
+        <p:spPr bwMode="auto">
+          <a:xfrm>
+            <a:off x="838200" y="3203550"/>
+            <a:ext cx="4790824" cy="3204934"/>
+          </a:xfrm>
+          <a:prstGeom prst="rect">
+            <a:avLst/>
+          </a:prstGeom>
+          <a:noFill/>
+          <a:extLst>
+            <a:ext uri="{909E8E84-426E-40DD-AFC4-6F175D3DCCD1}">
+              <a14:hiddenFill xmlns:a14="http://schemas.microsoft.com/office/drawing/2010/main">
+                <a:solidFill>
+                  <a:srgbClr val="FFFFFF"/>
+                </a:solidFill>
+              </a14:hiddenFill>
+            </a:ext>
+          </a:extLst>
+        </p:spPr>
+      </p:pic>
+      <p:pic>
+        <p:nvPicPr>
+          <p:cNvPr id="1028" name="Picture 4">
+            <a:extLst>
+              <a:ext uri="{FF2B5EF4-FFF2-40B4-BE49-F238E27FC236}">
+                <a16:creationId xmlns:a16="http://schemas.microsoft.com/office/drawing/2014/main" id="{A5A9A73D-A7D1-08C6-1E3D-43C491F98B5C}"/>
+              </a:ext>
+            </a:extLst>
+          </p:cNvPr>
+          <p:cNvPicPr>
+            <a:picLocks noChangeAspect="1" noChangeArrowheads="1"/>
+          </p:cNvPicPr>
+          <p:nvPr/>
+        </p:nvPicPr>
+        <p:blipFill>
+          <a:blip r:embed="rId3">
+            <a:extLst>
+              <a:ext uri="{28A0092B-C50C-407E-A947-70E740481C1C}">
+                <a14:useLocalDpi xmlns:a14="http://schemas.microsoft.com/office/drawing/2010/main" val="0"/>
+              </a:ext>
+            </a:extLst>
+          </a:blip>
+          <a:srcRect/>
+          <a:stretch>
+            <a:fillRect/>
+          </a:stretch>
+        </p:blipFill>
+        <p:spPr bwMode="auto">
+          <a:xfrm>
+            <a:off x="5629024" y="3198964"/>
+            <a:ext cx="5047498" cy="3209520"/>
+          </a:xfrm>
+          <a:prstGeom prst="rect">
+            <a:avLst/>
+          </a:prstGeom>
+          <a:noFill/>
+          <a:extLst>
+            <a:ext uri="{909E8E84-426E-40DD-AFC4-6F175D3DCCD1}">
+              <a14:hiddenFill xmlns:a14="http://schemas.microsoft.com/office/drawing/2010/main">
+                <a:solidFill>
+                  <a:srgbClr val="FFFFFF"/>
+                </a:solidFill>
+              </a14:hiddenFill>
+            </a:ext>
+          </a:extLst>
+        </p:spPr>
+      </p:pic>
+    </p:spTree>
+    <p:extLst>
+      <p:ext uri="{BB962C8B-B14F-4D97-AF65-F5344CB8AC3E}">
+        <p14:creationId xmlns:p14="http://schemas.microsoft.com/office/powerpoint/2010/main" val="1373424578"/>
+      </p:ext>
+    </p:extLst>
+  </p:cSld>
+  <p:clrMapOvr>
+    <a:masterClrMapping/>
+  </p:clrMapOvr>
+</p:sld>
+</file>
+
+<file path=ppt/slides/slide11.xml><?xml version="1.0" encoding="utf-8"?>
+<p:sld xmlns:a="http://schemas.openxmlformats.org/drawingml/2006/main" xmlns:r="http://schemas.openxmlformats.org/officeDocument/2006/relationships" xmlns:p="http://schemas.openxmlformats.org/presentationml/2006/main">
+  <p:cSld>
+    <p:spTree>
+      <p:nvGrpSpPr>
+        <p:cNvPr id="1" name=""/>
+        <p:cNvGrpSpPr/>
+        <p:nvPr/>
+      </p:nvGrpSpPr>
+      <p:grpSpPr>
+        <a:xfrm>
+          <a:off x="0" y="0"/>
+          <a:ext cx="0" cy="0"/>
+          <a:chOff x="0" y="0"/>
+          <a:chExt cx="0" cy="0"/>
+        </a:xfrm>
+      </p:grpSpPr>
+      <p:sp>
+        <p:nvSpPr>
+          <p:cNvPr id="2" name="제목 1">
+            <a:extLst>
+              <a:ext uri="{FF2B5EF4-FFF2-40B4-BE49-F238E27FC236}">
+                <a16:creationId xmlns:a16="http://schemas.microsoft.com/office/drawing/2014/main" id="{690FBE21-0066-572B-E8BB-9B1948BA1B5C}"/>
+              </a:ext>
+            </a:extLst>
+          </p:cNvPr>
+          <p:cNvSpPr>
+            <a:spLocks noGrp="1"/>
+          </p:cNvSpPr>
+          <p:nvPr>
+            <p:ph type="title"/>
+          </p:nvPr>
+        </p:nvSpPr>
+        <p:spPr/>
+        <p:txBody>
+          <a:bodyPr/>
+          <a:lstStyle/>
+          <a:p>
+            <a:r>
+              <a:rPr lang="en-US" altLang="ko-KR" dirty="0"/>
+              <a:t>head options</a:t>
+            </a:r>
+            <a:endParaRPr lang="ko-KR" altLang="en-US" dirty="0"/>
+          </a:p>
+        </p:txBody>
+      </p:sp>
+      <p:pic>
+        <p:nvPicPr>
+          <p:cNvPr id="5" name="그림 4">
+            <a:extLst>
+              <a:ext uri="{FF2B5EF4-FFF2-40B4-BE49-F238E27FC236}">
+                <a16:creationId xmlns:a16="http://schemas.microsoft.com/office/drawing/2014/main" id="{36EF8F9C-D5FA-9ED1-2FA9-CD2CBB465D14}"/>
+              </a:ext>
+            </a:extLst>
+          </p:cNvPr>
+          <p:cNvPicPr>
+            <a:picLocks noChangeAspect="1"/>
+          </p:cNvPicPr>
+          <p:nvPr/>
+        </p:nvPicPr>
+        <p:blipFill>
+          <a:blip r:embed="rId2"/>
+          <a:stretch>
+            <a:fillRect/>
+          </a:stretch>
+        </p:blipFill>
+        <p:spPr>
+          <a:xfrm>
+            <a:off x="838200" y="1690688"/>
+            <a:ext cx="8821381" cy="4163006"/>
+          </a:xfrm>
+          <a:prstGeom prst="rect">
+            <a:avLst/>
+          </a:prstGeom>
+        </p:spPr>
+      </p:pic>
+      <p:pic>
+        <p:nvPicPr>
+          <p:cNvPr id="7" name="그림 6">
+            <a:extLst>
+              <a:ext uri="{FF2B5EF4-FFF2-40B4-BE49-F238E27FC236}">
+                <a16:creationId xmlns:a16="http://schemas.microsoft.com/office/drawing/2014/main" id="{882EC657-991E-ACC4-ABC5-92E08160D82F}"/>
+              </a:ext>
+            </a:extLst>
+          </p:cNvPr>
+          <p:cNvPicPr>
+            <a:picLocks noChangeAspect="1"/>
+          </p:cNvPicPr>
+          <p:nvPr/>
+        </p:nvPicPr>
+        <p:blipFill>
+          <a:blip r:embed="rId3"/>
+          <a:stretch>
+            <a:fillRect/>
+          </a:stretch>
+        </p:blipFill>
+        <p:spPr>
+          <a:xfrm>
+            <a:off x="838200" y="1690688"/>
+            <a:ext cx="8821381" cy="1648055"/>
+          </a:xfrm>
+          <a:prstGeom prst="rect">
+            <a:avLst/>
+          </a:prstGeom>
+        </p:spPr>
+      </p:pic>
+      <p:pic>
+        <p:nvPicPr>
+          <p:cNvPr id="9" name="그림 8">
+            <a:extLst>
+              <a:ext uri="{FF2B5EF4-FFF2-40B4-BE49-F238E27FC236}">
+                <a16:creationId xmlns:a16="http://schemas.microsoft.com/office/drawing/2014/main" id="{89373B77-A714-E5F5-7301-440857B5D25F}"/>
+              </a:ext>
+            </a:extLst>
+          </p:cNvPr>
+          <p:cNvPicPr>
+            <a:picLocks noChangeAspect="1"/>
+          </p:cNvPicPr>
+          <p:nvPr/>
+        </p:nvPicPr>
+        <p:blipFill>
+          <a:blip r:embed="rId4"/>
+          <a:stretch>
+            <a:fillRect/>
+          </a:stretch>
+        </p:blipFill>
+        <p:spPr>
+          <a:xfrm>
+            <a:off x="838200" y="1690688"/>
+            <a:ext cx="8849960" cy="2486372"/>
+          </a:xfrm>
+          <a:prstGeom prst="rect">
+            <a:avLst/>
+          </a:prstGeom>
+        </p:spPr>
+      </p:pic>
+    </p:spTree>
+    <p:extLst>
+      <p:ext uri="{BB962C8B-B14F-4D97-AF65-F5344CB8AC3E}">
+        <p14:creationId xmlns:p14="http://schemas.microsoft.com/office/powerpoint/2010/main" val="358938422"/>
+      </p:ext>
+    </p:extLst>
+  </p:cSld>
+  <p:clrMapOvr>
+    <a:masterClrMapping/>
+  </p:clrMapOvr>
+  <p:timing>
+    <p:tnLst>
+      <p:par>
+        <p:cTn id="1" dur="indefinite" restart="never" nodeType="tmRoot">
+          <p:childTnLst>
+            <p:seq concurrent="1" nextAc="seek">
+              <p:cTn id="2" dur="indefinite" nodeType="mainSeq">
+                <p:childTnLst>
+                  <p:par>
+                    <p:cTn id="3" fill="hold">
+                      <p:stCondLst>
+                        <p:cond delay="indefinite"/>
+                      </p:stCondLst>
+                      <p:childTnLst>
+                        <p:par>
+                          <p:cTn id="4" fill="hold">
+                            <p:stCondLst>
+                              <p:cond delay="0"/>
+                            </p:stCondLst>
+                            <p:childTnLst>
+                              <p:par>
+                                <p:cTn id="5" presetID="1" presetClass="entr" presetSubtype="0" fill="hold" nodeType="clickEffect">
+                                  <p:stCondLst>
+                                    <p:cond delay="0"/>
+                                  </p:stCondLst>
+                                  <p:childTnLst>
+                                    <p:set>
+                                      <p:cBhvr>
+                                        <p:cTn id="6" dur="1" fill="hold">
+                                          <p:stCondLst>
+                                            <p:cond delay="0"/>
+                                          </p:stCondLst>
+                                        </p:cTn>
+                                        <p:tgtEl>
+                                          <p:spTgt spid="5"/>
+                                        </p:tgtEl>
+                                        <p:attrNameLst>
+                                          <p:attrName>style.visibility</p:attrName>
+                                        </p:attrNameLst>
+                                      </p:cBhvr>
+                                      <p:to>
+                                        <p:strVal val="visible"/>
+                                      </p:to>
+                                    </p:set>
+                                  </p:childTnLst>
+                                </p:cTn>
+                              </p:par>
+                            </p:childTnLst>
+                          </p:cTn>
+                        </p:par>
+                      </p:childTnLst>
+                    </p:cTn>
+                  </p:par>
+                  <p:par>
+                    <p:cTn id="7" fill="hold">
+                      <p:stCondLst>
+                        <p:cond delay="indefinite"/>
+                      </p:stCondLst>
+                      <p:childTnLst>
+                        <p:par>
+                          <p:cTn id="8" fill="hold">
+                            <p:stCondLst>
+                              <p:cond delay="0"/>
+                            </p:stCondLst>
+                            <p:childTnLst>
+                              <p:par>
+                                <p:cTn id="9" presetID="1" presetClass="entr" presetSubtype="0" fill="hold" nodeType="clickEffect">
+                                  <p:stCondLst>
+                                    <p:cond delay="0"/>
+                                  </p:stCondLst>
+                                  <p:childTnLst>
+                                    <p:set>
+                                      <p:cBhvr>
+                                        <p:cTn id="10" dur="1" fill="hold">
+                                          <p:stCondLst>
+                                            <p:cond delay="0"/>
+                                          </p:stCondLst>
+                                        </p:cTn>
+                                        <p:tgtEl>
+                                          <p:spTgt spid="7"/>
+                                        </p:tgtEl>
+                                        <p:attrNameLst>
+                                          <p:attrName>style.visibility</p:attrName>
+                                        </p:attrNameLst>
+                                      </p:cBhvr>
+                                      <p:to>
+                                        <p:strVal val="visible"/>
+                                      </p:to>
+                                    </p:set>
+                                  </p:childTnLst>
+                                </p:cTn>
+                              </p:par>
+                            </p:childTnLst>
+                          </p:cTn>
+                        </p:par>
+                      </p:childTnLst>
+                    </p:cTn>
+                  </p:par>
+                  <p:par>
+                    <p:cTn id="11" fill="hold">
+                      <p:stCondLst>
+                        <p:cond delay="indefinite"/>
+                      </p:stCondLst>
+                      <p:childTnLst>
+                        <p:par>
+                          <p:cTn id="12" fill="hold">
+                            <p:stCondLst>
+                              <p:cond delay="0"/>
+                            </p:stCondLst>
+                            <p:childTnLst>
+                              <p:par>
+                                <p:cTn id="13" presetID="1" presetClass="entr" presetSubtype="0" fill="hold" nodeType="clickEffect">
+                                  <p:stCondLst>
+                                    <p:cond delay="0"/>
+                                  </p:stCondLst>
+                                  <p:childTnLst>
+                                    <p:set>
+                                      <p:cBhvr>
+                                        <p:cTn id="14" dur="1" fill="hold">
+                                          <p:stCondLst>
+                                            <p:cond delay="0"/>
+                                          </p:stCondLst>
+                                        </p:cTn>
+                                        <p:tgtEl>
+                                          <p:spTgt spid="9"/>
+                                        </p:tgtEl>
+                                        <p:attrNameLst>
+                                          <p:attrName>style.visibility</p:attrName>
+                                        </p:attrNameLst>
+                                      </p:cBhvr>
+                                      <p:to>
+                                        <p:strVal val="visible"/>
+                                      </p:to>
+                                    </p:set>
+                                  </p:childTnLst>
+                                </p:cTn>
+                              </p:par>
+                            </p:childTnLst>
+                          </p:cTn>
+                        </p:par>
+                      </p:childTnLst>
+                    </p:cTn>
+                  </p:par>
+                </p:childTnLst>
+              </p:cTn>
+              <p:prevCondLst>
+                <p:cond evt="onPrev" delay="0">
+                  <p:tgtEl>
+                    <p:sldTgt/>
+                  </p:tgtEl>
+                </p:cond>
+              </p:prevCondLst>
+              <p:nextCondLst>
+                <p:cond evt="onNext" delay="0">
+                  <p:tgtEl>
+                    <p:sldTgt/>
+                  </p:tgtEl>
+                </p:cond>
+              </p:nextCondLst>
+            </p:seq>
+          </p:childTnLst>
+        </p:cTn>
+      </p:par>
+    </p:tnLst>
+  </p:timing>
+</p:sld>
+</file>
+
+<file path=ppt/slides/slide12.xml><?xml version="1.0" encoding="utf-8"?>
+<p:sld xmlns:a="http://schemas.openxmlformats.org/drawingml/2006/main" xmlns:r="http://schemas.openxmlformats.org/officeDocument/2006/relationships" xmlns:p="http://schemas.openxmlformats.org/presentationml/2006/main">
+  <p:cSld>
+    <p:spTree>
+      <p:nvGrpSpPr>
+        <p:cNvPr id="1" name=""/>
+        <p:cNvGrpSpPr/>
+        <p:nvPr/>
+      </p:nvGrpSpPr>
+      <p:grpSpPr>
+        <a:xfrm>
+          <a:off x="0" y="0"/>
+          <a:ext cx="0" cy="0"/>
+          <a:chOff x="0" y="0"/>
+          <a:chExt cx="0" cy="0"/>
+        </a:xfrm>
+      </p:grpSpPr>
+      <p:sp>
+        <p:nvSpPr>
+          <p:cNvPr id="2" name="제목 1">
+            <a:extLst>
+              <a:ext uri="{FF2B5EF4-FFF2-40B4-BE49-F238E27FC236}">
+                <a16:creationId xmlns:a16="http://schemas.microsoft.com/office/drawing/2014/main" id="{F3151F0D-4581-2A50-9413-6DDC29BDA6E9}"/>
+              </a:ext>
+            </a:extLst>
+          </p:cNvPr>
+          <p:cNvSpPr>
+            <a:spLocks noGrp="1"/>
+          </p:cNvSpPr>
+          <p:nvPr>
+            <p:ph type="title"/>
+          </p:nvPr>
+        </p:nvSpPr>
+        <p:spPr/>
+        <p:txBody>
+          <a:bodyPr/>
+          <a:lstStyle/>
+          <a:p>
+            <a:r>
+              <a:rPr lang="en-US" altLang="ko-KR" dirty="0" err="1"/>
+              <a:t>myhead.c</a:t>
+            </a:r>
+            <a:endParaRPr lang="ko-KR" altLang="en-US" dirty="0"/>
+          </a:p>
+        </p:txBody>
+      </p:sp>
+      <p:sp>
+        <p:nvSpPr>
+          <p:cNvPr id="3" name="내용 개체 틀 2">
+            <a:extLst>
+              <a:ext uri="{FF2B5EF4-FFF2-40B4-BE49-F238E27FC236}">
+                <a16:creationId xmlns:a16="http://schemas.microsoft.com/office/drawing/2014/main" id="{C4CFAF64-075B-0A16-B087-2DF467FAD75D}"/>
+              </a:ext>
+            </a:extLst>
+          </p:cNvPr>
+          <p:cNvSpPr>
+            <a:spLocks noGrp="1"/>
+          </p:cNvSpPr>
+          <p:nvPr>
+            <p:ph idx="1"/>
+          </p:nvPr>
+        </p:nvSpPr>
+        <p:spPr/>
+        <p:txBody>
+          <a:bodyPr/>
+          <a:lstStyle/>
+          <a:p>
+            <a:endParaRPr lang="ko-KR" altLang="en-US"/>
+          </a:p>
+        </p:txBody>
+      </p:sp>
+    </p:spTree>
+    <p:extLst>
+      <p:ext uri="{BB962C8B-B14F-4D97-AF65-F5344CB8AC3E}">
+        <p14:creationId xmlns:p14="http://schemas.microsoft.com/office/powerpoint/2010/main" val="2898222736"/>
+      </p:ext>
+    </p:extLst>
+  </p:cSld>
+  <p:clrMapOvr>
+    <a:masterClrMapping/>
+  </p:clrMapOvr>
+</p:sld>
+</file>
+
+<file path=ppt/slides/slide13.xml><?xml version="1.0" encoding="utf-8"?>
+<p:sld xmlns:a="http://schemas.openxmlformats.org/drawingml/2006/main" xmlns:r="http://schemas.openxmlformats.org/officeDocument/2006/relationships" xmlns:p="http://schemas.openxmlformats.org/presentationml/2006/main">
+  <p:cSld>
+    <p:spTree>
+      <p:nvGrpSpPr>
+        <p:cNvPr id="1" name=""/>
+        <p:cNvGrpSpPr/>
+        <p:nvPr/>
+      </p:nvGrpSpPr>
+      <p:grpSpPr>
+        <a:xfrm>
+          <a:off x="0" y="0"/>
+          <a:ext cx="0" cy="0"/>
+          <a:chOff x="0" y="0"/>
+          <a:chExt cx="0" cy="0"/>
+        </a:xfrm>
+      </p:grpSpPr>
+      <p:sp>
+        <p:nvSpPr>
+          <p:cNvPr id="2" name="제목 1">
+            <a:extLst>
+              <a:ext uri="{FF2B5EF4-FFF2-40B4-BE49-F238E27FC236}">
+                <a16:creationId xmlns:a16="http://schemas.microsoft.com/office/drawing/2014/main" id="{5035B814-2F6E-4DEE-A9AB-6763F48706ED}"/>
+              </a:ext>
+            </a:extLst>
+          </p:cNvPr>
+          <p:cNvSpPr>
+            <a:spLocks noGrp="1"/>
+          </p:cNvSpPr>
+          <p:nvPr>
+            <p:ph type="title"/>
+          </p:nvPr>
+        </p:nvSpPr>
+        <p:spPr/>
+        <p:txBody>
+          <a:bodyPr/>
+          <a:lstStyle/>
+          <a:p>
+            <a:r>
+              <a:rPr lang="en-US" altLang="ko-KR" dirty="0"/>
+              <a:t>tail</a:t>
+            </a:r>
+            <a:endParaRPr lang="ko-KR" altLang="en-US" dirty="0"/>
+          </a:p>
+        </p:txBody>
+      </p:sp>
+      <p:sp>
+        <p:nvSpPr>
+          <p:cNvPr id="3" name="내용 개체 틀 2">
+            <a:extLst>
+              <a:ext uri="{FF2B5EF4-FFF2-40B4-BE49-F238E27FC236}">
+                <a16:creationId xmlns:a16="http://schemas.microsoft.com/office/drawing/2014/main" id="{BDA261EB-0BD4-43DF-8984-789032B36F3F}"/>
+              </a:ext>
+            </a:extLst>
+          </p:cNvPr>
+          <p:cNvSpPr>
+            <a:spLocks noGrp="1"/>
+          </p:cNvSpPr>
+          <p:nvPr>
+            <p:ph idx="1"/>
+          </p:nvPr>
+        </p:nvSpPr>
+        <p:spPr/>
+        <p:txBody>
+          <a:bodyPr>
+            <a:normAutofit/>
+          </a:bodyPr>
+          <a:lstStyle/>
+          <a:p>
+            <a:pPr algn="l">
+              <a:buFont typeface="Arial" panose="020B0604020202020204" pitchFamily="34" charset="0"/>
+              <a:buChar char="•"/>
+            </a:pPr>
+            <a:endParaRPr lang="ko-KR" altLang="en-US" sz="2000" b="0" i="0" dirty="0">
+              <a:effectLst/>
+              <a:latin typeface="-apple-system"/>
+            </a:endParaRPr>
+          </a:p>
+          <a:p>
+            <a:pPr algn="l">
+              <a:buFont typeface="Arial" panose="020B0604020202020204" pitchFamily="34" charset="0"/>
+              <a:buChar char="•"/>
+            </a:pPr>
+            <a:r>
+              <a:rPr lang="ko-KR" altLang="en-US" sz="2000" b="0" i="0" dirty="0">
+                <a:effectLst/>
+                <a:latin typeface="-apple-system"/>
+              </a:rPr>
+              <a:t>파일의 끝 부분을 출력하는 명령어</a:t>
+            </a:r>
+          </a:p>
+          <a:p>
+            <a:pPr algn="l">
+              <a:buFont typeface="Arial" panose="020B0604020202020204" pitchFamily="34" charset="0"/>
+              <a:buChar char="•"/>
+            </a:pPr>
+            <a:r>
+              <a:rPr lang="ko-KR" altLang="en-US" sz="2000" b="0" i="0" dirty="0">
+                <a:effectLst/>
+                <a:latin typeface="-apple-system"/>
+              </a:rPr>
+              <a:t>로그 파일이나 다른 텍스트 파일의 마지막 몇 줄을 확인하는 데 사용</a:t>
+            </a:r>
+          </a:p>
+          <a:p>
+            <a:pPr algn="l">
+              <a:buFont typeface="Arial" panose="020B0604020202020204" pitchFamily="34" charset="0"/>
+              <a:buChar char="•"/>
+            </a:pPr>
+            <a:r>
+              <a:rPr lang="ko-KR" altLang="en-US" sz="2000" b="0" i="0" dirty="0">
+                <a:effectLst/>
+                <a:latin typeface="-apple-system"/>
+              </a:rPr>
+              <a:t>출력할 줄 수 </a:t>
+            </a:r>
+            <a:r>
+              <a:rPr lang="en-US" altLang="ko-KR" sz="2000" b="0" i="0" dirty="0">
+                <a:effectLst/>
+                <a:latin typeface="-apple-system"/>
+              </a:rPr>
+              <a:t>default = 10</a:t>
+            </a:r>
+          </a:p>
+          <a:p>
+            <a:pPr algn="l">
+              <a:buFont typeface="Arial" panose="020B0604020202020204" pitchFamily="34" charset="0"/>
+              <a:buChar char="•"/>
+            </a:pPr>
+            <a:r>
+              <a:rPr lang="en-US" altLang="ko-KR" sz="2000" dirty="0">
+                <a:latin typeface="-apple-system"/>
+              </a:rPr>
+              <a:t>Tail [-n  “number”] [-c “number”] [-q] “filename”</a:t>
+            </a:r>
+            <a:endParaRPr lang="ko-KR" altLang="en-US" sz="2000" dirty="0"/>
+          </a:p>
+        </p:txBody>
+      </p:sp>
+      <p:sp>
+        <p:nvSpPr>
+          <p:cNvPr id="5" name="Rectangle 2">
+            <a:extLst>
+              <a:ext uri="{FF2B5EF4-FFF2-40B4-BE49-F238E27FC236}">
+                <a16:creationId xmlns:a16="http://schemas.microsoft.com/office/drawing/2014/main" id="{9A1F0DC3-4088-DF56-A182-ED667E668A38}"/>
+              </a:ext>
+            </a:extLst>
+          </p:cNvPr>
+          <p:cNvSpPr>
+            <a:spLocks noChangeArrowheads="1"/>
+          </p:cNvSpPr>
+          <p:nvPr/>
+        </p:nvSpPr>
+        <p:spPr bwMode="auto">
+          <a:xfrm>
+            <a:off x="0" y="-477311"/>
+            <a:ext cx="65" cy="954622"/>
+          </a:xfrm>
+          <a:prstGeom prst="rect">
+            <a:avLst/>
+          </a:prstGeom>
+          <a:solidFill>
+            <a:srgbClr val="444654"/>
+          </a:solidFill>
+          <a:ln>
+            <a:noFill/>
+          </a:ln>
+          <a:effectLst/>
+          <a:extLst>
+            <a:ext uri="{91240B29-F687-4F45-9708-019B960494DF}">
+              <a14:hiddenLine xmlns:a14="http://schemas.microsoft.com/office/drawing/2010/main" w="9525">
+                <a:solidFill>
+                  <a:schemeClr val="tx1"/>
+                </a:solidFill>
+                <a:miter lim="800000"/>
+                <a:headEnd/>
+                <a:tailEnd/>
+              </a14:hiddenLine>
+            </a:ext>
+            <a:ext uri="{AF507438-7753-43E0-B8FC-AC1667EBCBE1}">
+              <a14:hiddenEffects xmlns:a14="http://schemas.microsoft.com/office/drawing/2010/main">
+                <a:effectLst>
+                  <a:outerShdw dist="35921" dir="2700000" algn="ctr" rotWithShape="0">
+                    <a:schemeClr val="bg2"/>
+                  </a:outerShdw>
+                </a:effectLst>
+              </a14:hiddenEffects>
+            </a:ext>
+          </a:extLst>
+        </p:spPr>
+        <p:txBody>
+          <a:bodyPr vert="horz" wrap="none" lIns="0" tIns="198375" rIns="0" bIns="198375" numCol="1" anchor="ctr" anchorCtr="0" compatLnSpc="1">
+            <a:prstTxWarp prst="textNoShape">
+              <a:avLst/>
+            </a:prstTxWarp>
+            <a:spAutoFit/>
+          </a:bodyPr>
+          <a:lstStyle/>
+          <a:p>
+            <a:pPr marL="0" marR="0" lvl="0" indent="0" algn="l" defTabSz="914400" rtl="0" eaLnBrk="0" fontAlgn="base" latinLnBrk="0" hangingPunct="0">
+              <a:lnSpc>
+                <a:spcPct val="100000"/>
+              </a:lnSpc>
+              <a:spcBef>
+                <a:spcPct val="0"/>
+              </a:spcBef>
+              <a:spcAft>
+                <a:spcPct val="0"/>
+              </a:spcAft>
+              <a:buClrTx/>
+              <a:buSzTx/>
+              <a:buFontTx/>
+              <a:buNone/>
+              <a:tabLst/>
+            </a:pPr>
+            <a:endParaRPr kumimoji="0" lang="ko-KR" altLang="ko-KR" sz="1800" b="0" i="0" u="none" strike="noStrike" cap="none" normalizeH="0" baseline="0" dirty="0">
+              <a:ln>
+                <a:noFill/>
+              </a:ln>
+              <a:solidFill>
+                <a:schemeClr val="tx1"/>
+              </a:solidFill>
+              <a:effectLst/>
+              <a:latin typeface="Arial" panose="020B0604020202020204" pitchFamily="34" charset="0"/>
+            </a:endParaRPr>
+          </a:p>
+          <a:p>
+            <a:pPr marL="0" marR="0" lvl="0" indent="0" algn="l" defTabSz="914400" rtl="0" eaLnBrk="0" fontAlgn="base" latinLnBrk="0" hangingPunct="0">
+              <a:lnSpc>
+                <a:spcPct val="100000"/>
+              </a:lnSpc>
+              <a:spcBef>
+                <a:spcPct val="0"/>
+              </a:spcBef>
+              <a:spcAft>
+                <a:spcPct val="0"/>
+              </a:spcAft>
+              <a:buClrTx/>
+              <a:buSzTx/>
+              <a:buFontTx/>
+              <a:buNone/>
+              <a:tabLst/>
+            </a:pPr>
+            <a:endParaRPr kumimoji="0" lang="ko-KR" altLang="ko-KR" sz="1800" b="0" i="0" u="none" strike="noStrike" cap="none" normalizeH="0" baseline="0" dirty="0">
+              <a:ln>
+                <a:noFill/>
+              </a:ln>
+              <a:solidFill>
+                <a:schemeClr val="tx1"/>
+              </a:solidFill>
+              <a:effectLst/>
+              <a:latin typeface="Arial" panose="020B0604020202020204" pitchFamily="34" charset="0"/>
+            </a:endParaRPr>
+          </a:p>
+        </p:txBody>
+      </p:sp>
+    </p:spTree>
+    <p:extLst>
+      <p:ext uri="{BB962C8B-B14F-4D97-AF65-F5344CB8AC3E}">
+        <p14:creationId xmlns:p14="http://schemas.microsoft.com/office/powerpoint/2010/main" val="2890886609"/>
+      </p:ext>
+    </p:extLst>
+  </p:cSld>
+  <p:clrMapOvr>
+    <a:masterClrMapping/>
+  </p:clrMapOvr>
+</p:sld>
+</file>
+
+<file path=ppt/slides/slide14.xml><?xml version="1.0" encoding="utf-8"?>
+<p:sld xmlns:a="http://schemas.openxmlformats.org/drawingml/2006/main" xmlns:r="http://schemas.openxmlformats.org/officeDocument/2006/relationships" xmlns:p="http://schemas.openxmlformats.org/presentationml/2006/main">
+  <p:cSld>
+    <p:spTree>
+      <p:nvGrpSpPr>
+        <p:cNvPr id="1" name=""/>
+        <p:cNvGrpSpPr/>
+        <p:nvPr/>
+      </p:nvGrpSpPr>
+      <p:grpSpPr>
+        <a:xfrm>
+          <a:off x="0" y="0"/>
+          <a:ext cx="0" cy="0"/>
+          <a:chOff x="0" y="0"/>
+          <a:chExt cx="0" cy="0"/>
+        </a:xfrm>
+      </p:grpSpPr>
+      <p:sp>
+        <p:nvSpPr>
+          <p:cNvPr id="2" name="제목 1">
+            <a:extLst>
+              <a:ext uri="{FF2B5EF4-FFF2-40B4-BE49-F238E27FC236}">
+                <a16:creationId xmlns:a16="http://schemas.microsoft.com/office/drawing/2014/main" id="{3CD5C78F-56DD-06F9-6011-2DF977D31125}"/>
+              </a:ext>
+            </a:extLst>
+          </p:cNvPr>
+          <p:cNvSpPr>
+            <a:spLocks noGrp="1"/>
+          </p:cNvSpPr>
+          <p:nvPr>
+            <p:ph type="title"/>
+          </p:nvPr>
+        </p:nvSpPr>
+        <p:spPr/>
+        <p:txBody>
+          <a:bodyPr/>
+          <a:lstStyle/>
+          <a:p>
+            <a:r>
+              <a:rPr lang="en-US" altLang="ko-KR" dirty="0"/>
+              <a:t>Tail options (n, c, q)</a:t>
+            </a:r>
+            <a:endParaRPr lang="ko-KR" altLang="en-US" dirty="0"/>
+          </a:p>
+        </p:txBody>
+      </p:sp>
+      <p:pic>
+        <p:nvPicPr>
+          <p:cNvPr id="5" name="내용 개체 틀 4">
+            <a:extLst>
+              <a:ext uri="{FF2B5EF4-FFF2-40B4-BE49-F238E27FC236}">
+                <a16:creationId xmlns:a16="http://schemas.microsoft.com/office/drawing/2014/main" id="{AE969601-32C8-1CA4-57E1-1A6AAC5EF4DF}"/>
+              </a:ext>
+            </a:extLst>
+          </p:cNvPr>
+          <p:cNvPicPr>
+            <a:picLocks noGrp="1" noChangeAspect="1"/>
+          </p:cNvPicPr>
+          <p:nvPr>
+            <p:ph idx="1"/>
+          </p:nvPr>
+        </p:nvPicPr>
+        <p:blipFill>
+          <a:blip r:embed="rId2"/>
+          <a:stretch>
+            <a:fillRect/>
+          </a:stretch>
+        </p:blipFill>
+        <p:spPr>
+          <a:xfrm>
+            <a:off x="838200" y="1690689"/>
+            <a:ext cx="10186202" cy="4802186"/>
+          </a:xfrm>
+        </p:spPr>
+      </p:pic>
+      <p:pic>
+        <p:nvPicPr>
+          <p:cNvPr id="7" name="그림 6">
+            <a:extLst>
+              <a:ext uri="{FF2B5EF4-FFF2-40B4-BE49-F238E27FC236}">
+                <a16:creationId xmlns:a16="http://schemas.microsoft.com/office/drawing/2014/main" id="{6CC1B31D-DE02-764D-19D9-B4714F9433A0}"/>
+              </a:ext>
+            </a:extLst>
+          </p:cNvPr>
+          <p:cNvPicPr>
+            <a:picLocks noChangeAspect="1"/>
+          </p:cNvPicPr>
+          <p:nvPr/>
+        </p:nvPicPr>
+        <p:blipFill>
+          <a:blip r:embed="rId3"/>
+          <a:stretch>
+            <a:fillRect/>
+          </a:stretch>
+        </p:blipFill>
+        <p:spPr>
+          <a:xfrm>
+            <a:off x="838199" y="1690687"/>
+            <a:ext cx="10175771" cy="3837657"/>
+          </a:xfrm>
+          <a:prstGeom prst="rect">
+            <a:avLst/>
+          </a:prstGeom>
+        </p:spPr>
+      </p:pic>
+      <p:pic>
+        <p:nvPicPr>
+          <p:cNvPr id="9" name="그림 8">
+            <a:extLst>
+              <a:ext uri="{FF2B5EF4-FFF2-40B4-BE49-F238E27FC236}">
+                <a16:creationId xmlns:a16="http://schemas.microsoft.com/office/drawing/2014/main" id="{83FDC5FD-ACE8-B2A0-5D84-88868D6BB92F}"/>
+              </a:ext>
+            </a:extLst>
+          </p:cNvPr>
+          <p:cNvPicPr>
+            <a:picLocks noChangeAspect="1"/>
+          </p:cNvPicPr>
+          <p:nvPr/>
+        </p:nvPicPr>
+        <p:blipFill>
+          <a:blip r:embed="rId4"/>
+          <a:stretch>
+            <a:fillRect/>
+          </a:stretch>
+        </p:blipFill>
+        <p:spPr>
+          <a:xfrm>
+            <a:off x="838198" y="1690687"/>
+            <a:ext cx="8397067" cy="4802186"/>
+          </a:xfrm>
+          <a:prstGeom prst="rect">
+            <a:avLst/>
+          </a:prstGeom>
+        </p:spPr>
+      </p:pic>
+    </p:spTree>
+    <p:extLst>
+      <p:ext uri="{BB962C8B-B14F-4D97-AF65-F5344CB8AC3E}">
+        <p14:creationId xmlns:p14="http://schemas.microsoft.com/office/powerpoint/2010/main" val="2044489217"/>
+      </p:ext>
+    </p:extLst>
+  </p:cSld>
+  <p:clrMapOvr>
+    <a:masterClrMapping/>
+  </p:clrMapOvr>
+  <p:timing>
+    <p:tnLst>
+      <p:par>
+        <p:cTn id="1" dur="indefinite" restart="never" nodeType="tmRoot">
+          <p:childTnLst>
+            <p:seq concurrent="1" nextAc="seek">
+              <p:cTn id="2" dur="indefinite" nodeType="mainSeq">
+                <p:childTnLst>
+                  <p:par>
+                    <p:cTn id="3" fill="hold">
+                      <p:stCondLst>
+                        <p:cond delay="indefinite"/>
+                      </p:stCondLst>
+                      <p:childTnLst>
+                        <p:par>
+                          <p:cTn id="4" fill="hold">
+                            <p:stCondLst>
+                              <p:cond delay="0"/>
+                            </p:stCondLst>
+                            <p:childTnLst>
+                              <p:par>
+                                <p:cTn id="5" presetID="1" presetClass="entr" presetSubtype="0" fill="hold" nodeType="clickEffect">
+                                  <p:stCondLst>
+                                    <p:cond delay="0"/>
+                                  </p:stCondLst>
+                                  <p:childTnLst>
+                                    <p:set>
+                                      <p:cBhvr>
+                                        <p:cTn id="6" dur="1" fill="hold">
+                                          <p:stCondLst>
+                                            <p:cond delay="0"/>
+                                          </p:stCondLst>
+                                        </p:cTn>
+                                        <p:tgtEl>
+                                          <p:spTgt spid="5"/>
+                                        </p:tgtEl>
+                                        <p:attrNameLst>
+                                          <p:attrName>style.visibility</p:attrName>
+                                        </p:attrNameLst>
+                                      </p:cBhvr>
+                                      <p:to>
+                                        <p:strVal val="visible"/>
+                                      </p:to>
+                                    </p:set>
+                                  </p:childTnLst>
+                                </p:cTn>
+                              </p:par>
+                            </p:childTnLst>
+                          </p:cTn>
+                        </p:par>
+                      </p:childTnLst>
+                    </p:cTn>
+                  </p:par>
+                  <p:par>
+                    <p:cTn id="7" fill="hold">
+                      <p:stCondLst>
+                        <p:cond delay="indefinite"/>
+                      </p:stCondLst>
+                      <p:childTnLst>
+                        <p:par>
+                          <p:cTn id="8" fill="hold">
+                            <p:stCondLst>
+                              <p:cond delay="0"/>
+                            </p:stCondLst>
+                            <p:childTnLst>
+                              <p:par>
+                                <p:cTn id="9" presetID="1" presetClass="entr" presetSubtype="0" fill="hold" nodeType="clickEffect">
+                                  <p:stCondLst>
+                                    <p:cond delay="0"/>
+                                  </p:stCondLst>
+                                  <p:childTnLst>
+                                    <p:set>
+                                      <p:cBhvr>
+                                        <p:cTn id="10" dur="1" fill="hold">
+                                          <p:stCondLst>
+                                            <p:cond delay="0"/>
+                                          </p:stCondLst>
+                                        </p:cTn>
+                                        <p:tgtEl>
+                                          <p:spTgt spid="7"/>
+                                        </p:tgtEl>
+                                        <p:attrNameLst>
+                                          <p:attrName>style.visibility</p:attrName>
+                                        </p:attrNameLst>
+                                      </p:cBhvr>
+                                      <p:to>
+                                        <p:strVal val="visible"/>
+                                      </p:to>
+                                    </p:set>
+                                  </p:childTnLst>
+                                </p:cTn>
+                              </p:par>
+                            </p:childTnLst>
+                          </p:cTn>
+                        </p:par>
+                      </p:childTnLst>
+                    </p:cTn>
+                  </p:par>
+                  <p:par>
+                    <p:cTn id="11" fill="hold">
+                      <p:stCondLst>
+                        <p:cond delay="indefinite"/>
+                      </p:stCondLst>
+                      <p:childTnLst>
+                        <p:par>
+                          <p:cTn id="12" fill="hold">
+                            <p:stCondLst>
+                              <p:cond delay="0"/>
+                            </p:stCondLst>
+                            <p:childTnLst>
+                              <p:par>
+                                <p:cTn id="13" presetID="1" presetClass="entr" presetSubtype="0" fill="hold" nodeType="clickEffect">
+                                  <p:stCondLst>
+                                    <p:cond delay="0"/>
+                                  </p:stCondLst>
+                                  <p:childTnLst>
+                                    <p:set>
+                                      <p:cBhvr>
+                                        <p:cTn id="14" dur="1" fill="hold">
+                                          <p:stCondLst>
+                                            <p:cond delay="0"/>
+                                          </p:stCondLst>
+                                        </p:cTn>
+                                        <p:tgtEl>
+                                          <p:spTgt spid="9"/>
+                                        </p:tgtEl>
+                                        <p:attrNameLst>
+                                          <p:attrName>style.visibility</p:attrName>
+                                        </p:attrNameLst>
+                                      </p:cBhvr>
+                                      <p:to>
+                                        <p:strVal val="visible"/>
+                                      </p:to>
+                                    </p:set>
+                                  </p:childTnLst>
+                                </p:cTn>
+                              </p:par>
+                            </p:childTnLst>
+                          </p:cTn>
+                        </p:par>
+                      </p:childTnLst>
+                    </p:cTn>
+                  </p:par>
+                </p:childTnLst>
+              </p:cTn>
+              <p:prevCondLst>
+                <p:cond evt="onPrev" delay="0">
+                  <p:tgtEl>
+                    <p:sldTgt/>
+                  </p:tgtEl>
+                </p:cond>
+              </p:prevCondLst>
+              <p:nextCondLst>
+                <p:cond evt="onNext" delay="0">
+                  <p:tgtEl>
+                    <p:sldTgt/>
+                  </p:tgtEl>
+                </p:cond>
+              </p:nextCondLst>
+            </p:seq>
+          </p:childTnLst>
+        </p:cTn>
+      </p:par>
+    </p:tnLst>
+  </p:timing>
+</p:sld>
+</file>
+
+<file path=ppt/slides/slide15.xml><?xml version="1.0" encoding="utf-8"?>
+<p:sld xmlns:a="http://schemas.openxmlformats.org/drawingml/2006/main" xmlns:r="http://schemas.openxmlformats.org/officeDocument/2006/relationships" xmlns:p="http://schemas.openxmlformats.org/presentationml/2006/main">
+  <p:cSld>
+    <p:spTree>
+      <p:nvGrpSpPr>
+        <p:cNvPr id="1" name=""/>
+        <p:cNvGrpSpPr/>
+        <p:nvPr/>
+      </p:nvGrpSpPr>
+      <p:grpSpPr>
+        <a:xfrm>
+          <a:off x="0" y="0"/>
+          <a:ext cx="0" cy="0"/>
+          <a:chOff x="0" y="0"/>
+          <a:chExt cx="0" cy="0"/>
+        </a:xfrm>
+      </p:grpSpPr>
+      <p:sp>
+        <p:nvSpPr>
+          <p:cNvPr id="2" name="제목 1">
+            <a:extLst>
+              <a:ext uri="{FF2B5EF4-FFF2-40B4-BE49-F238E27FC236}">
                 <a16:creationId xmlns:a16="http://schemas.microsoft.com/office/drawing/2014/main" id="{9CD5D6DA-2011-EBAE-3A17-A32A8E608B11}"/>
               </a:ext>
             </a:extLst>
@@ -6560,7 +7800,7 @@
 </p:sld>
 </file>
 
-<file path=ppt/slides/slide11.xml><?xml version="1.0" encoding="utf-8"?>
+<file path=ppt/slides/slide16.xml><?xml version="1.0" encoding="utf-8"?>
 <p:sld xmlns:a="http://schemas.openxmlformats.org/drawingml/2006/main" xmlns:r="http://schemas.openxmlformats.org/officeDocument/2006/relationships" xmlns:p="http://schemas.openxmlformats.org/presentationml/2006/main">
   <p:cSld>
     <p:spTree>
@@ -7407,7 +8647,7 @@
 </p:sld>
 </file>
 
-<file path=ppt/slides/slide12.xml><?xml version="1.0" encoding="utf-8"?>
+<file path=ppt/slides/slide17.xml><?xml version="1.0" encoding="utf-8"?>
 <p:sld xmlns:a="http://schemas.openxmlformats.org/drawingml/2006/main" xmlns:r="http://schemas.openxmlformats.org/officeDocument/2006/relationships" xmlns:p="http://schemas.openxmlformats.org/presentationml/2006/main">
   <p:cSld>
     <p:spTree>
@@ -8374,7 +9614,7 @@
 </p:sld>
 </file>
 
-<file path=ppt/slides/slide13.xml><?xml version="1.0" encoding="utf-8"?>
+<file path=ppt/slides/slide18.xml><?xml version="1.0" encoding="utf-8"?>
 <p:sld xmlns:a="http://schemas.openxmlformats.org/drawingml/2006/main" xmlns:r="http://schemas.openxmlformats.org/officeDocument/2006/relationships" xmlns:p="http://schemas.openxmlformats.org/presentationml/2006/main">
   <p:cSld>
     <p:spTree>
@@ -8681,7 +9921,7 @@
             </a:r>
             <a:r>
               <a:rPr lang="en-US" altLang="ko-KR" sz="4400" dirty="0"/>
-              <a:t>&gt;</a:t>
+              <a:t>&gt; (1)</a:t>
             </a:r>
             <a:endParaRPr lang="ko-KR" altLang="en-US" dirty="0"/>
           </a:p>
@@ -8706,173 +9946,372 @@
         <p:spPr/>
         <p:txBody>
           <a:bodyPr>
-            <a:normAutofit/>
+            <a:noAutofit/>
           </a:bodyPr>
           <a:lstStyle/>
           <a:p>
             <a:pPr marL="0" indent="0">
+              <a:lnSpc>
+                <a:spcPct val="100000"/>
+              </a:lnSpc>
               <a:buNone/>
             </a:pPr>
             <a:r>
-              <a:rPr lang="en-US" altLang="ko-KR" sz="2000" dirty="0"/>
+              <a:rPr lang="en-US" altLang="ko-KR" sz="1500" dirty="0"/>
               <a:t>C </a:t>
             </a:r>
             <a:r>
-              <a:rPr lang="ko-KR" altLang="en-US" sz="2000" dirty="0"/>
+              <a:rPr lang="ko-KR" altLang="en-US" sz="1500" dirty="0"/>
               <a:t>프로그래밍에서 표준 입출력 함수와 관련된 함수와 상수들을 포함하는 헤더 파일</a:t>
             </a:r>
-            <a:endParaRPr lang="en-US" altLang="ko-KR" sz="2000" dirty="0"/>
-          </a:p>
-          <a:p>
-            <a:r>
-              <a:rPr lang="en-US" altLang="ko-KR" sz="2000" dirty="0" err="1"/>
+            <a:endParaRPr lang="en-US" altLang="ko-KR" sz="1500" dirty="0"/>
+          </a:p>
+          <a:p>
+            <a:pPr>
+              <a:lnSpc>
+                <a:spcPct val="100000"/>
+              </a:lnSpc>
+            </a:pPr>
+            <a:r>
+              <a:rPr lang="en-US" altLang="ko-KR" sz="1500" dirty="0" err="1"/>
               <a:t>fseek</a:t>
             </a:r>
             <a:r>
-              <a:rPr lang="en-US" altLang="ko-KR" sz="2000" dirty="0"/>
+              <a:rPr lang="en-US" altLang="ko-KR" sz="1500" dirty="0"/>
               <a:t>(</a:t>
             </a:r>
             <a:r>
-              <a:rPr lang="ko-KR" altLang="en-US" sz="2000" dirty="0"/>
+              <a:rPr lang="ko-KR" altLang="en-US" sz="1500" dirty="0"/>
               <a:t>파일 주소</a:t>
             </a:r>
             <a:r>
-              <a:rPr lang="en-US" altLang="ko-KR" sz="2000" dirty="0"/>
+              <a:rPr lang="en-US" altLang="ko-KR" sz="1500" dirty="0"/>
               <a:t>,</a:t>
             </a:r>
             <a:r>
-              <a:rPr lang="ko-KR" altLang="en-US" sz="2000" dirty="0"/>
+              <a:rPr lang="ko-KR" altLang="en-US" sz="1500" dirty="0"/>
               <a:t>시작 </a:t>
             </a:r>
             <a:r>
-              <a:rPr lang="ko-KR" altLang="en-US" sz="2000" dirty="0" err="1"/>
+              <a:rPr lang="ko-KR" altLang="en-US" sz="1500" dirty="0" err="1"/>
               <a:t>지점부터의</a:t>
             </a:r>
             <a:r>
-              <a:rPr lang="ko-KR" altLang="en-US" sz="2000" dirty="0"/>
+              <a:rPr lang="ko-KR" altLang="en-US" sz="1500" dirty="0"/>
               <a:t> 거리</a:t>
             </a:r>
             <a:r>
-              <a:rPr lang="en-US" altLang="ko-KR" sz="2000" dirty="0"/>
+              <a:rPr lang="en-US" altLang="ko-KR" sz="1500" dirty="0"/>
               <a:t>,</a:t>
             </a:r>
             <a:r>
-              <a:rPr lang="ko-KR" altLang="en-US" sz="2000" dirty="0"/>
+              <a:rPr lang="ko-KR" altLang="en-US" sz="1500" dirty="0"/>
               <a:t>시작 지점</a:t>
             </a:r>
             <a:r>
-              <a:rPr lang="en-US" altLang="ko-KR" sz="2000" dirty="0"/>
+              <a:rPr lang="en-US" altLang="ko-KR" sz="1500" dirty="0"/>
               <a:t>)</a:t>
             </a:r>
             <a:br>
-              <a:rPr lang="en-US" altLang="ko-KR" sz="2000" dirty="0"/>
+              <a:rPr lang="en-US" altLang="ko-KR" sz="1500" dirty="0"/>
             </a:br>
             <a:r>
-              <a:rPr lang="ko-KR" altLang="en-US" sz="2000" dirty="0"/>
+              <a:rPr lang="ko-KR" altLang="en-US" sz="1500" dirty="0"/>
               <a:t>파일 포인터를 </a:t>
             </a:r>
             <a:r>
-              <a:rPr lang="en-US" altLang="ko-KR" sz="2000" dirty="0"/>
+              <a:rPr lang="en-US" altLang="ko-KR" sz="1500" dirty="0"/>
               <a:t>(</a:t>
             </a:r>
             <a:r>
-              <a:rPr lang="ko-KR" altLang="en-US" sz="2000" dirty="0"/>
+              <a:rPr lang="ko-KR" altLang="en-US" sz="1500" dirty="0"/>
               <a:t>시작 지점 </a:t>
             </a:r>
             <a:r>
-              <a:rPr lang="en-US" altLang="ko-KR" sz="2000" dirty="0"/>
+              <a:rPr lang="en-US" altLang="ko-KR" sz="1500" dirty="0"/>
               <a:t>+ </a:t>
             </a:r>
             <a:r>
-              <a:rPr lang="ko-KR" altLang="en-US" sz="2000" dirty="0"/>
+              <a:rPr lang="ko-KR" altLang="en-US" sz="1500" dirty="0"/>
               <a:t>시작 </a:t>
             </a:r>
             <a:r>
-              <a:rPr lang="ko-KR" altLang="en-US" sz="2000" dirty="0" err="1"/>
+              <a:rPr lang="ko-KR" altLang="en-US" sz="1500" dirty="0" err="1"/>
               <a:t>지점부터의</a:t>
             </a:r>
             <a:r>
-              <a:rPr lang="ko-KR" altLang="en-US" sz="2000" dirty="0"/>
+              <a:rPr lang="ko-KR" altLang="en-US" sz="1500" dirty="0"/>
               <a:t> 거리</a:t>
             </a:r>
             <a:r>
-              <a:rPr lang="en-US" altLang="ko-KR" sz="2000" dirty="0"/>
+              <a:rPr lang="en-US" altLang="ko-KR" sz="1500" dirty="0"/>
               <a:t>)</a:t>
             </a:r>
             <a:r>
-              <a:rPr lang="ko-KR" altLang="en-US" sz="2000" dirty="0"/>
+              <a:rPr lang="ko-KR" altLang="en-US" sz="1500" dirty="0"/>
               <a:t>로 이동시킴</a:t>
             </a:r>
-            <a:endParaRPr lang="en-US" altLang="ko-KR" sz="2000" dirty="0"/>
-          </a:p>
-          <a:p>
-            <a:r>
-              <a:rPr lang="en-US" altLang="ko-KR" sz="2000" dirty="0" err="1"/>
-              <a:t>ftell</a:t>
-            </a:r>
-            <a:r>
-              <a:rPr lang="en-US" altLang="ko-KR" sz="2000" dirty="0"/>
-              <a:t>(</a:t>
-            </a:r>
-            <a:r>
-              <a:rPr lang="ko-KR" altLang="en-US" sz="2000" dirty="0"/>
-              <a:t>파일 주소</a:t>
-            </a:r>
-            <a:r>
-              <a:rPr lang="en-US" altLang="ko-KR" sz="2000" dirty="0"/>
-              <a:t>)</a:t>
+            <a:endParaRPr lang="en-US" altLang="ko-KR" sz="1500" dirty="0"/>
+          </a:p>
+          <a:p>
+            <a:pPr>
+              <a:lnSpc>
+                <a:spcPct val="100000"/>
+              </a:lnSpc>
+            </a:pPr>
+            <a:r>
+              <a:rPr lang="en-US" altLang="ko-KR" sz="1500" dirty="0" err="1"/>
+              <a:t>fread</a:t>
+            </a:r>
+            <a:r>
+              <a:rPr lang="en-US" altLang="ko-KR" sz="1500" dirty="0"/>
+              <a:t>(void *</a:t>
+            </a:r>
+            <a:r>
+              <a:rPr lang="en-US" altLang="ko-KR" sz="1500" dirty="0" err="1"/>
+              <a:t>ptr</a:t>
+            </a:r>
+            <a:r>
+              <a:rPr lang="en-US" altLang="ko-KR" sz="1500" dirty="0"/>
+              <a:t>, </a:t>
+            </a:r>
+            <a:r>
+              <a:rPr lang="en-US" altLang="ko-KR" sz="1500" dirty="0" err="1"/>
+              <a:t>size_t</a:t>
+            </a:r>
+            <a:r>
+              <a:rPr lang="en-US" altLang="ko-KR" sz="1500" dirty="0"/>
+              <a:t> size, </a:t>
+            </a:r>
+            <a:r>
+              <a:rPr lang="en-US" altLang="ko-KR" sz="1500" dirty="0" err="1"/>
+              <a:t>size_t</a:t>
+            </a:r>
+            <a:r>
+              <a:rPr lang="en-US" altLang="ko-KR" sz="1500" dirty="0"/>
+              <a:t> count, FILE *stream);</a:t>
+            </a:r>
+          </a:p>
+          <a:p>
+            <a:pPr lvl="1">
+              <a:lnSpc>
+                <a:spcPct val="100000"/>
+              </a:lnSpc>
+            </a:pPr>
+            <a:r>
+              <a:rPr lang="en-US" altLang="ko-KR" sz="1100" dirty="0" err="1"/>
+              <a:t>ptr</a:t>
+            </a:r>
+            <a:r>
+              <a:rPr lang="en-US" altLang="ko-KR" sz="1100" dirty="0"/>
+              <a:t>: </a:t>
+            </a:r>
+            <a:r>
+              <a:rPr lang="ko-KR" altLang="en-US" sz="1100" dirty="0"/>
+              <a:t>읽어온 데이터를 저장할 메모리 버퍼의 시작 주소를 가리키는 포인터입니다</a:t>
+            </a:r>
+            <a:r>
+              <a:rPr lang="en-US" altLang="ko-KR" sz="1100" dirty="0"/>
+              <a:t>.</a:t>
+            </a:r>
+          </a:p>
+          <a:p>
+            <a:pPr lvl="1">
+              <a:lnSpc>
+                <a:spcPct val="100000"/>
+              </a:lnSpc>
+            </a:pPr>
+            <a:r>
+              <a:rPr lang="en-US" altLang="ko-KR" sz="1100" dirty="0"/>
+              <a:t>size: </a:t>
+            </a:r>
+            <a:r>
+              <a:rPr lang="ko-KR" altLang="en-US" sz="1100" dirty="0"/>
+              <a:t>각 요소의 크기입니다</a:t>
+            </a:r>
+            <a:r>
+              <a:rPr lang="en-US" altLang="ko-KR" sz="1100" dirty="0"/>
+              <a:t>. </a:t>
+            </a:r>
+            <a:r>
+              <a:rPr lang="en-US" altLang="ko-KR" sz="1100" dirty="0" err="1"/>
+              <a:t>ptr</a:t>
+            </a:r>
+            <a:r>
+              <a:rPr lang="ko-KR" altLang="en-US" sz="1100" dirty="0"/>
+              <a:t>이 가리키는 버퍼에 저장된 각 요소의 크기입니다</a:t>
+            </a:r>
+            <a:r>
+              <a:rPr lang="en-US" altLang="ko-KR" sz="1100" dirty="0"/>
+              <a:t>.</a:t>
+            </a:r>
+          </a:p>
+          <a:p>
+            <a:pPr lvl="1">
+              <a:lnSpc>
+                <a:spcPct val="100000"/>
+              </a:lnSpc>
+            </a:pPr>
+            <a:r>
+              <a:rPr lang="en-US" altLang="ko-KR" sz="1100" dirty="0"/>
+              <a:t>count: </a:t>
+            </a:r>
+            <a:r>
+              <a:rPr lang="ko-KR" altLang="en-US" sz="1100" dirty="0"/>
+              <a:t>읽어올 요소의 개수입니다</a:t>
+            </a:r>
+            <a:r>
+              <a:rPr lang="en-US" altLang="ko-KR" sz="1100" dirty="0"/>
+              <a:t>.</a:t>
+            </a:r>
+          </a:p>
+          <a:p>
+            <a:pPr lvl="1">
+              <a:lnSpc>
+                <a:spcPct val="100000"/>
+              </a:lnSpc>
+            </a:pPr>
+            <a:r>
+              <a:rPr lang="en-US" altLang="ko-KR" sz="1100" dirty="0"/>
+              <a:t>stream: </a:t>
+            </a:r>
+            <a:r>
+              <a:rPr lang="ko-KR" altLang="en-US" sz="1100" dirty="0"/>
+              <a:t>데이터를 읽어올 파일을 가리키는 </a:t>
+            </a:r>
+            <a:r>
+              <a:rPr lang="en-US" altLang="ko-KR" sz="1100" dirty="0"/>
+              <a:t>FILE </a:t>
+            </a:r>
+            <a:r>
+              <a:rPr lang="ko-KR" altLang="en-US" sz="1100" dirty="0"/>
+              <a:t>포인터입니다</a:t>
+            </a:r>
+            <a:r>
+              <a:rPr lang="en-US" altLang="ko-KR" sz="1100" dirty="0"/>
+              <a:t>.</a:t>
+            </a:r>
+          </a:p>
+          <a:p>
+            <a:pPr>
+              <a:lnSpc>
+                <a:spcPct val="100000"/>
+              </a:lnSpc>
+            </a:pPr>
+            <a:r>
+              <a:rPr lang="en-US" altLang="ko-KR" sz="1500" dirty="0"/>
+              <a:t>FILE </a:t>
             </a:r>
             <a:br>
-              <a:rPr lang="en-US" altLang="ko-KR" sz="2000" dirty="0"/>
+              <a:rPr lang="en-US" altLang="ko-KR" sz="1500" dirty="0"/>
             </a:br>
             <a:r>
-              <a:rPr lang="ko-KR" altLang="en-US" sz="2000" dirty="0"/>
-              <a:t>해당 파일에서의 파일 포인터 위치를 </a:t>
-            </a:r>
-            <a:r>
-              <a:rPr lang="en-US" altLang="ko-KR" sz="2000" dirty="0"/>
-              <a:t>return</a:t>
-            </a:r>
-          </a:p>
-          <a:p>
-            <a:r>
-              <a:rPr lang="en-US" altLang="ko-KR" sz="2000" dirty="0"/>
-              <a:t>SEEK_END </a:t>
-            </a:r>
-            <a:br>
-              <a:rPr lang="en-US" altLang="ko-KR" sz="2000" dirty="0"/>
-            </a:br>
-            <a:r>
-              <a:rPr lang="ko-KR" altLang="en-US" sz="2000" dirty="0"/>
-              <a:t>파일의 끝을 기준으로 파일 포인터를 이동시키는 상수</a:t>
-            </a:r>
-            <a:endParaRPr lang="en-US" altLang="ko-KR" sz="2000" dirty="0"/>
-          </a:p>
-          <a:p>
-            <a:r>
-              <a:rPr lang="en-US" altLang="ko-KR" sz="2000" dirty="0"/>
-              <a:t>stdin : </a:t>
-            </a:r>
-            <a:r>
-              <a:rPr lang="ko-KR" altLang="en-US" sz="2000" dirty="0"/>
-              <a:t>표준 입력</a:t>
-            </a:r>
-            <a:endParaRPr lang="en-US" altLang="ko-KR" sz="2000" dirty="0"/>
-          </a:p>
-          <a:p>
-            <a:r>
-              <a:rPr lang="en-US" altLang="ko-KR" sz="2000"/>
-              <a:t>stderr </a:t>
-            </a:r>
-            <a:r>
-              <a:rPr lang="en-US" altLang="ko-KR" sz="2000" dirty="0"/>
-              <a:t>: </a:t>
-            </a:r>
-            <a:r>
-              <a:rPr lang="ko-KR" altLang="en-US" sz="2000" dirty="0"/>
-              <a:t>표준 에러</a:t>
-            </a:r>
-            <a:endParaRPr lang="en-US" altLang="ko-KR" sz="2000" dirty="0"/>
+              <a:rPr lang="ko-KR" altLang="en-US" sz="1500" dirty="0"/>
+              <a:t>파일에 대한 정보를 저장하고 관리하는 데 사용</a:t>
+            </a:r>
+            <a:endParaRPr lang="en-US" altLang="ko-KR" sz="1500" dirty="0"/>
+          </a:p>
+          <a:p>
+            <a:pPr>
+              <a:lnSpc>
+                <a:spcPct val="100000"/>
+              </a:lnSpc>
+            </a:pPr>
+            <a:r>
+              <a:rPr lang="en-US" altLang="ko-KR" sz="1500" dirty="0" err="1"/>
+              <a:t>fopen</a:t>
+            </a:r>
+            <a:r>
+              <a:rPr lang="en-US" altLang="ko-KR" sz="1500" dirty="0"/>
+              <a:t> (return = FILE)</a:t>
+            </a:r>
+          </a:p>
+          <a:p>
+            <a:pPr lvl="1">
+              <a:lnSpc>
+                <a:spcPct val="100000"/>
+              </a:lnSpc>
+            </a:pPr>
+            <a:r>
+              <a:rPr lang="en-US" altLang="ko-KR" sz="1100" dirty="0"/>
+              <a:t>filename: </a:t>
+            </a:r>
+            <a:r>
+              <a:rPr lang="ko-KR" altLang="en-US" sz="1100" dirty="0"/>
+              <a:t>열 파일의 경로와 이름을 지정하는 문자열입니다</a:t>
+            </a:r>
+            <a:r>
+              <a:rPr lang="en-US" altLang="ko-KR" sz="1100" dirty="0"/>
+              <a:t>.</a:t>
+            </a:r>
+          </a:p>
+          <a:p>
+            <a:pPr lvl="1">
+              <a:lnSpc>
+                <a:spcPct val="100000"/>
+              </a:lnSpc>
+            </a:pPr>
+            <a:r>
+              <a:rPr lang="en-US" altLang="ko-KR" sz="1100" dirty="0"/>
+              <a:t>mode: </a:t>
+            </a:r>
+            <a:r>
+              <a:rPr lang="ko-KR" altLang="en-US" sz="1100" dirty="0"/>
+              <a:t>파일을 열기 위한 모드를 지정하는 문자열입니다</a:t>
+            </a:r>
+            <a:r>
+              <a:rPr lang="en-US" altLang="ko-KR" sz="1100" dirty="0"/>
+              <a:t>. </a:t>
+            </a:r>
+            <a:r>
+              <a:rPr lang="ko-KR" altLang="en-US" sz="1100" dirty="0"/>
+              <a:t>주로 </a:t>
+            </a:r>
+            <a:r>
+              <a:rPr lang="en-US" altLang="ko-KR" sz="1100" dirty="0"/>
+              <a:t>"r"(</a:t>
+            </a:r>
+            <a:r>
+              <a:rPr lang="ko-KR" altLang="en-US" sz="1100" dirty="0"/>
+              <a:t>읽기 모드</a:t>
+            </a:r>
+            <a:r>
+              <a:rPr lang="en-US" altLang="ko-KR" sz="1100" dirty="0"/>
+              <a:t>), "w"(</a:t>
+            </a:r>
+            <a:r>
+              <a:rPr lang="ko-KR" altLang="en-US" sz="1100" dirty="0"/>
+              <a:t>쓰기 모드</a:t>
+            </a:r>
+            <a:r>
+              <a:rPr lang="en-US" altLang="ko-KR" sz="1100" dirty="0"/>
+              <a:t>), "a"(</a:t>
+            </a:r>
+            <a:r>
+              <a:rPr lang="ko-KR" altLang="en-US" sz="1100" dirty="0"/>
+              <a:t>추가 모드</a:t>
+            </a:r>
+            <a:r>
+              <a:rPr lang="en-US" altLang="ko-KR" sz="1100" dirty="0"/>
+              <a:t>) </a:t>
+            </a:r>
+            <a:r>
+              <a:rPr lang="ko-KR" altLang="en-US" sz="1100" dirty="0"/>
+              <a:t>등이 사용됩니다</a:t>
+            </a:r>
+            <a:r>
+              <a:rPr lang="en-US" altLang="ko-KR" sz="1100" dirty="0"/>
+              <a:t>.</a:t>
+            </a:r>
+          </a:p>
+          <a:p>
+            <a:pPr marL="0" indent="0">
+              <a:lnSpc>
+                <a:spcPct val="100000"/>
+              </a:lnSpc>
+              <a:buNone/>
+            </a:pPr>
+            <a:endParaRPr lang="en-US" altLang="ko-KR" sz="1500" dirty="0"/>
           </a:p>
         </p:txBody>
       </p:sp>
@@ -8890,6 +10329,185 @@
 </file>
 
 <file path=ppt/slides/slide4.xml><?xml version="1.0" encoding="utf-8"?>
+<p:sld xmlns:a="http://schemas.openxmlformats.org/drawingml/2006/main" xmlns:r="http://schemas.openxmlformats.org/officeDocument/2006/relationships" xmlns:p="http://schemas.openxmlformats.org/presentationml/2006/main">
+  <p:cSld>
+    <p:spTree>
+      <p:nvGrpSpPr>
+        <p:cNvPr id="1" name=""/>
+        <p:cNvGrpSpPr/>
+        <p:nvPr/>
+      </p:nvGrpSpPr>
+      <p:grpSpPr>
+        <a:xfrm>
+          <a:off x="0" y="0"/>
+          <a:ext cx="0" cy="0"/>
+          <a:chOff x="0" y="0"/>
+          <a:chExt cx="0" cy="0"/>
+        </a:xfrm>
+      </p:grpSpPr>
+      <p:sp>
+        <p:nvSpPr>
+          <p:cNvPr id="2" name="제목 1">
+            <a:extLst>
+              <a:ext uri="{FF2B5EF4-FFF2-40B4-BE49-F238E27FC236}">
+                <a16:creationId xmlns:a16="http://schemas.microsoft.com/office/drawing/2014/main" id="{B7F03669-EDF1-CB71-41EB-0763F68735C9}"/>
+              </a:ext>
+            </a:extLst>
+          </p:cNvPr>
+          <p:cNvSpPr>
+            <a:spLocks noGrp="1"/>
+          </p:cNvSpPr>
+          <p:nvPr>
+            <p:ph type="title"/>
+          </p:nvPr>
+        </p:nvSpPr>
+        <p:spPr/>
+        <p:txBody>
+          <a:bodyPr/>
+          <a:lstStyle/>
+          <a:p>
+            <a:r>
+              <a:rPr lang="en-US" altLang="ko-KR" sz="4400" dirty="0"/>
+              <a:t>&lt;</a:t>
+            </a:r>
+            <a:r>
+              <a:rPr lang="en-US" altLang="ko-KR" sz="4400" dirty="0" err="1"/>
+              <a:t>stdio.h</a:t>
+            </a:r>
+            <a:r>
+              <a:rPr lang="en-US" altLang="ko-KR" sz="4400" dirty="0"/>
+              <a:t>&gt; (2)</a:t>
+            </a:r>
+            <a:endParaRPr lang="ko-KR" altLang="en-US" dirty="0"/>
+          </a:p>
+        </p:txBody>
+      </p:sp>
+      <p:sp>
+        <p:nvSpPr>
+          <p:cNvPr id="3" name="내용 개체 틀 2">
+            <a:extLst>
+              <a:ext uri="{FF2B5EF4-FFF2-40B4-BE49-F238E27FC236}">
+                <a16:creationId xmlns:a16="http://schemas.microsoft.com/office/drawing/2014/main" id="{F380D1F8-5C36-70BF-C361-68DFAC69DD13}"/>
+              </a:ext>
+            </a:extLst>
+          </p:cNvPr>
+          <p:cNvSpPr>
+            <a:spLocks noGrp="1"/>
+          </p:cNvSpPr>
+          <p:nvPr>
+            <p:ph idx="1"/>
+          </p:nvPr>
+        </p:nvSpPr>
+        <p:spPr/>
+        <p:txBody>
+          <a:bodyPr>
+            <a:normAutofit/>
+          </a:bodyPr>
+          <a:lstStyle/>
+          <a:p>
+            <a:pPr>
+              <a:lnSpc>
+                <a:spcPct val="120000"/>
+              </a:lnSpc>
+            </a:pPr>
+            <a:r>
+              <a:rPr lang="en-US" altLang="ko-KR" sz="1500" dirty="0" err="1"/>
+              <a:t>ftell</a:t>
+            </a:r>
+            <a:r>
+              <a:rPr lang="en-US" altLang="ko-KR" sz="1500" dirty="0"/>
+              <a:t>(</a:t>
+            </a:r>
+            <a:r>
+              <a:rPr lang="ko-KR" altLang="en-US" sz="1500" dirty="0"/>
+              <a:t>파일 주소</a:t>
+            </a:r>
+            <a:r>
+              <a:rPr lang="en-US" altLang="ko-KR" sz="1500" dirty="0"/>
+              <a:t>)</a:t>
+            </a:r>
+            <a:br>
+              <a:rPr lang="en-US" altLang="ko-KR" sz="1500" dirty="0"/>
+            </a:br>
+            <a:r>
+              <a:rPr lang="ko-KR" altLang="en-US" sz="1500" dirty="0"/>
+              <a:t>해당 파일에서의 파일 포인터 위치를 </a:t>
+            </a:r>
+            <a:r>
+              <a:rPr lang="en-US" altLang="ko-KR" sz="1500" dirty="0"/>
+              <a:t>return</a:t>
+            </a:r>
+          </a:p>
+          <a:p>
+            <a:pPr>
+              <a:lnSpc>
+                <a:spcPct val="120000"/>
+              </a:lnSpc>
+            </a:pPr>
+            <a:r>
+              <a:rPr lang="en-US" altLang="ko-KR" sz="1500" dirty="0"/>
+              <a:t>SEEK_END </a:t>
+            </a:r>
+            <a:br>
+              <a:rPr lang="en-US" altLang="ko-KR" sz="1500" dirty="0"/>
+            </a:br>
+            <a:r>
+              <a:rPr lang="ko-KR" altLang="en-US" sz="1500" dirty="0"/>
+              <a:t>파일의 끝을 기준으로 파일 포인터를 이동시키는 상수</a:t>
+            </a:r>
+            <a:endParaRPr lang="en-US" altLang="ko-KR" sz="1500" dirty="0"/>
+          </a:p>
+          <a:p>
+            <a:pPr>
+              <a:lnSpc>
+                <a:spcPct val="120000"/>
+              </a:lnSpc>
+            </a:pPr>
+            <a:r>
+              <a:rPr lang="en-US" altLang="ko-KR" sz="1500" dirty="0"/>
+              <a:t>stdin : </a:t>
+            </a:r>
+            <a:r>
+              <a:rPr lang="ko-KR" altLang="en-US" sz="1500" dirty="0"/>
+              <a:t>표준 입력</a:t>
+            </a:r>
+            <a:endParaRPr lang="en-US" altLang="ko-KR" sz="1500" dirty="0"/>
+          </a:p>
+          <a:p>
+            <a:pPr>
+              <a:lnSpc>
+                <a:spcPct val="120000"/>
+              </a:lnSpc>
+            </a:pPr>
+            <a:r>
+              <a:rPr lang="en-US" altLang="ko-KR" sz="1500" dirty="0"/>
+              <a:t>stderr : </a:t>
+            </a:r>
+            <a:r>
+              <a:rPr lang="ko-KR" altLang="en-US" sz="1500" dirty="0"/>
+              <a:t>표준 에러</a:t>
+            </a:r>
+            <a:endParaRPr lang="en-US" altLang="ko-KR" sz="1500" dirty="0"/>
+          </a:p>
+          <a:p>
+            <a:endParaRPr lang="ko-KR" altLang="en-US" sz="1500" dirty="0"/>
+          </a:p>
+        </p:txBody>
+      </p:sp>
+    </p:spTree>
+    <p:extLst>
+      <p:ext uri="{BB962C8B-B14F-4D97-AF65-F5344CB8AC3E}">
+        <p14:creationId xmlns:p14="http://schemas.microsoft.com/office/powerpoint/2010/main" val="591086475"/>
+      </p:ext>
+    </p:extLst>
+  </p:cSld>
+  <p:clrMapOvr>
+    <a:masterClrMapping/>
+  </p:clrMapOvr>
+</p:sld>
+</file>
+
+<file path=ppt/slides/slide5.xml><?xml version="1.0" encoding="utf-8"?>
 <p:sld xmlns:a="http://schemas.openxmlformats.org/drawingml/2006/main" xmlns:r="http://schemas.openxmlformats.org/officeDocument/2006/relationships" xmlns:p="http://schemas.openxmlformats.org/presentationml/2006/main">
   <p:cSld>
     <p:spTree>
@@ -9154,7 +10772,7 @@
 </p:sld>
 </file>
 
-<file path=ppt/slides/slide5.xml><?xml version="1.0" encoding="utf-8"?>
+<file path=ppt/slides/slide6.xml><?xml version="1.0" encoding="utf-8"?>
 <p:sld xmlns:a="http://schemas.openxmlformats.org/drawingml/2006/main" xmlns:r="http://schemas.openxmlformats.org/officeDocument/2006/relationships" xmlns:p="http://schemas.openxmlformats.org/presentationml/2006/main">
   <p:cSld>
     <p:spTree>
@@ -9546,7 +11164,7 @@
 </p:sld>
 </file>
 
-<file path=ppt/slides/slide6.xml><?xml version="1.0" encoding="utf-8"?>
+<file path=ppt/slides/slide7.xml><?xml version="1.0" encoding="utf-8"?>
 <p:sld xmlns:a="http://schemas.openxmlformats.org/drawingml/2006/main" xmlns:r="http://schemas.openxmlformats.org/officeDocument/2006/relationships" xmlns:p="http://schemas.openxmlformats.org/presentationml/2006/main">
   <p:cSld>
     <p:spTree>
@@ -11351,7 +12969,7 @@
         <p:spPr>
           <a:xfrm>
             <a:off x="6808966" y="1317072"/>
-            <a:ext cx="4544834" cy="3631763"/>
+            <a:ext cx="4544834" cy="2400657"/>
           </a:xfrm>
           <a:prstGeom prst="rect">
             <a:avLst/>
@@ -11704,74 +13322,6 @@
               </a:rPr>
               <a:t>}</a:t>
             </a:r>
-          </a:p>
-          <a:p>
-            <a:r>
-              <a:rPr lang="en-US" altLang="ko-KR" sz="1000" dirty="0">
-                <a:solidFill>
-                  <a:srgbClr val="000000"/>
-                </a:solidFill>
-                <a:latin typeface="돋움체" panose="020B0609000101010101" pitchFamily="49" charset="-127"/>
-                <a:ea typeface="돋움체" panose="020B0609000101010101" pitchFamily="49" charset="-127"/>
-              </a:rPr>
-              <a:t>    </a:t>
-            </a:r>
-            <a:r>
-              <a:rPr lang="en-US" altLang="ko-KR" sz="1000" dirty="0">
-                <a:solidFill>
-                  <a:srgbClr val="0000FF"/>
-                </a:solidFill>
-                <a:latin typeface="돋움체" panose="020B0609000101010101" pitchFamily="49" charset="-127"/>
-                <a:ea typeface="돋움체" panose="020B0609000101010101" pitchFamily="49" charset="-127"/>
-              </a:rPr>
-              <a:t>else</a:t>
-            </a:r>
-            <a:r>
-              <a:rPr lang="en-US" altLang="ko-KR" sz="1000" dirty="0">
-                <a:solidFill>
-                  <a:srgbClr val="000000"/>
-                </a:solidFill>
-                <a:latin typeface="돋움체" panose="020B0609000101010101" pitchFamily="49" charset="-127"/>
-                <a:ea typeface="돋움체" panose="020B0609000101010101" pitchFamily="49" charset="-127"/>
-              </a:rPr>
-              <a:t> {</a:t>
-            </a:r>
-          </a:p>
-          <a:p>
-            <a:r>
-              <a:rPr lang="en-US" altLang="ko-KR" sz="1000" dirty="0">
-                <a:solidFill>
-                  <a:srgbClr val="000000"/>
-                </a:solidFill>
-                <a:latin typeface="돋움체" panose="020B0609000101010101" pitchFamily="49" charset="-127"/>
-                <a:ea typeface="돋움체" panose="020B0609000101010101" pitchFamily="49" charset="-127"/>
-              </a:rPr>
-              <a:t>        file = stdin;</a:t>
-            </a:r>
-          </a:p>
-          <a:p>
-            <a:r>
-              <a:rPr lang="ko-KR" altLang="en-US" sz="1000" dirty="0">
-                <a:solidFill>
-                  <a:srgbClr val="000000"/>
-                </a:solidFill>
-                <a:latin typeface="돋움체" panose="020B0609000101010101" pitchFamily="49" charset="-127"/>
-                <a:ea typeface="돋움체" panose="020B0609000101010101" pitchFamily="49" charset="-127"/>
-              </a:rPr>
-              <a:t>    </a:t>
-            </a:r>
-            <a:r>
-              <a:rPr lang="en-US" altLang="ko-KR" sz="1000" dirty="0">
-                <a:solidFill>
-                  <a:srgbClr val="000000"/>
-                </a:solidFill>
-                <a:latin typeface="돋움체" panose="020B0609000101010101" pitchFamily="49" charset="-127"/>
-                <a:ea typeface="돋움체" panose="020B0609000101010101" pitchFamily="49" charset="-127"/>
-              </a:rPr>
-              <a:t>}</a:t>
-            </a:r>
-          </a:p>
-          <a:p>
             <a:endParaRPr lang="ko-KR" altLang="en-US" sz="1000" dirty="0">
               <a:solidFill>
                 <a:srgbClr val="000000"/>
@@ -11896,67 +13446,6 @@
               <a:t>    </a:t>
             </a:r>
             <a:r>
-              <a:rPr lang="en-US" altLang="ko-KR" sz="1000" dirty="0">
-                <a:solidFill>
-                  <a:srgbClr val="008000"/>
-                </a:solidFill>
-                <a:latin typeface="돋움체" panose="020B0609000101010101" pitchFamily="49" charset="-127"/>
-                <a:ea typeface="돋움체" panose="020B0609000101010101" pitchFamily="49" charset="-127"/>
-              </a:rPr>
-              <a:t>// Close the file if it's not stdin</a:t>
-            </a:r>
-            <a:endParaRPr lang="en-US" altLang="ko-KR" sz="1000" dirty="0">
-              <a:solidFill>
-                <a:srgbClr val="000000"/>
-              </a:solidFill>
-              <a:latin typeface="돋움체" panose="020B0609000101010101" pitchFamily="49" charset="-127"/>
-              <a:ea typeface="돋움체" panose="020B0609000101010101" pitchFamily="49" charset="-127"/>
-            </a:endParaRPr>
-          </a:p>
-          <a:p>
-            <a:r>
-              <a:rPr lang="en-US" altLang="ko-KR" sz="1000" dirty="0">
-                <a:solidFill>
-                  <a:srgbClr val="000000"/>
-                </a:solidFill>
-                <a:latin typeface="돋움체" panose="020B0609000101010101" pitchFamily="49" charset="-127"/>
-                <a:ea typeface="돋움체" panose="020B0609000101010101" pitchFamily="49" charset="-127"/>
-              </a:rPr>
-              <a:t>    </a:t>
-            </a:r>
-            <a:r>
-              <a:rPr lang="en-US" altLang="ko-KR" sz="1000" dirty="0">
-                <a:solidFill>
-                  <a:srgbClr val="0000FF"/>
-                </a:solidFill>
-                <a:latin typeface="돋움체" panose="020B0609000101010101" pitchFamily="49" charset="-127"/>
-                <a:ea typeface="돋움체" panose="020B0609000101010101" pitchFamily="49" charset="-127"/>
-              </a:rPr>
-              <a:t>if</a:t>
-            </a:r>
-            <a:r>
-              <a:rPr lang="en-US" altLang="ko-KR" sz="1000" dirty="0">
-                <a:solidFill>
-                  <a:srgbClr val="000000"/>
-                </a:solidFill>
-                <a:latin typeface="돋움체" panose="020B0609000101010101" pitchFamily="49" charset="-127"/>
-                <a:ea typeface="돋움체" panose="020B0609000101010101" pitchFamily="49" charset="-127"/>
-              </a:rPr>
-              <a:t> (file != stdin) {</a:t>
-            </a:r>
-          </a:p>
-          <a:p>
-            <a:r>
-              <a:rPr lang="en-US" altLang="ko-KR" sz="1000" dirty="0">
-                <a:solidFill>
-                  <a:srgbClr val="000000"/>
-                </a:solidFill>
-                <a:latin typeface="돋움체" panose="020B0609000101010101" pitchFamily="49" charset="-127"/>
-                <a:ea typeface="돋움체" panose="020B0609000101010101" pitchFamily="49" charset="-127"/>
-              </a:rPr>
-              <a:t>        </a:t>
-            </a:r>
-            <a:r>
               <a:rPr lang="en-US" altLang="ko-KR" sz="1000" dirty="0" err="1">
                 <a:solidFill>
                   <a:srgbClr val="000000"/>
@@ -11976,30 +13465,6 @@
               </a:rPr>
               <a:t>(file);</a:t>
             </a:r>
-          </a:p>
-          <a:p>
-            <a:r>
-              <a:rPr lang="ko-KR" altLang="en-US" sz="1000" dirty="0">
-                <a:solidFill>
-                  <a:srgbClr val="000000"/>
-                </a:solidFill>
-                <a:latin typeface="돋움체" panose="020B0609000101010101" pitchFamily="49" charset="-127"/>
-                <a:ea typeface="돋움체" panose="020B0609000101010101" pitchFamily="49" charset="-127"/>
-              </a:rPr>
-              <a:t>    </a:t>
-            </a:r>
-            <a:r>
-              <a:rPr lang="en-US" altLang="ko-KR" sz="1000" dirty="0">
-                <a:solidFill>
-                  <a:srgbClr val="000000"/>
-                </a:solidFill>
-                <a:latin typeface="돋움체" panose="020B0609000101010101" pitchFamily="49" charset="-127"/>
-                <a:ea typeface="돋움체" panose="020B0609000101010101" pitchFamily="49" charset="-127"/>
-              </a:rPr>
-              <a:t>}</a:t>
-            </a:r>
-          </a:p>
-          <a:p>
             <a:endParaRPr lang="ko-KR" altLang="en-US" sz="1000" dirty="0">
               <a:solidFill>
                 <a:srgbClr val="000000"/>
@@ -12062,98 +13527,6 @@
     <p:extLst>
       <p:ext uri="{BB962C8B-B14F-4D97-AF65-F5344CB8AC3E}">
         <p14:creationId xmlns:p14="http://schemas.microsoft.com/office/powerpoint/2010/main" val="2027053561"/>
-      </p:ext>
-    </p:extLst>
-  </p:cSld>
-  <p:clrMapOvr>
-    <a:masterClrMapping/>
-  </p:clrMapOvr>
-</p:sld>
-</file>
-
-<file path=ppt/slides/slide7.xml><?xml version="1.0" encoding="utf-8"?>
-<p:sld xmlns:a="http://schemas.openxmlformats.org/drawingml/2006/main" xmlns:r="http://schemas.openxmlformats.org/officeDocument/2006/relationships" xmlns:p="http://schemas.openxmlformats.org/presentationml/2006/main">
-  <p:cSld>
-    <p:spTree>
-      <p:nvGrpSpPr>
-        <p:cNvPr id="1" name=""/>
-        <p:cNvGrpSpPr/>
-        <p:nvPr/>
-      </p:nvGrpSpPr>
-      <p:grpSpPr>
-        <a:xfrm>
-          <a:off x="0" y="0"/>
-          <a:ext cx="0" cy="0"/>
-          <a:chOff x="0" y="0"/>
-          <a:chExt cx="0" cy="0"/>
-        </a:xfrm>
-      </p:grpSpPr>
-      <p:sp>
-        <p:nvSpPr>
-          <p:cNvPr id="2" name="제목 1">
-            <a:extLst>
-              <a:ext uri="{FF2B5EF4-FFF2-40B4-BE49-F238E27FC236}">
-                <a16:creationId xmlns:a16="http://schemas.microsoft.com/office/drawing/2014/main" id="{75A4F99B-B72C-6EDA-3EBC-C95A1F00BF5B}"/>
-              </a:ext>
-            </a:extLst>
-          </p:cNvPr>
-          <p:cNvSpPr>
-            <a:spLocks noGrp="1"/>
-          </p:cNvSpPr>
-          <p:nvPr>
-            <p:ph type="title"/>
-          </p:nvPr>
-        </p:nvSpPr>
-        <p:spPr/>
-        <p:txBody>
-          <a:bodyPr/>
-          <a:lstStyle/>
-          <a:p>
-            <a:r>
-              <a:rPr lang="en-US" altLang="ko-KR" dirty="0"/>
-              <a:t>head </a:t>
-            </a:r>
-            <a:endParaRPr lang="ko-KR" altLang="en-US" dirty="0"/>
-          </a:p>
-        </p:txBody>
-      </p:sp>
-      <p:sp>
-        <p:nvSpPr>
-          <p:cNvPr id="3" name="내용 개체 틀 2">
-            <a:extLst>
-              <a:ext uri="{FF2B5EF4-FFF2-40B4-BE49-F238E27FC236}">
-                <a16:creationId xmlns:a16="http://schemas.microsoft.com/office/drawing/2014/main" id="{49339F53-8190-A00D-2CC1-4E72E5F75B0B}"/>
-              </a:ext>
-            </a:extLst>
-          </p:cNvPr>
-          <p:cNvSpPr>
-            <a:spLocks noGrp="1"/>
-          </p:cNvSpPr>
-          <p:nvPr>
-            <p:ph idx="1"/>
-          </p:nvPr>
-        </p:nvSpPr>
-        <p:spPr/>
-        <p:txBody>
-          <a:bodyPr>
-            <a:normAutofit/>
-          </a:bodyPr>
-          <a:lstStyle/>
-          <a:p>
-            <a:pPr marL="0" indent="0">
-              <a:lnSpc>
-                <a:spcPct val="120000"/>
-              </a:lnSpc>
-              <a:buNone/>
-            </a:pPr>
-            <a:endParaRPr lang="en-US" altLang="ko-KR" dirty="0"/>
-          </a:p>
-        </p:txBody>
-      </p:sp>
-    </p:spTree>
-    <p:extLst>
-      <p:ext uri="{BB962C8B-B14F-4D97-AF65-F5344CB8AC3E}">
-        <p14:creationId xmlns:p14="http://schemas.microsoft.com/office/powerpoint/2010/main" val="1373424578"/>
       </p:ext>
     </p:extLst>
   </p:cSld>
@@ -12185,7 +13558,7 @@
           <p:cNvPr id="2" name="제목 1">
             <a:extLst>
               <a:ext uri="{FF2B5EF4-FFF2-40B4-BE49-F238E27FC236}">
-                <a16:creationId xmlns:a16="http://schemas.microsoft.com/office/drawing/2014/main" id="{5035B814-2F6E-4DEE-A9AB-6763F48706ED}"/>
+                <a16:creationId xmlns:a16="http://schemas.microsoft.com/office/drawing/2014/main" id="{2FEE979D-E366-2196-7662-2486363817F8}"/>
               </a:ext>
             </a:extLst>
           </p:cNvPr>
@@ -12202,227 +13575,748 @@
           <a:lstStyle/>
           <a:p>
             <a:r>
+              <a:rPr lang="en-US" altLang="ko-KR" dirty="0" err="1"/>
+              <a:t>mynl.c</a:t>
+            </a:r>
+            <a:r>
               <a:rPr lang="en-US" altLang="ko-KR" dirty="0"/>
-              <a:t>tail</a:t>
-            </a:r>
-            <a:endParaRPr lang="ko-KR" altLang="en-US" dirty="0"/>
+              <a:t> (2) – </a:t>
+            </a:r>
+            <a:r>
+              <a:rPr lang="ko-KR" altLang="en-US" dirty="0"/>
+              <a:t>번호를 붙여서 출력</a:t>
+            </a:r>
           </a:p>
         </p:txBody>
       </p:sp>
       <p:sp>
         <p:nvSpPr>
-          <p:cNvPr id="3" name="내용 개체 틀 2">
+          <p:cNvPr id="4" name="TextBox 3">
             <a:extLst>
               <a:ext uri="{FF2B5EF4-FFF2-40B4-BE49-F238E27FC236}">
-                <a16:creationId xmlns:a16="http://schemas.microsoft.com/office/drawing/2014/main" id="{BDA261EB-0BD4-43DF-8984-789032B36F3F}"/>
+                <a16:creationId xmlns:a16="http://schemas.microsoft.com/office/drawing/2014/main" id="{CEC8B63B-1453-744E-0849-0EABAE26312D}"/>
               </a:ext>
             </a:extLst>
           </p:cNvPr>
-          <p:cNvSpPr>
-            <a:spLocks noGrp="1"/>
-          </p:cNvSpPr>
-          <p:nvPr>
-            <p:ph idx="1"/>
-          </p:nvPr>
-        </p:nvSpPr>
-        <p:spPr/>
-        <p:txBody>
-          <a:bodyPr>
-            <a:normAutofit/>
-          </a:bodyPr>
-          <a:lstStyle/>
-          <a:p>
-            <a:pPr algn="l">
-              <a:buFont typeface="Arial" panose="020B0604020202020204" pitchFamily="34" charset="0"/>
-              <a:buChar char="•"/>
-            </a:pPr>
-            <a:endParaRPr lang="ko-KR" altLang="en-US" sz="2000" b="0" i="0" dirty="0">
-              <a:effectLst/>
-              <a:latin typeface="-apple-system"/>
-            </a:endParaRPr>
-          </a:p>
-          <a:p>
-            <a:pPr algn="l">
-              <a:buFont typeface="Arial" panose="020B0604020202020204" pitchFamily="34" charset="0"/>
-              <a:buChar char="•"/>
-            </a:pPr>
-            <a:r>
-              <a:rPr lang="ko-KR" altLang="en-US" sz="2000" b="0" i="0" dirty="0">
-                <a:effectLst/>
-                <a:latin typeface="-apple-system"/>
-              </a:rPr>
-              <a:t>파일의 끝 부분을 출력하는 명령어</a:t>
-            </a:r>
-          </a:p>
-          <a:p>
-            <a:pPr algn="l">
-              <a:buFont typeface="Arial" panose="020B0604020202020204" pitchFamily="34" charset="0"/>
-              <a:buChar char="•"/>
-            </a:pPr>
-            <a:r>
-              <a:rPr lang="ko-KR" altLang="en-US" sz="2000" b="0" i="0" dirty="0">
-                <a:effectLst/>
-                <a:latin typeface="-apple-system"/>
-              </a:rPr>
-              <a:t>로그 파일이나 다른 텍스트 파일의 마지막 몇 줄을 확인하는 데 사용</a:t>
-            </a:r>
-          </a:p>
-          <a:p>
-            <a:pPr algn="l">
-              <a:buFont typeface="Arial" panose="020B0604020202020204" pitchFamily="34" charset="0"/>
-              <a:buChar char="•"/>
-            </a:pPr>
-            <a:r>
-              <a:rPr lang="ko-KR" altLang="en-US" sz="2000" b="0" i="0" dirty="0">
-                <a:effectLst/>
-                <a:latin typeface="-apple-system"/>
-              </a:rPr>
-              <a:t>출력할 줄 수 </a:t>
-            </a:r>
-            <a:r>
-              <a:rPr lang="en-US" altLang="ko-KR" sz="2000" b="0" i="0" dirty="0">
-                <a:effectLst/>
-                <a:latin typeface="-apple-system"/>
-              </a:rPr>
-              <a:t>default = 10</a:t>
-            </a:r>
-          </a:p>
-          <a:p>
-            <a:pPr algn="l">
-              <a:buFont typeface="Arial" panose="020B0604020202020204" pitchFamily="34" charset="0"/>
-              <a:buChar char="•"/>
-            </a:pPr>
-            <a:r>
-              <a:rPr lang="en-US" altLang="ko-KR" sz="2000" dirty="0">
-                <a:latin typeface="-apple-system"/>
-              </a:rPr>
-              <a:t>Tail [-n  “number”] [-c “number”] [-q] “filename”</a:t>
-            </a:r>
-            <a:endParaRPr lang="ko-KR" altLang="en-US" sz="2000" dirty="0"/>
-          </a:p>
-        </p:txBody>
-      </p:sp>
-      <p:sp>
-        <p:nvSpPr>
-          <p:cNvPr id="5" name="Rectangle 2">
-            <a:extLst>
-              <a:ext uri="{FF2B5EF4-FFF2-40B4-BE49-F238E27FC236}">
-                <a16:creationId xmlns:a16="http://schemas.microsoft.com/office/drawing/2014/main" id="{9A1F0DC3-4088-DF56-A182-ED667E668A38}"/>
-              </a:ext>
-            </a:extLst>
-          </p:cNvPr>
-          <p:cNvSpPr>
-            <a:spLocks noChangeArrowheads="1"/>
-          </p:cNvSpPr>
+          <p:cNvSpPr txBox="1"/>
           <p:nvPr/>
         </p:nvSpPr>
-        <p:spPr bwMode="auto">
+        <p:spPr>
           <a:xfrm>
-            <a:off x="0" y="-477311"/>
-            <a:ext cx="65" cy="954622"/>
+            <a:off x="838200" y="1690688"/>
+            <a:ext cx="10918374" cy="4247317"/>
           </a:xfrm>
           <a:prstGeom prst="rect">
             <a:avLst/>
           </a:prstGeom>
-          <a:solidFill>
-            <a:srgbClr val="444654"/>
-          </a:solidFill>
-          <a:ln>
-            <a:noFill/>
-          </a:ln>
-          <a:effectLst/>
-          <a:extLst>
-            <a:ext uri="{91240B29-F687-4F45-9708-019B960494DF}">
-              <a14:hiddenLine xmlns:a14="http://schemas.microsoft.com/office/drawing/2010/main" w="9525">
-                <a:solidFill>
-                  <a:schemeClr val="tx1"/>
-                </a:solidFill>
-                <a:miter lim="800000"/>
-                <a:headEnd/>
-                <a:tailEnd/>
-              </a14:hiddenLine>
-            </a:ext>
-            <a:ext uri="{AF507438-7753-43E0-B8FC-AC1667EBCBE1}">
-              <a14:hiddenEffects xmlns:a14="http://schemas.microsoft.com/office/drawing/2010/main">
-                <a:effectLst>
-                  <a:outerShdw dist="35921" dir="2700000" algn="ctr" rotWithShape="0">
-                    <a:schemeClr val="bg2"/>
-                  </a:outerShdw>
-                </a:effectLst>
-              </a14:hiddenEffects>
-            </a:ext>
-          </a:extLst>
+          <a:noFill/>
         </p:spPr>
         <p:txBody>
-          <a:bodyPr vert="horz" wrap="none" lIns="0" tIns="198375" rIns="0" bIns="198375" numCol="1" anchor="ctr" anchorCtr="0" compatLnSpc="1">
-            <a:prstTxWarp prst="textNoShape">
-              <a:avLst/>
-            </a:prstTxWarp>
+          <a:bodyPr wrap="none" rtlCol="0">
             <a:spAutoFit/>
           </a:bodyPr>
           <a:lstStyle/>
           <a:p>
-            <a:pPr marL="0" marR="0" lvl="0" indent="0" algn="l" defTabSz="914400" rtl="0" eaLnBrk="0" fontAlgn="base" latinLnBrk="0" hangingPunct="0">
-              <a:lnSpc>
-                <a:spcPct val="100000"/>
-              </a:lnSpc>
-              <a:spcBef>
-                <a:spcPct val="0"/>
-              </a:spcBef>
-              <a:spcAft>
-                <a:spcPct val="0"/>
-              </a:spcAft>
-              <a:buClrTx/>
-              <a:buSzTx/>
-              <a:buFontTx/>
-              <a:buNone/>
-              <a:tabLst/>
-            </a:pPr>
-            <a:endParaRPr kumimoji="0" lang="ko-KR" altLang="ko-KR" sz="1800" b="0" i="0" u="none" strike="noStrike" cap="none" normalizeH="0" baseline="0" dirty="0">
-              <a:ln>
-                <a:noFill/>
-              </a:ln>
+            <a:r>
+              <a:rPr lang="en-US" altLang="ko-KR" sz="1800" dirty="0">
+                <a:solidFill>
+                  <a:srgbClr val="008000"/>
+                </a:solidFill>
+                <a:latin typeface="돋움체" panose="020B0609000101010101" pitchFamily="49" charset="-127"/>
+                <a:ea typeface="돋움체" panose="020B0609000101010101" pitchFamily="49" charset="-127"/>
+              </a:rPr>
+              <a:t>// </a:t>
+            </a:r>
+            <a:r>
+              <a:rPr lang="ko-KR" altLang="en-US" sz="1800" dirty="0">
+                <a:solidFill>
+                  <a:srgbClr val="008000"/>
+                </a:solidFill>
+                <a:latin typeface="돋움체" panose="020B0609000101010101" pitchFamily="49" charset="-127"/>
+                <a:ea typeface="돋움체" panose="020B0609000101010101" pitchFamily="49" charset="-127"/>
+              </a:rPr>
+              <a:t>번호를 붙여서 출력</a:t>
+            </a:r>
+            <a:endParaRPr lang="ko-KR" altLang="en-US" sz="1800" dirty="0">
               <a:solidFill>
-                <a:schemeClr val="tx1"/>
+                <a:srgbClr val="000000"/>
               </a:solidFill>
-              <a:effectLst/>
-              <a:latin typeface="Arial" panose="020B0604020202020204" pitchFamily="34" charset="0"/>
+              <a:latin typeface="돋움체" panose="020B0609000101010101" pitchFamily="49" charset="-127"/>
+              <a:ea typeface="돋움체" panose="020B0609000101010101" pitchFamily="49" charset="-127"/>
             </a:endParaRPr>
           </a:p>
           <a:p>
-            <a:pPr marL="0" marR="0" lvl="0" indent="0" algn="l" defTabSz="914400" rtl="0" eaLnBrk="0" fontAlgn="base" latinLnBrk="0" hangingPunct="0">
-              <a:lnSpc>
-                <a:spcPct val="100000"/>
-              </a:lnSpc>
-              <a:spcBef>
-                <a:spcPct val="0"/>
-              </a:spcBef>
-              <a:spcAft>
-                <a:spcPct val="0"/>
-              </a:spcAft>
-              <a:buClrTx/>
-              <a:buSzTx/>
-              <a:buFontTx/>
-              <a:buNone/>
-              <a:tabLst/>
-            </a:pPr>
-            <a:endParaRPr kumimoji="0" lang="ko-KR" altLang="ko-KR" sz="1800" b="0" i="0" u="none" strike="noStrike" cap="none" normalizeH="0" baseline="0" dirty="0">
-              <a:ln>
-                <a:noFill/>
-              </a:ln>
+            <a:r>
+              <a:rPr lang="en-US" altLang="ko-KR" sz="1800" dirty="0">
+                <a:solidFill>
+                  <a:srgbClr val="0000FF"/>
+                </a:solidFill>
+                <a:latin typeface="돋움체" panose="020B0609000101010101" pitchFamily="49" charset="-127"/>
+                <a:ea typeface="돋움체" panose="020B0609000101010101" pitchFamily="49" charset="-127"/>
+              </a:rPr>
+              <a:t>void</a:t>
+            </a:r>
+            <a:r>
+              <a:rPr lang="en-US" altLang="ko-KR" sz="1800" dirty="0">
+                <a:solidFill>
+                  <a:srgbClr val="000000"/>
+                </a:solidFill>
+                <a:latin typeface="돋움체" panose="020B0609000101010101" pitchFamily="49" charset="-127"/>
+                <a:ea typeface="돋움체" panose="020B0609000101010101" pitchFamily="49" charset="-127"/>
+              </a:rPr>
+              <a:t> </a:t>
+            </a:r>
+            <a:r>
+              <a:rPr lang="en-US" altLang="ko-KR" sz="1800" dirty="0" err="1">
+                <a:solidFill>
+                  <a:srgbClr val="000000"/>
+                </a:solidFill>
+                <a:latin typeface="돋움체" panose="020B0609000101010101" pitchFamily="49" charset="-127"/>
+                <a:ea typeface="돋움체" panose="020B0609000101010101" pitchFamily="49" charset="-127"/>
+              </a:rPr>
+              <a:t>addLineNumbers</a:t>
+            </a:r>
+            <a:r>
+              <a:rPr lang="en-US" altLang="ko-KR" sz="1800" dirty="0">
+                <a:solidFill>
+                  <a:srgbClr val="000000"/>
+                </a:solidFill>
+                <a:latin typeface="돋움체" panose="020B0609000101010101" pitchFamily="49" charset="-127"/>
+                <a:ea typeface="돋움체" panose="020B0609000101010101" pitchFamily="49" charset="-127"/>
+              </a:rPr>
+              <a:t>(FILE* file, </a:t>
+            </a:r>
+            <a:r>
+              <a:rPr lang="en-US" altLang="ko-KR" sz="1800" dirty="0">
+                <a:solidFill>
+                  <a:srgbClr val="0000FF"/>
+                </a:solidFill>
+                <a:latin typeface="돋움체" panose="020B0609000101010101" pitchFamily="49" charset="-127"/>
+                <a:ea typeface="돋움체" panose="020B0609000101010101" pitchFamily="49" charset="-127"/>
+              </a:rPr>
+              <a:t>int</a:t>
+            </a:r>
+            <a:r>
+              <a:rPr lang="en-US" altLang="ko-KR" sz="1800" dirty="0">
+                <a:solidFill>
+                  <a:srgbClr val="000000"/>
+                </a:solidFill>
+                <a:latin typeface="돋움체" panose="020B0609000101010101" pitchFamily="49" charset="-127"/>
+                <a:ea typeface="돋움체" panose="020B0609000101010101" pitchFamily="49" charset="-127"/>
+              </a:rPr>
+              <a:t> width, </a:t>
+            </a:r>
+            <a:r>
+              <a:rPr lang="en-US" altLang="ko-KR" sz="1800" dirty="0">
+                <a:solidFill>
+                  <a:srgbClr val="0000FF"/>
+                </a:solidFill>
+                <a:latin typeface="돋움체" panose="020B0609000101010101" pitchFamily="49" charset="-127"/>
+                <a:ea typeface="돋움체" panose="020B0609000101010101" pitchFamily="49" charset="-127"/>
+              </a:rPr>
+              <a:t>char</a:t>
+            </a:r>
+            <a:r>
+              <a:rPr lang="en-US" altLang="ko-KR" sz="1800" dirty="0">
+                <a:solidFill>
+                  <a:srgbClr val="000000"/>
+                </a:solidFill>
+                <a:latin typeface="돋움체" panose="020B0609000101010101" pitchFamily="49" charset="-127"/>
+                <a:ea typeface="돋움체" panose="020B0609000101010101" pitchFamily="49" charset="-127"/>
+              </a:rPr>
+              <a:t>* separator, </a:t>
+            </a:r>
+            <a:r>
+              <a:rPr lang="en-US" altLang="ko-KR" sz="1800" dirty="0">
+                <a:solidFill>
+                  <a:srgbClr val="0000FF"/>
+                </a:solidFill>
+                <a:latin typeface="돋움체" panose="020B0609000101010101" pitchFamily="49" charset="-127"/>
+                <a:ea typeface="돋움체" panose="020B0609000101010101" pitchFamily="49" charset="-127"/>
+              </a:rPr>
+              <a:t>int</a:t>
+            </a:r>
+            <a:r>
+              <a:rPr lang="en-US" altLang="ko-KR" sz="1800" dirty="0">
+                <a:solidFill>
+                  <a:srgbClr val="000000"/>
+                </a:solidFill>
+                <a:latin typeface="돋움체" panose="020B0609000101010101" pitchFamily="49" charset="-127"/>
+                <a:ea typeface="돋움체" panose="020B0609000101010101" pitchFamily="49" charset="-127"/>
+              </a:rPr>
+              <a:t> </a:t>
+            </a:r>
+            <a:r>
+              <a:rPr lang="en-US" altLang="ko-KR" sz="1800" dirty="0" err="1">
+                <a:solidFill>
+                  <a:srgbClr val="000000"/>
+                </a:solidFill>
+                <a:latin typeface="돋움체" panose="020B0609000101010101" pitchFamily="49" charset="-127"/>
+                <a:ea typeface="돋움체" panose="020B0609000101010101" pitchFamily="49" charset="-127"/>
+              </a:rPr>
+              <a:t>startNumber</a:t>
+            </a:r>
+            <a:r>
+              <a:rPr lang="en-US" altLang="ko-KR" sz="1800" dirty="0">
+                <a:solidFill>
+                  <a:srgbClr val="000000"/>
+                </a:solidFill>
+                <a:latin typeface="돋움체" panose="020B0609000101010101" pitchFamily="49" charset="-127"/>
+                <a:ea typeface="돋움체" panose="020B0609000101010101" pitchFamily="49" charset="-127"/>
+              </a:rPr>
+              <a:t>, </a:t>
+            </a:r>
+            <a:r>
+              <a:rPr lang="en-US" altLang="ko-KR" sz="1800" dirty="0">
+                <a:solidFill>
+                  <a:srgbClr val="0000FF"/>
+                </a:solidFill>
+                <a:latin typeface="돋움체" panose="020B0609000101010101" pitchFamily="49" charset="-127"/>
+                <a:ea typeface="돋움체" panose="020B0609000101010101" pitchFamily="49" charset="-127"/>
+              </a:rPr>
+              <a:t>int</a:t>
+            </a:r>
+            <a:r>
+              <a:rPr lang="en-US" altLang="ko-KR" sz="1800" dirty="0">
+                <a:solidFill>
+                  <a:srgbClr val="000000"/>
+                </a:solidFill>
+                <a:latin typeface="돋움체" panose="020B0609000101010101" pitchFamily="49" charset="-127"/>
+                <a:ea typeface="돋움체" panose="020B0609000101010101" pitchFamily="49" charset="-127"/>
+              </a:rPr>
+              <a:t> increment) {</a:t>
+            </a:r>
+          </a:p>
+          <a:p>
+            <a:r>
+              <a:rPr lang="en-US" altLang="ko-KR" sz="1800" dirty="0">
+                <a:solidFill>
+                  <a:srgbClr val="000000"/>
+                </a:solidFill>
+                <a:latin typeface="돋움체" panose="020B0609000101010101" pitchFamily="49" charset="-127"/>
+                <a:ea typeface="돋움체" panose="020B0609000101010101" pitchFamily="49" charset="-127"/>
+              </a:rPr>
+              <a:t>    </a:t>
+            </a:r>
+            <a:r>
+              <a:rPr lang="en-US" altLang="ko-KR" sz="1800" dirty="0">
+                <a:solidFill>
+                  <a:srgbClr val="0000FF"/>
+                </a:solidFill>
+                <a:latin typeface="돋움체" panose="020B0609000101010101" pitchFamily="49" charset="-127"/>
+                <a:ea typeface="돋움체" panose="020B0609000101010101" pitchFamily="49" charset="-127"/>
+              </a:rPr>
+              <a:t>char</a:t>
+            </a:r>
+            <a:r>
+              <a:rPr lang="en-US" altLang="ko-KR" sz="1800" dirty="0">
+                <a:solidFill>
+                  <a:srgbClr val="000000"/>
+                </a:solidFill>
+                <a:latin typeface="돋움체" panose="020B0609000101010101" pitchFamily="49" charset="-127"/>
+                <a:ea typeface="돋움체" panose="020B0609000101010101" pitchFamily="49" charset="-127"/>
+              </a:rPr>
+              <a:t> line[BUFSIZ];</a:t>
+            </a:r>
+          </a:p>
+          <a:p>
+            <a:r>
+              <a:rPr lang="en-US" altLang="ko-KR" sz="1800" dirty="0">
+                <a:solidFill>
+                  <a:srgbClr val="000000"/>
+                </a:solidFill>
+                <a:latin typeface="돋움체" panose="020B0609000101010101" pitchFamily="49" charset="-127"/>
+                <a:ea typeface="돋움체" panose="020B0609000101010101" pitchFamily="49" charset="-127"/>
+              </a:rPr>
+              <a:t>    </a:t>
+            </a:r>
+            <a:r>
+              <a:rPr lang="en-US" altLang="ko-KR" sz="1800" dirty="0">
+                <a:solidFill>
+                  <a:srgbClr val="0000FF"/>
+                </a:solidFill>
+                <a:latin typeface="돋움체" panose="020B0609000101010101" pitchFamily="49" charset="-127"/>
+                <a:ea typeface="돋움체" panose="020B0609000101010101" pitchFamily="49" charset="-127"/>
+              </a:rPr>
+              <a:t>int</a:t>
+            </a:r>
+            <a:r>
+              <a:rPr lang="en-US" altLang="ko-KR" sz="1800" dirty="0">
+                <a:solidFill>
+                  <a:srgbClr val="000000"/>
+                </a:solidFill>
+                <a:latin typeface="돋움체" panose="020B0609000101010101" pitchFamily="49" charset="-127"/>
+                <a:ea typeface="돋움체" panose="020B0609000101010101" pitchFamily="49" charset="-127"/>
+              </a:rPr>
+              <a:t> </a:t>
+            </a:r>
+            <a:r>
+              <a:rPr lang="en-US" altLang="ko-KR" sz="1800" dirty="0" err="1">
+                <a:solidFill>
+                  <a:srgbClr val="000000"/>
+                </a:solidFill>
+                <a:latin typeface="돋움체" panose="020B0609000101010101" pitchFamily="49" charset="-127"/>
+                <a:ea typeface="돋움체" panose="020B0609000101010101" pitchFamily="49" charset="-127"/>
+              </a:rPr>
+              <a:t>lineNumber</a:t>
+            </a:r>
+            <a:r>
+              <a:rPr lang="en-US" altLang="ko-KR" sz="1800" dirty="0">
+                <a:solidFill>
+                  <a:srgbClr val="000000"/>
+                </a:solidFill>
+                <a:latin typeface="돋움체" panose="020B0609000101010101" pitchFamily="49" charset="-127"/>
+                <a:ea typeface="돋움체" panose="020B0609000101010101" pitchFamily="49" charset="-127"/>
+              </a:rPr>
+              <a:t> = </a:t>
+            </a:r>
+            <a:r>
+              <a:rPr lang="en-US" altLang="ko-KR" sz="1800" dirty="0" err="1">
+                <a:solidFill>
+                  <a:srgbClr val="000000"/>
+                </a:solidFill>
+                <a:latin typeface="돋움체" panose="020B0609000101010101" pitchFamily="49" charset="-127"/>
+                <a:ea typeface="돋움체" panose="020B0609000101010101" pitchFamily="49" charset="-127"/>
+              </a:rPr>
+              <a:t>startNumber</a:t>
+            </a:r>
+            <a:r>
+              <a:rPr lang="en-US" altLang="ko-KR" sz="1800" dirty="0">
+                <a:solidFill>
+                  <a:srgbClr val="000000"/>
+                </a:solidFill>
+                <a:latin typeface="돋움체" panose="020B0609000101010101" pitchFamily="49" charset="-127"/>
+                <a:ea typeface="돋움체" panose="020B0609000101010101" pitchFamily="49" charset="-127"/>
+              </a:rPr>
+              <a:t>;</a:t>
+            </a:r>
+          </a:p>
+          <a:p>
+            <a:endParaRPr lang="ko-KR" altLang="en-US" sz="1800" dirty="0">
               <a:solidFill>
-                <a:schemeClr val="tx1"/>
+                <a:srgbClr val="000000"/>
               </a:solidFill>
-              <a:effectLst/>
-              <a:latin typeface="Arial" panose="020B0604020202020204" pitchFamily="34" charset="0"/>
+              <a:latin typeface="돋움체" panose="020B0609000101010101" pitchFamily="49" charset="-127"/>
+              <a:ea typeface="돋움체" panose="020B0609000101010101" pitchFamily="49" charset="-127"/>
             </a:endParaRPr>
+          </a:p>
+          <a:p>
+            <a:r>
+              <a:rPr lang="en-US" altLang="ko-KR" sz="1800" dirty="0">
+                <a:solidFill>
+                  <a:srgbClr val="000000"/>
+                </a:solidFill>
+                <a:latin typeface="돋움체" panose="020B0609000101010101" pitchFamily="49" charset="-127"/>
+                <a:ea typeface="돋움체" panose="020B0609000101010101" pitchFamily="49" charset="-127"/>
+              </a:rPr>
+              <a:t>    </a:t>
+            </a:r>
+            <a:r>
+              <a:rPr lang="en-US" altLang="ko-KR" sz="1800" dirty="0">
+                <a:solidFill>
+                  <a:srgbClr val="0000FF"/>
+                </a:solidFill>
+                <a:latin typeface="돋움체" panose="020B0609000101010101" pitchFamily="49" charset="-127"/>
+                <a:ea typeface="돋움체" panose="020B0609000101010101" pitchFamily="49" charset="-127"/>
+              </a:rPr>
+              <a:t>while</a:t>
+            </a:r>
+            <a:r>
+              <a:rPr lang="en-US" altLang="ko-KR" sz="1800" dirty="0">
+                <a:solidFill>
+                  <a:srgbClr val="000000"/>
+                </a:solidFill>
+                <a:latin typeface="돋움체" panose="020B0609000101010101" pitchFamily="49" charset="-127"/>
+                <a:ea typeface="돋움체" panose="020B0609000101010101" pitchFamily="49" charset="-127"/>
+              </a:rPr>
+              <a:t> (</a:t>
+            </a:r>
+            <a:r>
+              <a:rPr lang="en-US" altLang="ko-KR" sz="1800" dirty="0" err="1">
+                <a:solidFill>
+                  <a:srgbClr val="000000"/>
+                </a:solidFill>
+                <a:latin typeface="돋움체" panose="020B0609000101010101" pitchFamily="49" charset="-127"/>
+                <a:ea typeface="돋움체" panose="020B0609000101010101" pitchFamily="49" charset="-127"/>
+              </a:rPr>
+              <a:t>fgets</a:t>
+            </a:r>
+            <a:r>
+              <a:rPr lang="en-US" altLang="ko-KR" sz="1800" dirty="0">
+                <a:solidFill>
+                  <a:srgbClr val="000000"/>
+                </a:solidFill>
+                <a:latin typeface="돋움체" panose="020B0609000101010101" pitchFamily="49" charset="-127"/>
+                <a:ea typeface="돋움체" panose="020B0609000101010101" pitchFamily="49" charset="-127"/>
+              </a:rPr>
+              <a:t>(line, </a:t>
+            </a:r>
+            <a:r>
+              <a:rPr lang="en-US" altLang="ko-KR" sz="1800" dirty="0" err="1">
+                <a:solidFill>
+                  <a:srgbClr val="0000FF"/>
+                </a:solidFill>
+                <a:latin typeface="돋움체" panose="020B0609000101010101" pitchFamily="49" charset="-127"/>
+                <a:ea typeface="돋움체" panose="020B0609000101010101" pitchFamily="49" charset="-127"/>
+              </a:rPr>
+              <a:t>sizeof</a:t>
+            </a:r>
+            <a:r>
+              <a:rPr lang="en-US" altLang="ko-KR" sz="1800" dirty="0">
+                <a:solidFill>
+                  <a:srgbClr val="000000"/>
+                </a:solidFill>
+                <a:latin typeface="돋움체" panose="020B0609000101010101" pitchFamily="49" charset="-127"/>
+                <a:ea typeface="돋움체" panose="020B0609000101010101" pitchFamily="49" charset="-127"/>
+              </a:rPr>
+              <a:t>(line), file) != NULL) {</a:t>
+            </a:r>
+          </a:p>
+          <a:p>
+            <a:r>
+              <a:rPr lang="en-US" altLang="ko-KR" sz="1800" dirty="0">
+                <a:solidFill>
+                  <a:srgbClr val="000000"/>
+                </a:solidFill>
+                <a:latin typeface="돋움체" panose="020B0609000101010101" pitchFamily="49" charset="-127"/>
+                <a:ea typeface="돋움체" panose="020B0609000101010101" pitchFamily="49" charset="-127"/>
+              </a:rPr>
+              <a:t>        </a:t>
+            </a:r>
+            <a:r>
+              <a:rPr lang="en-US" altLang="ko-KR" sz="1800" dirty="0">
+                <a:solidFill>
+                  <a:srgbClr val="0000FF"/>
+                </a:solidFill>
+                <a:latin typeface="돋움체" panose="020B0609000101010101" pitchFamily="49" charset="-127"/>
+                <a:ea typeface="돋움체" panose="020B0609000101010101" pitchFamily="49" charset="-127"/>
+              </a:rPr>
+              <a:t>if</a:t>
+            </a:r>
+            <a:r>
+              <a:rPr lang="en-US" altLang="ko-KR" sz="1800" dirty="0">
+                <a:solidFill>
+                  <a:srgbClr val="000000"/>
+                </a:solidFill>
+                <a:latin typeface="돋움체" panose="020B0609000101010101" pitchFamily="49" charset="-127"/>
+                <a:ea typeface="돋움체" panose="020B0609000101010101" pitchFamily="49" charset="-127"/>
+              </a:rPr>
+              <a:t> (!</a:t>
+            </a:r>
+            <a:r>
+              <a:rPr lang="en-US" altLang="ko-KR" sz="1800" dirty="0" err="1">
+                <a:solidFill>
+                  <a:srgbClr val="000000"/>
+                </a:solidFill>
+                <a:latin typeface="돋움체" panose="020B0609000101010101" pitchFamily="49" charset="-127"/>
+                <a:ea typeface="돋움체" panose="020B0609000101010101" pitchFamily="49" charset="-127"/>
+              </a:rPr>
+              <a:t>isBlankLine</a:t>
+            </a:r>
+            <a:r>
+              <a:rPr lang="en-US" altLang="ko-KR" sz="1800" dirty="0">
+                <a:solidFill>
+                  <a:srgbClr val="000000"/>
+                </a:solidFill>
+                <a:latin typeface="돋움체" panose="020B0609000101010101" pitchFamily="49" charset="-127"/>
+                <a:ea typeface="돋움체" panose="020B0609000101010101" pitchFamily="49" charset="-127"/>
+              </a:rPr>
+              <a:t>(line)) {</a:t>
+            </a:r>
+          </a:p>
+          <a:p>
+            <a:r>
+              <a:rPr lang="en-US" altLang="ko-KR" sz="1800" dirty="0">
+                <a:solidFill>
+                  <a:srgbClr val="000000"/>
+                </a:solidFill>
+                <a:latin typeface="돋움체" panose="020B0609000101010101" pitchFamily="49" charset="-127"/>
+                <a:ea typeface="돋움체" panose="020B0609000101010101" pitchFamily="49" charset="-127"/>
+              </a:rPr>
+              <a:t>            </a:t>
+            </a:r>
+            <a:r>
+              <a:rPr lang="en-US" altLang="ko-KR" sz="1800" dirty="0" err="1">
+                <a:solidFill>
+                  <a:srgbClr val="000000"/>
+                </a:solidFill>
+                <a:latin typeface="돋움체" panose="020B0609000101010101" pitchFamily="49" charset="-127"/>
+                <a:ea typeface="돋움체" panose="020B0609000101010101" pitchFamily="49" charset="-127"/>
+              </a:rPr>
+              <a:t>printf</a:t>
+            </a:r>
+            <a:r>
+              <a:rPr lang="en-US" altLang="ko-KR" sz="1800" dirty="0">
+                <a:solidFill>
+                  <a:srgbClr val="000000"/>
+                </a:solidFill>
+                <a:latin typeface="돋움체" panose="020B0609000101010101" pitchFamily="49" charset="-127"/>
+                <a:ea typeface="돋움체" panose="020B0609000101010101" pitchFamily="49" charset="-127"/>
+              </a:rPr>
+              <a:t>(</a:t>
+            </a:r>
+            <a:r>
+              <a:rPr lang="en-US" altLang="ko-KR" sz="1800" dirty="0">
+                <a:solidFill>
+                  <a:srgbClr val="A31515"/>
+                </a:solidFill>
+                <a:latin typeface="돋움체" panose="020B0609000101010101" pitchFamily="49" charset="-127"/>
+                <a:ea typeface="돋움체" panose="020B0609000101010101" pitchFamily="49" charset="-127"/>
+              </a:rPr>
+              <a:t>"%*</a:t>
+            </a:r>
+            <a:r>
+              <a:rPr lang="en-US" altLang="ko-KR" sz="1800" dirty="0" err="1">
+                <a:solidFill>
+                  <a:srgbClr val="A31515"/>
+                </a:solidFill>
+                <a:latin typeface="돋움체" panose="020B0609000101010101" pitchFamily="49" charset="-127"/>
+                <a:ea typeface="돋움체" panose="020B0609000101010101" pitchFamily="49" charset="-127"/>
+              </a:rPr>
+              <a:t>d%s%s</a:t>
+            </a:r>
+            <a:r>
+              <a:rPr lang="en-US" altLang="ko-KR" sz="1800" dirty="0">
+                <a:solidFill>
+                  <a:srgbClr val="A31515"/>
+                </a:solidFill>
+                <a:latin typeface="돋움체" panose="020B0609000101010101" pitchFamily="49" charset="-127"/>
+                <a:ea typeface="돋움체" panose="020B0609000101010101" pitchFamily="49" charset="-127"/>
+              </a:rPr>
+              <a:t>"</a:t>
+            </a:r>
+            <a:r>
+              <a:rPr lang="en-US" altLang="ko-KR" sz="1800" dirty="0">
+                <a:solidFill>
+                  <a:srgbClr val="000000"/>
+                </a:solidFill>
+                <a:latin typeface="돋움체" panose="020B0609000101010101" pitchFamily="49" charset="-127"/>
+                <a:ea typeface="돋움체" panose="020B0609000101010101" pitchFamily="49" charset="-127"/>
+              </a:rPr>
+              <a:t>, width, </a:t>
+            </a:r>
+            <a:r>
+              <a:rPr lang="en-US" altLang="ko-KR" sz="1800" dirty="0" err="1">
+                <a:solidFill>
+                  <a:srgbClr val="000000"/>
+                </a:solidFill>
+                <a:latin typeface="돋움체" panose="020B0609000101010101" pitchFamily="49" charset="-127"/>
+                <a:ea typeface="돋움체" panose="020B0609000101010101" pitchFamily="49" charset="-127"/>
+              </a:rPr>
+              <a:t>lineNumber</a:t>
+            </a:r>
+            <a:r>
+              <a:rPr lang="en-US" altLang="ko-KR" sz="1800" dirty="0">
+                <a:solidFill>
+                  <a:srgbClr val="000000"/>
+                </a:solidFill>
+                <a:latin typeface="돋움체" panose="020B0609000101010101" pitchFamily="49" charset="-127"/>
+                <a:ea typeface="돋움체" panose="020B0609000101010101" pitchFamily="49" charset="-127"/>
+              </a:rPr>
+              <a:t>, separator, line);</a:t>
+            </a:r>
+          </a:p>
+          <a:p>
+            <a:r>
+              <a:rPr lang="en-US" altLang="ko-KR" sz="1800" dirty="0">
+                <a:solidFill>
+                  <a:srgbClr val="000000"/>
+                </a:solidFill>
+                <a:latin typeface="돋움체" panose="020B0609000101010101" pitchFamily="49" charset="-127"/>
+                <a:ea typeface="돋움체" panose="020B0609000101010101" pitchFamily="49" charset="-127"/>
+              </a:rPr>
+              <a:t>            </a:t>
+            </a:r>
+            <a:r>
+              <a:rPr lang="en-US" altLang="ko-KR" sz="1800" dirty="0" err="1">
+                <a:solidFill>
+                  <a:srgbClr val="000000"/>
+                </a:solidFill>
+                <a:latin typeface="돋움체" panose="020B0609000101010101" pitchFamily="49" charset="-127"/>
+                <a:ea typeface="돋움체" panose="020B0609000101010101" pitchFamily="49" charset="-127"/>
+              </a:rPr>
+              <a:t>lineNumber</a:t>
+            </a:r>
+            <a:r>
+              <a:rPr lang="en-US" altLang="ko-KR" sz="1800" dirty="0">
+                <a:solidFill>
+                  <a:srgbClr val="000000"/>
+                </a:solidFill>
+                <a:latin typeface="돋움체" panose="020B0609000101010101" pitchFamily="49" charset="-127"/>
+                <a:ea typeface="돋움체" panose="020B0609000101010101" pitchFamily="49" charset="-127"/>
+              </a:rPr>
+              <a:t> += increment;</a:t>
+            </a:r>
+          </a:p>
+          <a:p>
+            <a:r>
+              <a:rPr lang="ko-KR" altLang="en-US" sz="1800" dirty="0">
+                <a:solidFill>
+                  <a:srgbClr val="000000"/>
+                </a:solidFill>
+                <a:latin typeface="돋움체" panose="020B0609000101010101" pitchFamily="49" charset="-127"/>
+                <a:ea typeface="돋움체" panose="020B0609000101010101" pitchFamily="49" charset="-127"/>
+              </a:rPr>
+              <a:t>        </a:t>
+            </a:r>
+            <a:r>
+              <a:rPr lang="en-US" altLang="ko-KR" sz="1800" dirty="0">
+                <a:solidFill>
+                  <a:srgbClr val="000000"/>
+                </a:solidFill>
+                <a:latin typeface="돋움체" panose="020B0609000101010101" pitchFamily="49" charset="-127"/>
+                <a:ea typeface="돋움체" panose="020B0609000101010101" pitchFamily="49" charset="-127"/>
+              </a:rPr>
+              <a:t>}</a:t>
+            </a:r>
+          </a:p>
+          <a:p>
+            <a:r>
+              <a:rPr lang="en-US" altLang="ko-KR" sz="1800" dirty="0">
+                <a:solidFill>
+                  <a:srgbClr val="000000"/>
+                </a:solidFill>
+                <a:latin typeface="돋움체" panose="020B0609000101010101" pitchFamily="49" charset="-127"/>
+                <a:ea typeface="돋움체" panose="020B0609000101010101" pitchFamily="49" charset="-127"/>
+              </a:rPr>
+              <a:t>        </a:t>
+            </a:r>
+            <a:r>
+              <a:rPr lang="en-US" altLang="ko-KR" sz="1800" dirty="0">
+                <a:solidFill>
+                  <a:srgbClr val="0000FF"/>
+                </a:solidFill>
+                <a:latin typeface="돋움체" panose="020B0609000101010101" pitchFamily="49" charset="-127"/>
+                <a:ea typeface="돋움체" panose="020B0609000101010101" pitchFamily="49" charset="-127"/>
+              </a:rPr>
+              <a:t>else</a:t>
+            </a:r>
+            <a:r>
+              <a:rPr lang="en-US" altLang="ko-KR" sz="1800" dirty="0">
+                <a:solidFill>
+                  <a:srgbClr val="000000"/>
+                </a:solidFill>
+                <a:latin typeface="돋움체" panose="020B0609000101010101" pitchFamily="49" charset="-127"/>
+                <a:ea typeface="돋움체" panose="020B0609000101010101" pitchFamily="49" charset="-127"/>
+              </a:rPr>
+              <a:t> {</a:t>
+            </a:r>
+          </a:p>
+          <a:p>
+            <a:r>
+              <a:rPr lang="en-US" altLang="ko-KR" sz="1800" dirty="0">
+                <a:solidFill>
+                  <a:srgbClr val="000000"/>
+                </a:solidFill>
+                <a:latin typeface="돋움체" panose="020B0609000101010101" pitchFamily="49" charset="-127"/>
+                <a:ea typeface="돋움체" panose="020B0609000101010101" pitchFamily="49" charset="-127"/>
+              </a:rPr>
+              <a:t>            </a:t>
+            </a:r>
+            <a:r>
+              <a:rPr lang="en-US" altLang="ko-KR" sz="1800" dirty="0" err="1">
+                <a:solidFill>
+                  <a:srgbClr val="000000"/>
+                </a:solidFill>
+                <a:latin typeface="돋움체" panose="020B0609000101010101" pitchFamily="49" charset="-127"/>
+                <a:ea typeface="돋움체" panose="020B0609000101010101" pitchFamily="49" charset="-127"/>
+              </a:rPr>
+              <a:t>printf</a:t>
+            </a:r>
+            <a:r>
+              <a:rPr lang="en-US" altLang="ko-KR" sz="1800" dirty="0">
+                <a:solidFill>
+                  <a:srgbClr val="000000"/>
+                </a:solidFill>
+                <a:latin typeface="돋움체" panose="020B0609000101010101" pitchFamily="49" charset="-127"/>
+                <a:ea typeface="돋움체" panose="020B0609000101010101" pitchFamily="49" charset="-127"/>
+              </a:rPr>
+              <a:t>(</a:t>
+            </a:r>
+            <a:r>
+              <a:rPr lang="en-US" altLang="ko-KR" sz="1800" dirty="0">
+                <a:solidFill>
+                  <a:srgbClr val="A31515"/>
+                </a:solidFill>
+                <a:latin typeface="돋움체" panose="020B0609000101010101" pitchFamily="49" charset="-127"/>
+                <a:ea typeface="돋움체" panose="020B0609000101010101" pitchFamily="49" charset="-127"/>
+              </a:rPr>
+              <a:t>"%s"</a:t>
+            </a:r>
+            <a:r>
+              <a:rPr lang="en-US" altLang="ko-KR" sz="1800" dirty="0">
+                <a:solidFill>
+                  <a:srgbClr val="000000"/>
+                </a:solidFill>
+                <a:latin typeface="돋움체" panose="020B0609000101010101" pitchFamily="49" charset="-127"/>
+                <a:ea typeface="돋움체" panose="020B0609000101010101" pitchFamily="49" charset="-127"/>
+              </a:rPr>
+              <a:t>, line);</a:t>
+            </a:r>
+          </a:p>
+          <a:p>
+            <a:r>
+              <a:rPr lang="ko-KR" altLang="en-US" sz="1800" dirty="0">
+                <a:solidFill>
+                  <a:srgbClr val="000000"/>
+                </a:solidFill>
+                <a:latin typeface="돋움체" panose="020B0609000101010101" pitchFamily="49" charset="-127"/>
+                <a:ea typeface="돋움체" panose="020B0609000101010101" pitchFamily="49" charset="-127"/>
+              </a:rPr>
+              <a:t>        </a:t>
+            </a:r>
+            <a:r>
+              <a:rPr lang="en-US" altLang="ko-KR" sz="1800" dirty="0">
+                <a:solidFill>
+                  <a:srgbClr val="000000"/>
+                </a:solidFill>
+                <a:latin typeface="돋움체" panose="020B0609000101010101" pitchFamily="49" charset="-127"/>
+                <a:ea typeface="돋움체" panose="020B0609000101010101" pitchFamily="49" charset="-127"/>
+              </a:rPr>
+              <a:t>}</a:t>
+            </a:r>
+          </a:p>
+          <a:p>
+            <a:r>
+              <a:rPr lang="ko-KR" altLang="en-US" sz="1800" dirty="0">
+                <a:solidFill>
+                  <a:srgbClr val="000000"/>
+                </a:solidFill>
+                <a:latin typeface="돋움체" panose="020B0609000101010101" pitchFamily="49" charset="-127"/>
+                <a:ea typeface="돋움체" panose="020B0609000101010101" pitchFamily="49" charset="-127"/>
+              </a:rPr>
+              <a:t>    </a:t>
+            </a:r>
+            <a:r>
+              <a:rPr lang="en-US" altLang="ko-KR" sz="1800" dirty="0">
+                <a:solidFill>
+                  <a:srgbClr val="000000"/>
+                </a:solidFill>
+                <a:latin typeface="돋움체" panose="020B0609000101010101" pitchFamily="49" charset="-127"/>
+                <a:ea typeface="돋움체" panose="020B0609000101010101" pitchFamily="49" charset="-127"/>
+              </a:rPr>
+              <a:t>}</a:t>
+            </a:r>
+          </a:p>
+          <a:p>
+            <a:r>
+              <a:rPr lang="en-US" altLang="ko-KR" sz="1800" dirty="0">
+                <a:solidFill>
+                  <a:srgbClr val="000000"/>
+                </a:solidFill>
+                <a:latin typeface="돋움체" panose="020B0609000101010101" pitchFamily="49" charset="-127"/>
+                <a:ea typeface="돋움체" panose="020B0609000101010101" pitchFamily="49" charset="-127"/>
+              </a:rPr>
+              <a:t>}</a:t>
+            </a:r>
+            <a:endParaRPr lang="ko-KR" altLang="en-US" dirty="0"/>
           </a:p>
         </p:txBody>
       </p:sp>
     </p:spTree>
     <p:extLst>
       <p:ext uri="{BB962C8B-B14F-4D97-AF65-F5344CB8AC3E}">
-        <p14:creationId xmlns:p14="http://schemas.microsoft.com/office/powerpoint/2010/main" val="2890886609"/>
+        <p14:creationId xmlns:p14="http://schemas.microsoft.com/office/powerpoint/2010/main" val="1838414578"/>
       </p:ext>
     </p:extLst>
   </p:cSld>
@@ -12454,7 +14348,7 @@
           <p:cNvPr id="2" name="제목 1">
             <a:extLst>
               <a:ext uri="{FF2B5EF4-FFF2-40B4-BE49-F238E27FC236}">
-                <a16:creationId xmlns:a16="http://schemas.microsoft.com/office/drawing/2014/main" id="{3CD5C78F-56DD-06F9-6011-2DF977D31125}"/>
+                <a16:creationId xmlns:a16="http://schemas.microsoft.com/office/drawing/2014/main" id="{0B193434-5D2F-A593-85CB-8CD5A191BF4C}"/>
               </a:ext>
             </a:extLst>
           </p:cNvPr>
@@ -12471,277 +14365,682 @@
           <a:lstStyle/>
           <a:p>
             <a:r>
+              <a:rPr lang="en-US" altLang="ko-KR" dirty="0" err="1"/>
+              <a:t>mynl.c</a:t>
+            </a:r>
+            <a:r>
+              <a:rPr lang="ko-KR" altLang="en-US" dirty="0"/>
+              <a:t> </a:t>
+            </a:r>
+            <a:r>
               <a:rPr lang="en-US" altLang="ko-KR" dirty="0"/>
-              <a:t>Tail options (n, c, q)</a:t>
-            </a:r>
-            <a:endParaRPr lang="ko-KR" altLang="en-US" dirty="0"/>
+              <a:t>(3) – </a:t>
+            </a:r>
+            <a:r>
+              <a:rPr lang="ko-KR" altLang="en-US" dirty="0"/>
+              <a:t>빈 줄인지 확인</a:t>
+            </a:r>
           </a:p>
         </p:txBody>
       </p:sp>
-      <p:pic>
-        <p:nvPicPr>
-          <p:cNvPr id="5" name="내용 개체 틀 4">
+      <p:sp>
+        <p:nvSpPr>
+          <p:cNvPr id="4" name="TextBox 3">
             <a:extLst>
               <a:ext uri="{FF2B5EF4-FFF2-40B4-BE49-F238E27FC236}">
-                <a16:creationId xmlns:a16="http://schemas.microsoft.com/office/drawing/2014/main" id="{AE969601-32C8-1CA4-57E1-1A6AAC5EF4DF}"/>
+                <a16:creationId xmlns:a16="http://schemas.microsoft.com/office/drawing/2014/main" id="{5EFB33E2-40FE-3967-1C8C-D955702D1901}"/>
               </a:ext>
             </a:extLst>
           </p:cNvPr>
-          <p:cNvPicPr>
-            <a:picLocks noGrp="1" noChangeAspect="1"/>
-          </p:cNvPicPr>
-          <p:nvPr>
-            <p:ph idx="1"/>
-          </p:nvPr>
-        </p:nvPicPr>
-        <p:blipFill>
-          <a:blip r:embed="rId2"/>
-          <a:stretch>
-            <a:fillRect/>
-          </a:stretch>
-        </p:blipFill>
+          <p:cNvSpPr txBox="1"/>
+          <p:nvPr/>
+        </p:nvSpPr>
         <p:spPr>
           <a:xfrm>
-            <a:off x="838200" y="1690689"/>
-            <a:ext cx="10186202" cy="4802186"/>
-          </a:xfrm>
-        </p:spPr>
-      </p:pic>
-      <p:pic>
-        <p:nvPicPr>
-          <p:cNvPr id="7" name="그림 6">
-            <a:extLst>
-              <a:ext uri="{FF2B5EF4-FFF2-40B4-BE49-F238E27FC236}">
-                <a16:creationId xmlns:a16="http://schemas.microsoft.com/office/drawing/2014/main" id="{6CC1B31D-DE02-764D-19D9-B4714F9433A0}"/>
-              </a:ext>
-            </a:extLst>
-          </p:cNvPr>
-          <p:cNvPicPr>
-            <a:picLocks noChangeAspect="1"/>
-          </p:cNvPicPr>
-          <p:nvPr/>
-        </p:nvPicPr>
-        <p:blipFill>
-          <a:blip r:embed="rId3"/>
-          <a:stretch>
-            <a:fillRect/>
-          </a:stretch>
-        </p:blipFill>
-        <p:spPr>
-          <a:xfrm>
-            <a:off x="838199" y="1690687"/>
-            <a:ext cx="10175771" cy="3837657"/>
+            <a:off x="838200" y="1690688"/>
+            <a:ext cx="10110460" cy="3416320"/>
           </a:xfrm>
           <a:prstGeom prst="rect">
             <a:avLst/>
           </a:prstGeom>
+          <a:noFill/>
         </p:spPr>
-      </p:pic>
-      <p:pic>
-        <p:nvPicPr>
-          <p:cNvPr id="9" name="그림 8">
-            <a:extLst>
-              <a:ext uri="{FF2B5EF4-FFF2-40B4-BE49-F238E27FC236}">
-                <a16:creationId xmlns:a16="http://schemas.microsoft.com/office/drawing/2014/main" id="{83FDC5FD-ACE8-B2A0-5D84-88868D6BB92F}"/>
-              </a:ext>
-            </a:extLst>
-          </p:cNvPr>
-          <p:cNvPicPr>
-            <a:picLocks noChangeAspect="1"/>
-          </p:cNvPicPr>
-          <p:nvPr/>
-        </p:nvPicPr>
-        <p:blipFill>
-          <a:blip r:embed="rId4"/>
-          <a:stretch>
-            <a:fillRect/>
-          </a:stretch>
-        </p:blipFill>
-        <p:spPr>
-          <a:xfrm>
-            <a:off x="838198" y="1690687"/>
-            <a:ext cx="8397067" cy="4802186"/>
-          </a:xfrm>
-          <a:prstGeom prst="rect">
-            <a:avLst/>
-          </a:prstGeom>
-        </p:spPr>
-      </p:pic>
+        <p:txBody>
+          <a:bodyPr wrap="none" rtlCol="0">
+            <a:spAutoFit/>
+          </a:bodyPr>
+          <a:lstStyle/>
+          <a:p>
+            <a:r>
+              <a:rPr lang="en-US" altLang="ko-KR" sz="1800" dirty="0">
+                <a:solidFill>
+                  <a:srgbClr val="008000"/>
+                </a:solidFill>
+                <a:latin typeface="돋움체" panose="020B0609000101010101" pitchFamily="49" charset="-127"/>
+                <a:ea typeface="돋움체" panose="020B0609000101010101" pitchFamily="49" charset="-127"/>
+              </a:rPr>
+              <a:t>// </a:t>
+            </a:r>
+            <a:r>
+              <a:rPr lang="ko-KR" altLang="en-US" sz="1800" dirty="0">
+                <a:solidFill>
+                  <a:srgbClr val="008000"/>
+                </a:solidFill>
+                <a:latin typeface="돋움체" panose="020B0609000101010101" pitchFamily="49" charset="-127"/>
+                <a:ea typeface="돋움체" panose="020B0609000101010101" pitchFamily="49" charset="-127"/>
+              </a:rPr>
+              <a:t>빈 줄인지 확인해주는 함수</a:t>
+            </a:r>
+            <a:endParaRPr lang="ko-KR" altLang="en-US" sz="1800" dirty="0">
+              <a:solidFill>
+                <a:srgbClr val="000000"/>
+              </a:solidFill>
+              <a:latin typeface="돋움체" panose="020B0609000101010101" pitchFamily="49" charset="-127"/>
+              <a:ea typeface="돋움체" panose="020B0609000101010101" pitchFamily="49" charset="-127"/>
+            </a:endParaRPr>
+          </a:p>
+          <a:p>
+            <a:r>
+              <a:rPr lang="en-US" altLang="ko-KR" sz="1800" dirty="0">
+                <a:solidFill>
+                  <a:srgbClr val="0000FF"/>
+                </a:solidFill>
+                <a:latin typeface="돋움체" panose="020B0609000101010101" pitchFamily="49" charset="-127"/>
+                <a:ea typeface="돋움체" panose="020B0609000101010101" pitchFamily="49" charset="-127"/>
+              </a:rPr>
+              <a:t>int</a:t>
+            </a:r>
+            <a:r>
+              <a:rPr lang="en-US" altLang="ko-KR" sz="1800" dirty="0">
+                <a:solidFill>
+                  <a:srgbClr val="000000"/>
+                </a:solidFill>
+                <a:latin typeface="돋움체" panose="020B0609000101010101" pitchFamily="49" charset="-127"/>
+                <a:ea typeface="돋움체" panose="020B0609000101010101" pitchFamily="49" charset="-127"/>
+              </a:rPr>
+              <a:t> </a:t>
+            </a:r>
+            <a:r>
+              <a:rPr lang="en-US" altLang="ko-KR" sz="1800" dirty="0" err="1">
+                <a:solidFill>
+                  <a:srgbClr val="000000"/>
+                </a:solidFill>
+                <a:latin typeface="돋움체" panose="020B0609000101010101" pitchFamily="49" charset="-127"/>
+                <a:ea typeface="돋움체" panose="020B0609000101010101" pitchFamily="49" charset="-127"/>
+              </a:rPr>
+              <a:t>isBlankLine</a:t>
+            </a:r>
+            <a:r>
+              <a:rPr lang="en-US" altLang="ko-KR" sz="1800" dirty="0">
+                <a:solidFill>
+                  <a:srgbClr val="000000"/>
+                </a:solidFill>
+                <a:latin typeface="돋움체" panose="020B0609000101010101" pitchFamily="49" charset="-127"/>
+                <a:ea typeface="돋움체" panose="020B0609000101010101" pitchFamily="49" charset="-127"/>
+              </a:rPr>
+              <a:t>(</a:t>
+            </a:r>
+            <a:r>
+              <a:rPr lang="en-US" altLang="ko-KR" sz="1800" dirty="0">
+                <a:solidFill>
+                  <a:srgbClr val="0000FF"/>
+                </a:solidFill>
+                <a:latin typeface="돋움체" panose="020B0609000101010101" pitchFamily="49" charset="-127"/>
+                <a:ea typeface="돋움체" panose="020B0609000101010101" pitchFamily="49" charset="-127"/>
+              </a:rPr>
+              <a:t>const</a:t>
+            </a:r>
+            <a:r>
+              <a:rPr lang="en-US" altLang="ko-KR" sz="1800" dirty="0">
+                <a:solidFill>
+                  <a:srgbClr val="000000"/>
+                </a:solidFill>
+                <a:latin typeface="돋움체" panose="020B0609000101010101" pitchFamily="49" charset="-127"/>
+                <a:ea typeface="돋움체" panose="020B0609000101010101" pitchFamily="49" charset="-127"/>
+              </a:rPr>
+              <a:t> </a:t>
+            </a:r>
+            <a:r>
+              <a:rPr lang="en-US" altLang="ko-KR" sz="1800" dirty="0">
+                <a:solidFill>
+                  <a:srgbClr val="0000FF"/>
+                </a:solidFill>
+                <a:latin typeface="돋움체" panose="020B0609000101010101" pitchFamily="49" charset="-127"/>
+                <a:ea typeface="돋움체" panose="020B0609000101010101" pitchFamily="49" charset="-127"/>
+              </a:rPr>
+              <a:t>char</a:t>
+            </a:r>
+            <a:r>
+              <a:rPr lang="en-US" altLang="ko-KR" sz="1800" dirty="0">
+                <a:solidFill>
+                  <a:srgbClr val="000000"/>
+                </a:solidFill>
+                <a:latin typeface="돋움체" panose="020B0609000101010101" pitchFamily="49" charset="-127"/>
+                <a:ea typeface="돋움체" panose="020B0609000101010101" pitchFamily="49" charset="-127"/>
+              </a:rPr>
+              <a:t>* line) {</a:t>
+            </a:r>
+          </a:p>
+          <a:p>
+            <a:r>
+              <a:rPr lang="en-US" altLang="ko-KR" sz="1800" dirty="0">
+                <a:solidFill>
+                  <a:srgbClr val="000000"/>
+                </a:solidFill>
+                <a:latin typeface="돋움체" panose="020B0609000101010101" pitchFamily="49" charset="-127"/>
+                <a:ea typeface="돋움체" panose="020B0609000101010101" pitchFamily="49" charset="-127"/>
+              </a:rPr>
+              <a:t>    </a:t>
+            </a:r>
+            <a:r>
+              <a:rPr lang="en-US" altLang="ko-KR" sz="1800" dirty="0">
+                <a:solidFill>
+                  <a:srgbClr val="0000FF"/>
+                </a:solidFill>
+                <a:latin typeface="돋움체" panose="020B0609000101010101" pitchFamily="49" charset="-127"/>
+                <a:ea typeface="돋움체" panose="020B0609000101010101" pitchFamily="49" charset="-127"/>
+              </a:rPr>
+              <a:t>int</a:t>
+            </a:r>
+            <a:r>
+              <a:rPr lang="en-US" altLang="ko-KR" sz="1800" dirty="0">
+                <a:solidFill>
+                  <a:srgbClr val="000000"/>
+                </a:solidFill>
+                <a:latin typeface="돋움체" panose="020B0609000101010101" pitchFamily="49" charset="-127"/>
+                <a:ea typeface="돋움체" panose="020B0609000101010101" pitchFamily="49" charset="-127"/>
+              </a:rPr>
+              <a:t> </a:t>
+            </a:r>
+            <a:r>
+              <a:rPr lang="en-US" altLang="ko-KR" sz="1800" dirty="0" err="1">
+                <a:solidFill>
+                  <a:srgbClr val="000000"/>
+                </a:solidFill>
+                <a:latin typeface="돋움체" panose="020B0609000101010101" pitchFamily="49" charset="-127"/>
+                <a:ea typeface="돋움체" panose="020B0609000101010101" pitchFamily="49" charset="-127"/>
+              </a:rPr>
+              <a:t>i</a:t>
+            </a:r>
+            <a:r>
+              <a:rPr lang="en-US" altLang="ko-KR" sz="1800" dirty="0">
+                <a:solidFill>
+                  <a:srgbClr val="000000"/>
+                </a:solidFill>
+                <a:latin typeface="돋움체" panose="020B0609000101010101" pitchFamily="49" charset="-127"/>
+                <a:ea typeface="돋움체" panose="020B0609000101010101" pitchFamily="49" charset="-127"/>
+              </a:rPr>
+              <a:t> = 0;</a:t>
+            </a:r>
+          </a:p>
+          <a:p>
+            <a:r>
+              <a:rPr lang="en-US" altLang="ko-KR" sz="1800" dirty="0">
+                <a:solidFill>
+                  <a:srgbClr val="000000"/>
+                </a:solidFill>
+                <a:latin typeface="돋움체" panose="020B0609000101010101" pitchFamily="49" charset="-127"/>
+                <a:ea typeface="돋움체" panose="020B0609000101010101" pitchFamily="49" charset="-127"/>
+              </a:rPr>
+              <a:t>    </a:t>
+            </a:r>
+            <a:r>
+              <a:rPr lang="en-US" altLang="ko-KR" sz="1800" dirty="0">
+                <a:solidFill>
+                  <a:srgbClr val="008000"/>
+                </a:solidFill>
+                <a:latin typeface="돋움체" panose="020B0609000101010101" pitchFamily="49" charset="-127"/>
+                <a:ea typeface="돋움체" panose="020B0609000101010101" pitchFamily="49" charset="-127"/>
+              </a:rPr>
+              <a:t>// EOF</a:t>
+            </a:r>
+            <a:r>
+              <a:rPr lang="ko-KR" altLang="en-US" sz="1800" dirty="0">
+                <a:solidFill>
+                  <a:srgbClr val="008000"/>
+                </a:solidFill>
+                <a:latin typeface="돋움체" panose="020B0609000101010101" pitchFamily="49" charset="-127"/>
+                <a:ea typeface="돋움체" panose="020B0609000101010101" pitchFamily="49" charset="-127"/>
+              </a:rPr>
+              <a:t>확인</a:t>
+            </a:r>
+            <a:endParaRPr lang="ko-KR" altLang="en-US" sz="1800" dirty="0">
+              <a:solidFill>
+                <a:srgbClr val="000000"/>
+              </a:solidFill>
+              <a:latin typeface="돋움체" panose="020B0609000101010101" pitchFamily="49" charset="-127"/>
+              <a:ea typeface="돋움체" panose="020B0609000101010101" pitchFamily="49" charset="-127"/>
+            </a:endParaRPr>
+          </a:p>
+          <a:p>
+            <a:r>
+              <a:rPr lang="en-US" altLang="ko-KR" sz="1800" dirty="0">
+                <a:solidFill>
+                  <a:srgbClr val="000000"/>
+                </a:solidFill>
+                <a:latin typeface="돋움체" panose="020B0609000101010101" pitchFamily="49" charset="-127"/>
+                <a:ea typeface="돋움체" panose="020B0609000101010101" pitchFamily="49" charset="-127"/>
+              </a:rPr>
+              <a:t>    </a:t>
+            </a:r>
+            <a:r>
+              <a:rPr lang="en-US" altLang="ko-KR" sz="1800" dirty="0">
+                <a:solidFill>
+                  <a:srgbClr val="0000FF"/>
+                </a:solidFill>
+                <a:latin typeface="돋움체" panose="020B0609000101010101" pitchFamily="49" charset="-127"/>
+                <a:ea typeface="돋움체" panose="020B0609000101010101" pitchFamily="49" charset="-127"/>
+              </a:rPr>
+              <a:t>while</a:t>
+            </a:r>
+            <a:r>
+              <a:rPr lang="en-US" altLang="ko-KR" sz="1800" dirty="0">
+                <a:solidFill>
+                  <a:srgbClr val="000000"/>
+                </a:solidFill>
+                <a:latin typeface="돋움체" panose="020B0609000101010101" pitchFamily="49" charset="-127"/>
+                <a:ea typeface="돋움체" panose="020B0609000101010101" pitchFamily="49" charset="-127"/>
+              </a:rPr>
+              <a:t> (line[</a:t>
+            </a:r>
+            <a:r>
+              <a:rPr lang="en-US" altLang="ko-KR" sz="1800" dirty="0" err="1">
+                <a:solidFill>
+                  <a:srgbClr val="000000"/>
+                </a:solidFill>
+                <a:latin typeface="돋움체" panose="020B0609000101010101" pitchFamily="49" charset="-127"/>
+                <a:ea typeface="돋움체" panose="020B0609000101010101" pitchFamily="49" charset="-127"/>
+              </a:rPr>
+              <a:t>i</a:t>
+            </a:r>
+            <a:r>
+              <a:rPr lang="en-US" altLang="ko-KR" sz="1800" dirty="0">
+                <a:solidFill>
+                  <a:srgbClr val="000000"/>
+                </a:solidFill>
+                <a:latin typeface="돋움체" panose="020B0609000101010101" pitchFamily="49" charset="-127"/>
+                <a:ea typeface="돋움체" panose="020B0609000101010101" pitchFamily="49" charset="-127"/>
+              </a:rPr>
+              <a:t>] != </a:t>
+            </a:r>
+            <a:r>
+              <a:rPr lang="en-US" altLang="ko-KR" sz="1800" dirty="0">
+                <a:solidFill>
+                  <a:srgbClr val="A31515"/>
+                </a:solidFill>
+                <a:latin typeface="돋움체" panose="020B0609000101010101" pitchFamily="49" charset="-127"/>
+                <a:ea typeface="돋움체" panose="020B0609000101010101" pitchFamily="49" charset="-127"/>
+              </a:rPr>
+              <a:t>'\0'</a:t>
+            </a:r>
+            <a:r>
+              <a:rPr lang="en-US" altLang="ko-KR" sz="1800" dirty="0">
+                <a:solidFill>
+                  <a:srgbClr val="000000"/>
+                </a:solidFill>
+                <a:latin typeface="돋움체" panose="020B0609000101010101" pitchFamily="49" charset="-127"/>
+                <a:ea typeface="돋움체" panose="020B0609000101010101" pitchFamily="49" charset="-127"/>
+              </a:rPr>
+              <a:t>) {</a:t>
+            </a:r>
+          </a:p>
+          <a:p>
+            <a:r>
+              <a:rPr lang="en-US" altLang="ko-KR" sz="1800" dirty="0">
+                <a:solidFill>
+                  <a:srgbClr val="000000"/>
+                </a:solidFill>
+                <a:latin typeface="돋움체" panose="020B0609000101010101" pitchFamily="49" charset="-127"/>
+                <a:ea typeface="돋움체" panose="020B0609000101010101" pitchFamily="49" charset="-127"/>
+              </a:rPr>
+              <a:t>        </a:t>
+            </a:r>
+            <a:r>
+              <a:rPr lang="en-US" altLang="ko-KR" sz="1800" dirty="0">
+                <a:solidFill>
+                  <a:srgbClr val="0000FF"/>
+                </a:solidFill>
+                <a:latin typeface="돋움체" panose="020B0609000101010101" pitchFamily="49" charset="-127"/>
+                <a:ea typeface="돋움체" panose="020B0609000101010101" pitchFamily="49" charset="-127"/>
+              </a:rPr>
+              <a:t>if</a:t>
+            </a:r>
+            <a:r>
+              <a:rPr lang="en-US" altLang="ko-KR" sz="1800" dirty="0">
+                <a:solidFill>
+                  <a:srgbClr val="000000"/>
+                </a:solidFill>
+                <a:latin typeface="돋움체" panose="020B0609000101010101" pitchFamily="49" charset="-127"/>
+                <a:ea typeface="돋움체" panose="020B0609000101010101" pitchFamily="49" charset="-127"/>
+              </a:rPr>
+              <a:t> (line[</a:t>
+            </a:r>
+            <a:r>
+              <a:rPr lang="en-US" altLang="ko-KR" sz="1800" dirty="0" err="1">
+                <a:solidFill>
+                  <a:srgbClr val="000000"/>
+                </a:solidFill>
+                <a:latin typeface="돋움체" panose="020B0609000101010101" pitchFamily="49" charset="-127"/>
+                <a:ea typeface="돋움체" panose="020B0609000101010101" pitchFamily="49" charset="-127"/>
+              </a:rPr>
+              <a:t>i</a:t>
+            </a:r>
+            <a:r>
+              <a:rPr lang="en-US" altLang="ko-KR" sz="1800" dirty="0">
+                <a:solidFill>
+                  <a:srgbClr val="000000"/>
+                </a:solidFill>
+                <a:latin typeface="돋움체" panose="020B0609000101010101" pitchFamily="49" charset="-127"/>
+                <a:ea typeface="돋움체" panose="020B0609000101010101" pitchFamily="49" charset="-127"/>
+              </a:rPr>
+              <a:t>] != </a:t>
+            </a:r>
+            <a:r>
+              <a:rPr lang="en-US" altLang="ko-KR" sz="1800" dirty="0">
+                <a:solidFill>
+                  <a:srgbClr val="A31515"/>
+                </a:solidFill>
+                <a:latin typeface="돋움체" panose="020B0609000101010101" pitchFamily="49" charset="-127"/>
+                <a:ea typeface="돋움체" panose="020B0609000101010101" pitchFamily="49" charset="-127"/>
+              </a:rPr>
+              <a:t>' '</a:t>
+            </a:r>
+            <a:r>
+              <a:rPr lang="en-US" altLang="ko-KR" sz="1800" dirty="0">
+                <a:solidFill>
+                  <a:srgbClr val="000000"/>
+                </a:solidFill>
+                <a:latin typeface="돋움체" panose="020B0609000101010101" pitchFamily="49" charset="-127"/>
+                <a:ea typeface="돋움체" panose="020B0609000101010101" pitchFamily="49" charset="-127"/>
+              </a:rPr>
+              <a:t> &amp;&amp; line[</a:t>
+            </a:r>
+            <a:r>
+              <a:rPr lang="en-US" altLang="ko-KR" sz="1800" dirty="0" err="1">
+                <a:solidFill>
+                  <a:srgbClr val="000000"/>
+                </a:solidFill>
+                <a:latin typeface="돋움체" panose="020B0609000101010101" pitchFamily="49" charset="-127"/>
+                <a:ea typeface="돋움체" panose="020B0609000101010101" pitchFamily="49" charset="-127"/>
+              </a:rPr>
+              <a:t>i</a:t>
+            </a:r>
+            <a:r>
+              <a:rPr lang="en-US" altLang="ko-KR" sz="1800" dirty="0">
+                <a:solidFill>
+                  <a:srgbClr val="000000"/>
+                </a:solidFill>
+                <a:latin typeface="돋움체" panose="020B0609000101010101" pitchFamily="49" charset="-127"/>
+                <a:ea typeface="돋움체" panose="020B0609000101010101" pitchFamily="49" charset="-127"/>
+              </a:rPr>
+              <a:t>] != </a:t>
+            </a:r>
+            <a:r>
+              <a:rPr lang="en-US" altLang="ko-KR" sz="1800" dirty="0">
+                <a:solidFill>
+                  <a:srgbClr val="A31515"/>
+                </a:solidFill>
+                <a:latin typeface="돋움체" panose="020B0609000101010101" pitchFamily="49" charset="-127"/>
+                <a:ea typeface="돋움체" panose="020B0609000101010101" pitchFamily="49" charset="-127"/>
+              </a:rPr>
+              <a:t>'\t'</a:t>
+            </a:r>
+            <a:r>
+              <a:rPr lang="en-US" altLang="ko-KR" sz="1800" dirty="0">
+                <a:solidFill>
+                  <a:srgbClr val="000000"/>
+                </a:solidFill>
+                <a:latin typeface="돋움체" panose="020B0609000101010101" pitchFamily="49" charset="-127"/>
+                <a:ea typeface="돋움체" panose="020B0609000101010101" pitchFamily="49" charset="-127"/>
+              </a:rPr>
+              <a:t> &amp;&amp; line[</a:t>
+            </a:r>
+            <a:r>
+              <a:rPr lang="en-US" altLang="ko-KR" sz="1800" dirty="0" err="1">
+                <a:solidFill>
+                  <a:srgbClr val="000000"/>
+                </a:solidFill>
+                <a:latin typeface="돋움체" panose="020B0609000101010101" pitchFamily="49" charset="-127"/>
+                <a:ea typeface="돋움체" panose="020B0609000101010101" pitchFamily="49" charset="-127"/>
+              </a:rPr>
+              <a:t>i</a:t>
+            </a:r>
+            <a:r>
+              <a:rPr lang="en-US" altLang="ko-KR" sz="1800" dirty="0">
+                <a:solidFill>
+                  <a:srgbClr val="000000"/>
+                </a:solidFill>
+                <a:latin typeface="돋움체" panose="020B0609000101010101" pitchFamily="49" charset="-127"/>
+                <a:ea typeface="돋움체" panose="020B0609000101010101" pitchFamily="49" charset="-127"/>
+              </a:rPr>
+              <a:t>] != </a:t>
+            </a:r>
+            <a:r>
+              <a:rPr lang="en-US" altLang="ko-KR" sz="1800" dirty="0">
+                <a:solidFill>
+                  <a:srgbClr val="A31515"/>
+                </a:solidFill>
+                <a:latin typeface="돋움체" panose="020B0609000101010101" pitchFamily="49" charset="-127"/>
+                <a:ea typeface="돋움체" panose="020B0609000101010101" pitchFamily="49" charset="-127"/>
+              </a:rPr>
+              <a:t>'\n'</a:t>
+            </a:r>
+            <a:r>
+              <a:rPr lang="en-US" altLang="ko-KR" sz="1800" dirty="0">
+                <a:solidFill>
+                  <a:srgbClr val="000000"/>
+                </a:solidFill>
+                <a:latin typeface="돋움체" panose="020B0609000101010101" pitchFamily="49" charset="-127"/>
+                <a:ea typeface="돋움체" panose="020B0609000101010101" pitchFamily="49" charset="-127"/>
+              </a:rPr>
+              <a:t> &amp;&amp; line[</a:t>
+            </a:r>
+            <a:r>
+              <a:rPr lang="en-US" altLang="ko-KR" sz="1800" dirty="0" err="1">
+                <a:solidFill>
+                  <a:srgbClr val="000000"/>
+                </a:solidFill>
+                <a:latin typeface="돋움체" panose="020B0609000101010101" pitchFamily="49" charset="-127"/>
+                <a:ea typeface="돋움체" panose="020B0609000101010101" pitchFamily="49" charset="-127"/>
+              </a:rPr>
+              <a:t>i</a:t>
+            </a:r>
+            <a:r>
+              <a:rPr lang="en-US" altLang="ko-KR" sz="1800" dirty="0">
+                <a:solidFill>
+                  <a:srgbClr val="000000"/>
+                </a:solidFill>
+                <a:latin typeface="돋움체" panose="020B0609000101010101" pitchFamily="49" charset="-127"/>
+                <a:ea typeface="돋움체" panose="020B0609000101010101" pitchFamily="49" charset="-127"/>
+              </a:rPr>
+              <a:t>] != </a:t>
+            </a:r>
+            <a:r>
+              <a:rPr lang="en-US" altLang="ko-KR" sz="1800" dirty="0">
+                <a:solidFill>
+                  <a:srgbClr val="A31515"/>
+                </a:solidFill>
+                <a:latin typeface="돋움체" panose="020B0609000101010101" pitchFamily="49" charset="-127"/>
+                <a:ea typeface="돋움체" panose="020B0609000101010101" pitchFamily="49" charset="-127"/>
+              </a:rPr>
+              <a:t>'\r'</a:t>
+            </a:r>
+            <a:r>
+              <a:rPr lang="en-US" altLang="ko-KR" sz="1800" dirty="0">
+                <a:solidFill>
+                  <a:srgbClr val="000000"/>
+                </a:solidFill>
+                <a:latin typeface="돋움체" panose="020B0609000101010101" pitchFamily="49" charset="-127"/>
+                <a:ea typeface="돋움체" panose="020B0609000101010101" pitchFamily="49" charset="-127"/>
+              </a:rPr>
+              <a:t>) {</a:t>
+            </a:r>
+          </a:p>
+          <a:p>
+            <a:r>
+              <a:rPr lang="en-US" altLang="ko-KR" sz="1800" dirty="0">
+                <a:solidFill>
+                  <a:srgbClr val="000000"/>
+                </a:solidFill>
+                <a:latin typeface="돋움체" panose="020B0609000101010101" pitchFamily="49" charset="-127"/>
+                <a:ea typeface="돋움체" panose="020B0609000101010101" pitchFamily="49" charset="-127"/>
+              </a:rPr>
+              <a:t>            </a:t>
+            </a:r>
+            <a:r>
+              <a:rPr lang="en-US" altLang="ko-KR" sz="1800" dirty="0">
+                <a:solidFill>
+                  <a:srgbClr val="0000FF"/>
+                </a:solidFill>
+                <a:latin typeface="돋움체" panose="020B0609000101010101" pitchFamily="49" charset="-127"/>
+                <a:ea typeface="돋움체" panose="020B0609000101010101" pitchFamily="49" charset="-127"/>
+              </a:rPr>
+              <a:t>return</a:t>
+            </a:r>
+            <a:r>
+              <a:rPr lang="en-US" altLang="ko-KR" sz="1800" dirty="0">
+                <a:solidFill>
+                  <a:srgbClr val="000000"/>
+                </a:solidFill>
+                <a:latin typeface="돋움체" panose="020B0609000101010101" pitchFamily="49" charset="-127"/>
+                <a:ea typeface="돋움체" panose="020B0609000101010101" pitchFamily="49" charset="-127"/>
+              </a:rPr>
+              <a:t> 0;</a:t>
+            </a:r>
+          </a:p>
+          <a:p>
+            <a:r>
+              <a:rPr lang="ko-KR" altLang="en-US" sz="1800" dirty="0">
+                <a:solidFill>
+                  <a:srgbClr val="000000"/>
+                </a:solidFill>
+                <a:latin typeface="돋움체" panose="020B0609000101010101" pitchFamily="49" charset="-127"/>
+                <a:ea typeface="돋움체" panose="020B0609000101010101" pitchFamily="49" charset="-127"/>
+              </a:rPr>
+              <a:t>        </a:t>
+            </a:r>
+            <a:r>
+              <a:rPr lang="en-US" altLang="ko-KR" sz="1800" dirty="0">
+                <a:solidFill>
+                  <a:srgbClr val="000000"/>
+                </a:solidFill>
+                <a:latin typeface="돋움체" panose="020B0609000101010101" pitchFamily="49" charset="-127"/>
+                <a:ea typeface="돋움체" panose="020B0609000101010101" pitchFamily="49" charset="-127"/>
+              </a:rPr>
+              <a:t>}</a:t>
+            </a:r>
+          </a:p>
+          <a:p>
+            <a:r>
+              <a:rPr lang="en-US" altLang="ko-KR" sz="1800" dirty="0">
+                <a:solidFill>
+                  <a:srgbClr val="000000"/>
+                </a:solidFill>
+                <a:latin typeface="돋움체" panose="020B0609000101010101" pitchFamily="49" charset="-127"/>
+                <a:ea typeface="돋움체" panose="020B0609000101010101" pitchFamily="49" charset="-127"/>
+              </a:rPr>
+              <a:t>        </a:t>
+            </a:r>
+            <a:r>
+              <a:rPr lang="en-US" altLang="ko-KR" sz="1800" dirty="0" err="1">
+                <a:solidFill>
+                  <a:srgbClr val="000000"/>
+                </a:solidFill>
+                <a:latin typeface="돋움체" panose="020B0609000101010101" pitchFamily="49" charset="-127"/>
+                <a:ea typeface="돋움체" panose="020B0609000101010101" pitchFamily="49" charset="-127"/>
+              </a:rPr>
+              <a:t>i</a:t>
+            </a:r>
+            <a:r>
+              <a:rPr lang="en-US" altLang="ko-KR" sz="1800" dirty="0">
+                <a:solidFill>
+                  <a:srgbClr val="000000"/>
+                </a:solidFill>
+                <a:latin typeface="돋움체" panose="020B0609000101010101" pitchFamily="49" charset="-127"/>
+                <a:ea typeface="돋움체" panose="020B0609000101010101" pitchFamily="49" charset="-127"/>
+              </a:rPr>
+              <a:t>++;</a:t>
+            </a:r>
+          </a:p>
+          <a:p>
+            <a:r>
+              <a:rPr lang="ko-KR" altLang="en-US" sz="1800" dirty="0">
+                <a:solidFill>
+                  <a:srgbClr val="000000"/>
+                </a:solidFill>
+                <a:latin typeface="돋움체" panose="020B0609000101010101" pitchFamily="49" charset="-127"/>
+                <a:ea typeface="돋움체" panose="020B0609000101010101" pitchFamily="49" charset="-127"/>
+              </a:rPr>
+              <a:t>    </a:t>
+            </a:r>
+            <a:r>
+              <a:rPr lang="en-US" altLang="ko-KR" sz="1800" dirty="0">
+                <a:solidFill>
+                  <a:srgbClr val="000000"/>
+                </a:solidFill>
+                <a:latin typeface="돋움체" panose="020B0609000101010101" pitchFamily="49" charset="-127"/>
+                <a:ea typeface="돋움체" panose="020B0609000101010101" pitchFamily="49" charset="-127"/>
+              </a:rPr>
+              <a:t>}</a:t>
+            </a:r>
+          </a:p>
+          <a:p>
+            <a:r>
+              <a:rPr lang="en-US" altLang="ko-KR" sz="1800" dirty="0">
+                <a:solidFill>
+                  <a:srgbClr val="000000"/>
+                </a:solidFill>
+                <a:latin typeface="돋움체" panose="020B0609000101010101" pitchFamily="49" charset="-127"/>
+                <a:ea typeface="돋움체" panose="020B0609000101010101" pitchFamily="49" charset="-127"/>
+              </a:rPr>
+              <a:t>    </a:t>
+            </a:r>
+            <a:r>
+              <a:rPr lang="en-US" altLang="ko-KR" sz="1800" dirty="0">
+                <a:solidFill>
+                  <a:srgbClr val="0000FF"/>
+                </a:solidFill>
+                <a:latin typeface="돋움체" panose="020B0609000101010101" pitchFamily="49" charset="-127"/>
+                <a:ea typeface="돋움체" panose="020B0609000101010101" pitchFamily="49" charset="-127"/>
+              </a:rPr>
+              <a:t>return</a:t>
+            </a:r>
+            <a:r>
+              <a:rPr lang="en-US" altLang="ko-KR" sz="1800" dirty="0">
+                <a:solidFill>
+                  <a:srgbClr val="000000"/>
+                </a:solidFill>
+                <a:latin typeface="돋움체" panose="020B0609000101010101" pitchFamily="49" charset="-127"/>
+                <a:ea typeface="돋움체" panose="020B0609000101010101" pitchFamily="49" charset="-127"/>
+              </a:rPr>
+              <a:t> 1;</a:t>
+            </a:r>
+          </a:p>
+          <a:p>
+            <a:r>
+              <a:rPr lang="en-US" altLang="ko-KR" sz="1800" dirty="0">
+                <a:solidFill>
+                  <a:srgbClr val="000000"/>
+                </a:solidFill>
+                <a:latin typeface="돋움체" panose="020B0609000101010101" pitchFamily="49" charset="-127"/>
+                <a:ea typeface="돋움체" panose="020B0609000101010101" pitchFamily="49" charset="-127"/>
+              </a:rPr>
+              <a:t>}</a:t>
+            </a:r>
+            <a:endParaRPr lang="ko-KR" altLang="en-US" dirty="0"/>
+          </a:p>
+        </p:txBody>
+      </p:sp>
     </p:spTree>
     <p:extLst>
       <p:ext uri="{BB962C8B-B14F-4D97-AF65-F5344CB8AC3E}">
-        <p14:creationId xmlns:p14="http://schemas.microsoft.com/office/powerpoint/2010/main" val="2044489217"/>
+        <p14:creationId xmlns:p14="http://schemas.microsoft.com/office/powerpoint/2010/main" val="709026282"/>
       </p:ext>
     </p:extLst>
   </p:cSld>
   <p:clrMapOvr>
     <a:masterClrMapping/>
   </p:clrMapOvr>
-  <p:timing>
-    <p:tnLst>
-      <p:par>
-        <p:cTn id="1" dur="indefinite" restart="never" nodeType="tmRoot">
-          <p:childTnLst>
-            <p:seq concurrent="1" nextAc="seek">
-              <p:cTn id="2" dur="indefinite" nodeType="mainSeq">
-                <p:childTnLst>
-                  <p:par>
-                    <p:cTn id="3" fill="hold">
-                      <p:stCondLst>
-                        <p:cond delay="indefinite"/>
-                      </p:stCondLst>
-                      <p:childTnLst>
-                        <p:par>
-                          <p:cTn id="4" fill="hold">
-                            <p:stCondLst>
-                              <p:cond delay="0"/>
-                            </p:stCondLst>
-                            <p:childTnLst>
-                              <p:par>
-                                <p:cTn id="5" presetID="1" presetClass="entr" presetSubtype="0" fill="hold" nodeType="clickEffect">
-                                  <p:stCondLst>
-                                    <p:cond delay="0"/>
-                                  </p:stCondLst>
-                                  <p:childTnLst>
-                                    <p:set>
-                                      <p:cBhvr>
-                                        <p:cTn id="6" dur="1" fill="hold">
-                                          <p:stCondLst>
-                                            <p:cond delay="0"/>
-                                          </p:stCondLst>
-                                        </p:cTn>
-                                        <p:tgtEl>
-                                          <p:spTgt spid="5"/>
-                                        </p:tgtEl>
-                                        <p:attrNameLst>
-                                          <p:attrName>style.visibility</p:attrName>
-                                        </p:attrNameLst>
-                                      </p:cBhvr>
-                                      <p:to>
-                                        <p:strVal val="visible"/>
-                                      </p:to>
-                                    </p:set>
-                                  </p:childTnLst>
-                                </p:cTn>
-                              </p:par>
-                            </p:childTnLst>
-                          </p:cTn>
-                        </p:par>
-                      </p:childTnLst>
-                    </p:cTn>
-                  </p:par>
-                  <p:par>
-                    <p:cTn id="7" fill="hold">
-                      <p:stCondLst>
-                        <p:cond delay="indefinite"/>
-                      </p:stCondLst>
-                      <p:childTnLst>
-                        <p:par>
-                          <p:cTn id="8" fill="hold">
-                            <p:stCondLst>
-                              <p:cond delay="0"/>
-                            </p:stCondLst>
-                            <p:childTnLst>
-                              <p:par>
-                                <p:cTn id="9" presetID="1" presetClass="entr" presetSubtype="0" fill="hold" nodeType="clickEffect">
-                                  <p:stCondLst>
-                                    <p:cond delay="0"/>
-                                  </p:stCondLst>
-                                  <p:childTnLst>
-                                    <p:set>
-                                      <p:cBhvr>
-                                        <p:cTn id="10" dur="1" fill="hold">
-                                          <p:stCondLst>
-                                            <p:cond delay="0"/>
-                                          </p:stCondLst>
-                                        </p:cTn>
-                                        <p:tgtEl>
-                                          <p:spTgt spid="7"/>
-                                        </p:tgtEl>
-                                        <p:attrNameLst>
-                                          <p:attrName>style.visibility</p:attrName>
-                                        </p:attrNameLst>
-                                      </p:cBhvr>
-                                      <p:to>
-                                        <p:strVal val="visible"/>
-                                      </p:to>
-                                    </p:set>
-                                  </p:childTnLst>
-                                </p:cTn>
-                              </p:par>
-                            </p:childTnLst>
-                          </p:cTn>
-                        </p:par>
-                      </p:childTnLst>
-                    </p:cTn>
-                  </p:par>
-                  <p:par>
-                    <p:cTn id="11" fill="hold">
-                      <p:stCondLst>
-                        <p:cond delay="indefinite"/>
-                      </p:stCondLst>
-                      <p:childTnLst>
-                        <p:par>
-                          <p:cTn id="12" fill="hold">
-                            <p:stCondLst>
-                              <p:cond delay="0"/>
-                            </p:stCondLst>
-                            <p:childTnLst>
-                              <p:par>
-                                <p:cTn id="13" presetID="1" presetClass="entr" presetSubtype="0" fill="hold" nodeType="clickEffect">
-                                  <p:stCondLst>
-                                    <p:cond delay="0"/>
-                                  </p:stCondLst>
-                                  <p:childTnLst>
-                                    <p:set>
-                                      <p:cBhvr>
-                                        <p:cTn id="14" dur="1" fill="hold">
-                                          <p:stCondLst>
-                                            <p:cond delay="0"/>
-                                          </p:stCondLst>
-                                        </p:cTn>
-                                        <p:tgtEl>
-                                          <p:spTgt spid="9"/>
-                                        </p:tgtEl>
-                                        <p:attrNameLst>
-                                          <p:attrName>style.visibility</p:attrName>
-                                        </p:attrNameLst>
-                                      </p:cBhvr>
-                                      <p:to>
-                                        <p:strVal val="visible"/>
-                                      </p:to>
-                                    </p:set>
-                                  </p:childTnLst>
-                                </p:cTn>
-                              </p:par>
-                            </p:childTnLst>
-                          </p:cTn>
-                        </p:par>
-                      </p:childTnLst>
-                    </p:cTn>
-                  </p:par>
-                </p:childTnLst>
-              </p:cTn>
-              <p:prevCondLst>
-                <p:cond evt="onPrev" delay="0">
-                  <p:tgtEl>
-                    <p:sldTgt/>
-                  </p:tgtEl>
-                </p:cond>
-              </p:prevCondLst>
-              <p:nextCondLst>
-                <p:cond evt="onNext" delay="0">
-                  <p:tgtEl>
-                    <p:sldTgt/>
-                  </p:tgtEl>
-                </p:cond>
-              </p:nextCondLst>
-            </p:seq>
-          </p:childTnLst>
-        </p:cTn>
-      </p:par>
-    </p:tnLst>
-  </p:timing>
 </p:sld>
 </file>
 

--- a/Sys_final/SysP 기말.pptx
+++ b/Sys_final/SysP 기말.pptx
@@ -17,12 +17,13 @@
     <p:sldId id="257" r:id="rId11"/>
     <p:sldId id="271" r:id="rId12"/>
     <p:sldId id="272" r:id="rId13"/>
-    <p:sldId id="258" r:id="rId14"/>
-    <p:sldId id="262" r:id="rId15"/>
-    <p:sldId id="259" r:id="rId16"/>
-    <p:sldId id="260" r:id="rId17"/>
-    <p:sldId id="261" r:id="rId18"/>
-    <p:sldId id="263" r:id="rId19"/>
+    <p:sldId id="274" r:id="rId14"/>
+    <p:sldId id="258" r:id="rId15"/>
+    <p:sldId id="262" r:id="rId16"/>
+    <p:sldId id="259" r:id="rId17"/>
+    <p:sldId id="260" r:id="rId18"/>
+    <p:sldId id="261" r:id="rId19"/>
+    <p:sldId id="263" r:id="rId20"/>
   </p:sldIdLst>
   <p:sldSz cx="12192000" cy="6858000"/>
   <p:notesSz cx="6858000" cy="9144000"/>
@@ -4028,32 +4029,2572 @@
               <a:rPr lang="en-US" altLang="ko-KR" dirty="0" err="1"/>
               <a:t>myhead.c</a:t>
             </a:r>
+            <a:r>
+              <a:rPr lang="en-US" altLang="ko-KR" dirty="0"/>
+              <a:t> (1)</a:t>
+            </a:r>
             <a:endParaRPr lang="ko-KR" altLang="en-US" dirty="0"/>
           </a:p>
         </p:txBody>
       </p:sp>
       <p:sp>
         <p:nvSpPr>
-          <p:cNvPr id="3" name="내용 개체 틀 2">
+          <p:cNvPr id="6" name="TextBox 5">
             <a:extLst>
               <a:ext uri="{FF2B5EF4-FFF2-40B4-BE49-F238E27FC236}">
-                <a16:creationId xmlns:a16="http://schemas.microsoft.com/office/drawing/2014/main" id="{C4CFAF64-075B-0A16-B087-2DF467FAD75D}"/>
+                <a16:creationId xmlns:a16="http://schemas.microsoft.com/office/drawing/2014/main" id="{3EEE63C1-7942-9480-5571-AF4F9A6F7891}"/>
               </a:ext>
             </a:extLst>
           </p:cNvPr>
-          <p:cNvSpPr>
-            <a:spLocks noGrp="1"/>
-          </p:cNvSpPr>
-          <p:nvPr>
-            <p:ph idx="1"/>
-          </p:nvPr>
+          <p:cNvSpPr txBox="1"/>
+          <p:nvPr/>
         </p:nvSpPr>
-        <p:spPr/>
+        <p:spPr>
+          <a:xfrm>
+            <a:off x="838200" y="1414272"/>
+            <a:ext cx="6211957" cy="5016758"/>
+          </a:xfrm>
+          <a:prstGeom prst="rect">
+            <a:avLst/>
+          </a:prstGeom>
+          <a:noFill/>
+        </p:spPr>
         <p:txBody>
-          <a:bodyPr/>
+          <a:bodyPr wrap="none" rtlCol="0">
+            <a:spAutoFit/>
+          </a:bodyPr>
           <a:lstStyle/>
           <a:p>
-            <a:endParaRPr lang="ko-KR" altLang="en-US"/>
+            <a:r>
+              <a:rPr lang="en-US" altLang="ko-KR" sz="1000" dirty="0">
+                <a:solidFill>
+                  <a:srgbClr val="808080"/>
+                </a:solidFill>
+                <a:latin typeface="돋움체" panose="020B0609000101010101" pitchFamily="49" charset="-127"/>
+                <a:ea typeface="돋움체" panose="020B0609000101010101" pitchFamily="49" charset="-127"/>
+              </a:rPr>
+              <a:t>#include</a:t>
+            </a:r>
+            <a:r>
+              <a:rPr lang="en-US" altLang="ko-KR" sz="1000" dirty="0">
+                <a:solidFill>
+                  <a:srgbClr val="000000"/>
+                </a:solidFill>
+                <a:latin typeface="돋움체" panose="020B0609000101010101" pitchFamily="49" charset="-127"/>
+                <a:ea typeface="돋움체" panose="020B0609000101010101" pitchFamily="49" charset="-127"/>
+              </a:rPr>
+              <a:t> </a:t>
+            </a:r>
+            <a:r>
+              <a:rPr lang="en-US" altLang="ko-KR" sz="1000" dirty="0">
+                <a:solidFill>
+                  <a:srgbClr val="A31515"/>
+                </a:solidFill>
+                <a:latin typeface="돋움체" panose="020B0609000101010101" pitchFamily="49" charset="-127"/>
+                <a:ea typeface="돋움체" panose="020B0609000101010101" pitchFamily="49" charset="-127"/>
+              </a:rPr>
+              <a:t>&lt;</a:t>
+            </a:r>
+            <a:r>
+              <a:rPr lang="en-US" altLang="ko-KR" sz="1000" dirty="0" err="1">
+                <a:solidFill>
+                  <a:srgbClr val="A31515"/>
+                </a:solidFill>
+                <a:latin typeface="돋움체" panose="020B0609000101010101" pitchFamily="49" charset="-127"/>
+                <a:ea typeface="돋움체" panose="020B0609000101010101" pitchFamily="49" charset="-127"/>
+              </a:rPr>
+              <a:t>stdio.h</a:t>
+            </a:r>
+            <a:r>
+              <a:rPr lang="en-US" altLang="ko-KR" sz="1000" dirty="0">
+                <a:solidFill>
+                  <a:srgbClr val="A31515"/>
+                </a:solidFill>
+                <a:latin typeface="돋움체" panose="020B0609000101010101" pitchFamily="49" charset="-127"/>
+                <a:ea typeface="돋움체" panose="020B0609000101010101" pitchFamily="49" charset="-127"/>
+              </a:rPr>
+              <a:t>&gt;</a:t>
+            </a:r>
+            <a:endParaRPr lang="en-US" altLang="ko-KR" sz="1000" dirty="0">
+              <a:solidFill>
+                <a:srgbClr val="000000"/>
+              </a:solidFill>
+              <a:latin typeface="돋움체" panose="020B0609000101010101" pitchFamily="49" charset="-127"/>
+              <a:ea typeface="돋움체" panose="020B0609000101010101" pitchFamily="49" charset="-127"/>
+            </a:endParaRPr>
+          </a:p>
+          <a:p>
+            <a:r>
+              <a:rPr lang="en-US" altLang="ko-KR" sz="1000" dirty="0">
+                <a:solidFill>
+                  <a:srgbClr val="808080"/>
+                </a:solidFill>
+                <a:latin typeface="돋움체" panose="020B0609000101010101" pitchFamily="49" charset="-127"/>
+                <a:ea typeface="돋움체" panose="020B0609000101010101" pitchFamily="49" charset="-127"/>
+              </a:rPr>
+              <a:t>#include</a:t>
+            </a:r>
+            <a:r>
+              <a:rPr lang="en-US" altLang="ko-KR" sz="1000" dirty="0">
+                <a:solidFill>
+                  <a:srgbClr val="000000"/>
+                </a:solidFill>
+                <a:latin typeface="돋움체" panose="020B0609000101010101" pitchFamily="49" charset="-127"/>
+                <a:ea typeface="돋움체" panose="020B0609000101010101" pitchFamily="49" charset="-127"/>
+              </a:rPr>
+              <a:t> </a:t>
+            </a:r>
+            <a:r>
+              <a:rPr lang="en-US" altLang="ko-KR" sz="1000" dirty="0">
+                <a:solidFill>
+                  <a:srgbClr val="A31515"/>
+                </a:solidFill>
+                <a:latin typeface="돋움체" panose="020B0609000101010101" pitchFamily="49" charset="-127"/>
+                <a:ea typeface="돋움체" panose="020B0609000101010101" pitchFamily="49" charset="-127"/>
+              </a:rPr>
+              <a:t>&lt;</a:t>
+            </a:r>
+            <a:r>
+              <a:rPr lang="en-US" altLang="ko-KR" sz="1000" dirty="0" err="1">
+                <a:solidFill>
+                  <a:srgbClr val="A31515"/>
+                </a:solidFill>
+                <a:latin typeface="돋움체" panose="020B0609000101010101" pitchFamily="49" charset="-127"/>
+                <a:ea typeface="돋움체" panose="020B0609000101010101" pitchFamily="49" charset="-127"/>
+              </a:rPr>
+              <a:t>stdlib.h</a:t>
+            </a:r>
+            <a:r>
+              <a:rPr lang="en-US" altLang="ko-KR" sz="1000" dirty="0">
+                <a:solidFill>
+                  <a:srgbClr val="A31515"/>
+                </a:solidFill>
+                <a:latin typeface="돋움체" panose="020B0609000101010101" pitchFamily="49" charset="-127"/>
+                <a:ea typeface="돋움체" panose="020B0609000101010101" pitchFamily="49" charset="-127"/>
+              </a:rPr>
+              <a:t>&gt;</a:t>
+            </a:r>
+            <a:endParaRPr lang="en-US" altLang="ko-KR" sz="1000" dirty="0">
+              <a:solidFill>
+                <a:srgbClr val="000000"/>
+              </a:solidFill>
+              <a:latin typeface="돋움체" panose="020B0609000101010101" pitchFamily="49" charset="-127"/>
+              <a:ea typeface="돋움체" panose="020B0609000101010101" pitchFamily="49" charset="-127"/>
+            </a:endParaRPr>
+          </a:p>
+          <a:p>
+            <a:r>
+              <a:rPr lang="en-US" altLang="ko-KR" sz="1000" dirty="0">
+                <a:solidFill>
+                  <a:srgbClr val="808080"/>
+                </a:solidFill>
+                <a:latin typeface="돋움체" panose="020B0609000101010101" pitchFamily="49" charset="-127"/>
+                <a:ea typeface="돋움체" panose="020B0609000101010101" pitchFamily="49" charset="-127"/>
+              </a:rPr>
+              <a:t>#include</a:t>
+            </a:r>
+            <a:r>
+              <a:rPr lang="en-US" altLang="ko-KR" sz="1000" dirty="0">
+                <a:solidFill>
+                  <a:srgbClr val="000000"/>
+                </a:solidFill>
+                <a:latin typeface="돋움체" panose="020B0609000101010101" pitchFamily="49" charset="-127"/>
+                <a:ea typeface="돋움체" panose="020B0609000101010101" pitchFamily="49" charset="-127"/>
+              </a:rPr>
+              <a:t> </a:t>
+            </a:r>
+            <a:r>
+              <a:rPr lang="en-US" altLang="ko-KR" sz="1000" dirty="0">
+                <a:solidFill>
+                  <a:srgbClr val="A31515"/>
+                </a:solidFill>
+                <a:latin typeface="돋움체" panose="020B0609000101010101" pitchFamily="49" charset="-127"/>
+                <a:ea typeface="돋움체" panose="020B0609000101010101" pitchFamily="49" charset="-127"/>
+              </a:rPr>
+              <a:t>&lt;</a:t>
+            </a:r>
+            <a:r>
+              <a:rPr lang="en-US" altLang="ko-KR" sz="1000" dirty="0" err="1">
+                <a:solidFill>
+                  <a:srgbClr val="A31515"/>
+                </a:solidFill>
+                <a:latin typeface="돋움체" panose="020B0609000101010101" pitchFamily="49" charset="-127"/>
+                <a:ea typeface="돋움체" panose="020B0609000101010101" pitchFamily="49" charset="-127"/>
+              </a:rPr>
+              <a:t>unistd.h</a:t>
+            </a:r>
+            <a:r>
+              <a:rPr lang="en-US" altLang="ko-KR" sz="1000" dirty="0">
+                <a:solidFill>
+                  <a:srgbClr val="A31515"/>
+                </a:solidFill>
+                <a:latin typeface="돋움체" panose="020B0609000101010101" pitchFamily="49" charset="-127"/>
+                <a:ea typeface="돋움체" panose="020B0609000101010101" pitchFamily="49" charset="-127"/>
+              </a:rPr>
+              <a:t>&gt;</a:t>
+            </a:r>
+            <a:endParaRPr lang="en-US" altLang="ko-KR" sz="1000" dirty="0">
+              <a:solidFill>
+                <a:srgbClr val="000000"/>
+              </a:solidFill>
+              <a:latin typeface="돋움체" panose="020B0609000101010101" pitchFamily="49" charset="-127"/>
+              <a:ea typeface="돋움체" panose="020B0609000101010101" pitchFamily="49" charset="-127"/>
+            </a:endParaRPr>
+          </a:p>
+          <a:p>
+            <a:endParaRPr lang="ko-KR" altLang="en-US" sz="1000" dirty="0">
+              <a:solidFill>
+                <a:srgbClr val="000000"/>
+              </a:solidFill>
+              <a:latin typeface="돋움체" panose="020B0609000101010101" pitchFamily="49" charset="-127"/>
+              <a:ea typeface="돋움체" panose="020B0609000101010101" pitchFamily="49" charset="-127"/>
+            </a:endParaRPr>
+          </a:p>
+          <a:p>
+            <a:r>
+              <a:rPr lang="en-US" altLang="ko-KR" sz="1000" dirty="0">
+                <a:solidFill>
+                  <a:srgbClr val="808080"/>
+                </a:solidFill>
+                <a:latin typeface="돋움체" panose="020B0609000101010101" pitchFamily="49" charset="-127"/>
+                <a:ea typeface="돋움체" panose="020B0609000101010101" pitchFamily="49" charset="-127"/>
+              </a:rPr>
+              <a:t>#define</a:t>
+            </a:r>
+            <a:r>
+              <a:rPr lang="en-US" altLang="ko-KR" sz="1000" dirty="0">
+                <a:solidFill>
+                  <a:srgbClr val="000000"/>
+                </a:solidFill>
+                <a:latin typeface="돋움체" panose="020B0609000101010101" pitchFamily="49" charset="-127"/>
+                <a:ea typeface="돋움체" panose="020B0609000101010101" pitchFamily="49" charset="-127"/>
+              </a:rPr>
+              <a:t> DEFAULT_LINES 10</a:t>
+            </a:r>
+          </a:p>
+          <a:p>
+            <a:r>
+              <a:rPr lang="en-US" altLang="ko-KR" sz="1000" dirty="0">
+                <a:solidFill>
+                  <a:srgbClr val="808080"/>
+                </a:solidFill>
+                <a:latin typeface="돋움체" panose="020B0609000101010101" pitchFamily="49" charset="-127"/>
+                <a:ea typeface="돋움체" panose="020B0609000101010101" pitchFamily="49" charset="-127"/>
+              </a:rPr>
+              <a:t>#define</a:t>
+            </a:r>
+            <a:r>
+              <a:rPr lang="en-US" altLang="ko-KR" sz="1000" dirty="0">
+                <a:solidFill>
+                  <a:srgbClr val="000000"/>
+                </a:solidFill>
+                <a:latin typeface="돋움체" panose="020B0609000101010101" pitchFamily="49" charset="-127"/>
+                <a:ea typeface="돋움체" panose="020B0609000101010101" pitchFamily="49" charset="-127"/>
+              </a:rPr>
+              <a:t> DEFAULT_BYTES 0 </a:t>
+            </a:r>
+          </a:p>
+          <a:p>
+            <a:endParaRPr lang="ko-KR" altLang="en-US" sz="1000" dirty="0">
+              <a:solidFill>
+                <a:srgbClr val="000000"/>
+              </a:solidFill>
+              <a:latin typeface="돋움체" panose="020B0609000101010101" pitchFamily="49" charset="-127"/>
+              <a:ea typeface="돋움체" panose="020B0609000101010101" pitchFamily="49" charset="-127"/>
+            </a:endParaRPr>
+          </a:p>
+          <a:p>
+            <a:r>
+              <a:rPr lang="en-US" altLang="ko-KR" sz="1000" dirty="0">
+                <a:solidFill>
+                  <a:srgbClr val="0000FF"/>
+                </a:solidFill>
+                <a:latin typeface="돋움체" panose="020B0609000101010101" pitchFamily="49" charset="-127"/>
+                <a:ea typeface="돋움체" panose="020B0609000101010101" pitchFamily="49" charset="-127"/>
+              </a:rPr>
+              <a:t>int</a:t>
+            </a:r>
+            <a:r>
+              <a:rPr lang="en-US" altLang="ko-KR" sz="1000" dirty="0">
+                <a:solidFill>
+                  <a:srgbClr val="000000"/>
+                </a:solidFill>
+                <a:latin typeface="돋움체" panose="020B0609000101010101" pitchFamily="49" charset="-127"/>
+                <a:ea typeface="돋움체" panose="020B0609000101010101" pitchFamily="49" charset="-127"/>
+              </a:rPr>
+              <a:t> main(</a:t>
+            </a:r>
+            <a:r>
+              <a:rPr lang="en-US" altLang="ko-KR" sz="1000" dirty="0">
+                <a:solidFill>
+                  <a:srgbClr val="0000FF"/>
+                </a:solidFill>
+                <a:latin typeface="돋움체" panose="020B0609000101010101" pitchFamily="49" charset="-127"/>
+                <a:ea typeface="돋움체" panose="020B0609000101010101" pitchFamily="49" charset="-127"/>
+              </a:rPr>
+              <a:t>int</a:t>
+            </a:r>
+            <a:r>
+              <a:rPr lang="en-US" altLang="ko-KR" sz="1000" dirty="0">
+                <a:solidFill>
+                  <a:srgbClr val="000000"/>
+                </a:solidFill>
+                <a:latin typeface="돋움체" panose="020B0609000101010101" pitchFamily="49" charset="-127"/>
+                <a:ea typeface="돋움체" panose="020B0609000101010101" pitchFamily="49" charset="-127"/>
+              </a:rPr>
+              <a:t> </a:t>
+            </a:r>
+            <a:r>
+              <a:rPr lang="en-US" altLang="ko-KR" sz="1000" dirty="0" err="1">
+                <a:solidFill>
+                  <a:srgbClr val="000000"/>
+                </a:solidFill>
+                <a:latin typeface="돋움체" panose="020B0609000101010101" pitchFamily="49" charset="-127"/>
+                <a:ea typeface="돋움체" panose="020B0609000101010101" pitchFamily="49" charset="-127"/>
+              </a:rPr>
+              <a:t>argc</a:t>
+            </a:r>
+            <a:r>
+              <a:rPr lang="en-US" altLang="ko-KR" sz="1000" dirty="0">
+                <a:solidFill>
+                  <a:srgbClr val="000000"/>
+                </a:solidFill>
+                <a:latin typeface="돋움체" panose="020B0609000101010101" pitchFamily="49" charset="-127"/>
+                <a:ea typeface="돋움체" panose="020B0609000101010101" pitchFamily="49" charset="-127"/>
+              </a:rPr>
+              <a:t>, </a:t>
+            </a:r>
+            <a:r>
+              <a:rPr lang="en-US" altLang="ko-KR" sz="1000" dirty="0">
+                <a:solidFill>
+                  <a:srgbClr val="0000FF"/>
+                </a:solidFill>
+                <a:latin typeface="돋움체" panose="020B0609000101010101" pitchFamily="49" charset="-127"/>
+                <a:ea typeface="돋움체" panose="020B0609000101010101" pitchFamily="49" charset="-127"/>
+              </a:rPr>
+              <a:t>char</a:t>
+            </a:r>
+            <a:r>
+              <a:rPr lang="en-US" altLang="ko-KR" sz="1000" dirty="0">
+                <a:solidFill>
+                  <a:srgbClr val="000000"/>
+                </a:solidFill>
+                <a:latin typeface="돋움체" panose="020B0609000101010101" pitchFamily="49" charset="-127"/>
+                <a:ea typeface="돋움체" panose="020B0609000101010101" pitchFamily="49" charset="-127"/>
+              </a:rPr>
+              <a:t>* </a:t>
+            </a:r>
+            <a:r>
+              <a:rPr lang="en-US" altLang="ko-KR" sz="1000" dirty="0" err="1">
+                <a:solidFill>
+                  <a:srgbClr val="000000"/>
+                </a:solidFill>
+                <a:latin typeface="돋움체" panose="020B0609000101010101" pitchFamily="49" charset="-127"/>
+                <a:ea typeface="돋움체" panose="020B0609000101010101" pitchFamily="49" charset="-127"/>
+              </a:rPr>
+              <a:t>argv</a:t>
+            </a:r>
+            <a:r>
+              <a:rPr lang="en-US" altLang="ko-KR" sz="1000" dirty="0">
+                <a:solidFill>
+                  <a:srgbClr val="000000"/>
+                </a:solidFill>
+                <a:latin typeface="돋움체" panose="020B0609000101010101" pitchFamily="49" charset="-127"/>
+                <a:ea typeface="돋움체" panose="020B0609000101010101" pitchFamily="49" charset="-127"/>
+              </a:rPr>
+              <a:t>[]) {</a:t>
+            </a:r>
+          </a:p>
+          <a:p>
+            <a:r>
+              <a:rPr lang="en-US" altLang="ko-KR" sz="1000" dirty="0">
+                <a:solidFill>
+                  <a:srgbClr val="000000"/>
+                </a:solidFill>
+                <a:latin typeface="돋움체" panose="020B0609000101010101" pitchFamily="49" charset="-127"/>
+                <a:ea typeface="돋움체" panose="020B0609000101010101" pitchFamily="49" charset="-127"/>
+              </a:rPr>
+              <a:t>    </a:t>
+            </a:r>
+            <a:r>
+              <a:rPr lang="en-US" altLang="ko-KR" sz="1000" dirty="0">
+                <a:solidFill>
+                  <a:srgbClr val="0000FF"/>
+                </a:solidFill>
+                <a:latin typeface="돋움체" panose="020B0609000101010101" pitchFamily="49" charset="-127"/>
+                <a:ea typeface="돋움체" panose="020B0609000101010101" pitchFamily="49" charset="-127"/>
+              </a:rPr>
+              <a:t>int</a:t>
+            </a:r>
+            <a:r>
+              <a:rPr lang="en-US" altLang="ko-KR" sz="1000" dirty="0">
+                <a:solidFill>
+                  <a:srgbClr val="000000"/>
+                </a:solidFill>
+                <a:latin typeface="돋움체" panose="020B0609000101010101" pitchFamily="49" charset="-127"/>
+                <a:ea typeface="돋움체" panose="020B0609000101010101" pitchFamily="49" charset="-127"/>
+              </a:rPr>
+              <a:t> opt;</a:t>
+            </a:r>
+          </a:p>
+          <a:p>
+            <a:r>
+              <a:rPr lang="en-US" altLang="ko-KR" sz="1000" dirty="0">
+                <a:solidFill>
+                  <a:srgbClr val="000000"/>
+                </a:solidFill>
+                <a:latin typeface="돋움체" panose="020B0609000101010101" pitchFamily="49" charset="-127"/>
+                <a:ea typeface="돋움체" panose="020B0609000101010101" pitchFamily="49" charset="-127"/>
+              </a:rPr>
+              <a:t>    </a:t>
+            </a:r>
+            <a:r>
+              <a:rPr lang="en-US" altLang="ko-KR" sz="1000" dirty="0">
+                <a:solidFill>
+                  <a:srgbClr val="0000FF"/>
+                </a:solidFill>
+                <a:latin typeface="돋움체" panose="020B0609000101010101" pitchFamily="49" charset="-127"/>
+                <a:ea typeface="돋움체" panose="020B0609000101010101" pitchFamily="49" charset="-127"/>
+              </a:rPr>
+              <a:t>int</a:t>
+            </a:r>
+            <a:r>
+              <a:rPr lang="en-US" altLang="ko-KR" sz="1000" dirty="0">
+                <a:solidFill>
+                  <a:srgbClr val="000000"/>
+                </a:solidFill>
+                <a:latin typeface="돋움체" panose="020B0609000101010101" pitchFamily="49" charset="-127"/>
+                <a:ea typeface="돋움체" panose="020B0609000101010101" pitchFamily="49" charset="-127"/>
+              </a:rPr>
+              <a:t> </a:t>
+            </a:r>
+            <a:r>
+              <a:rPr lang="en-US" altLang="ko-KR" sz="1000" dirty="0" err="1">
+                <a:solidFill>
+                  <a:srgbClr val="000000"/>
+                </a:solidFill>
+                <a:latin typeface="돋움체" panose="020B0609000101010101" pitchFamily="49" charset="-127"/>
+                <a:ea typeface="돋움체" panose="020B0609000101010101" pitchFamily="49" charset="-127"/>
+              </a:rPr>
+              <a:t>num_lines</a:t>
+            </a:r>
+            <a:r>
+              <a:rPr lang="en-US" altLang="ko-KR" sz="1000" dirty="0">
+                <a:solidFill>
+                  <a:srgbClr val="000000"/>
+                </a:solidFill>
+                <a:latin typeface="돋움체" panose="020B0609000101010101" pitchFamily="49" charset="-127"/>
+                <a:ea typeface="돋움체" panose="020B0609000101010101" pitchFamily="49" charset="-127"/>
+              </a:rPr>
+              <a:t> = DEFAULT_LINES;</a:t>
+            </a:r>
+          </a:p>
+          <a:p>
+            <a:r>
+              <a:rPr lang="sv-SE" altLang="ko-KR" sz="1000" dirty="0">
+                <a:solidFill>
+                  <a:srgbClr val="000000"/>
+                </a:solidFill>
+                <a:latin typeface="돋움체" panose="020B0609000101010101" pitchFamily="49" charset="-127"/>
+                <a:ea typeface="돋움체" panose="020B0609000101010101" pitchFamily="49" charset="-127"/>
+              </a:rPr>
+              <a:t>    </a:t>
+            </a:r>
+            <a:r>
+              <a:rPr lang="sv-SE" altLang="ko-KR" sz="1000" dirty="0">
+                <a:solidFill>
+                  <a:srgbClr val="0000FF"/>
+                </a:solidFill>
+                <a:latin typeface="돋움체" panose="020B0609000101010101" pitchFamily="49" charset="-127"/>
+                <a:ea typeface="돋움체" panose="020B0609000101010101" pitchFamily="49" charset="-127"/>
+              </a:rPr>
+              <a:t>int</a:t>
+            </a:r>
+            <a:r>
+              <a:rPr lang="sv-SE" altLang="ko-KR" sz="1000" dirty="0">
+                <a:solidFill>
+                  <a:srgbClr val="000000"/>
+                </a:solidFill>
+                <a:latin typeface="돋움체" panose="020B0609000101010101" pitchFamily="49" charset="-127"/>
+                <a:ea typeface="돋움체" panose="020B0609000101010101" pitchFamily="49" charset="-127"/>
+              </a:rPr>
+              <a:t> num_bytes = DEFAULT_BYTES;</a:t>
+            </a:r>
+          </a:p>
+          <a:p>
+            <a:r>
+              <a:rPr lang="en-US" altLang="ko-KR" sz="1000" dirty="0">
+                <a:solidFill>
+                  <a:srgbClr val="000000"/>
+                </a:solidFill>
+                <a:latin typeface="돋움체" panose="020B0609000101010101" pitchFamily="49" charset="-127"/>
+                <a:ea typeface="돋움체" panose="020B0609000101010101" pitchFamily="49" charset="-127"/>
+              </a:rPr>
+              <a:t>    </a:t>
+            </a:r>
+            <a:r>
+              <a:rPr lang="en-US" altLang="ko-KR" sz="1000" dirty="0">
+                <a:solidFill>
+                  <a:srgbClr val="0000FF"/>
+                </a:solidFill>
+                <a:latin typeface="돋움체" panose="020B0609000101010101" pitchFamily="49" charset="-127"/>
+                <a:ea typeface="돋움체" panose="020B0609000101010101" pitchFamily="49" charset="-127"/>
+              </a:rPr>
+              <a:t>int</a:t>
+            </a:r>
+            <a:r>
+              <a:rPr lang="en-US" altLang="ko-KR" sz="1000" dirty="0">
+                <a:solidFill>
+                  <a:srgbClr val="000000"/>
+                </a:solidFill>
+                <a:latin typeface="돋움체" panose="020B0609000101010101" pitchFamily="49" charset="-127"/>
+                <a:ea typeface="돋움체" panose="020B0609000101010101" pitchFamily="49" charset="-127"/>
+              </a:rPr>
+              <a:t> </a:t>
+            </a:r>
+            <a:r>
+              <a:rPr lang="en-US" altLang="ko-KR" sz="1000" dirty="0" err="1">
+                <a:solidFill>
+                  <a:srgbClr val="000000"/>
+                </a:solidFill>
+                <a:latin typeface="돋움체" panose="020B0609000101010101" pitchFamily="49" charset="-127"/>
+                <a:ea typeface="돋움체" panose="020B0609000101010101" pitchFamily="49" charset="-127"/>
+              </a:rPr>
+              <a:t>use_lines</a:t>
+            </a:r>
+            <a:r>
+              <a:rPr lang="en-US" altLang="ko-KR" sz="1000" dirty="0">
+                <a:solidFill>
+                  <a:srgbClr val="000000"/>
+                </a:solidFill>
+                <a:latin typeface="돋움체" panose="020B0609000101010101" pitchFamily="49" charset="-127"/>
+                <a:ea typeface="돋움체" panose="020B0609000101010101" pitchFamily="49" charset="-127"/>
+              </a:rPr>
+              <a:t> = 1;</a:t>
+            </a:r>
+          </a:p>
+          <a:p>
+            <a:r>
+              <a:rPr lang="en-US" altLang="ko-KR" sz="1000" dirty="0">
+                <a:solidFill>
+                  <a:srgbClr val="000000"/>
+                </a:solidFill>
+                <a:latin typeface="돋움체" panose="020B0609000101010101" pitchFamily="49" charset="-127"/>
+                <a:ea typeface="돋움체" panose="020B0609000101010101" pitchFamily="49" charset="-127"/>
+              </a:rPr>
+              <a:t>    </a:t>
+            </a:r>
+            <a:r>
+              <a:rPr lang="en-US" altLang="ko-KR" sz="1000" dirty="0">
+                <a:solidFill>
+                  <a:srgbClr val="0000FF"/>
+                </a:solidFill>
+                <a:latin typeface="돋움체" panose="020B0609000101010101" pitchFamily="49" charset="-127"/>
+                <a:ea typeface="돋움체" panose="020B0609000101010101" pitchFamily="49" charset="-127"/>
+              </a:rPr>
+              <a:t>int</a:t>
+            </a:r>
+            <a:r>
+              <a:rPr lang="en-US" altLang="ko-KR" sz="1000" dirty="0">
+                <a:solidFill>
+                  <a:srgbClr val="000000"/>
+                </a:solidFill>
+                <a:latin typeface="돋움체" panose="020B0609000101010101" pitchFamily="49" charset="-127"/>
+                <a:ea typeface="돋움체" panose="020B0609000101010101" pitchFamily="49" charset="-127"/>
+              </a:rPr>
+              <a:t> </a:t>
+            </a:r>
+            <a:r>
+              <a:rPr lang="en-US" altLang="ko-KR" sz="1000" dirty="0" err="1">
+                <a:solidFill>
+                  <a:srgbClr val="000000"/>
+                </a:solidFill>
+                <a:latin typeface="돋움체" panose="020B0609000101010101" pitchFamily="49" charset="-127"/>
+                <a:ea typeface="돋움체" panose="020B0609000101010101" pitchFamily="49" charset="-127"/>
+              </a:rPr>
+              <a:t>quiet_mode</a:t>
+            </a:r>
+            <a:r>
+              <a:rPr lang="en-US" altLang="ko-KR" sz="1000" dirty="0">
+                <a:solidFill>
+                  <a:srgbClr val="000000"/>
+                </a:solidFill>
+                <a:latin typeface="돋움체" panose="020B0609000101010101" pitchFamily="49" charset="-127"/>
+                <a:ea typeface="돋움체" panose="020B0609000101010101" pitchFamily="49" charset="-127"/>
+              </a:rPr>
+              <a:t> = 0;</a:t>
+            </a:r>
+          </a:p>
+          <a:p>
+            <a:endParaRPr lang="ko-KR" altLang="en-US" sz="1000" dirty="0">
+              <a:solidFill>
+                <a:srgbClr val="000000"/>
+              </a:solidFill>
+              <a:latin typeface="돋움체" panose="020B0609000101010101" pitchFamily="49" charset="-127"/>
+              <a:ea typeface="돋움체" panose="020B0609000101010101" pitchFamily="49" charset="-127"/>
+            </a:endParaRPr>
+          </a:p>
+          <a:p>
+            <a:r>
+              <a:rPr lang="en-US" altLang="ko-KR" sz="1000" dirty="0">
+                <a:solidFill>
+                  <a:srgbClr val="000000"/>
+                </a:solidFill>
+                <a:latin typeface="돋움체" panose="020B0609000101010101" pitchFamily="49" charset="-127"/>
+                <a:ea typeface="돋움체" panose="020B0609000101010101" pitchFamily="49" charset="-127"/>
+              </a:rPr>
+              <a:t>    </a:t>
+            </a:r>
+            <a:r>
+              <a:rPr lang="en-US" altLang="ko-KR" sz="1000" dirty="0">
+                <a:solidFill>
+                  <a:srgbClr val="0000FF"/>
+                </a:solidFill>
+                <a:latin typeface="돋움체" panose="020B0609000101010101" pitchFamily="49" charset="-127"/>
+                <a:ea typeface="돋움체" panose="020B0609000101010101" pitchFamily="49" charset="-127"/>
+              </a:rPr>
+              <a:t>while</a:t>
+            </a:r>
+            <a:r>
+              <a:rPr lang="en-US" altLang="ko-KR" sz="1000" dirty="0">
+                <a:solidFill>
+                  <a:srgbClr val="000000"/>
+                </a:solidFill>
+                <a:latin typeface="돋움체" panose="020B0609000101010101" pitchFamily="49" charset="-127"/>
+                <a:ea typeface="돋움체" panose="020B0609000101010101" pitchFamily="49" charset="-127"/>
+              </a:rPr>
+              <a:t> ((opt = </a:t>
+            </a:r>
+            <a:r>
+              <a:rPr lang="en-US" altLang="ko-KR" sz="1000" dirty="0" err="1">
+                <a:solidFill>
+                  <a:srgbClr val="000000"/>
+                </a:solidFill>
+                <a:latin typeface="돋움체" panose="020B0609000101010101" pitchFamily="49" charset="-127"/>
+                <a:ea typeface="돋움체" panose="020B0609000101010101" pitchFamily="49" charset="-127"/>
+              </a:rPr>
+              <a:t>getopt</a:t>
+            </a:r>
+            <a:r>
+              <a:rPr lang="en-US" altLang="ko-KR" sz="1000" dirty="0">
+                <a:solidFill>
+                  <a:srgbClr val="000000"/>
+                </a:solidFill>
+                <a:latin typeface="돋움체" panose="020B0609000101010101" pitchFamily="49" charset="-127"/>
+                <a:ea typeface="돋움체" panose="020B0609000101010101" pitchFamily="49" charset="-127"/>
+              </a:rPr>
+              <a:t>(</a:t>
+            </a:r>
+            <a:r>
+              <a:rPr lang="en-US" altLang="ko-KR" sz="1000" dirty="0" err="1">
+                <a:solidFill>
+                  <a:srgbClr val="000000"/>
+                </a:solidFill>
+                <a:latin typeface="돋움체" panose="020B0609000101010101" pitchFamily="49" charset="-127"/>
+                <a:ea typeface="돋움체" panose="020B0609000101010101" pitchFamily="49" charset="-127"/>
+              </a:rPr>
+              <a:t>argc</a:t>
+            </a:r>
+            <a:r>
+              <a:rPr lang="en-US" altLang="ko-KR" sz="1000" dirty="0">
+                <a:solidFill>
+                  <a:srgbClr val="000000"/>
+                </a:solidFill>
+                <a:latin typeface="돋움체" panose="020B0609000101010101" pitchFamily="49" charset="-127"/>
+                <a:ea typeface="돋움체" panose="020B0609000101010101" pitchFamily="49" charset="-127"/>
+              </a:rPr>
+              <a:t>, </a:t>
+            </a:r>
+            <a:r>
+              <a:rPr lang="en-US" altLang="ko-KR" sz="1000" dirty="0" err="1">
+                <a:solidFill>
+                  <a:srgbClr val="000000"/>
+                </a:solidFill>
+                <a:latin typeface="돋움체" panose="020B0609000101010101" pitchFamily="49" charset="-127"/>
+                <a:ea typeface="돋움체" panose="020B0609000101010101" pitchFamily="49" charset="-127"/>
+              </a:rPr>
+              <a:t>argv</a:t>
+            </a:r>
+            <a:r>
+              <a:rPr lang="en-US" altLang="ko-KR" sz="1000" dirty="0">
+                <a:solidFill>
+                  <a:srgbClr val="000000"/>
+                </a:solidFill>
+                <a:latin typeface="돋움체" panose="020B0609000101010101" pitchFamily="49" charset="-127"/>
+                <a:ea typeface="돋움체" panose="020B0609000101010101" pitchFamily="49" charset="-127"/>
+              </a:rPr>
+              <a:t>, </a:t>
+            </a:r>
+            <a:r>
+              <a:rPr lang="en-US" altLang="ko-KR" sz="1000" dirty="0">
+                <a:solidFill>
+                  <a:srgbClr val="A31515"/>
+                </a:solidFill>
+                <a:latin typeface="돋움체" panose="020B0609000101010101" pitchFamily="49" charset="-127"/>
+                <a:ea typeface="돋움체" panose="020B0609000101010101" pitchFamily="49" charset="-127"/>
+              </a:rPr>
+              <a:t>"n:c:q"</a:t>
+            </a:r>
+            <a:r>
+              <a:rPr lang="en-US" altLang="ko-KR" sz="1000" dirty="0">
+                <a:solidFill>
+                  <a:srgbClr val="000000"/>
+                </a:solidFill>
+                <a:latin typeface="돋움체" panose="020B0609000101010101" pitchFamily="49" charset="-127"/>
+                <a:ea typeface="돋움체" panose="020B0609000101010101" pitchFamily="49" charset="-127"/>
+              </a:rPr>
+              <a:t>)) != -1) {</a:t>
+            </a:r>
+          </a:p>
+          <a:p>
+            <a:r>
+              <a:rPr lang="en-US" altLang="ko-KR" sz="1000" dirty="0">
+                <a:solidFill>
+                  <a:srgbClr val="000000"/>
+                </a:solidFill>
+                <a:latin typeface="돋움체" panose="020B0609000101010101" pitchFamily="49" charset="-127"/>
+                <a:ea typeface="돋움체" panose="020B0609000101010101" pitchFamily="49" charset="-127"/>
+              </a:rPr>
+              <a:t>        </a:t>
+            </a:r>
+            <a:r>
+              <a:rPr lang="en-US" altLang="ko-KR" sz="1000" dirty="0">
+                <a:solidFill>
+                  <a:srgbClr val="0000FF"/>
+                </a:solidFill>
+                <a:latin typeface="돋움체" panose="020B0609000101010101" pitchFamily="49" charset="-127"/>
+                <a:ea typeface="돋움체" panose="020B0609000101010101" pitchFamily="49" charset="-127"/>
+              </a:rPr>
+              <a:t>switch</a:t>
+            </a:r>
+            <a:r>
+              <a:rPr lang="en-US" altLang="ko-KR" sz="1000" dirty="0">
+                <a:solidFill>
+                  <a:srgbClr val="000000"/>
+                </a:solidFill>
+                <a:latin typeface="돋움체" panose="020B0609000101010101" pitchFamily="49" charset="-127"/>
+                <a:ea typeface="돋움체" panose="020B0609000101010101" pitchFamily="49" charset="-127"/>
+              </a:rPr>
+              <a:t> (opt) {</a:t>
+            </a:r>
+          </a:p>
+          <a:p>
+            <a:r>
+              <a:rPr lang="en-US" altLang="ko-KR" sz="1000" dirty="0">
+                <a:solidFill>
+                  <a:srgbClr val="000000"/>
+                </a:solidFill>
+                <a:latin typeface="돋움체" panose="020B0609000101010101" pitchFamily="49" charset="-127"/>
+                <a:ea typeface="돋움체" panose="020B0609000101010101" pitchFamily="49" charset="-127"/>
+              </a:rPr>
+              <a:t>        </a:t>
+            </a:r>
+            <a:r>
+              <a:rPr lang="en-US" altLang="ko-KR" sz="1000" dirty="0">
+                <a:solidFill>
+                  <a:srgbClr val="0000FF"/>
+                </a:solidFill>
+                <a:latin typeface="돋움체" panose="020B0609000101010101" pitchFamily="49" charset="-127"/>
+                <a:ea typeface="돋움체" panose="020B0609000101010101" pitchFamily="49" charset="-127"/>
+              </a:rPr>
+              <a:t>case</a:t>
+            </a:r>
+            <a:r>
+              <a:rPr lang="en-US" altLang="ko-KR" sz="1000" dirty="0">
+                <a:solidFill>
+                  <a:srgbClr val="000000"/>
+                </a:solidFill>
+                <a:latin typeface="돋움체" panose="020B0609000101010101" pitchFamily="49" charset="-127"/>
+                <a:ea typeface="돋움체" panose="020B0609000101010101" pitchFamily="49" charset="-127"/>
+              </a:rPr>
+              <a:t> </a:t>
+            </a:r>
+            <a:r>
+              <a:rPr lang="en-US" altLang="ko-KR" sz="1000" dirty="0">
+                <a:solidFill>
+                  <a:srgbClr val="A31515"/>
+                </a:solidFill>
+                <a:latin typeface="돋움체" panose="020B0609000101010101" pitchFamily="49" charset="-127"/>
+                <a:ea typeface="돋움체" panose="020B0609000101010101" pitchFamily="49" charset="-127"/>
+              </a:rPr>
+              <a:t>'n'</a:t>
+            </a:r>
+            <a:r>
+              <a:rPr lang="en-US" altLang="ko-KR" sz="1000" dirty="0">
+                <a:solidFill>
+                  <a:srgbClr val="000000"/>
+                </a:solidFill>
+                <a:latin typeface="돋움체" panose="020B0609000101010101" pitchFamily="49" charset="-127"/>
+                <a:ea typeface="돋움체" panose="020B0609000101010101" pitchFamily="49" charset="-127"/>
+              </a:rPr>
+              <a:t>:</a:t>
+            </a:r>
+          </a:p>
+          <a:p>
+            <a:r>
+              <a:rPr lang="en-US" altLang="ko-KR" sz="1000" dirty="0">
+                <a:solidFill>
+                  <a:srgbClr val="000000"/>
+                </a:solidFill>
+                <a:latin typeface="돋움체" panose="020B0609000101010101" pitchFamily="49" charset="-127"/>
+                <a:ea typeface="돋움체" panose="020B0609000101010101" pitchFamily="49" charset="-127"/>
+              </a:rPr>
+              <a:t>            </a:t>
+            </a:r>
+            <a:r>
+              <a:rPr lang="en-US" altLang="ko-KR" sz="1000" dirty="0" err="1">
+                <a:solidFill>
+                  <a:srgbClr val="000000"/>
+                </a:solidFill>
+                <a:latin typeface="돋움체" panose="020B0609000101010101" pitchFamily="49" charset="-127"/>
+                <a:ea typeface="돋움체" panose="020B0609000101010101" pitchFamily="49" charset="-127"/>
+              </a:rPr>
+              <a:t>num_lines</a:t>
+            </a:r>
+            <a:r>
+              <a:rPr lang="en-US" altLang="ko-KR" sz="1000" dirty="0">
+                <a:solidFill>
+                  <a:srgbClr val="000000"/>
+                </a:solidFill>
+                <a:latin typeface="돋움체" panose="020B0609000101010101" pitchFamily="49" charset="-127"/>
+                <a:ea typeface="돋움체" panose="020B0609000101010101" pitchFamily="49" charset="-127"/>
+              </a:rPr>
+              <a:t> = </a:t>
+            </a:r>
+            <a:r>
+              <a:rPr lang="en-US" altLang="ko-KR" sz="1000" dirty="0" err="1">
+                <a:solidFill>
+                  <a:srgbClr val="000000"/>
+                </a:solidFill>
+                <a:latin typeface="돋움체" panose="020B0609000101010101" pitchFamily="49" charset="-127"/>
+                <a:ea typeface="돋움체" panose="020B0609000101010101" pitchFamily="49" charset="-127"/>
+              </a:rPr>
+              <a:t>atoi</a:t>
+            </a:r>
+            <a:r>
+              <a:rPr lang="en-US" altLang="ko-KR" sz="1000" dirty="0">
+                <a:solidFill>
+                  <a:srgbClr val="000000"/>
+                </a:solidFill>
+                <a:latin typeface="돋움체" panose="020B0609000101010101" pitchFamily="49" charset="-127"/>
+                <a:ea typeface="돋움체" panose="020B0609000101010101" pitchFamily="49" charset="-127"/>
+              </a:rPr>
+              <a:t>(</a:t>
+            </a:r>
+            <a:r>
+              <a:rPr lang="en-US" altLang="ko-KR" sz="1000" dirty="0" err="1">
+                <a:solidFill>
+                  <a:srgbClr val="000000"/>
+                </a:solidFill>
+                <a:latin typeface="돋움체" panose="020B0609000101010101" pitchFamily="49" charset="-127"/>
+                <a:ea typeface="돋움체" panose="020B0609000101010101" pitchFamily="49" charset="-127"/>
+              </a:rPr>
+              <a:t>optarg</a:t>
+            </a:r>
+            <a:r>
+              <a:rPr lang="en-US" altLang="ko-KR" sz="1000" dirty="0">
+                <a:solidFill>
+                  <a:srgbClr val="000000"/>
+                </a:solidFill>
+                <a:latin typeface="돋움체" panose="020B0609000101010101" pitchFamily="49" charset="-127"/>
+                <a:ea typeface="돋움체" panose="020B0609000101010101" pitchFamily="49" charset="-127"/>
+              </a:rPr>
+              <a:t>);</a:t>
+            </a:r>
+          </a:p>
+          <a:p>
+            <a:r>
+              <a:rPr lang="en-US" altLang="ko-KR" sz="1000" dirty="0">
+                <a:solidFill>
+                  <a:srgbClr val="000000"/>
+                </a:solidFill>
+                <a:latin typeface="돋움체" panose="020B0609000101010101" pitchFamily="49" charset="-127"/>
+                <a:ea typeface="돋움체" panose="020B0609000101010101" pitchFamily="49" charset="-127"/>
+              </a:rPr>
+              <a:t>            </a:t>
+            </a:r>
+            <a:r>
+              <a:rPr lang="en-US" altLang="ko-KR" sz="1000" dirty="0" err="1">
+                <a:solidFill>
+                  <a:srgbClr val="000000"/>
+                </a:solidFill>
+                <a:latin typeface="돋움체" panose="020B0609000101010101" pitchFamily="49" charset="-127"/>
+                <a:ea typeface="돋움체" panose="020B0609000101010101" pitchFamily="49" charset="-127"/>
+              </a:rPr>
+              <a:t>use_lines</a:t>
+            </a:r>
+            <a:r>
+              <a:rPr lang="en-US" altLang="ko-KR" sz="1000" dirty="0">
+                <a:solidFill>
+                  <a:srgbClr val="000000"/>
+                </a:solidFill>
+                <a:latin typeface="돋움체" panose="020B0609000101010101" pitchFamily="49" charset="-127"/>
+                <a:ea typeface="돋움체" panose="020B0609000101010101" pitchFamily="49" charset="-127"/>
+              </a:rPr>
+              <a:t> = 1;</a:t>
+            </a:r>
+          </a:p>
+          <a:p>
+            <a:r>
+              <a:rPr lang="en-US" altLang="ko-KR" sz="1000" dirty="0">
+                <a:solidFill>
+                  <a:srgbClr val="000000"/>
+                </a:solidFill>
+                <a:latin typeface="돋움체" panose="020B0609000101010101" pitchFamily="49" charset="-127"/>
+                <a:ea typeface="돋움체" panose="020B0609000101010101" pitchFamily="49" charset="-127"/>
+              </a:rPr>
+              <a:t>            </a:t>
+            </a:r>
+            <a:r>
+              <a:rPr lang="en-US" altLang="ko-KR" sz="1000" dirty="0">
+                <a:solidFill>
+                  <a:srgbClr val="0000FF"/>
+                </a:solidFill>
+                <a:latin typeface="돋움체" panose="020B0609000101010101" pitchFamily="49" charset="-127"/>
+                <a:ea typeface="돋움체" panose="020B0609000101010101" pitchFamily="49" charset="-127"/>
+              </a:rPr>
+              <a:t>break</a:t>
+            </a:r>
+            <a:r>
+              <a:rPr lang="en-US" altLang="ko-KR" sz="1000" dirty="0">
+                <a:solidFill>
+                  <a:srgbClr val="000000"/>
+                </a:solidFill>
+                <a:latin typeface="돋움체" panose="020B0609000101010101" pitchFamily="49" charset="-127"/>
+                <a:ea typeface="돋움체" panose="020B0609000101010101" pitchFamily="49" charset="-127"/>
+              </a:rPr>
+              <a:t>;</a:t>
+            </a:r>
+          </a:p>
+          <a:p>
+            <a:r>
+              <a:rPr lang="en-US" altLang="ko-KR" sz="1000" dirty="0">
+                <a:solidFill>
+                  <a:srgbClr val="000000"/>
+                </a:solidFill>
+                <a:latin typeface="돋움체" panose="020B0609000101010101" pitchFamily="49" charset="-127"/>
+                <a:ea typeface="돋움체" panose="020B0609000101010101" pitchFamily="49" charset="-127"/>
+              </a:rPr>
+              <a:t>        </a:t>
+            </a:r>
+            <a:r>
+              <a:rPr lang="en-US" altLang="ko-KR" sz="1000" dirty="0">
+                <a:solidFill>
+                  <a:srgbClr val="0000FF"/>
+                </a:solidFill>
+                <a:latin typeface="돋움체" panose="020B0609000101010101" pitchFamily="49" charset="-127"/>
+                <a:ea typeface="돋움체" panose="020B0609000101010101" pitchFamily="49" charset="-127"/>
+              </a:rPr>
+              <a:t>case</a:t>
+            </a:r>
+            <a:r>
+              <a:rPr lang="en-US" altLang="ko-KR" sz="1000" dirty="0">
+                <a:solidFill>
+                  <a:srgbClr val="000000"/>
+                </a:solidFill>
+                <a:latin typeface="돋움체" panose="020B0609000101010101" pitchFamily="49" charset="-127"/>
+                <a:ea typeface="돋움체" panose="020B0609000101010101" pitchFamily="49" charset="-127"/>
+              </a:rPr>
+              <a:t> </a:t>
+            </a:r>
+            <a:r>
+              <a:rPr lang="en-US" altLang="ko-KR" sz="1000" dirty="0">
+                <a:solidFill>
+                  <a:srgbClr val="A31515"/>
+                </a:solidFill>
+                <a:latin typeface="돋움체" panose="020B0609000101010101" pitchFamily="49" charset="-127"/>
+                <a:ea typeface="돋움체" panose="020B0609000101010101" pitchFamily="49" charset="-127"/>
+              </a:rPr>
+              <a:t>'c'</a:t>
+            </a:r>
+            <a:r>
+              <a:rPr lang="en-US" altLang="ko-KR" sz="1000" dirty="0">
+                <a:solidFill>
+                  <a:srgbClr val="000000"/>
+                </a:solidFill>
+                <a:latin typeface="돋움체" panose="020B0609000101010101" pitchFamily="49" charset="-127"/>
+                <a:ea typeface="돋움체" panose="020B0609000101010101" pitchFamily="49" charset="-127"/>
+              </a:rPr>
+              <a:t>:</a:t>
+            </a:r>
+          </a:p>
+          <a:p>
+            <a:r>
+              <a:rPr lang="en-US" altLang="ko-KR" sz="1000" dirty="0">
+                <a:solidFill>
+                  <a:srgbClr val="000000"/>
+                </a:solidFill>
+                <a:latin typeface="돋움체" panose="020B0609000101010101" pitchFamily="49" charset="-127"/>
+                <a:ea typeface="돋움체" panose="020B0609000101010101" pitchFamily="49" charset="-127"/>
+              </a:rPr>
+              <a:t>            </a:t>
+            </a:r>
+            <a:r>
+              <a:rPr lang="en-US" altLang="ko-KR" sz="1000" dirty="0" err="1">
+                <a:solidFill>
+                  <a:srgbClr val="000000"/>
+                </a:solidFill>
+                <a:latin typeface="돋움체" panose="020B0609000101010101" pitchFamily="49" charset="-127"/>
+                <a:ea typeface="돋움체" panose="020B0609000101010101" pitchFamily="49" charset="-127"/>
+              </a:rPr>
+              <a:t>num_bytes</a:t>
+            </a:r>
+            <a:r>
+              <a:rPr lang="en-US" altLang="ko-KR" sz="1000" dirty="0">
+                <a:solidFill>
+                  <a:srgbClr val="000000"/>
+                </a:solidFill>
+                <a:latin typeface="돋움체" panose="020B0609000101010101" pitchFamily="49" charset="-127"/>
+                <a:ea typeface="돋움체" panose="020B0609000101010101" pitchFamily="49" charset="-127"/>
+              </a:rPr>
+              <a:t> = </a:t>
+            </a:r>
+            <a:r>
+              <a:rPr lang="en-US" altLang="ko-KR" sz="1000" dirty="0" err="1">
+                <a:solidFill>
+                  <a:srgbClr val="000000"/>
+                </a:solidFill>
+                <a:latin typeface="돋움체" panose="020B0609000101010101" pitchFamily="49" charset="-127"/>
+                <a:ea typeface="돋움체" panose="020B0609000101010101" pitchFamily="49" charset="-127"/>
+              </a:rPr>
+              <a:t>atoi</a:t>
+            </a:r>
+            <a:r>
+              <a:rPr lang="en-US" altLang="ko-KR" sz="1000" dirty="0">
+                <a:solidFill>
+                  <a:srgbClr val="000000"/>
+                </a:solidFill>
+                <a:latin typeface="돋움체" panose="020B0609000101010101" pitchFamily="49" charset="-127"/>
+                <a:ea typeface="돋움체" panose="020B0609000101010101" pitchFamily="49" charset="-127"/>
+              </a:rPr>
+              <a:t>(</a:t>
+            </a:r>
+            <a:r>
+              <a:rPr lang="en-US" altLang="ko-KR" sz="1000" dirty="0" err="1">
+                <a:solidFill>
+                  <a:srgbClr val="000000"/>
+                </a:solidFill>
+                <a:latin typeface="돋움체" panose="020B0609000101010101" pitchFamily="49" charset="-127"/>
+                <a:ea typeface="돋움체" panose="020B0609000101010101" pitchFamily="49" charset="-127"/>
+              </a:rPr>
+              <a:t>optarg</a:t>
+            </a:r>
+            <a:r>
+              <a:rPr lang="en-US" altLang="ko-KR" sz="1000" dirty="0">
+                <a:solidFill>
+                  <a:srgbClr val="000000"/>
+                </a:solidFill>
+                <a:latin typeface="돋움체" panose="020B0609000101010101" pitchFamily="49" charset="-127"/>
+                <a:ea typeface="돋움체" panose="020B0609000101010101" pitchFamily="49" charset="-127"/>
+              </a:rPr>
+              <a:t>);</a:t>
+            </a:r>
+          </a:p>
+          <a:p>
+            <a:r>
+              <a:rPr lang="en-US" altLang="ko-KR" sz="1000" dirty="0">
+                <a:solidFill>
+                  <a:srgbClr val="000000"/>
+                </a:solidFill>
+                <a:latin typeface="돋움체" panose="020B0609000101010101" pitchFamily="49" charset="-127"/>
+                <a:ea typeface="돋움체" panose="020B0609000101010101" pitchFamily="49" charset="-127"/>
+              </a:rPr>
+              <a:t>            </a:t>
+            </a:r>
+            <a:r>
+              <a:rPr lang="en-US" altLang="ko-KR" sz="1000" dirty="0" err="1">
+                <a:solidFill>
+                  <a:srgbClr val="000000"/>
+                </a:solidFill>
+                <a:latin typeface="돋움체" panose="020B0609000101010101" pitchFamily="49" charset="-127"/>
+                <a:ea typeface="돋움체" panose="020B0609000101010101" pitchFamily="49" charset="-127"/>
+              </a:rPr>
+              <a:t>use_lines</a:t>
+            </a:r>
+            <a:r>
+              <a:rPr lang="en-US" altLang="ko-KR" sz="1000" dirty="0">
+                <a:solidFill>
+                  <a:srgbClr val="000000"/>
+                </a:solidFill>
+                <a:latin typeface="돋움체" panose="020B0609000101010101" pitchFamily="49" charset="-127"/>
+                <a:ea typeface="돋움체" panose="020B0609000101010101" pitchFamily="49" charset="-127"/>
+              </a:rPr>
+              <a:t> = 0;</a:t>
+            </a:r>
+          </a:p>
+          <a:p>
+            <a:r>
+              <a:rPr lang="en-US" altLang="ko-KR" sz="1000" dirty="0">
+                <a:solidFill>
+                  <a:srgbClr val="000000"/>
+                </a:solidFill>
+                <a:latin typeface="돋움체" panose="020B0609000101010101" pitchFamily="49" charset="-127"/>
+                <a:ea typeface="돋움체" panose="020B0609000101010101" pitchFamily="49" charset="-127"/>
+              </a:rPr>
+              <a:t>            </a:t>
+            </a:r>
+            <a:r>
+              <a:rPr lang="en-US" altLang="ko-KR" sz="1000" dirty="0">
+                <a:solidFill>
+                  <a:srgbClr val="0000FF"/>
+                </a:solidFill>
+                <a:latin typeface="돋움체" panose="020B0609000101010101" pitchFamily="49" charset="-127"/>
+                <a:ea typeface="돋움체" panose="020B0609000101010101" pitchFamily="49" charset="-127"/>
+              </a:rPr>
+              <a:t>break</a:t>
+            </a:r>
+            <a:r>
+              <a:rPr lang="en-US" altLang="ko-KR" sz="1000" dirty="0">
+                <a:solidFill>
+                  <a:srgbClr val="000000"/>
+                </a:solidFill>
+                <a:latin typeface="돋움체" panose="020B0609000101010101" pitchFamily="49" charset="-127"/>
+                <a:ea typeface="돋움체" panose="020B0609000101010101" pitchFamily="49" charset="-127"/>
+              </a:rPr>
+              <a:t>;</a:t>
+            </a:r>
+          </a:p>
+          <a:p>
+            <a:r>
+              <a:rPr lang="en-US" altLang="ko-KR" sz="1000" dirty="0">
+                <a:solidFill>
+                  <a:srgbClr val="000000"/>
+                </a:solidFill>
+                <a:latin typeface="돋움체" panose="020B0609000101010101" pitchFamily="49" charset="-127"/>
+                <a:ea typeface="돋움체" panose="020B0609000101010101" pitchFamily="49" charset="-127"/>
+              </a:rPr>
+              <a:t>        </a:t>
+            </a:r>
+            <a:r>
+              <a:rPr lang="en-US" altLang="ko-KR" sz="1000" dirty="0">
+                <a:solidFill>
+                  <a:srgbClr val="0000FF"/>
+                </a:solidFill>
+                <a:latin typeface="돋움체" panose="020B0609000101010101" pitchFamily="49" charset="-127"/>
+                <a:ea typeface="돋움체" panose="020B0609000101010101" pitchFamily="49" charset="-127"/>
+              </a:rPr>
+              <a:t>case</a:t>
+            </a:r>
+            <a:r>
+              <a:rPr lang="en-US" altLang="ko-KR" sz="1000" dirty="0">
+                <a:solidFill>
+                  <a:srgbClr val="000000"/>
+                </a:solidFill>
+                <a:latin typeface="돋움체" panose="020B0609000101010101" pitchFamily="49" charset="-127"/>
+                <a:ea typeface="돋움체" panose="020B0609000101010101" pitchFamily="49" charset="-127"/>
+              </a:rPr>
+              <a:t> </a:t>
+            </a:r>
+            <a:r>
+              <a:rPr lang="en-US" altLang="ko-KR" sz="1000" dirty="0">
+                <a:solidFill>
+                  <a:srgbClr val="A31515"/>
+                </a:solidFill>
+                <a:latin typeface="돋움체" panose="020B0609000101010101" pitchFamily="49" charset="-127"/>
+                <a:ea typeface="돋움체" panose="020B0609000101010101" pitchFamily="49" charset="-127"/>
+              </a:rPr>
+              <a:t>'q'</a:t>
+            </a:r>
+            <a:r>
+              <a:rPr lang="en-US" altLang="ko-KR" sz="1000" dirty="0">
+                <a:solidFill>
+                  <a:srgbClr val="000000"/>
+                </a:solidFill>
+                <a:latin typeface="돋움체" panose="020B0609000101010101" pitchFamily="49" charset="-127"/>
+                <a:ea typeface="돋움체" panose="020B0609000101010101" pitchFamily="49" charset="-127"/>
+              </a:rPr>
+              <a:t>:</a:t>
+            </a:r>
+          </a:p>
+          <a:p>
+            <a:r>
+              <a:rPr lang="en-US" altLang="ko-KR" sz="1000" dirty="0">
+                <a:solidFill>
+                  <a:srgbClr val="000000"/>
+                </a:solidFill>
+                <a:latin typeface="돋움체" panose="020B0609000101010101" pitchFamily="49" charset="-127"/>
+                <a:ea typeface="돋움체" panose="020B0609000101010101" pitchFamily="49" charset="-127"/>
+              </a:rPr>
+              <a:t>            </a:t>
+            </a:r>
+            <a:r>
+              <a:rPr lang="en-US" altLang="ko-KR" sz="1000" dirty="0" err="1">
+                <a:solidFill>
+                  <a:srgbClr val="000000"/>
+                </a:solidFill>
+                <a:latin typeface="돋움체" panose="020B0609000101010101" pitchFamily="49" charset="-127"/>
+                <a:ea typeface="돋움체" panose="020B0609000101010101" pitchFamily="49" charset="-127"/>
+              </a:rPr>
+              <a:t>quiet_mode</a:t>
+            </a:r>
+            <a:r>
+              <a:rPr lang="en-US" altLang="ko-KR" sz="1000" dirty="0">
+                <a:solidFill>
+                  <a:srgbClr val="000000"/>
+                </a:solidFill>
+                <a:latin typeface="돋움체" panose="020B0609000101010101" pitchFamily="49" charset="-127"/>
+                <a:ea typeface="돋움체" panose="020B0609000101010101" pitchFamily="49" charset="-127"/>
+              </a:rPr>
+              <a:t> = 1;</a:t>
+            </a:r>
+          </a:p>
+          <a:p>
+            <a:r>
+              <a:rPr lang="en-US" altLang="ko-KR" sz="1000" dirty="0">
+                <a:solidFill>
+                  <a:srgbClr val="000000"/>
+                </a:solidFill>
+                <a:latin typeface="돋움체" panose="020B0609000101010101" pitchFamily="49" charset="-127"/>
+                <a:ea typeface="돋움체" panose="020B0609000101010101" pitchFamily="49" charset="-127"/>
+              </a:rPr>
+              <a:t>            </a:t>
+            </a:r>
+            <a:r>
+              <a:rPr lang="en-US" altLang="ko-KR" sz="1000" dirty="0">
+                <a:solidFill>
+                  <a:srgbClr val="0000FF"/>
+                </a:solidFill>
+                <a:latin typeface="돋움체" panose="020B0609000101010101" pitchFamily="49" charset="-127"/>
+                <a:ea typeface="돋움체" panose="020B0609000101010101" pitchFamily="49" charset="-127"/>
+              </a:rPr>
+              <a:t>break</a:t>
+            </a:r>
+            <a:r>
+              <a:rPr lang="en-US" altLang="ko-KR" sz="1000" dirty="0">
+                <a:solidFill>
+                  <a:srgbClr val="000000"/>
+                </a:solidFill>
+                <a:latin typeface="돋움체" panose="020B0609000101010101" pitchFamily="49" charset="-127"/>
+                <a:ea typeface="돋움체" panose="020B0609000101010101" pitchFamily="49" charset="-127"/>
+              </a:rPr>
+              <a:t>;</a:t>
+            </a:r>
+          </a:p>
+          <a:p>
+            <a:r>
+              <a:rPr lang="en-US" altLang="ko-KR" sz="1000" dirty="0">
+                <a:solidFill>
+                  <a:srgbClr val="000000"/>
+                </a:solidFill>
+                <a:latin typeface="돋움체" panose="020B0609000101010101" pitchFamily="49" charset="-127"/>
+                <a:ea typeface="돋움체" panose="020B0609000101010101" pitchFamily="49" charset="-127"/>
+              </a:rPr>
+              <a:t>        </a:t>
+            </a:r>
+            <a:r>
+              <a:rPr lang="en-US" altLang="ko-KR" sz="1000" dirty="0">
+                <a:solidFill>
+                  <a:srgbClr val="0000FF"/>
+                </a:solidFill>
+                <a:latin typeface="돋움체" panose="020B0609000101010101" pitchFamily="49" charset="-127"/>
+                <a:ea typeface="돋움체" panose="020B0609000101010101" pitchFamily="49" charset="-127"/>
+              </a:rPr>
+              <a:t>default</a:t>
+            </a:r>
+            <a:r>
+              <a:rPr lang="en-US" altLang="ko-KR" sz="1000" dirty="0">
+                <a:solidFill>
+                  <a:srgbClr val="000000"/>
+                </a:solidFill>
+                <a:latin typeface="돋움체" panose="020B0609000101010101" pitchFamily="49" charset="-127"/>
+                <a:ea typeface="돋움체" panose="020B0609000101010101" pitchFamily="49" charset="-127"/>
+              </a:rPr>
+              <a:t>:</a:t>
+            </a:r>
+          </a:p>
+          <a:p>
+            <a:r>
+              <a:rPr lang="pt-BR" altLang="ko-KR" sz="1000" dirty="0">
+                <a:solidFill>
+                  <a:srgbClr val="000000"/>
+                </a:solidFill>
+                <a:latin typeface="돋움체" panose="020B0609000101010101" pitchFamily="49" charset="-127"/>
+                <a:ea typeface="돋움체" panose="020B0609000101010101" pitchFamily="49" charset="-127"/>
+              </a:rPr>
+              <a:t>            fprintf(stderr, </a:t>
+            </a:r>
+            <a:r>
+              <a:rPr lang="pt-BR" altLang="ko-KR" sz="1000" dirty="0">
+                <a:solidFill>
+                  <a:srgbClr val="A31515"/>
+                </a:solidFill>
+                <a:latin typeface="돋움체" panose="020B0609000101010101" pitchFamily="49" charset="-127"/>
+                <a:ea typeface="돋움체" panose="020B0609000101010101" pitchFamily="49" charset="-127"/>
+              </a:rPr>
+              <a:t>"Usage: %s [-n num_lines] [-c num_bytes] [-q] [file]\n"</a:t>
+            </a:r>
+            <a:r>
+              <a:rPr lang="pt-BR" altLang="ko-KR" sz="1000" dirty="0">
+                <a:solidFill>
+                  <a:srgbClr val="000000"/>
+                </a:solidFill>
+                <a:latin typeface="돋움체" panose="020B0609000101010101" pitchFamily="49" charset="-127"/>
+                <a:ea typeface="돋움체" panose="020B0609000101010101" pitchFamily="49" charset="-127"/>
+              </a:rPr>
+              <a:t>, argv[0]);</a:t>
+            </a:r>
+          </a:p>
+          <a:p>
+            <a:r>
+              <a:rPr lang="en-US" altLang="ko-KR" sz="1000" dirty="0">
+                <a:solidFill>
+                  <a:srgbClr val="000000"/>
+                </a:solidFill>
+                <a:latin typeface="돋움체" panose="020B0609000101010101" pitchFamily="49" charset="-127"/>
+                <a:ea typeface="돋움체" panose="020B0609000101010101" pitchFamily="49" charset="-127"/>
+              </a:rPr>
+              <a:t>            exit(EXIT_FAILURE);</a:t>
+            </a:r>
+          </a:p>
+          <a:p>
+            <a:r>
+              <a:rPr lang="ko-KR" altLang="en-US" sz="1000" dirty="0">
+                <a:solidFill>
+                  <a:srgbClr val="000000"/>
+                </a:solidFill>
+                <a:latin typeface="돋움체" panose="020B0609000101010101" pitchFamily="49" charset="-127"/>
+                <a:ea typeface="돋움체" panose="020B0609000101010101" pitchFamily="49" charset="-127"/>
+              </a:rPr>
+              <a:t>        </a:t>
+            </a:r>
+            <a:r>
+              <a:rPr lang="en-US" altLang="ko-KR" sz="1000" dirty="0">
+                <a:solidFill>
+                  <a:srgbClr val="000000"/>
+                </a:solidFill>
+                <a:latin typeface="돋움체" panose="020B0609000101010101" pitchFamily="49" charset="-127"/>
+                <a:ea typeface="돋움체" panose="020B0609000101010101" pitchFamily="49" charset="-127"/>
+              </a:rPr>
+              <a:t>}</a:t>
+            </a:r>
+          </a:p>
+          <a:p>
+            <a:r>
+              <a:rPr lang="ko-KR" altLang="en-US" sz="1000" dirty="0">
+                <a:solidFill>
+                  <a:srgbClr val="000000"/>
+                </a:solidFill>
+                <a:latin typeface="돋움체" panose="020B0609000101010101" pitchFamily="49" charset="-127"/>
+                <a:ea typeface="돋움체" panose="020B0609000101010101" pitchFamily="49" charset="-127"/>
+              </a:rPr>
+              <a:t>    </a:t>
+            </a:r>
+            <a:r>
+              <a:rPr lang="en-US" altLang="ko-KR" sz="1000" dirty="0">
+                <a:solidFill>
+                  <a:srgbClr val="000000"/>
+                </a:solidFill>
+                <a:latin typeface="돋움체" panose="020B0609000101010101" pitchFamily="49" charset="-127"/>
+                <a:ea typeface="돋움체" panose="020B0609000101010101" pitchFamily="49" charset="-127"/>
+              </a:rPr>
+              <a:t>}</a:t>
+            </a:r>
+            <a:endParaRPr lang="ko-KR" altLang="en-US" sz="1000" dirty="0"/>
+          </a:p>
+        </p:txBody>
+      </p:sp>
+      <p:sp>
+        <p:nvSpPr>
+          <p:cNvPr id="7" name="TextBox 6">
+            <a:extLst>
+              <a:ext uri="{FF2B5EF4-FFF2-40B4-BE49-F238E27FC236}">
+                <a16:creationId xmlns:a16="http://schemas.microsoft.com/office/drawing/2014/main" id="{A26D787A-D67A-1D6D-56F1-37EE3B8FE8C0}"/>
+              </a:ext>
+            </a:extLst>
+          </p:cNvPr>
+          <p:cNvSpPr txBox="1"/>
+          <p:nvPr/>
+        </p:nvSpPr>
+        <p:spPr>
+          <a:xfrm flipH="1">
+            <a:off x="7050157" y="1414272"/>
+            <a:ext cx="4898136" cy="3631763"/>
+          </a:xfrm>
+          <a:prstGeom prst="rect">
+            <a:avLst/>
+          </a:prstGeom>
+          <a:noFill/>
+        </p:spPr>
+        <p:txBody>
+          <a:bodyPr wrap="square" rtlCol="0">
+            <a:spAutoFit/>
+          </a:bodyPr>
+          <a:lstStyle/>
+          <a:p>
+            <a:r>
+              <a:rPr lang="en-US" altLang="ko-KR" sz="1000" dirty="0">
+                <a:solidFill>
+                  <a:srgbClr val="008000"/>
+                </a:solidFill>
+                <a:latin typeface="돋움체" panose="020B0609000101010101" pitchFamily="49" charset="-127"/>
+                <a:ea typeface="돋움체" panose="020B0609000101010101" pitchFamily="49" charset="-127"/>
+              </a:rPr>
+              <a:t>// </a:t>
+            </a:r>
+            <a:r>
+              <a:rPr lang="ko-KR" altLang="en-US" sz="1000" dirty="0">
+                <a:solidFill>
+                  <a:srgbClr val="008000"/>
+                </a:solidFill>
+                <a:latin typeface="돋움체" panose="020B0609000101010101" pitchFamily="49" charset="-127"/>
+                <a:ea typeface="돋움체" panose="020B0609000101010101" pitchFamily="49" charset="-127"/>
+              </a:rPr>
+              <a:t>출력할 파일이 있을 시</a:t>
+            </a:r>
+            <a:endParaRPr lang="ko-KR" altLang="en-US" sz="1000" dirty="0">
+              <a:solidFill>
+                <a:srgbClr val="000000"/>
+              </a:solidFill>
+              <a:latin typeface="돋움체" panose="020B0609000101010101" pitchFamily="49" charset="-127"/>
+              <a:ea typeface="돋움체" panose="020B0609000101010101" pitchFamily="49" charset="-127"/>
+            </a:endParaRPr>
+          </a:p>
+          <a:p>
+            <a:r>
+              <a:rPr lang="en-US" altLang="ko-KR" sz="1000" dirty="0">
+                <a:solidFill>
+                  <a:srgbClr val="0000FF"/>
+                </a:solidFill>
+                <a:latin typeface="돋움체" panose="020B0609000101010101" pitchFamily="49" charset="-127"/>
+                <a:ea typeface="돋움체" panose="020B0609000101010101" pitchFamily="49" charset="-127"/>
+              </a:rPr>
+              <a:t>if</a:t>
+            </a:r>
+            <a:r>
+              <a:rPr lang="en-US" altLang="ko-KR" sz="1000" dirty="0">
+                <a:solidFill>
+                  <a:srgbClr val="000000"/>
+                </a:solidFill>
+                <a:latin typeface="돋움체" panose="020B0609000101010101" pitchFamily="49" charset="-127"/>
+                <a:ea typeface="돋움체" panose="020B0609000101010101" pitchFamily="49" charset="-127"/>
+              </a:rPr>
+              <a:t> (</a:t>
+            </a:r>
+            <a:r>
+              <a:rPr lang="en-US" altLang="ko-KR" sz="1000" dirty="0" err="1">
+                <a:solidFill>
+                  <a:srgbClr val="000000"/>
+                </a:solidFill>
+                <a:latin typeface="돋움체" panose="020B0609000101010101" pitchFamily="49" charset="-127"/>
+                <a:ea typeface="돋움체" panose="020B0609000101010101" pitchFamily="49" charset="-127"/>
+              </a:rPr>
+              <a:t>optind</a:t>
+            </a:r>
+            <a:r>
+              <a:rPr lang="en-US" altLang="ko-KR" sz="1000" dirty="0">
+                <a:solidFill>
+                  <a:srgbClr val="000000"/>
+                </a:solidFill>
+                <a:latin typeface="돋움체" panose="020B0609000101010101" pitchFamily="49" charset="-127"/>
+                <a:ea typeface="돋움체" panose="020B0609000101010101" pitchFamily="49" charset="-127"/>
+              </a:rPr>
+              <a:t> &lt; </a:t>
+            </a:r>
+            <a:r>
+              <a:rPr lang="en-US" altLang="ko-KR" sz="1000" dirty="0" err="1">
+                <a:solidFill>
+                  <a:srgbClr val="000000"/>
+                </a:solidFill>
+                <a:latin typeface="돋움체" panose="020B0609000101010101" pitchFamily="49" charset="-127"/>
+                <a:ea typeface="돋움체" panose="020B0609000101010101" pitchFamily="49" charset="-127"/>
+              </a:rPr>
+              <a:t>argc</a:t>
+            </a:r>
+            <a:r>
+              <a:rPr lang="en-US" altLang="ko-KR" sz="1000" dirty="0">
+                <a:solidFill>
+                  <a:srgbClr val="000000"/>
+                </a:solidFill>
+                <a:latin typeface="돋움체" panose="020B0609000101010101" pitchFamily="49" charset="-127"/>
+                <a:ea typeface="돋움체" panose="020B0609000101010101" pitchFamily="49" charset="-127"/>
+              </a:rPr>
+              <a:t>) {</a:t>
+            </a:r>
+          </a:p>
+          <a:p>
+            <a:r>
+              <a:rPr lang="en-US" altLang="ko-KR" sz="1000" dirty="0">
+                <a:solidFill>
+                  <a:srgbClr val="0000FF"/>
+                </a:solidFill>
+                <a:latin typeface="돋움체" panose="020B0609000101010101" pitchFamily="49" charset="-127"/>
+                <a:ea typeface="돋움체" panose="020B0609000101010101" pitchFamily="49" charset="-127"/>
+              </a:rPr>
+              <a:t>for</a:t>
+            </a:r>
+            <a:r>
+              <a:rPr lang="en-US" altLang="ko-KR" sz="1000" dirty="0">
+                <a:solidFill>
+                  <a:srgbClr val="000000"/>
+                </a:solidFill>
+                <a:latin typeface="돋움체" panose="020B0609000101010101" pitchFamily="49" charset="-127"/>
+                <a:ea typeface="돋움체" panose="020B0609000101010101" pitchFamily="49" charset="-127"/>
+              </a:rPr>
+              <a:t> (</a:t>
+            </a:r>
+            <a:r>
+              <a:rPr lang="en-US" altLang="ko-KR" sz="1000" dirty="0">
+                <a:solidFill>
+                  <a:srgbClr val="0000FF"/>
+                </a:solidFill>
+                <a:latin typeface="돋움체" panose="020B0609000101010101" pitchFamily="49" charset="-127"/>
+                <a:ea typeface="돋움체" panose="020B0609000101010101" pitchFamily="49" charset="-127"/>
+              </a:rPr>
+              <a:t>int</a:t>
+            </a:r>
+            <a:r>
+              <a:rPr lang="en-US" altLang="ko-KR" sz="1000" dirty="0">
+                <a:solidFill>
+                  <a:srgbClr val="000000"/>
+                </a:solidFill>
+                <a:latin typeface="돋움체" panose="020B0609000101010101" pitchFamily="49" charset="-127"/>
+                <a:ea typeface="돋움체" panose="020B0609000101010101" pitchFamily="49" charset="-127"/>
+              </a:rPr>
+              <a:t> </a:t>
+            </a:r>
+            <a:r>
+              <a:rPr lang="en-US" altLang="ko-KR" sz="1000" dirty="0" err="1">
+                <a:solidFill>
+                  <a:srgbClr val="000000"/>
+                </a:solidFill>
+                <a:latin typeface="돋움체" panose="020B0609000101010101" pitchFamily="49" charset="-127"/>
+                <a:ea typeface="돋움체" panose="020B0609000101010101" pitchFamily="49" charset="-127"/>
+              </a:rPr>
+              <a:t>i</a:t>
+            </a:r>
+            <a:r>
+              <a:rPr lang="en-US" altLang="ko-KR" sz="1000" dirty="0">
+                <a:solidFill>
+                  <a:srgbClr val="000000"/>
+                </a:solidFill>
+                <a:latin typeface="돋움체" panose="020B0609000101010101" pitchFamily="49" charset="-127"/>
+                <a:ea typeface="돋움체" panose="020B0609000101010101" pitchFamily="49" charset="-127"/>
+              </a:rPr>
+              <a:t> = </a:t>
+            </a:r>
+            <a:r>
+              <a:rPr lang="en-US" altLang="ko-KR" sz="1000" dirty="0" err="1">
+                <a:solidFill>
+                  <a:srgbClr val="000000"/>
+                </a:solidFill>
+                <a:latin typeface="돋움체" panose="020B0609000101010101" pitchFamily="49" charset="-127"/>
+                <a:ea typeface="돋움체" panose="020B0609000101010101" pitchFamily="49" charset="-127"/>
+              </a:rPr>
+              <a:t>optind</a:t>
+            </a:r>
+            <a:r>
+              <a:rPr lang="en-US" altLang="ko-KR" sz="1000" dirty="0">
+                <a:solidFill>
+                  <a:srgbClr val="000000"/>
+                </a:solidFill>
+                <a:latin typeface="돋움체" panose="020B0609000101010101" pitchFamily="49" charset="-127"/>
+                <a:ea typeface="돋움체" panose="020B0609000101010101" pitchFamily="49" charset="-127"/>
+              </a:rPr>
+              <a:t>; </a:t>
+            </a:r>
+            <a:r>
+              <a:rPr lang="en-US" altLang="ko-KR" sz="1000" dirty="0" err="1">
+                <a:solidFill>
+                  <a:srgbClr val="000000"/>
+                </a:solidFill>
+                <a:latin typeface="돋움체" panose="020B0609000101010101" pitchFamily="49" charset="-127"/>
+                <a:ea typeface="돋움체" panose="020B0609000101010101" pitchFamily="49" charset="-127"/>
+              </a:rPr>
+              <a:t>i</a:t>
+            </a:r>
+            <a:r>
+              <a:rPr lang="en-US" altLang="ko-KR" sz="1000" dirty="0">
+                <a:solidFill>
+                  <a:srgbClr val="000000"/>
+                </a:solidFill>
+                <a:latin typeface="돋움체" panose="020B0609000101010101" pitchFamily="49" charset="-127"/>
+                <a:ea typeface="돋움체" panose="020B0609000101010101" pitchFamily="49" charset="-127"/>
+              </a:rPr>
+              <a:t> &lt; </a:t>
+            </a:r>
+            <a:r>
+              <a:rPr lang="en-US" altLang="ko-KR" sz="1000" dirty="0" err="1">
+                <a:solidFill>
+                  <a:srgbClr val="000000"/>
+                </a:solidFill>
+                <a:latin typeface="돋움체" panose="020B0609000101010101" pitchFamily="49" charset="-127"/>
+                <a:ea typeface="돋움체" panose="020B0609000101010101" pitchFamily="49" charset="-127"/>
+              </a:rPr>
+              <a:t>argc</a:t>
+            </a:r>
+            <a:r>
+              <a:rPr lang="en-US" altLang="ko-KR" sz="1000" dirty="0">
+                <a:solidFill>
+                  <a:srgbClr val="000000"/>
+                </a:solidFill>
+                <a:latin typeface="돋움체" panose="020B0609000101010101" pitchFamily="49" charset="-127"/>
+                <a:ea typeface="돋움체" panose="020B0609000101010101" pitchFamily="49" charset="-127"/>
+              </a:rPr>
+              <a:t>; </a:t>
+            </a:r>
+            <a:r>
+              <a:rPr lang="en-US" altLang="ko-KR" sz="1000" dirty="0" err="1">
+                <a:solidFill>
+                  <a:srgbClr val="000000"/>
+                </a:solidFill>
+                <a:latin typeface="돋움체" panose="020B0609000101010101" pitchFamily="49" charset="-127"/>
+                <a:ea typeface="돋움체" panose="020B0609000101010101" pitchFamily="49" charset="-127"/>
+              </a:rPr>
+              <a:t>i</a:t>
+            </a:r>
+            <a:r>
+              <a:rPr lang="en-US" altLang="ko-KR" sz="1000" dirty="0">
+                <a:solidFill>
+                  <a:srgbClr val="000000"/>
+                </a:solidFill>
+                <a:latin typeface="돋움체" panose="020B0609000101010101" pitchFamily="49" charset="-127"/>
+                <a:ea typeface="돋움체" panose="020B0609000101010101" pitchFamily="49" charset="-127"/>
+              </a:rPr>
+              <a:t>++) {</a:t>
+            </a:r>
+          </a:p>
+          <a:p>
+            <a:r>
+              <a:rPr lang="en-US" altLang="ko-KR" sz="1000" dirty="0">
+                <a:solidFill>
+                  <a:srgbClr val="008000"/>
+                </a:solidFill>
+                <a:latin typeface="돋움체" panose="020B0609000101010101" pitchFamily="49" charset="-127"/>
+                <a:ea typeface="돋움체" panose="020B0609000101010101" pitchFamily="49" charset="-127"/>
+              </a:rPr>
+              <a:t>// </a:t>
+            </a:r>
+            <a:r>
+              <a:rPr lang="en-US" altLang="ko-KR" sz="1000" dirty="0" err="1">
+                <a:solidFill>
+                  <a:srgbClr val="008000"/>
+                </a:solidFill>
+                <a:latin typeface="돋움체" panose="020B0609000101010101" pitchFamily="49" charset="-127"/>
+                <a:ea typeface="돋움체" panose="020B0609000101010101" pitchFamily="49" charset="-127"/>
+              </a:rPr>
+              <a:t>argv</a:t>
+            </a:r>
+            <a:r>
+              <a:rPr lang="en-US" altLang="ko-KR" sz="1000" dirty="0">
+                <a:solidFill>
+                  <a:srgbClr val="008000"/>
+                </a:solidFill>
+                <a:latin typeface="돋움체" panose="020B0609000101010101" pitchFamily="49" charset="-127"/>
+                <a:ea typeface="돋움체" panose="020B0609000101010101" pitchFamily="49" charset="-127"/>
+              </a:rPr>
+              <a:t>[</a:t>
+            </a:r>
+            <a:r>
+              <a:rPr lang="en-US" altLang="ko-KR" sz="1000" dirty="0" err="1">
+                <a:solidFill>
+                  <a:srgbClr val="008000"/>
+                </a:solidFill>
+                <a:latin typeface="돋움체" panose="020B0609000101010101" pitchFamily="49" charset="-127"/>
+                <a:ea typeface="돋움체" panose="020B0609000101010101" pitchFamily="49" charset="-127"/>
+              </a:rPr>
+              <a:t>i</a:t>
+            </a:r>
+            <a:r>
+              <a:rPr lang="en-US" altLang="ko-KR" sz="1000" dirty="0">
+                <a:solidFill>
+                  <a:srgbClr val="008000"/>
+                </a:solidFill>
+                <a:latin typeface="돋움체" panose="020B0609000101010101" pitchFamily="49" charset="-127"/>
+                <a:ea typeface="돋움체" panose="020B0609000101010101" pitchFamily="49" charset="-127"/>
+              </a:rPr>
+              <a:t>]</a:t>
+            </a:r>
+            <a:r>
+              <a:rPr lang="ko-KR" altLang="en-US" sz="1000" dirty="0">
+                <a:solidFill>
+                  <a:srgbClr val="008000"/>
+                </a:solidFill>
+                <a:latin typeface="돋움체" panose="020B0609000101010101" pitchFamily="49" charset="-127"/>
+                <a:ea typeface="돋움체" panose="020B0609000101010101" pitchFamily="49" charset="-127"/>
+              </a:rPr>
+              <a:t>를 </a:t>
+            </a:r>
+            <a:r>
+              <a:rPr lang="en-US" altLang="ko-KR" sz="1000" dirty="0">
+                <a:solidFill>
+                  <a:srgbClr val="008000"/>
+                </a:solidFill>
+                <a:latin typeface="돋움체" panose="020B0609000101010101" pitchFamily="49" charset="-127"/>
+                <a:ea typeface="돋움체" panose="020B0609000101010101" pitchFamily="49" charset="-127"/>
+              </a:rPr>
+              <a:t>r</a:t>
+            </a:r>
+            <a:r>
+              <a:rPr lang="ko-KR" altLang="en-US" sz="1000" dirty="0">
+                <a:solidFill>
+                  <a:srgbClr val="008000"/>
+                </a:solidFill>
+                <a:latin typeface="돋움체" panose="020B0609000101010101" pitchFamily="49" charset="-127"/>
+                <a:ea typeface="돋움체" panose="020B0609000101010101" pitchFamily="49" charset="-127"/>
+              </a:rPr>
+              <a:t>모드로 열고 </a:t>
+            </a:r>
+            <a:r>
+              <a:rPr lang="en-US" altLang="ko-KR" sz="1000" dirty="0">
+                <a:solidFill>
+                  <a:srgbClr val="008000"/>
+                </a:solidFill>
+                <a:latin typeface="돋움체" panose="020B0609000101010101" pitchFamily="49" charset="-127"/>
+                <a:ea typeface="돋움체" panose="020B0609000101010101" pitchFamily="49" charset="-127"/>
+              </a:rPr>
+              <a:t>file</a:t>
+            </a:r>
+            <a:r>
+              <a:rPr lang="ko-KR" altLang="en-US" sz="1000" dirty="0">
+                <a:solidFill>
+                  <a:srgbClr val="008000"/>
+                </a:solidFill>
+                <a:latin typeface="돋움체" panose="020B0609000101010101" pitchFamily="49" charset="-127"/>
+                <a:ea typeface="돋움체" panose="020B0609000101010101" pitchFamily="49" charset="-127"/>
+              </a:rPr>
+              <a:t>에 저장</a:t>
+            </a:r>
+            <a:endParaRPr lang="ko-KR" altLang="en-US" sz="1000" dirty="0">
+              <a:solidFill>
+                <a:srgbClr val="000000"/>
+              </a:solidFill>
+              <a:latin typeface="돋움체" panose="020B0609000101010101" pitchFamily="49" charset="-127"/>
+              <a:ea typeface="돋움체" panose="020B0609000101010101" pitchFamily="49" charset="-127"/>
+            </a:endParaRPr>
+          </a:p>
+          <a:p>
+            <a:r>
+              <a:rPr lang="nn-NO" altLang="ko-KR" sz="1000" dirty="0">
+                <a:solidFill>
+                  <a:srgbClr val="000000"/>
+                </a:solidFill>
+                <a:latin typeface="돋움체" panose="020B0609000101010101" pitchFamily="49" charset="-127"/>
+                <a:ea typeface="돋움체" panose="020B0609000101010101" pitchFamily="49" charset="-127"/>
+              </a:rPr>
+              <a:t>FILE* file = fopen(argv[i], </a:t>
+            </a:r>
+            <a:r>
+              <a:rPr lang="nn-NO" altLang="ko-KR" sz="1000" dirty="0">
+                <a:solidFill>
+                  <a:srgbClr val="A31515"/>
+                </a:solidFill>
+                <a:latin typeface="돋움체" panose="020B0609000101010101" pitchFamily="49" charset="-127"/>
+                <a:ea typeface="돋움체" panose="020B0609000101010101" pitchFamily="49" charset="-127"/>
+              </a:rPr>
+              <a:t>"r"</a:t>
+            </a:r>
+            <a:r>
+              <a:rPr lang="nn-NO" altLang="ko-KR" sz="1000" dirty="0">
+                <a:solidFill>
+                  <a:srgbClr val="000000"/>
+                </a:solidFill>
+                <a:latin typeface="돋움체" panose="020B0609000101010101" pitchFamily="49" charset="-127"/>
+                <a:ea typeface="돋움체" panose="020B0609000101010101" pitchFamily="49" charset="-127"/>
+              </a:rPr>
+              <a:t>);</a:t>
+            </a:r>
+          </a:p>
+          <a:p>
+            <a:r>
+              <a:rPr lang="en-US" altLang="ko-KR" sz="1000" dirty="0">
+                <a:solidFill>
+                  <a:srgbClr val="0000FF"/>
+                </a:solidFill>
+                <a:latin typeface="돋움체" panose="020B0609000101010101" pitchFamily="49" charset="-127"/>
+                <a:ea typeface="돋움체" panose="020B0609000101010101" pitchFamily="49" charset="-127"/>
+              </a:rPr>
+              <a:t>if</a:t>
+            </a:r>
+            <a:r>
+              <a:rPr lang="en-US" altLang="ko-KR" sz="1000" dirty="0">
+                <a:solidFill>
+                  <a:srgbClr val="000000"/>
+                </a:solidFill>
+                <a:latin typeface="돋움체" panose="020B0609000101010101" pitchFamily="49" charset="-127"/>
+                <a:ea typeface="돋움체" panose="020B0609000101010101" pitchFamily="49" charset="-127"/>
+              </a:rPr>
+              <a:t> (file == NULL) {</a:t>
+            </a:r>
+          </a:p>
+          <a:p>
+            <a:r>
+              <a:rPr lang="en-US" altLang="ko-KR" sz="1000" dirty="0" err="1">
+                <a:solidFill>
+                  <a:srgbClr val="000000"/>
+                </a:solidFill>
+                <a:latin typeface="돋움체" panose="020B0609000101010101" pitchFamily="49" charset="-127"/>
+                <a:ea typeface="돋움체" panose="020B0609000101010101" pitchFamily="49" charset="-127"/>
+              </a:rPr>
+              <a:t>perror</a:t>
+            </a:r>
+            <a:r>
+              <a:rPr lang="en-US" altLang="ko-KR" sz="1000" dirty="0">
+                <a:solidFill>
+                  <a:srgbClr val="000000"/>
+                </a:solidFill>
+                <a:latin typeface="돋움체" panose="020B0609000101010101" pitchFamily="49" charset="-127"/>
+                <a:ea typeface="돋움체" panose="020B0609000101010101" pitchFamily="49" charset="-127"/>
+              </a:rPr>
+              <a:t>(</a:t>
+            </a:r>
+            <a:r>
+              <a:rPr lang="en-US" altLang="ko-KR" sz="1000" dirty="0">
+                <a:solidFill>
+                  <a:srgbClr val="A31515"/>
+                </a:solidFill>
+                <a:latin typeface="돋움체" panose="020B0609000101010101" pitchFamily="49" charset="-127"/>
+                <a:ea typeface="돋움체" panose="020B0609000101010101" pitchFamily="49" charset="-127"/>
+              </a:rPr>
+              <a:t>"</a:t>
+            </a:r>
+            <a:r>
+              <a:rPr lang="en-US" altLang="ko-KR" sz="1000" dirty="0" err="1">
+                <a:solidFill>
+                  <a:srgbClr val="A31515"/>
+                </a:solidFill>
+                <a:latin typeface="돋움체" panose="020B0609000101010101" pitchFamily="49" charset="-127"/>
+                <a:ea typeface="돋움체" panose="020B0609000101010101" pitchFamily="49" charset="-127"/>
+              </a:rPr>
+              <a:t>fopen</a:t>
+            </a:r>
+            <a:r>
+              <a:rPr lang="en-US" altLang="ko-KR" sz="1000" dirty="0">
+                <a:solidFill>
+                  <a:srgbClr val="A31515"/>
+                </a:solidFill>
+                <a:latin typeface="돋움체" panose="020B0609000101010101" pitchFamily="49" charset="-127"/>
+                <a:ea typeface="돋움체" panose="020B0609000101010101" pitchFamily="49" charset="-127"/>
+              </a:rPr>
+              <a:t>"</a:t>
+            </a:r>
+            <a:r>
+              <a:rPr lang="en-US" altLang="ko-KR" sz="1000" dirty="0">
+                <a:solidFill>
+                  <a:srgbClr val="000000"/>
+                </a:solidFill>
+                <a:latin typeface="돋움체" panose="020B0609000101010101" pitchFamily="49" charset="-127"/>
+                <a:ea typeface="돋움체" panose="020B0609000101010101" pitchFamily="49" charset="-127"/>
+              </a:rPr>
+              <a:t>);</a:t>
+            </a:r>
+          </a:p>
+          <a:p>
+            <a:r>
+              <a:rPr lang="en-US" altLang="ko-KR" sz="1000" dirty="0">
+                <a:solidFill>
+                  <a:srgbClr val="0000FF"/>
+                </a:solidFill>
+                <a:latin typeface="돋움체" panose="020B0609000101010101" pitchFamily="49" charset="-127"/>
+                <a:ea typeface="돋움체" panose="020B0609000101010101" pitchFamily="49" charset="-127"/>
+              </a:rPr>
+              <a:t>continue</a:t>
+            </a:r>
+            <a:r>
+              <a:rPr lang="en-US" altLang="ko-KR" sz="1000" dirty="0">
+                <a:solidFill>
+                  <a:srgbClr val="000000"/>
+                </a:solidFill>
+                <a:latin typeface="돋움체" panose="020B0609000101010101" pitchFamily="49" charset="-127"/>
+                <a:ea typeface="돋움체" panose="020B0609000101010101" pitchFamily="49" charset="-127"/>
+              </a:rPr>
+              <a:t>;</a:t>
+            </a:r>
+          </a:p>
+          <a:p>
+            <a:r>
+              <a:rPr lang="en-US" altLang="ko-KR" sz="1000" dirty="0">
+                <a:solidFill>
+                  <a:srgbClr val="000000"/>
+                </a:solidFill>
+                <a:latin typeface="돋움체" panose="020B0609000101010101" pitchFamily="49" charset="-127"/>
+                <a:ea typeface="돋움체" panose="020B0609000101010101" pitchFamily="49" charset="-127"/>
+              </a:rPr>
+              <a:t>}</a:t>
+            </a:r>
+          </a:p>
+          <a:p>
+            <a:r>
+              <a:rPr lang="en-US" altLang="ko-KR" sz="1000" dirty="0">
+                <a:solidFill>
+                  <a:srgbClr val="008000"/>
+                </a:solidFill>
+                <a:latin typeface="돋움체" panose="020B0609000101010101" pitchFamily="49" charset="-127"/>
+                <a:ea typeface="돋움체" panose="020B0609000101010101" pitchFamily="49" charset="-127"/>
+              </a:rPr>
+              <a:t>// </a:t>
+            </a:r>
+            <a:r>
+              <a:rPr lang="ko-KR" altLang="en-US" sz="1000" dirty="0">
+                <a:solidFill>
+                  <a:srgbClr val="008000"/>
+                </a:solidFill>
+                <a:latin typeface="돋움체" panose="020B0609000101010101" pitchFamily="49" charset="-127"/>
+                <a:ea typeface="돋움체" panose="020B0609000101010101" pitchFamily="49" charset="-127"/>
+              </a:rPr>
+              <a:t>출력할 파일이 </a:t>
+            </a:r>
+            <a:r>
+              <a:rPr lang="en-US" altLang="ko-KR" sz="1000" dirty="0">
+                <a:solidFill>
+                  <a:srgbClr val="008000"/>
+                </a:solidFill>
+                <a:latin typeface="돋움체" panose="020B0609000101010101" pitchFamily="49" charset="-127"/>
+                <a:ea typeface="돋움체" panose="020B0609000101010101" pitchFamily="49" charset="-127"/>
+              </a:rPr>
+              <a:t>1</a:t>
+            </a:r>
+            <a:r>
+              <a:rPr lang="ko-KR" altLang="en-US" sz="1000" dirty="0">
+                <a:solidFill>
+                  <a:srgbClr val="008000"/>
+                </a:solidFill>
+                <a:latin typeface="돋움체" panose="020B0609000101010101" pitchFamily="49" charset="-127"/>
+                <a:ea typeface="돋움체" panose="020B0609000101010101" pitchFamily="49" charset="-127"/>
+              </a:rPr>
+              <a:t>개가 아니고 </a:t>
+            </a:r>
+            <a:r>
+              <a:rPr lang="en-US" altLang="ko-KR" sz="1000" dirty="0">
+                <a:solidFill>
+                  <a:srgbClr val="008000"/>
+                </a:solidFill>
+                <a:latin typeface="돋움체" panose="020B0609000101010101" pitchFamily="49" charset="-127"/>
+                <a:ea typeface="돋움체" panose="020B0609000101010101" pitchFamily="49" charset="-127"/>
+              </a:rPr>
+              <a:t>-q </a:t>
+            </a:r>
+            <a:r>
+              <a:rPr lang="ko-KR" altLang="en-US" sz="1000" dirty="0">
+                <a:solidFill>
+                  <a:srgbClr val="008000"/>
+                </a:solidFill>
+                <a:latin typeface="돋움체" panose="020B0609000101010101" pitchFamily="49" charset="-127"/>
+                <a:ea typeface="돋움체" panose="020B0609000101010101" pitchFamily="49" charset="-127"/>
+              </a:rPr>
+              <a:t>옵션이 </a:t>
+            </a:r>
+            <a:r>
+              <a:rPr lang="ko-KR" altLang="en-US" sz="1000" dirty="0" err="1">
+                <a:solidFill>
+                  <a:srgbClr val="008000"/>
+                </a:solidFill>
+                <a:latin typeface="돋움체" panose="020B0609000101010101" pitchFamily="49" charset="-127"/>
+                <a:ea typeface="돋움체" panose="020B0609000101010101" pitchFamily="49" charset="-127"/>
+              </a:rPr>
+              <a:t>아닐시</a:t>
+            </a:r>
+            <a:endParaRPr lang="ko-KR" altLang="en-US" sz="1000" dirty="0">
+              <a:solidFill>
+                <a:srgbClr val="000000"/>
+              </a:solidFill>
+              <a:latin typeface="돋움체" panose="020B0609000101010101" pitchFamily="49" charset="-127"/>
+              <a:ea typeface="돋움체" panose="020B0609000101010101" pitchFamily="49" charset="-127"/>
+            </a:endParaRPr>
+          </a:p>
+          <a:p>
+            <a:r>
+              <a:rPr lang="en-US" altLang="ko-KR" sz="1000" dirty="0">
+                <a:solidFill>
+                  <a:srgbClr val="008000"/>
+                </a:solidFill>
+                <a:latin typeface="돋움체" panose="020B0609000101010101" pitchFamily="49" charset="-127"/>
+                <a:ea typeface="돋움체" panose="020B0609000101010101" pitchFamily="49" charset="-127"/>
+              </a:rPr>
+              <a:t>// </a:t>
+            </a:r>
+            <a:r>
+              <a:rPr lang="ko-KR" altLang="en-US" sz="1000" dirty="0">
+                <a:solidFill>
+                  <a:srgbClr val="008000"/>
+                </a:solidFill>
+                <a:latin typeface="돋움체" panose="020B0609000101010101" pitchFamily="49" charset="-127"/>
+                <a:ea typeface="돋움체" panose="020B0609000101010101" pitchFamily="49" charset="-127"/>
+              </a:rPr>
+              <a:t>파일명 출력</a:t>
+            </a:r>
+            <a:endParaRPr lang="ko-KR" altLang="en-US" sz="1000" dirty="0">
+              <a:solidFill>
+                <a:srgbClr val="000000"/>
+              </a:solidFill>
+              <a:latin typeface="돋움체" panose="020B0609000101010101" pitchFamily="49" charset="-127"/>
+              <a:ea typeface="돋움체" panose="020B0609000101010101" pitchFamily="49" charset="-127"/>
+            </a:endParaRPr>
+          </a:p>
+          <a:p>
+            <a:r>
+              <a:rPr lang="en-US" altLang="ko-KR" sz="1000" dirty="0">
+                <a:solidFill>
+                  <a:srgbClr val="0000FF"/>
+                </a:solidFill>
+                <a:latin typeface="돋움체" panose="020B0609000101010101" pitchFamily="49" charset="-127"/>
+                <a:ea typeface="돋움체" panose="020B0609000101010101" pitchFamily="49" charset="-127"/>
+              </a:rPr>
+              <a:t>if</a:t>
+            </a:r>
+            <a:r>
+              <a:rPr lang="en-US" altLang="ko-KR" sz="1000" dirty="0">
+                <a:solidFill>
+                  <a:srgbClr val="000000"/>
+                </a:solidFill>
+                <a:latin typeface="돋움체" panose="020B0609000101010101" pitchFamily="49" charset="-127"/>
+                <a:ea typeface="돋움체" panose="020B0609000101010101" pitchFamily="49" charset="-127"/>
+              </a:rPr>
+              <a:t> (!(</a:t>
+            </a:r>
+            <a:r>
+              <a:rPr lang="en-US" altLang="ko-KR" sz="1000" dirty="0" err="1">
+                <a:solidFill>
+                  <a:srgbClr val="000000"/>
+                </a:solidFill>
+                <a:latin typeface="돋움체" panose="020B0609000101010101" pitchFamily="49" charset="-127"/>
+                <a:ea typeface="돋움체" panose="020B0609000101010101" pitchFamily="49" charset="-127"/>
+              </a:rPr>
+              <a:t>argc</a:t>
+            </a:r>
+            <a:r>
+              <a:rPr lang="en-US" altLang="ko-KR" sz="1000" dirty="0">
+                <a:solidFill>
+                  <a:srgbClr val="000000"/>
+                </a:solidFill>
+                <a:latin typeface="돋움체" panose="020B0609000101010101" pitchFamily="49" charset="-127"/>
+                <a:ea typeface="돋움체" panose="020B0609000101010101" pitchFamily="49" charset="-127"/>
+              </a:rPr>
+              <a:t> - </a:t>
+            </a:r>
+            <a:r>
+              <a:rPr lang="en-US" altLang="ko-KR" sz="1000" dirty="0" err="1">
+                <a:solidFill>
+                  <a:srgbClr val="000000"/>
+                </a:solidFill>
+                <a:latin typeface="돋움체" panose="020B0609000101010101" pitchFamily="49" charset="-127"/>
+                <a:ea typeface="돋움체" panose="020B0609000101010101" pitchFamily="49" charset="-127"/>
+              </a:rPr>
+              <a:t>optind</a:t>
+            </a:r>
+            <a:r>
+              <a:rPr lang="en-US" altLang="ko-KR" sz="1000" dirty="0">
+                <a:solidFill>
+                  <a:srgbClr val="000000"/>
+                </a:solidFill>
+                <a:latin typeface="돋움체" panose="020B0609000101010101" pitchFamily="49" charset="-127"/>
+                <a:ea typeface="돋움체" panose="020B0609000101010101" pitchFamily="49" charset="-127"/>
+              </a:rPr>
+              <a:t> == 1) &amp;&amp; !</a:t>
+            </a:r>
+            <a:r>
+              <a:rPr lang="en-US" altLang="ko-KR" sz="1000" dirty="0" err="1">
+                <a:solidFill>
+                  <a:srgbClr val="000000"/>
+                </a:solidFill>
+                <a:latin typeface="돋움체" panose="020B0609000101010101" pitchFamily="49" charset="-127"/>
+                <a:ea typeface="돋움체" panose="020B0609000101010101" pitchFamily="49" charset="-127"/>
+              </a:rPr>
+              <a:t>quiet_mode</a:t>
+            </a:r>
+            <a:r>
+              <a:rPr lang="en-US" altLang="ko-KR" sz="1000" dirty="0">
+                <a:solidFill>
+                  <a:srgbClr val="000000"/>
+                </a:solidFill>
+                <a:latin typeface="돋움체" panose="020B0609000101010101" pitchFamily="49" charset="-127"/>
+                <a:ea typeface="돋움체" panose="020B0609000101010101" pitchFamily="49" charset="-127"/>
+              </a:rPr>
+              <a:t>) </a:t>
+            </a:r>
+            <a:r>
+              <a:rPr lang="en-US" altLang="ko-KR" sz="1000" dirty="0" err="1">
+                <a:solidFill>
+                  <a:srgbClr val="000000"/>
+                </a:solidFill>
+                <a:latin typeface="돋움체" panose="020B0609000101010101" pitchFamily="49" charset="-127"/>
+                <a:ea typeface="돋움체" panose="020B0609000101010101" pitchFamily="49" charset="-127"/>
+              </a:rPr>
+              <a:t>printf</a:t>
+            </a:r>
+            <a:r>
+              <a:rPr lang="en-US" altLang="ko-KR" sz="1000" dirty="0">
+                <a:solidFill>
+                  <a:srgbClr val="000000"/>
+                </a:solidFill>
+                <a:latin typeface="돋움체" panose="020B0609000101010101" pitchFamily="49" charset="-127"/>
+                <a:ea typeface="돋움체" panose="020B0609000101010101" pitchFamily="49" charset="-127"/>
+              </a:rPr>
+              <a:t>(</a:t>
+            </a:r>
+            <a:r>
+              <a:rPr lang="en-US" altLang="ko-KR" sz="1000" dirty="0">
+                <a:solidFill>
+                  <a:srgbClr val="A31515"/>
+                </a:solidFill>
+                <a:latin typeface="돋움체" panose="020B0609000101010101" pitchFamily="49" charset="-127"/>
+                <a:ea typeface="돋움체" panose="020B0609000101010101" pitchFamily="49" charset="-127"/>
+              </a:rPr>
+              <a:t>"==&gt; %s &lt;==\n"</a:t>
+            </a:r>
+            <a:r>
+              <a:rPr lang="en-US" altLang="ko-KR" sz="1000" dirty="0">
+                <a:solidFill>
+                  <a:srgbClr val="000000"/>
+                </a:solidFill>
+                <a:latin typeface="돋움체" panose="020B0609000101010101" pitchFamily="49" charset="-127"/>
+                <a:ea typeface="돋움체" panose="020B0609000101010101" pitchFamily="49" charset="-127"/>
+              </a:rPr>
+              <a:t>, </a:t>
+            </a:r>
+            <a:r>
+              <a:rPr lang="en-US" altLang="ko-KR" sz="1000" dirty="0" err="1">
+                <a:solidFill>
+                  <a:srgbClr val="000000"/>
+                </a:solidFill>
+                <a:latin typeface="돋움체" panose="020B0609000101010101" pitchFamily="49" charset="-127"/>
+                <a:ea typeface="돋움체" panose="020B0609000101010101" pitchFamily="49" charset="-127"/>
+              </a:rPr>
+              <a:t>argv</a:t>
+            </a:r>
+            <a:r>
+              <a:rPr lang="en-US" altLang="ko-KR" sz="1000" dirty="0">
+                <a:solidFill>
+                  <a:srgbClr val="000000"/>
+                </a:solidFill>
+                <a:latin typeface="돋움체" panose="020B0609000101010101" pitchFamily="49" charset="-127"/>
+                <a:ea typeface="돋움체" panose="020B0609000101010101" pitchFamily="49" charset="-127"/>
+              </a:rPr>
+              <a:t>[</a:t>
+            </a:r>
+            <a:r>
+              <a:rPr lang="en-US" altLang="ko-KR" sz="1000" dirty="0" err="1">
+                <a:solidFill>
+                  <a:srgbClr val="000000"/>
+                </a:solidFill>
+                <a:latin typeface="돋움체" panose="020B0609000101010101" pitchFamily="49" charset="-127"/>
+                <a:ea typeface="돋움체" panose="020B0609000101010101" pitchFamily="49" charset="-127"/>
+              </a:rPr>
+              <a:t>i</a:t>
+            </a:r>
+            <a:r>
+              <a:rPr lang="en-US" altLang="ko-KR" sz="1000" dirty="0">
+                <a:solidFill>
+                  <a:srgbClr val="000000"/>
+                </a:solidFill>
+                <a:latin typeface="돋움체" panose="020B0609000101010101" pitchFamily="49" charset="-127"/>
+                <a:ea typeface="돋움체" panose="020B0609000101010101" pitchFamily="49" charset="-127"/>
+              </a:rPr>
+              <a:t>]);</a:t>
+            </a:r>
+          </a:p>
+          <a:p>
+            <a:r>
+              <a:rPr lang="en-US" altLang="ko-KR" sz="1000" dirty="0">
+                <a:solidFill>
+                  <a:srgbClr val="008000"/>
+                </a:solidFill>
+                <a:latin typeface="돋움체" panose="020B0609000101010101" pitchFamily="49" charset="-127"/>
+                <a:ea typeface="돋움체" panose="020B0609000101010101" pitchFamily="49" charset="-127"/>
+              </a:rPr>
+              <a:t>// n option</a:t>
+            </a:r>
+            <a:r>
+              <a:rPr lang="ko-KR" altLang="en-US" sz="1000" dirty="0">
+                <a:solidFill>
+                  <a:srgbClr val="008000"/>
+                </a:solidFill>
+                <a:latin typeface="돋움체" panose="020B0609000101010101" pitchFamily="49" charset="-127"/>
+                <a:ea typeface="돋움체" panose="020B0609000101010101" pitchFamily="49" charset="-127"/>
+              </a:rPr>
+              <a:t>인지 아닌지</a:t>
+            </a:r>
+            <a:endParaRPr lang="ko-KR" altLang="en-US" sz="1000" dirty="0">
+              <a:solidFill>
+                <a:srgbClr val="000000"/>
+              </a:solidFill>
+              <a:latin typeface="돋움체" panose="020B0609000101010101" pitchFamily="49" charset="-127"/>
+              <a:ea typeface="돋움체" panose="020B0609000101010101" pitchFamily="49" charset="-127"/>
+            </a:endParaRPr>
+          </a:p>
+          <a:p>
+            <a:r>
+              <a:rPr lang="en-US" altLang="ko-KR" sz="1000" dirty="0">
+                <a:solidFill>
+                  <a:srgbClr val="0000FF"/>
+                </a:solidFill>
+                <a:latin typeface="돋움체" panose="020B0609000101010101" pitchFamily="49" charset="-127"/>
+                <a:ea typeface="돋움체" panose="020B0609000101010101" pitchFamily="49" charset="-127"/>
+              </a:rPr>
+              <a:t>if</a:t>
+            </a:r>
+            <a:r>
+              <a:rPr lang="en-US" altLang="ko-KR" sz="1000" dirty="0">
+                <a:solidFill>
+                  <a:srgbClr val="000000"/>
+                </a:solidFill>
+                <a:latin typeface="돋움체" panose="020B0609000101010101" pitchFamily="49" charset="-127"/>
+                <a:ea typeface="돋움체" panose="020B0609000101010101" pitchFamily="49" charset="-127"/>
+              </a:rPr>
+              <a:t> (</a:t>
+            </a:r>
+            <a:r>
+              <a:rPr lang="en-US" altLang="ko-KR" sz="1000" dirty="0" err="1">
+                <a:solidFill>
+                  <a:srgbClr val="000000"/>
+                </a:solidFill>
+                <a:latin typeface="돋움체" panose="020B0609000101010101" pitchFamily="49" charset="-127"/>
+                <a:ea typeface="돋움체" panose="020B0609000101010101" pitchFamily="49" charset="-127"/>
+              </a:rPr>
+              <a:t>use_lines</a:t>
+            </a:r>
+            <a:r>
+              <a:rPr lang="en-US" altLang="ko-KR" sz="1000" dirty="0">
+                <a:solidFill>
+                  <a:srgbClr val="000000"/>
+                </a:solidFill>
+                <a:latin typeface="돋움체" panose="020B0609000101010101" pitchFamily="49" charset="-127"/>
+                <a:ea typeface="돋움체" panose="020B0609000101010101" pitchFamily="49" charset="-127"/>
+              </a:rPr>
+              <a:t>) </a:t>
+            </a:r>
+            <a:r>
+              <a:rPr lang="en-US" altLang="ko-KR" sz="1000" dirty="0" err="1">
+                <a:solidFill>
+                  <a:srgbClr val="000000"/>
+                </a:solidFill>
+                <a:latin typeface="돋움체" panose="020B0609000101010101" pitchFamily="49" charset="-127"/>
+                <a:ea typeface="돋움체" panose="020B0609000101010101" pitchFamily="49" charset="-127"/>
+              </a:rPr>
+              <a:t>print_lines</a:t>
+            </a:r>
+            <a:r>
+              <a:rPr lang="en-US" altLang="ko-KR" sz="1000" dirty="0">
+                <a:solidFill>
+                  <a:srgbClr val="000000"/>
+                </a:solidFill>
+                <a:latin typeface="돋움체" panose="020B0609000101010101" pitchFamily="49" charset="-127"/>
+                <a:ea typeface="돋움체" panose="020B0609000101010101" pitchFamily="49" charset="-127"/>
+              </a:rPr>
+              <a:t>(file);</a:t>
+            </a:r>
+          </a:p>
+          <a:p>
+            <a:r>
+              <a:rPr lang="en-US" altLang="ko-KR" sz="1000" dirty="0">
+                <a:solidFill>
+                  <a:srgbClr val="0000FF"/>
+                </a:solidFill>
+                <a:latin typeface="돋움체" panose="020B0609000101010101" pitchFamily="49" charset="-127"/>
+                <a:ea typeface="돋움체" panose="020B0609000101010101" pitchFamily="49" charset="-127"/>
+              </a:rPr>
+              <a:t>else</a:t>
+            </a:r>
+            <a:r>
+              <a:rPr lang="en-US" altLang="ko-KR" sz="1000" dirty="0">
+                <a:solidFill>
+                  <a:srgbClr val="000000"/>
+                </a:solidFill>
+                <a:latin typeface="돋움체" panose="020B0609000101010101" pitchFamily="49" charset="-127"/>
+                <a:ea typeface="돋움체" panose="020B0609000101010101" pitchFamily="49" charset="-127"/>
+              </a:rPr>
+              <a:t> </a:t>
+            </a:r>
+            <a:r>
+              <a:rPr lang="en-US" altLang="ko-KR" sz="1000" dirty="0" err="1">
+                <a:solidFill>
+                  <a:srgbClr val="000000"/>
+                </a:solidFill>
+                <a:latin typeface="돋움체" panose="020B0609000101010101" pitchFamily="49" charset="-127"/>
+                <a:ea typeface="돋움체" panose="020B0609000101010101" pitchFamily="49" charset="-127"/>
+              </a:rPr>
+              <a:t>print_bytes</a:t>
+            </a:r>
+            <a:r>
+              <a:rPr lang="en-US" altLang="ko-KR" sz="1000" dirty="0">
+                <a:solidFill>
+                  <a:srgbClr val="000000"/>
+                </a:solidFill>
+                <a:latin typeface="돋움체" panose="020B0609000101010101" pitchFamily="49" charset="-127"/>
+                <a:ea typeface="돋움체" panose="020B0609000101010101" pitchFamily="49" charset="-127"/>
+              </a:rPr>
+              <a:t>(file);</a:t>
+            </a:r>
+          </a:p>
+          <a:p>
+            <a:r>
+              <a:rPr lang="en-US" altLang="ko-KR" sz="1000" dirty="0">
+                <a:solidFill>
+                  <a:srgbClr val="008000"/>
+                </a:solidFill>
+                <a:latin typeface="돋움체" panose="020B0609000101010101" pitchFamily="49" charset="-127"/>
+                <a:ea typeface="돋움체" panose="020B0609000101010101" pitchFamily="49" charset="-127"/>
+              </a:rPr>
+              <a:t>// </a:t>
+            </a:r>
+            <a:r>
+              <a:rPr lang="ko-KR" altLang="en-US" sz="1000" dirty="0">
+                <a:solidFill>
+                  <a:srgbClr val="008000"/>
+                </a:solidFill>
+                <a:latin typeface="돋움체" panose="020B0609000101010101" pitchFamily="49" charset="-127"/>
+                <a:ea typeface="돋움체" panose="020B0609000101010101" pitchFamily="49" charset="-127"/>
+              </a:rPr>
+              <a:t>출력 파일 수가 </a:t>
+            </a:r>
+            <a:r>
+              <a:rPr lang="en-US" altLang="ko-KR" sz="1000" dirty="0">
+                <a:solidFill>
+                  <a:srgbClr val="008000"/>
+                </a:solidFill>
+                <a:latin typeface="돋움체" panose="020B0609000101010101" pitchFamily="49" charset="-127"/>
+                <a:ea typeface="돋움체" panose="020B0609000101010101" pitchFamily="49" charset="-127"/>
+              </a:rPr>
+              <a:t>1</a:t>
+            </a:r>
+            <a:r>
+              <a:rPr lang="ko-KR" altLang="en-US" sz="1000" dirty="0">
+                <a:solidFill>
+                  <a:srgbClr val="008000"/>
+                </a:solidFill>
+                <a:latin typeface="돋움체" panose="020B0609000101010101" pitchFamily="49" charset="-127"/>
+                <a:ea typeface="돋움체" panose="020B0609000101010101" pitchFamily="49" charset="-127"/>
+              </a:rPr>
+              <a:t>개이고 </a:t>
+            </a:r>
+            <a:r>
+              <a:rPr lang="en-US" altLang="ko-KR" sz="1000" dirty="0">
+                <a:solidFill>
+                  <a:srgbClr val="008000"/>
+                </a:solidFill>
+                <a:latin typeface="돋움체" panose="020B0609000101010101" pitchFamily="49" charset="-127"/>
+                <a:ea typeface="돋움체" panose="020B0609000101010101" pitchFamily="49" charset="-127"/>
+              </a:rPr>
+              <a:t>q option</a:t>
+            </a:r>
+            <a:r>
+              <a:rPr lang="ko-KR" altLang="en-US" sz="1000" dirty="0">
+                <a:solidFill>
+                  <a:srgbClr val="008000"/>
+                </a:solidFill>
+                <a:latin typeface="돋움체" panose="020B0609000101010101" pitchFamily="49" charset="-127"/>
+                <a:ea typeface="돋움체" panose="020B0609000101010101" pitchFamily="49" charset="-127"/>
+              </a:rPr>
+              <a:t>이 아닐 경우</a:t>
+            </a:r>
+            <a:endParaRPr lang="ko-KR" altLang="en-US" sz="1000" dirty="0">
+              <a:solidFill>
+                <a:srgbClr val="000000"/>
+              </a:solidFill>
+              <a:latin typeface="돋움체" panose="020B0609000101010101" pitchFamily="49" charset="-127"/>
+              <a:ea typeface="돋움체" panose="020B0609000101010101" pitchFamily="49" charset="-127"/>
+            </a:endParaRPr>
+          </a:p>
+          <a:p>
+            <a:r>
+              <a:rPr lang="en-US" altLang="ko-KR" sz="1000" dirty="0">
+                <a:solidFill>
+                  <a:srgbClr val="0000FF"/>
+                </a:solidFill>
+                <a:latin typeface="돋움체" panose="020B0609000101010101" pitchFamily="49" charset="-127"/>
+                <a:ea typeface="돋움체" panose="020B0609000101010101" pitchFamily="49" charset="-127"/>
+              </a:rPr>
+              <a:t>if</a:t>
+            </a:r>
+            <a:r>
+              <a:rPr lang="en-US" altLang="ko-KR" sz="1000" dirty="0">
+                <a:solidFill>
+                  <a:srgbClr val="000000"/>
+                </a:solidFill>
+                <a:latin typeface="돋움체" panose="020B0609000101010101" pitchFamily="49" charset="-127"/>
+                <a:ea typeface="돋움체" panose="020B0609000101010101" pitchFamily="49" charset="-127"/>
+              </a:rPr>
+              <a:t> ((</a:t>
+            </a:r>
+            <a:r>
+              <a:rPr lang="en-US" altLang="ko-KR" sz="1000" dirty="0" err="1">
+                <a:solidFill>
+                  <a:srgbClr val="000000"/>
+                </a:solidFill>
+                <a:latin typeface="돋움체" panose="020B0609000101010101" pitchFamily="49" charset="-127"/>
+                <a:ea typeface="돋움체" panose="020B0609000101010101" pitchFamily="49" charset="-127"/>
+              </a:rPr>
+              <a:t>i</a:t>
+            </a:r>
+            <a:r>
+              <a:rPr lang="en-US" altLang="ko-KR" sz="1000" dirty="0">
+                <a:solidFill>
+                  <a:srgbClr val="000000"/>
+                </a:solidFill>
+                <a:latin typeface="돋움체" panose="020B0609000101010101" pitchFamily="49" charset="-127"/>
+                <a:ea typeface="돋움체" panose="020B0609000101010101" pitchFamily="49" charset="-127"/>
+              </a:rPr>
+              <a:t> != </a:t>
+            </a:r>
+            <a:r>
+              <a:rPr lang="en-US" altLang="ko-KR" sz="1000" dirty="0" err="1">
+                <a:solidFill>
+                  <a:srgbClr val="000000"/>
+                </a:solidFill>
+                <a:latin typeface="돋움체" panose="020B0609000101010101" pitchFamily="49" charset="-127"/>
+                <a:ea typeface="돋움체" panose="020B0609000101010101" pitchFamily="49" charset="-127"/>
+              </a:rPr>
+              <a:t>argc</a:t>
+            </a:r>
+            <a:r>
+              <a:rPr lang="en-US" altLang="ko-KR" sz="1000" dirty="0">
+                <a:solidFill>
+                  <a:srgbClr val="000000"/>
+                </a:solidFill>
+                <a:latin typeface="돋움체" panose="020B0609000101010101" pitchFamily="49" charset="-127"/>
+                <a:ea typeface="돋움체" panose="020B0609000101010101" pitchFamily="49" charset="-127"/>
+              </a:rPr>
+              <a:t> - 1) &amp;&amp; !</a:t>
+            </a:r>
+            <a:r>
+              <a:rPr lang="en-US" altLang="ko-KR" sz="1000" dirty="0" err="1">
+                <a:solidFill>
+                  <a:srgbClr val="000000"/>
+                </a:solidFill>
+                <a:latin typeface="돋움체" panose="020B0609000101010101" pitchFamily="49" charset="-127"/>
+                <a:ea typeface="돋움체" panose="020B0609000101010101" pitchFamily="49" charset="-127"/>
+              </a:rPr>
+              <a:t>quiet_mode</a:t>
+            </a:r>
+            <a:r>
+              <a:rPr lang="en-US" altLang="ko-KR" sz="1000" dirty="0">
+                <a:solidFill>
+                  <a:srgbClr val="000000"/>
+                </a:solidFill>
+                <a:latin typeface="돋움체" panose="020B0609000101010101" pitchFamily="49" charset="-127"/>
+                <a:ea typeface="돋움체" panose="020B0609000101010101" pitchFamily="49" charset="-127"/>
+              </a:rPr>
+              <a:t>) </a:t>
+            </a:r>
+            <a:r>
+              <a:rPr lang="en-US" altLang="ko-KR" sz="1000" dirty="0" err="1">
+                <a:solidFill>
+                  <a:srgbClr val="000000"/>
+                </a:solidFill>
+                <a:latin typeface="돋움체" panose="020B0609000101010101" pitchFamily="49" charset="-127"/>
+                <a:ea typeface="돋움체" panose="020B0609000101010101" pitchFamily="49" charset="-127"/>
+              </a:rPr>
+              <a:t>printf</a:t>
+            </a:r>
+            <a:r>
+              <a:rPr lang="en-US" altLang="ko-KR" sz="1000" dirty="0">
+                <a:solidFill>
+                  <a:srgbClr val="000000"/>
+                </a:solidFill>
+                <a:latin typeface="돋움체" panose="020B0609000101010101" pitchFamily="49" charset="-127"/>
+                <a:ea typeface="돋움체" panose="020B0609000101010101" pitchFamily="49" charset="-127"/>
+              </a:rPr>
+              <a:t>(</a:t>
+            </a:r>
+            <a:r>
+              <a:rPr lang="en-US" altLang="ko-KR" sz="1000" dirty="0">
+                <a:solidFill>
+                  <a:srgbClr val="A31515"/>
+                </a:solidFill>
+                <a:latin typeface="돋움체" panose="020B0609000101010101" pitchFamily="49" charset="-127"/>
+                <a:ea typeface="돋움체" panose="020B0609000101010101" pitchFamily="49" charset="-127"/>
+              </a:rPr>
+              <a:t>"\n"</a:t>
+            </a:r>
+            <a:r>
+              <a:rPr lang="en-US" altLang="ko-KR" sz="1000" dirty="0">
+                <a:solidFill>
+                  <a:srgbClr val="000000"/>
+                </a:solidFill>
+                <a:latin typeface="돋움체" panose="020B0609000101010101" pitchFamily="49" charset="-127"/>
+                <a:ea typeface="돋움체" panose="020B0609000101010101" pitchFamily="49" charset="-127"/>
+              </a:rPr>
+              <a:t>);</a:t>
+            </a:r>
+          </a:p>
+          <a:p>
+            <a:r>
+              <a:rPr lang="en-US" altLang="ko-KR" sz="1000" dirty="0" err="1">
+                <a:solidFill>
+                  <a:srgbClr val="000000"/>
+                </a:solidFill>
+                <a:latin typeface="돋움체" panose="020B0609000101010101" pitchFamily="49" charset="-127"/>
+                <a:ea typeface="돋움체" panose="020B0609000101010101" pitchFamily="49" charset="-127"/>
+              </a:rPr>
+              <a:t>fclose</a:t>
+            </a:r>
+            <a:r>
+              <a:rPr lang="en-US" altLang="ko-KR" sz="1000" dirty="0">
+                <a:solidFill>
+                  <a:srgbClr val="000000"/>
+                </a:solidFill>
+                <a:latin typeface="돋움체" panose="020B0609000101010101" pitchFamily="49" charset="-127"/>
+                <a:ea typeface="돋움체" panose="020B0609000101010101" pitchFamily="49" charset="-127"/>
+              </a:rPr>
+              <a:t>(file);</a:t>
+            </a:r>
+          </a:p>
+          <a:p>
+            <a:r>
+              <a:rPr lang="en-US" altLang="ko-KR" sz="1000" dirty="0">
+                <a:solidFill>
+                  <a:srgbClr val="000000"/>
+                </a:solidFill>
+                <a:latin typeface="돋움체" panose="020B0609000101010101" pitchFamily="49" charset="-127"/>
+                <a:ea typeface="돋움체" panose="020B0609000101010101" pitchFamily="49" charset="-127"/>
+              </a:rPr>
+              <a:t>}</a:t>
+            </a:r>
+          </a:p>
+          <a:p>
+            <a:r>
+              <a:rPr lang="en-US" altLang="ko-KR" sz="1000" dirty="0">
+                <a:solidFill>
+                  <a:srgbClr val="000000"/>
+                </a:solidFill>
+                <a:latin typeface="돋움체" panose="020B0609000101010101" pitchFamily="49" charset="-127"/>
+                <a:ea typeface="돋움체" panose="020B0609000101010101" pitchFamily="49" charset="-127"/>
+              </a:rPr>
+              <a:t>}</a:t>
+            </a:r>
+          </a:p>
+          <a:p>
+            <a:endParaRPr lang="ko-KR" altLang="en-US" sz="1000" dirty="0">
+              <a:solidFill>
+                <a:srgbClr val="000000"/>
+              </a:solidFill>
+              <a:latin typeface="돋움체" panose="020B0609000101010101" pitchFamily="49" charset="-127"/>
+              <a:ea typeface="돋움체" panose="020B0609000101010101" pitchFamily="49" charset="-127"/>
+            </a:endParaRPr>
+          </a:p>
+          <a:p>
+            <a:r>
+              <a:rPr lang="en-US" altLang="ko-KR" sz="1000" dirty="0">
+                <a:solidFill>
+                  <a:srgbClr val="0000FF"/>
+                </a:solidFill>
+                <a:latin typeface="돋움체" panose="020B0609000101010101" pitchFamily="49" charset="-127"/>
+                <a:ea typeface="돋움체" panose="020B0609000101010101" pitchFamily="49" charset="-127"/>
+              </a:rPr>
+              <a:t>return</a:t>
+            </a:r>
+            <a:r>
+              <a:rPr lang="en-US" altLang="ko-KR" sz="1000" dirty="0">
+                <a:solidFill>
+                  <a:srgbClr val="000000"/>
+                </a:solidFill>
+                <a:latin typeface="돋움체" panose="020B0609000101010101" pitchFamily="49" charset="-127"/>
+                <a:ea typeface="돋움체" panose="020B0609000101010101" pitchFamily="49" charset="-127"/>
+              </a:rPr>
+              <a:t> 0;</a:t>
+            </a:r>
+          </a:p>
+          <a:p>
+            <a:r>
+              <a:rPr lang="en-US" altLang="ko-KR" sz="1000" dirty="0">
+                <a:solidFill>
+                  <a:srgbClr val="000000"/>
+                </a:solidFill>
+                <a:latin typeface="돋움체" panose="020B0609000101010101" pitchFamily="49" charset="-127"/>
+                <a:ea typeface="돋움체" panose="020B0609000101010101" pitchFamily="49" charset="-127"/>
+              </a:rPr>
+              <a:t>}</a:t>
+            </a:r>
+            <a:endParaRPr lang="ko-KR" altLang="en-US" sz="1000" dirty="0"/>
           </a:p>
         </p:txBody>
       </p:sp>
@@ -4092,6 +6633,721 @@
           <p:cNvPr id="2" name="제목 1">
             <a:extLst>
               <a:ext uri="{FF2B5EF4-FFF2-40B4-BE49-F238E27FC236}">
+                <a16:creationId xmlns:a16="http://schemas.microsoft.com/office/drawing/2014/main" id="{73A311C9-046D-BF8B-B43B-D5A312CD03C1}"/>
+              </a:ext>
+            </a:extLst>
+          </p:cNvPr>
+          <p:cNvSpPr>
+            <a:spLocks noGrp="1"/>
+          </p:cNvSpPr>
+          <p:nvPr>
+            <p:ph type="title"/>
+          </p:nvPr>
+        </p:nvSpPr>
+        <p:spPr/>
+        <p:txBody>
+          <a:bodyPr/>
+          <a:lstStyle/>
+          <a:p>
+            <a:r>
+              <a:rPr lang="en-US" altLang="ko-KR" dirty="0" err="1"/>
+              <a:t>myhead.c</a:t>
+            </a:r>
+            <a:r>
+              <a:rPr lang="ko-KR" altLang="en-US" dirty="0"/>
+              <a:t> </a:t>
+            </a:r>
+            <a:r>
+              <a:rPr lang="en-US" altLang="ko-KR" dirty="0"/>
+              <a:t>(2) – n, c option </a:t>
+            </a:r>
+            <a:r>
+              <a:rPr lang="ko-KR" altLang="en-US" dirty="0"/>
+              <a:t>출력</a:t>
+            </a:r>
+          </a:p>
+        </p:txBody>
+      </p:sp>
+      <p:sp>
+        <p:nvSpPr>
+          <p:cNvPr id="4" name="TextBox 3">
+            <a:extLst>
+              <a:ext uri="{FF2B5EF4-FFF2-40B4-BE49-F238E27FC236}">
+                <a16:creationId xmlns:a16="http://schemas.microsoft.com/office/drawing/2014/main" id="{C70426F8-A4DF-5B59-E696-8DCD608F1F9A}"/>
+              </a:ext>
+            </a:extLst>
+          </p:cNvPr>
+          <p:cNvSpPr txBox="1"/>
+          <p:nvPr/>
+        </p:nvSpPr>
+        <p:spPr>
+          <a:xfrm>
+            <a:off x="838200" y="1691561"/>
+            <a:ext cx="9302547" cy="4801314"/>
+          </a:xfrm>
+          <a:prstGeom prst="rect">
+            <a:avLst/>
+          </a:prstGeom>
+          <a:noFill/>
+        </p:spPr>
+        <p:txBody>
+          <a:bodyPr wrap="none" rtlCol="0">
+            <a:spAutoFit/>
+          </a:bodyPr>
+          <a:lstStyle/>
+          <a:p>
+            <a:r>
+              <a:rPr lang="en-US" altLang="ko-KR" sz="1800" dirty="0">
+                <a:solidFill>
+                  <a:srgbClr val="008000"/>
+                </a:solidFill>
+                <a:latin typeface="돋움체" panose="020B0609000101010101" pitchFamily="49" charset="-127"/>
+                <a:ea typeface="돋움체" panose="020B0609000101010101" pitchFamily="49" charset="-127"/>
+              </a:rPr>
+              <a:t>// n option (</a:t>
+            </a:r>
+            <a:r>
+              <a:rPr lang="ko-KR" altLang="en-US" sz="1800" dirty="0">
+                <a:solidFill>
+                  <a:srgbClr val="008000"/>
+                </a:solidFill>
+                <a:latin typeface="돋움체" panose="020B0609000101010101" pitchFamily="49" charset="-127"/>
+                <a:ea typeface="돋움체" panose="020B0609000101010101" pitchFamily="49" charset="-127"/>
+              </a:rPr>
+              <a:t>지정된 라인 수만큼 읽기</a:t>
+            </a:r>
+            <a:r>
+              <a:rPr lang="en-US" altLang="ko-KR" sz="1800" dirty="0">
+                <a:solidFill>
+                  <a:srgbClr val="008000"/>
+                </a:solidFill>
+                <a:latin typeface="돋움체" panose="020B0609000101010101" pitchFamily="49" charset="-127"/>
+                <a:ea typeface="돋움체" panose="020B0609000101010101" pitchFamily="49" charset="-127"/>
+              </a:rPr>
+              <a:t>)</a:t>
+            </a:r>
+            <a:endParaRPr lang="ko-KR" altLang="en-US" sz="1800" dirty="0">
+              <a:solidFill>
+                <a:srgbClr val="000000"/>
+              </a:solidFill>
+              <a:latin typeface="돋움체" panose="020B0609000101010101" pitchFamily="49" charset="-127"/>
+              <a:ea typeface="돋움체" panose="020B0609000101010101" pitchFamily="49" charset="-127"/>
+            </a:endParaRPr>
+          </a:p>
+          <a:p>
+            <a:r>
+              <a:rPr lang="en-US" altLang="ko-KR" sz="1800" dirty="0">
+                <a:solidFill>
+                  <a:srgbClr val="0000FF"/>
+                </a:solidFill>
+                <a:latin typeface="돋움체" panose="020B0609000101010101" pitchFamily="49" charset="-127"/>
+                <a:ea typeface="돋움체" panose="020B0609000101010101" pitchFamily="49" charset="-127"/>
+              </a:rPr>
+              <a:t>void</a:t>
+            </a:r>
+            <a:r>
+              <a:rPr lang="en-US" altLang="ko-KR" sz="1800" dirty="0">
+                <a:solidFill>
+                  <a:srgbClr val="000000"/>
+                </a:solidFill>
+                <a:latin typeface="돋움체" panose="020B0609000101010101" pitchFamily="49" charset="-127"/>
+                <a:ea typeface="돋움체" panose="020B0609000101010101" pitchFamily="49" charset="-127"/>
+              </a:rPr>
+              <a:t> </a:t>
+            </a:r>
+            <a:r>
+              <a:rPr lang="en-US" altLang="ko-KR" sz="1800" dirty="0" err="1">
+                <a:solidFill>
+                  <a:srgbClr val="000000"/>
+                </a:solidFill>
+                <a:latin typeface="돋움체" panose="020B0609000101010101" pitchFamily="49" charset="-127"/>
+                <a:ea typeface="돋움체" panose="020B0609000101010101" pitchFamily="49" charset="-127"/>
+              </a:rPr>
+              <a:t>print_lines</a:t>
+            </a:r>
+            <a:r>
+              <a:rPr lang="en-US" altLang="ko-KR" sz="1800" dirty="0">
+                <a:solidFill>
+                  <a:srgbClr val="000000"/>
+                </a:solidFill>
+                <a:latin typeface="돋움체" panose="020B0609000101010101" pitchFamily="49" charset="-127"/>
+                <a:ea typeface="돋움체" panose="020B0609000101010101" pitchFamily="49" charset="-127"/>
+              </a:rPr>
+              <a:t>(FILE* file){</a:t>
+            </a:r>
+          </a:p>
+          <a:p>
+            <a:r>
+              <a:rPr lang="en-US" altLang="ko-KR" sz="1800" dirty="0">
+                <a:solidFill>
+                  <a:srgbClr val="0000FF"/>
+                </a:solidFill>
+                <a:latin typeface="돋움체" panose="020B0609000101010101" pitchFamily="49" charset="-127"/>
+                <a:ea typeface="돋움체" panose="020B0609000101010101" pitchFamily="49" charset="-127"/>
+              </a:rPr>
+              <a:t>char</a:t>
+            </a:r>
+            <a:r>
+              <a:rPr lang="en-US" altLang="ko-KR" sz="1800" dirty="0">
+                <a:solidFill>
+                  <a:srgbClr val="000000"/>
+                </a:solidFill>
+                <a:latin typeface="돋움체" panose="020B0609000101010101" pitchFamily="49" charset="-127"/>
+                <a:ea typeface="돋움체" panose="020B0609000101010101" pitchFamily="49" charset="-127"/>
+              </a:rPr>
+              <a:t> buffer[BUFSIZ];</a:t>
+            </a:r>
+          </a:p>
+          <a:p>
+            <a:r>
+              <a:rPr lang="en-US" altLang="ko-KR" sz="1800" dirty="0">
+                <a:solidFill>
+                  <a:srgbClr val="0000FF"/>
+                </a:solidFill>
+                <a:latin typeface="돋움체" panose="020B0609000101010101" pitchFamily="49" charset="-127"/>
+                <a:ea typeface="돋움체" panose="020B0609000101010101" pitchFamily="49" charset="-127"/>
+              </a:rPr>
+              <a:t>int</a:t>
+            </a:r>
+            <a:r>
+              <a:rPr lang="en-US" altLang="ko-KR" sz="1800" dirty="0">
+                <a:solidFill>
+                  <a:srgbClr val="000000"/>
+                </a:solidFill>
+                <a:latin typeface="돋움체" panose="020B0609000101010101" pitchFamily="49" charset="-127"/>
+                <a:ea typeface="돋움체" panose="020B0609000101010101" pitchFamily="49" charset="-127"/>
+              </a:rPr>
+              <a:t> </a:t>
+            </a:r>
+            <a:r>
+              <a:rPr lang="en-US" altLang="ko-KR" sz="1800" dirty="0" err="1">
+                <a:solidFill>
+                  <a:srgbClr val="000000"/>
+                </a:solidFill>
+                <a:latin typeface="돋움체" panose="020B0609000101010101" pitchFamily="49" charset="-127"/>
+                <a:ea typeface="돋움체" panose="020B0609000101010101" pitchFamily="49" charset="-127"/>
+              </a:rPr>
+              <a:t>line_count</a:t>
+            </a:r>
+            <a:r>
+              <a:rPr lang="en-US" altLang="ko-KR" sz="1800" dirty="0">
+                <a:solidFill>
+                  <a:srgbClr val="000000"/>
+                </a:solidFill>
+                <a:latin typeface="돋움체" panose="020B0609000101010101" pitchFamily="49" charset="-127"/>
+                <a:ea typeface="돋움체" panose="020B0609000101010101" pitchFamily="49" charset="-127"/>
+              </a:rPr>
+              <a:t> = 0;</a:t>
+            </a:r>
+          </a:p>
+          <a:p>
+            <a:endParaRPr lang="ko-KR" altLang="en-US" sz="1800" dirty="0">
+              <a:solidFill>
+                <a:srgbClr val="000000"/>
+              </a:solidFill>
+              <a:latin typeface="돋움체" panose="020B0609000101010101" pitchFamily="49" charset="-127"/>
+              <a:ea typeface="돋움체" panose="020B0609000101010101" pitchFamily="49" charset="-127"/>
+            </a:endParaRPr>
+          </a:p>
+          <a:p>
+            <a:r>
+              <a:rPr lang="en-US" altLang="ko-KR" sz="1800" dirty="0">
+                <a:solidFill>
+                  <a:srgbClr val="0000FF"/>
+                </a:solidFill>
+                <a:latin typeface="돋움체" panose="020B0609000101010101" pitchFamily="49" charset="-127"/>
+                <a:ea typeface="돋움체" panose="020B0609000101010101" pitchFamily="49" charset="-127"/>
+              </a:rPr>
+              <a:t>while</a:t>
+            </a:r>
+            <a:r>
+              <a:rPr lang="en-US" altLang="ko-KR" sz="1800" dirty="0">
+                <a:solidFill>
+                  <a:srgbClr val="000000"/>
+                </a:solidFill>
+                <a:latin typeface="돋움체" panose="020B0609000101010101" pitchFamily="49" charset="-127"/>
+                <a:ea typeface="돋움체" panose="020B0609000101010101" pitchFamily="49" charset="-127"/>
+              </a:rPr>
+              <a:t> (</a:t>
+            </a:r>
+            <a:r>
+              <a:rPr lang="en-US" altLang="ko-KR" sz="1800" dirty="0" err="1">
+                <a:solidFill>
+                  <a:srgbClr val="000000"/>
+                </a:solidFill>
+                <a:latin typeface="돋움체" panose="020B0609000101010101" pitchFamily="49" charset="-127"/>
+                <a:ea typeface="돋움체" panose="020B0609000101010101" pitchFamily="49" charset="-127"/>
+              </a:rPr>
+              <a:t>fgets</a:t>
+            </a:r>
+            <a:r>
+              <a:rPr lang="en-US" altLang="ko-KR" sz="1800" dirty="0">
+                <a:solidFill>
+                  <a:srgbClr val="000000"/>
+                </a:solidFill>
+                <a:latin typeface="돋움체" panose="020B0609000101010101" pitchFamily="49" charset="-127"/>
+                <a:ea typeface="돋움체" panose="020B0609000101010101" pitchFamily="49" charset="-127"/>
+              </a:rPr>
+              <a:t>(buffer, </a:t>
+            </a:r>
+            <a:r>
+              <a:rPr lang="en-US" altLang="ko-KR" sz="1800" dirty="0" err="1">
+                <a:solidFill>
+                  <a:srgbClr val="0000FF"/>
+                </a:solidFill>
+                <a:latin typeface="돋움체" panose="020B0609000101010101" pitchFamily="49" charset="-127"/>
+                <a:ea typeface="돋움체" panose="020B0609000101010101" pitchFamily="49" charset="-127"/>
+              </a:rPr>
+              <a:t>sizeof</a:t>
+            </a:r>
+            <a:r>
+              <a:rPr lang="en-US" altLang="ko-KR" sz="1800" dirty="0">
+                <a:solidFill>
+                  <a:srgbClr val="000000"/>
+                </a:solidFill>
+                <a:latin typeface="돋움체" panose="020B0609000101010101" pitchFamily="49" charset="-127"/>
+                <a:ea typeface="돋움체" panose="020B0609000101010101" pitchFamily="49" charset="-127"/>
+              </a:rPr>
+              <a:t>(buffer), file) != NULL &amp;&amp; </a:t>
+            </a:r>
+            <a:r>
+              <a:rPr lang="en-US" altLang="ko-KR" sz="1800" dirty="0" err="1">
+                <a:solidFill>
+                  <a:srgbClr val="000000"/>
+                </a:solidFill>
+                <a:latin typeface="돋움체" panose="020B0609000101010101" pitchFamily="49" charset="-127"/>
+                <a:ea typeface="돋움체" panose="020B0609000101010101" pitchFamily="49" charset="-127"/>
+              </a:rPr>
+              <a:t>line_count</a:t>
+            </a:r>
+            <a:r>
+              <a:rPr lang="en-US" altLang="ko-KR" sz="1800" dirty="0">
+                <a:solidFill>
+                  <a:srgbClr val="000000"/>
+                </a:solidFill>
+                <a:latin typeface="돋움체" panose="020B0609000101010101" pitchFamily="49" charset="-127"/>
+                <a:ea typeface="돋움체" panose="020B0609000101010101" pitchFamily="49" charset="-127"/>
+              </a:rPr>
+              <a:t> &lt; </a:t>
+            </a:r>
+            <a:r>
+              <a:rPr lang="en-US" altLang="ko-KR" sz="1800" dirty="0" err="1">
+                <a:solidFill>
+                  <a:srgbClr val="000000"/>
+                </a:solidFill>
+                <a:latin typeface="돋움체" panose="020B0609000101010101" pitchFamily="49" charset="-127"/>
+                <a:ea typeface="돋움체" panose="020B0609000101010101" pitchFamily="49" charset="-127"/>
+              </a:rPr>
+              <a:t>num_lines</a:t>
+            </a:r>
+            <a:r>
+              <a:rPr lang="en-US" altLang="ko-KR" sz="1800" dirty="0">
+                <a:solidFill>
+                  <a:srgbClr val="000000"/>
+                </a:solidFill>
+                <a:latin typeface="돋움체" panose="020B0609000101010101" pitchFamily="49" charset="-127"/>
+                <a:ea typeface="돋움체" panose="020B0609000101010101" pitchFamily="49" charset="-127"/>
+              </a:rPr>
+              <a:t>) {</a:t>
+            </a:r>
+          </a:p>
+          <a:p>
+            <a:r>
+              <a:rPr lang="en-US" altLang="ko-KR" sz="1800" dirty="0" err="1">
+                <a:solidFill>
+                  <a:srgbClr val="000000"/>
+                </a:solidFill>
+                <a:latin typeface="돋움체" panose="020B0609000101010101" pitchFamily="49" charset="-127"/>
+                <a:ea typeface="돋움체" panose="020B0609000101010101" pitchFamily="49" charset="-127"/>
+              </a:rPr>
+              <a:t>printf</a:t>
+            </a:r>
+            <a:r>
+              <a:rPr lang="en-US" altLang="ko-KR" sz="1800" dirty="0">
+                <a:solidFill>
+                  <a:srgbClr val="000000"/>
+                </a:solidFill>
+                <a:latin typeface="돋움체" panose="020B0609000101010101" pitchFamily="49" charset="-127"/>
+                <a:ea typeface="돋움체" panose="020B0609000101010101" pitchFamily="49" charset="-127"/>
+              </a:rPr>
+              <a:t>(</a:t>
+            </a:r>
+            <a:r>
+              <a:rPr lang="en-US" altLang="ko-KR" sz="1800" dirty="0">
+                <a:solidFill>
+                  <a:srgbClr val="A31515"/>
+                </a:solidFill>
+                <a:latin typeface="돋움체" panose="020B0609000101010101" pitchFamily="49" charset="-127"/>
+                <a:ea typeface="돋움체" panose="020B0609000101010101" pitchFamily="49" charset="-127"/>
+              </a:rPr>
+              <a:t>"%s"</a:t>
+            </a:r>
+            <a:r>
+              <a:rPr lang="en-US" altLang="ko-KR" sz="1800" dirty="0">
+                <a:solidFill>
+                  <a:srgbClr val="000000"/>
+                </a:solidFill>
+                <a:latin typeface="돋움체" panose="020B0609000101010101" pitchFamily="49" charset="-127"/>
+                <a:ea typeface="돋움체" panose="020B0609000101010101" pitchFamily="49" charset="-127"/>
+              </a:rPr>
+              <a:t>, buffer);</a:t>
+            </a:r>
+          </a:p>
+          <a:p>
+            <a:r>
+              <a:rPr lang="en-US" altLang="ko-KR" sz="1800" dirty="0" err="1">
+                <a:solidFill>
+                  <a:srgbClr val="000000"/>
+                </a:solidFill>
+                <a:latin typeface="돋움체" panose="020B0609000101010101" pitchFamily="49" charset="-127"/>
+                <a:ea typeface="돋움체" panose="020B0609000101010101" pitchFamily="49" charset="-127"/>
+              </a:rPr>
+              <a:t>line_count</a:t>
+            </a:r>
+            <a:r>
+              <a:rPr lang="en-US" altLang="ko-KR" sz="1800" dirty="0">
+                <a:solidFill>
+                  <a:srgbClr val="000000"/>
+                </a:solidFill>
+                <a:latin typeface="돋움체" panose="020B0609000101010101" pitchFamily="49" charset="-127"/>
+                <a:ea typeface="돋움체" panose="020B0609000101010101" pitchFamily="49" charset="-127"/>
+              </a:rPr>
+              <a:t>++;</a:t>
+            </a:r>
+          </a:p>
+          <a:p>
+            <a:r>
+              <a:rPr lang="en-US" altLang="ko-KR" sz="1800" dirty="0">
+                <a:solidFill>
+                  <a:srgbClr val="000000"/>
+                </a:solidFill>
+                <a:latin typeface="돋움체" panose="020B0609000101010101" pitchFamily="49" charset="-127"/>
+                <a:ea typeface="돋움체" panose="020B0609000101010101" pitchFamily="49" charset="-127"/>
+              </a:rPr>
+              <a:t>}</a:t>
+            </a:r>
+          </a:p>
+          <a:p>
+            <a:r>
+              <a:rPr lang="en-US" altLang="ko-KR" sz="1800" dirty="0">
+                <a:solidFill>
+                  <a:srgbClr val="000000"/>
+                </a:solidFill>
+                <a:latin typeface="돋움체" panose="020B0609000101010101" pitchFamily="49" charset="-127"/>
+                <a:ea typeface="돋움체" panose="020B0609000101010101" pitchFamily="49" charset="-127"/>
+              </a:rPr>
+              <a:t>}</a:t>
+            </a:r>
+          </a:p>
+          <a:p>
+            <a:r>
+              <a:rPr lang="en-US" altLang="ko-KR" sz="1800" dirty="0">
+                <a:solidFill>
+                  <a:srgbClr val="008000"/>
+                </a:solidFill>
+                <a:latin typeface="돋움체" panose="020B0609000101010101" pitchFamily="49" charset="-127"/>
+                <a:ea typeface="돋움체" panose="020B0609000101010101" pitchFamily="49" charset="-127"/>
+              </a:rPr>
+              <a:t>// c option (</a:t>
+            </a:r>
+            <a:r>
+              <a:rPr lang="ko-KR" altLang="en-US" sz="1800" dirty="0">
+                <a:solidFill>
+                  <a:srgbClr val="008000"/>
+                </a:solidFill>
+                <a:latin typeface="돋움체" panose="020B0609000101010101" pitchFamily="49" charset="-127"/>
+                <a:ea typeface="돋움체" panose="020B0609000101010101" pitchFamily="49" charset="-127"/>
+              </a:rPr>
+              <a:t>지정된 바이트 수만큼 읽기</a:t>
+            </a:r>
+            <a:r>
+              <a:rPr lang="en-US" altLang="ko-KR" sz="1800" dirty="0">
+                <a:solidFill>
+                  <a:srgbClr val="008000"/>
+                </a:solidFill>
+                <a:latin typeface="돋움체" panose="020B0609000101010101" pitchFamily="49" charset="-127"/>
+                <a:ea typeface="돋움체" panose="020B0609000101010101" pitchFamily="49" charset="-127"/>
+              </a:rPr>
+              <a:t>)</a:t>
+            </a:r>
+            <a:endParaRPr lang="ko-KR" altLang="en-US" sz="1800" dirty="0">
+              <a:solidFill>
+                <a:srgbClr val="000000"/>
+              </a:solidFill>
+              <a:latin typeface="돋움체" panose="020B0609000101010101" pitchFamily="49" charset="-127"/>
+              <a:ea typeface="돋움체" panose="020B0609000101010101" pitchFamily="49" charset="-127"/>
+            </a:endParaRPr>
+          </a:p>
+          <a:p>
+            <a:r>
+              <a:rPr lang="en-US" altLang="ko-KR" sz="1800" dirty="0">
+                <a:solidFill>
+                  <a:srgbClr val="0000FF"/>
+                </a:solidFill>
+                <a:latin typeface="돋움체" panose="020B0609000101010101" pitchFamily="49" charset="-127"/>
+                <a:ea typeface="돋움체" panose="020B0609000101010101" pitchFamily="49" charset="-127"/>
+              </a:rPr>
+              <a:t>void</a:t>
+            </a:r>
+            <a:r>
+              <a:rPr lang="en-US" altLang="ko-KR" sz="1800" dirty="0">
+                <a:solidFill>
+                  <a:srgbClr val="000000"/>
+                </a:solidFill>
+                <a:latin typeface="돋움체" panose="020B0609000101010101" pitchFamily="49" charset="-127"/>
+                <a:ea typeface="돋움체" panose="020B0609000101010101" pitchFamily="49" charset="-127"/>
+              </a:rPr>
+              <a:t> </a:t>
+            </a:r>
+            <a:r>
+              <a:rPr lang="en-US" altLang="ko-KR" sz="1800" dirty="0" err="1">
+                <a:solidFill>
+                  <a:srgbClr val="000000"/>
+                </a:solidFill>
+                <a:latin typeface="돋움체" panose="020B0609000101010101" pitchFamily="49" charset="-127"/>
+                <a:ea typeface="돋움체" panose="020B0609000101010101" pitchFamily="49" charset="-127"/>
+              </a:rPr>
+              <a:t>print_bytes</a:t>
+            </a:r>
+            <a:r>
+              <a:rPr lang="en-US" altLang="ko-KR" sz="1800" dirty="0">
+                <a:solidFill>
+                  <a:srgbClr val="000000"/>
+                </a:solidFill>
+                <a:latin typeface="돋움체" panose="020B0609000101010101" pitchFamily="49" charset="-127"/>
+                <a:ea typeface="돋움체" panose="020B0609000101010101" pitchFamily="49" charset="-127"/>
+              </a:rPr>
+              <a:t>(FILE* file){</a:t>
+            </a:r>
+          </a:p>
+          <a:p>
+            <a:r>
+              <a:rPr lang="en-US" altLang="ko-KR" sz="1800" dirty="0">
+                <a:solidFill>
+                  <a:srgbClr val="0000FF"/>
+                </a:solidFill>
+                <a:latin typeface="돋움체" panose="020B0609000101010101" pitchFamily="49" charset="-127"/>
+                <a:ea typeface="돋움체" panose="020B0609000101010101" pitchFamily="49" charset="-127"/>
+              </a:rPr>
+              <a:t>char</a:t>
+            </a:r>
+            <a:r>
+              <a:rPr lang="en-US" altLang="ko-KR" sz="1800" dirty="0">
+                <a:solidFill>
+                  <a:srgbClr val="000000"/>
+                </a:solidFill>
+                <a:latin typeface="돋움체" panose="020B0609000101010101" pitchFamily="49" charset="-127"/>
+                <a:ea typeface="돋움체" panose="020B0609000101010101" pitchFamily="49" charset="-127"/>
+              </a:rPr>
+              <a:t> buffer[</a:t>
+            </a:r>
+            <a:r>
+              <a:rPr lang="en-US" altLang="ko-KR" sz="1800" dirty="0" err="1">
+                <a:solidFill>
+                  <a:srgbClr val="000000"/>
+                </a:solidFill>
+                <a:latin typeface="돋움체" panose="020B0609000101010101" pitchFamily="49" charset="-127"/>
+                <a:ea typeface="돋움체" panose="020B0609000101010101" pitchFamily="49" charset="-127"/>
+              </a:rPr>
+              <a:t>num_bytes</a:t>
+            </a:r>
+            <a:r>
+              <a:rPr lang="en-US" altLang="ko-KR" sz="1800" dirty="0">
+                <a:solidFill>
+                  <a:srgbClr val="000000"/>
+                </a:solidFill>
+                <a:latin typeface="돋움체" panose="020B0609000101010101" pitchFamily="49" charset="-127"/>
+                <a:ea typeface="돋움체" panose="020B0609000101010101" pitchFamily="49" charset="-127"/>
+              </a:rPr>
+              <a:t> + 1];</a:t>
+            </a:r>
+          </a:p>
+          <a:p>
+            <a:r>
+              <a:rPr lang="en-US" altLang="ko-KR" sz="1800" dirty="0" err="1">
+                <a:solidFill>
+                  <a:srgbClr val="000000"/>
+                </a:solidFill>
+                <a:latin typeface="돋움체" panose="020B0609000101010101" pitchFamily="49" charset="-127"/>
+                <a:ea typeface="돋움체" panose="020B0609000101010101" pitchFamily="49" charset="-127"/>
+              </a:rPr>
+              <a:t>fread</a:t>
+            </a:r>
+            <a:r>
+              <a:rPr lang="en-US" altLang="ko-KR" sz="1800" dirty="0">
+                <a:solidFill>
+                  <a:srgbClr val="000000"/>
+                </a:solidFill>
+                <a:latin typeface="돋움체" panose="020B0609000101010101" pitchFamily="49" charset="-127"/>
+                <a:ea typeface="돋움체" panose="020B0609000101010101" pitchFamily="49" charset="-127"/>
+              </a:rPr>
+              <a:t>(buffer, 1, </a:t>
+            </a:r>
+            <a:r>
+              <a:rPr lang="en-US" altLang="ko-KR" sz="1800" dirty="0" err="1">
+                <a:solidFill>
+                  <a:srgbClr val="000000"/>
+                </a:solidFill>
+                <a:latin typeface="돋움체" panose="020B0609000101010101" pitchFamily="49" charset="-127"/>
+                <a:ea typeface="돋움체" panose="020B0609000101010101" pitchFamily="49" charset="-127"/>
+              </a:rPr>
+              <a:t>num_bytes</a:t>
+            </a:r>
+            <a:r>
+              <a:rPr lang="en-US" altLang="ko-KR" sz="1800" dirty="0">
+                <a:solidFill>
+                  <a:srgbClr val="000000"/>
+                </a:solidFill>
+                <a:latin typeface="돋움체" panose="020B0609000101010101" pitchFamily="49" charset="-127"/>
+                <a:ea typeface="돋움체" panose="020B0609000101010101" pitchFamily="49" charset="-127"/>
+              </a:rPr>
+              <a:t>, file);</a:t>
+            </a:r>
+          </a:p>
+          <a:p>
+            <a:r>
+              <a:rPr lang="en-US" altLang="ko-KR" sz="1800" dirty="0">
+                <a:solidFill>
+                  <a:srgbClr val="000000"/>
+                </a:solidFill>
+                <a:latin typeface="돋움체" panose="020B0609000101010101" pitchFamily="49" charset="-127"/>
+                <a:ea typeface="돋움체" panose="020B0609000101010101" pitchFamily="49" charset="-127"/>
+              </a:rPr>
+              <a:t>buffer[</a:t>
+            </a:r>
+            <a:r>
+              <a:rPr lang="en-US" altLang="ko-KR" sz="1800" dirty="0" err="1">
+                <a:solidFill>
+                  <a:srgbClr val="000000"/>
+                </a:solidFill>
+                <a:latin typeface="돋움체" panose="020B0609000101010101" pitchFamily="49" charset="-127"/>
+                <a:ea typeface="돋움체" panose="020B0609000101010101" pitchFamily="49" charset="-127"/>
+              </a:rPr>
+              <a:t>num_bytes</a:t>
+            </a:r>
+            <a:r>
+              <a:rPr lang="en-US" altLang="ko-KR" sz="1800" dirty="0">
+                <a:solidFill>
+                  <a:srgbClr val="000000"/>
+                </a:solidFill>
+                <a:latin typeface="돋움체" panose="020B0609000101010101" pitchFamily="49" charset="-127"/>
+                <a:ea typeface="돋움체" panose="020B0609000101010101" pitchFamily="49" charset="-127"/>
+              </a:rPr>
+              <a:t>] = </a:t>
+            </a:r>
+            <a:r>
+              <a:rPr lang="en-US" altLang="ko-KR" sz="1800" dirty="0">
+                <a:solidFill>
+                  <a:srgbClr val="A31515"/>
+                </a:solidFill>
+                <a:latin typeface="돋움체" panose="020B0609000101010101" pitchFamily="49" charset="-127"/>
+                <a:ea typeface="돋움체" panose="020B0609000101010101" pitchFamily="49" charset="-127"/>
+              </a:rPr>
+              <a:t>'\0'</a:t>
+            </a:r>
+            <a:r>
+              <a:rPr lang="en-US" altLang="ko-KR" sz="1800" dirty="0">
+                <a:solidFill>
+                  <a:srgbClr val="000000"/>
+                </a:solidFill>
+                <a:latin typeface="돋움체" panose="020B0609000101010101" pitchFamily="49" charset="-127"/>
+                <a:ea typeface="돋움체" panose="020B0609000101010101" pitchFamily="49" charset="-127"/>
+              </a:rPr>
+              <a:t>;</a:t>
+            </a:r>
+          </a:p>
+          <a:p>
+            <a:r>
+              <a:rPr lang="en-US" altLang="ko-KR" sz="1800" dirty="0" err="1">
+                <a:solidFill>
+                  <a:srgbClr val="000000"/>
+                </a:solidFill>
+                <a:latin typeface="돋움체" panose="020B0609000101010101" pitchFamily="49" charset="-127"/>
+                <a:ea typeface="돋움체" panose="020B0609000101010101" pitchFamily="49" charset="-127"/>
+              </a:rPr>
+              <a:t>printf</a:t>
+            </a:r>
+            <a:r>
+              <a:rPr lang="en-US" altLang="ko-KR" sz="1800" dirty="0">
+                <a:solidFill>
+                  <a:srgbClr val="000000"/>
+                </a:solidFill>
+                <a:latin typeface="돋움체" panose="020B0609000101010101" pitchFamily="49" charset="-127"/>
+                <a:ea typeface="돋움체" panose="020B0609000101010101" pitchFamily="49" charset="-127"/>
+              </a:rPr>
+              <a:t>(</a:t>
+            </a:r>
+            <a:r>
+              <a:rPr lang="en-US" altLang="ko-KR" sz="1800" dirty="0">
+                <a:solidFill>
+                  <a:srgbClr val="A31515"/>
+                </a:solidFill>
+                <a:latin typeface="돋움체" panose="020B0609000101010101" pitchFamily="49" charset="-127"/>
+                <a:ea typeface="돋움체" panose="020B0609000101010101" pitchFamily="49" charset="-127"/>
+              </a:rPr>
+              <a:t>"%s"</a:t>
+            </a:r>
+            <a:r>
+              <a:rPr lang="en-US" altLang="ko-KR" sz="1800" dirty="0">
+                <a:solidFill>
+                  <a:srgbClr val="000000"/>
+                </a:solidFill>
+                <a:latin typeface="돋움체" panose="020B0609000101010101" pitchFamily="49" charset="-127"/>
+                <a:ea typeface="돋움체" panose="020B0609000101010101" pitchFamily="49" charset="-127"/>
+              </a:rPr>
+              <a:t>, buffer);</a:t>
+            </a:r>
+          </a:p>
+          <a:p>
+            <a:r>
+              <a:rPr lang="en-US" altLang="ko-KR" sz="1800" dirty="0">
+                <a:solidFill>
+                  <a:srgbClr val="000000"/>
+                </a:solidFill>
+                <a:latin typeface="돋움체" panose="020B0609000101010101" pitchFamily="49" charset="-127"/>
+                <a:ea typeface="돋움체" panose="020B0609000101010101" pitchFamily="49" charset="-127"/>
+              </a:rPr>
+              <a:t>}</a:t>
+            </a:r>
+            <a:endParaRPr lang="ko-KR" altLang="en-US" dirty="0"/>
+          </a:p>
+        </p:txBody>
+      </p:sp>
+    </p:spTree>
+    <p:extLst>
+      <p:ext uri="{BB962C8B-B14F-4D97-AF65-F5344CB8AC3E}">
+        <p14:creationId xmlns:p14="http://schemas.microsoft.com/office/powerpoint/2010/main" val="837533140"/>
+      </p:ext>
+    </p:extLst>
+  </p:cSld>
+  <p:clrMapOvr>
+    <a:masterClrMapping/>
+  </p:clrMapOvr>
+</p:sld>
+</file>
+
+<file path=ppt/slides/slide14.xml><?xml version="1.0" encoding="utf-8"?>
+<p:sld xmlns:a="http://schemas.openxmlformats.org/drawingml/2006/main" xmlns:r="http://schemas.openxmlformats.org/officeDocument/2006/relationships" xmlns:p="http://schemas.openxmlformats.org/presentationml/2006/main">
+  <p:cSld>
+    <p:spTree>
+      <p:nvGrpSpPr>
+        <p:cNvPr id="1" name=""/>
+        <p:cNvGrpSpPr/>
+        <p:nvPr/>
+      </p:nvGrpSpPr>
+      <p:grpSpPr>
+        <a:xfrm>
+          <a:off x="0" y="0"/>
+          <a:ext cx="0" cy="0"/>
+          <a:chOff x="0" y="0"/>
+          <a:chExt cx="0" cy="0"/>
+        </a:xfrm>
+      </p:grpSpPr>
+      <p:sp>
+        <p:nvSpPr>
+          <p:cNvPr id="2" name="제목 1">
+            <a:extLst>
+              <a:ext uri="{FF2B5EF4-FFF2-40B4-BE49-F238E27FC236}">
                 <a16:creationId xmlns:a16="http://schemas.microsoft.com/office/drawing/2014/main" id="{5035B814-2F6E-4DEE-A9AB-6763F48706ED}"/>
               </a:ext>
             </a:extLst>
@@ -4339,7 +7595,7 @@
 </p:sld>
 </file>
 
-<file path=ppt/slides/slide14.xml><?xml version="1.0" encoding="utf-8"?>
+<file path=ppt/slides/slide15.xml><?xml version="1.0" encoding="utf-8"?>
 <p:sld xmlns:a="http://schemas.openxmlformats.org/drawingml/2006/main" xmlns:r="http://schemas.openxmlformats.org/officeDocument/2006/relationships" xmlns:p="http://schemas.openxmlformats.org/presentationml/2006/main">
   <p:cSld>
     <p:spTree>
@@ -4379,7 +7635,7 @@
           <a:p>
             <a:r>
               <a:rPr lang="en-US" altLang="ko-KR" dirty="0"/>
-              <a:t>Tail options (n, c, q)</a:t>
+              <a:t>tail options (n, c, q)</a:t>
             </a:r>
             <a:endParaRPr lang="ko-KR" altLang="en-US" dirty="0"/>
           </a:p>
@@ -4652,7 +7908,7 @@
 </p:sld>
 </file>
 
-<file path=ppt/slides/slide15.xml><?xml version="1.0" encoding="utf-8"?>
+<file path=ppt/slides/slide16.xml><?xml version="1.0" encoding="utf-8"?>
 <p:sld xmlns:a="http://schemas.openxmlformats.org/drawingml/2006/main" xmlns:r="http://schemas.openxmlformats.org/officeDocument/2006/relationships" xmlns:p="http://schemas.openxmlformats.org/presentationml/2006/main">
   <p:cSld>
     <p:spTree>
@@ -7800,7 +11056,7 @@
 </p:sld>
 </file>
 
-<file path=ppt/slides/slide16.xml><?xml version="1.0" encoding="utf-8"?>
+<file path=ppt/slides/slide17.xml><?xml version="1.0" encoding="utf-8"?>
 <p:sld xmlns:a="http://schemas.openxmlformats.org/drawingml/2006/main" xmlns:r="http://schemas.openxmlformats.org/officeDocument/2006/relationships" xmlns:p="http://schemas.openxmlformats.org/presentationml/2006/main">
   <p:cSld>
     <p:spTree>
@@ -8647,7 +11903,7 @@
 </p:sld>
 </file>
 
-<file path=ppt/slides/slide17.xml><?xml version="1.0" encoding="utf-8"?>
+<file path=ppt/slides/slide18.xml><?xml version="1.0" encoding="utf-8"?>
 <p:sld xmlns:a="http://schemas.openxmlformats.org/drawingml/2006/main" xmlns:r="http://schemas.openxmlformats.org/officeDocument/2006/relationships" xmlns:p="http://schemas.openxmlformats.org/presentationml/2006/main">
   <p:cSld>
     <p:spTree>
@@ -9614,7 +12870,7 @@
 </p:sld>
 </file>
 
-<file path=ppt/slides/slide18.xml><?xml version="1.0" encoding="utf-8"?>
+<file path=ppt/slides/slide19.xml><?xml version="1.0" encoding="utf-8"?>
 <p:sld xmlns:a="http://schemas.openxmlformats.org/drawingml/2006/main" xmlns:r="http://schemas.openxmlformats.org/officeDocument/2006/relationships" xmlns:p="http://schemas.openxmlformats.org/presentationml/2006/main">
   <p:cSld>
     <p:spTree>
@@ -9652,6 +12908,10 @@
           <a:bodyPr/>
           <a:lstStyle/>
           <a:p>
+            <a:r>
+              <a:rPr lang="en-US" altLang="ko-KR" dirty="0"/>
+              <a:t>cat</a:t>
+            </a:r>
             <a:endParaRPr lang="ko-KR" altLang="en-US" dirty="0"/>
           </a:p>
         </p:txBody>
@@ -9677,10 +12937,137 @@
           <a:bodyPr/>
           <a:lstStyle/>
           <a:p>
-            <a:endParaRPr lang="ko-KR" altLang="en-US"/>
+            <a:pPr algn="l">
+              <a:buFont typeface="Arial" panose="020B0604020202020204" pitchFamily="34" charset="0"/>
+              <a:buChar char="•"/>
+            </a:pPr>
+            <a:r>
+              <a:rPr lang="en-US" altLang="ko-KR" sz="2000" b="0" i="0" dirty="0">
+                <a:effectLst/>
+                <a:latin typeface="-apple-system"/>
+              </a:rPr>
+              <a:t>"concatenate"</a:t>
+            </a:r>
+            <a:r>
+              <a:rPr lang="ko-KR" altLang="en-US" sz="2000" b="0" i="0" dirty="0">
+                <a:effectLst/>
+                <a:latin typeface="-apple-system"/>
+              </a:rPr>
+              <a:t>의 줄임말</a:t>
+            </a:r>
+          </a:p>
+          <a:p>
+            <a:pPr algn="l">
+              <a:buFont typeface="Arial" panose="020B0604020202020204" pitchFamily="34" charset="0"/>
+              <a:buChar char="•"/>
+            </a:pPr>
+            <a:r>
+              <a:rPr lang="ko-KR" altLang="en-US" sz="2000" b="0" i="0" dirty="0">
+                <a:effectLst/>
+                <a:latin typeface="-apple-system"/>
+              </a:rPr>
+              <a:t>파일의 내용을 화면에 출력하거나 여러 파일을 결합하는 데 사용되는 명령어</a:t>
+            </a:r>
+          </a:p>
+          <a:p>
+            <a:endParaRPr lang="ko-KR" altLang="en-US" dirty="0"/>
           </a:p>
         </p:txBody>
       </p:sp>
+      <p:pic>
+        <p:nvPicPr>
+          <p:cNvPr id="3074" name="Picture 2">
+            <a:extLst>
+              <a:ext uri="{FF2B5EF4-FFF2-40B4-BE49-F238E27FC236}">
+                <a16:creationId xmlns:a16="http://schemas.microsoft.com/office/drawing/2014/main" id="{C9FDD3B3-A78C-5290-F704-63F1ECB9C16F}"/>
+              </a:ext>
+            </a:extLst>
+          </p:cNvPr>
+          <p:cNvPicPr>
+            <a:picLocks noChangeAspect="1" noChangeArrowheads="1"/>
+          </p:cNvPicPr>
+          <p:nvPr/>
+        </p:nvPicPr>
+        <p:blipFill>
+          <a:blip r:embed="rId2">
+            <a:extLst>
+              <a:ext uri="{28A0092B-C50C-407E-A947-70E740481C1C}">
+                <a14:useLocalDpi xmlns:a14="http://schemas.microsoft.com/office/drawing/2010/main" val="0"/>
+              </a:ext>
+            </a:extLst>
+          </a:blip>
+          <a:srcRect/>
+          <a:stretch>
+            <a:fillRect/>
+          </a:stretch>
+        </p:blipFill>
+        <p:spPr bwMode="auto">
+          <a:xfrm>
+            <a:off x="838200" y="3077004"/>
+            <a:ext cx="7286625" cy="1047750"/>
+          </a:xfrm>
+          <a:prstGeom prst="rect">
+            <a:avLst/>
+          </a:prstGeom>
+          <a:noFill/>
+          <a:extLst>
+            <a:ext uri="{909E8E84-426E-40DD-AFC4-6F175D3DCCD1}">
+              <a14:hiddenFill xmlns:a14="http://schemas.microsoft.com/office/drawing/2010/main">
+                <a:solidFill>
+                  <a:srgbClr val="FFFFFF"/>
+                </a:solidFill>
+              </a14:hiddenFill>
+            </a:ext>
+          </a:extLst>
+        </p:spPr>
+      </p:pic>
+      <p:pic>
+        <p:nvPicPr>
+          <p:cNvPr id="3076" name="Picture 4">
+            <a:extLst>
+              <a:ext uri="{FF2B5EF4-FFF2-40B4-BE49-F238E27FC236}">
+                <a16:creationId xmlns:a16="http://schemas.microsoft.com/office/drawing/2014/main" id="{390B1C46-1FE3-2CA4-0ED5-D8B3CCB1060C}"/>
+              </a:ext>
+            </a:extLst>
+          </p:cNvPr>
+          <p:cNvPicPr>
+            <a:picLocks noChangeAspect="1" noChangeArrowheads="1"/>
+          </p:cNvPicPr>
+          <p:nvPr/>
+        </p:nvPicPr>
+        <p:blipFill>
+          <a:blip r:embed="rId3">
+            <a:extLst>
+              <a:ext uri="{28A0092B-C50C-407E-A947-70E740481C1C}">
+                <a14:useLocalDpi xmlns:a14="http://schemas.microsoft.com/office/drawing/2010/main" val="0"/>
+              </a:ext>
+            </a:extLst>
+          </a:blip>
+          <a:srcRect/>
+          <a:stretch>
+            <a:fillRect/>
+          </a:stretch>
+        </p:blipFill>
+        <p:spPr bwMode="auto">
+          <a:xfrm>
+            <a:off x="838200" y="4109285"/>
+            <a:ext cx="7496175" cy="1000125"/>
+          </a:xfrm>
+          <a:prstGeom prst="rect">
+            <a:avLst/>
+          </a:prstGeom>
+          <a:noFill/>
+          <a:extLst>
+            <a:ext uri="{909E8E84-426E-40DD-AFC4-6F175D3DCCD1}">
+              <a14:hiddenFill xmlns:a14="http://schemas.microsoft.com/office/drawing/2010/main">
+                <a:solidFill>
+                  <a:srgbClr val="FFFFFF"/>
+                </a:solidFill>
+              </a14:hiddenFill>
+            </a:ext>
+          </a:extLst>
+        </p:spPr>
+      </p:pic>
     </p:spTree>
     <p:extLst>
       <p:ext uri="{BB962C8B-B14F-4D97-AF65-F5344CB8AC3E}">

--- a/Sys_final/SysP 기말.pptx
+++ b/Sys_final/SysP 기말.pptx
@@ -24,6 +24,9 @@
     <p:sldId id="260" r:id="rId18"/>
     <p:sldId id="261" r:id="rId19"/>
     <p:sldId id="263" r:id="rId20"/>
+    <p:sldId id="275" r:id="rId21"/>
+    <p:sldId id="276" r:id="rId22"/>
+    <p:sldId id="277" r:id="rId23"/>
   </p:sldIdLst>
   <p:sldSz cx="12192000" cy="6858000"/>
   <p:notesSz cx="6858000" cy="9144000"/>
@@ -13251,6 +13254,2755 @@
     <p:extLst>
       <p:ext uri="{BB962C8B-B14F-4D97-AF65-F5344CB8AC3E}">
         <p14:creationId xmlns:p14="http://schemas.microsoft.com/office/powerpoint/2010/main" val="1967605934"/>
+      </p:ext>
+    </p:extLst>
+  </p:cSld>
+  <p:clrMapOvr>
+    <a:masterClrMapping/>
+  </p:clrMapOvr>
+</p:sld>
+</file>
+
+<file path=ppt/slides/slide20.xml><?xml version="1.0" encoding="utf-8"?>
+<p:sld xmlns:a="http://schemas.openxmlformats.org/drawingml/2006/main" xmlns:r="http://schemas.openxmlformats.org/officeDocument/2006/relationships" xmlns:p="http://schemas.openxmlformats.org/presentationml/2006/main">
+  <p:cSld>
+    <p:spTree>
+      <p:nvGrpSpPr>
+        <p:cNvPr id="1" name=""/>
+        <p:cNvGrpSpPr/>
+        <p:nvPr/>
+      </p:nvGrpSpPr>
+      <p:grpSpPr>
+        <a:xfrm>
+          <a:off x="0" y="0"/>
+          <a:ext cx="0" cy="0"/>
+          <a:chOff x="0" y="0"/>
+          <a:chExt cx="0" cy="0"/>
+        </a:xfrm>
+      </p:grpSpPr>
+      <p:sp>
+        <p:nvSpPr>
+          <p:cNvPr id="2" name="제목 1">
+            <a:extLst>
+              <a:ext uri="{FF2B5EF4-FFF2-40B4-BE49-F238E27FC236}">
+                <a16:creationId xmlns:a16="http://schemas.microsoft.com/office/drawing/2014/main" id="{0C809550-A84B-2ACC-3CDB-62993FF013AA}"/>
+              </a:ext>
+            </a:extLst>
+          </p:cNvPr>
+          <p:cNvSpPr>
+            <a:spLocks noGrp="1"/>
+          </p:cNvSpPr>
+          <p:nvPr>
+            <p:ph type="title"/>
+          </p:nvPr>
+        </p:nvSpPr>
+        <p:spPr/>
+        <p:txBody>
+          <a:bodyPr/>
+          <a:lstStyle/>
+          <a:p>
+            <a:r>
+              <a:rPr lang="en-US" altLang="ko-KR" dirty="0"/>
+              <a:t>cat options</a:t>
+            </a:r>
+            <a:endParaRPr lang="ko-KR" altLang="en-US" dirty="0"/>
+          </a:p>
+        </p:txBody>
+      </p:sp>
+      <p:pic>
+        <p:nvPicPr>
+          <p:cNvPr id="5" name="그림 4">
+            <a:extLst>
+              <a:ext uri="{FF2B5EF4-FFF2-40B4-BE49-F238E27FC236}">
+                <a16:creationId xmlns:a16="http://schemas.microsoft.com/office/drawing/2014/main" id="{EA0C2A1A-FEB7-0BFF-40D4-0DB2CB392DE7}"/>
+              </a:ext>
+            </a:extLst>
+          </p:cNvPr>
+          <p:cNvPicPr>
+            <a:picLocks noChangeAspect="1"/>
+          </p:cNvPicPr>
+          <p:nvPr/>
+        </p:nvPicPr>
+        <p:blipFill>
+          <a:blip r:embed="rId2"/>
+          <a:stretch>
+            <a:fillRect/>
+          </a:stretch>
+        </p:blipFill>
+        <p:spPr>
+          <a:xfrm>
+            <a:off x="838200" y="1690688"/>
+            <a:ext cx="8811855" cy="4248743"/>
+          </a:xfrm>
+          <a:prstGeom prst="rect">
+            <a:avLst/>
+          </a:prstGeom>
+        </p:spPr>
+      </p:pic>
+      <p:pic>
+        <p:nvPicPr>
+          <p:cNvPr id="7" name="그림 6">
+            <a:extLst>
+              <a:ext uri="{FF2B5EF4-FFF2-40B4-BE49-F238E27FC236}">
+                <a16:creationId xmlns:a16="http://schemas.microsoft.com/office/drawing/2014/main" id="{16CAFA8D-6B21-1C00-09DB-519C76B06EC9}"/>
+              </a:ext>
+            </a:extLst>
+          </p:cNvPr>
+          <p:cNvPicPr>
+            <a:picLocks noChangeAspect="1"/>
+          </p:cNvPicPr>
+          <p:nvPr/>
+        </p:nvPicPr>
+        <p:blipFill>
+          <a:blip r:embed="rId3"/>
+          <a:stretch>
+            <a:fillRect/>
+          </a:stretch>
+        </p:blipFill>
+        <p:spPr>
+          <a:xfrm>
+            <a:off x="838200" y="1690688"/>
+            <a:ext cx="5012585" cy="4211573"/>
+          </a:xfrm>
+          <a:prstGeom prst="rect">
+            <a:avLst/>
+          </a:prstGeom>
+        </p:spPr>
+      </p:pic>
+      <p:pic>
+        <p:nvPicPr>
+          <p:cNvPr id="9" name="그림 8">
+            <a:extLst>
+              <a:ext uri="{FF2B5EF4-FFF2-40B4-BE49-F238E27FC236}">
+                <a16:creationId xmlns:a16="http://schemas.microsoft.com/office/drawing/2014/main" id="{8321FA30-A19F-DBBA-135A-76A20DC08B80}"/>
+              </a:ext>
+            </a:extLst>
+          </p:cNvPr>
+          <p:cNvPicPr>
+            <a:picLocks noChangeAspect="1"/>
+          </p:cNvPicPr>
+          <p:nvPr/>
+        </p:nvPicPr>
+        <p:blipFill>
+          <a:blip r:embed="rId4"/>
+          <a:stretch>
+            <a:fillRect/>
+          </a:stretch>
+        </p:blipFill>
+        <p:spPr>
+          <a:xfrm>
+            <a:off x="838200" y="1690688"/>
+            <a:ext cx="4965191" cy="4200351"/>
+          </a:xfrm>
+          <a:prstGeom prst="rect">
+            <a:avLst/>
+          </a:prstGeom>
+        </p:spPr>
+      </p:pic>
+      <p:pic>
+        <p:nvPicPr>
+          <p:cNvPr id="13" name="그림 12">
+            <a:extLst>
+              <a:ext uri="{FF2B5EF4-FFF2-40B4-BE49-F238E27FC236}">
+                <a16:creationId xmlns:a16="http://schemas.microsoft.com/office/drawing/2014/main" id="{F67DE3E7-1B98-2A1B-31CF-8AEFD5B29DF9}"/>
+              </a:ext>
+            </a:extLst>
+          </p:cNvPr>
+          <p:cNvPicPr>
+            <a:picLocks noChangeAspect="1"/>
+          </p:cNvPicPr>
+          <p:nvPr/>
+        </p:nvPicPr>
+        <p:blipFill>
+          <a:blip r:embed="rId5"/>
+          <a:stretch>
+            <a:fillRect/>
+          </a:stretch>
+        </p:blipFill>
+        <p:spPr>
+          <a:xfrm>
+            <a:off x="849705" y="1690688"/>
+            <a:ext cx="4953942" cy="4200350"/>
+          </a:xfrm>
+          <a:prstGeom prst="rect">
+            <a:avLst/>
+          </a:prstGeom>
+        </p:spPr>
+      </p:pic>
+      <p:pic>
+        <p:nvPicPr>
+          <p:cNvPr id="15" name="그림 14">
+            <a:extLst>
+              <a:ext uri="{FF2B5EF4-FFF2-40B4-BE49-F238E27FC236}">
+                <a16:creationId xmlns:a16="http://schemas.microsoft.com/office/drawing/2014/main" id="{E4A464D4-C4EE-D28C-1C7A-5547CA81E0CA}"/>
+              </a:ext>
+            </a:extLst>
+          </p:cNvPr>
+          <p:cNvPicPr>
+            <a:picLocks noChangeAspect="1"/>
+          </p:cNvPicPr>
+          <p:nvPr/>
+        </p:nvPicPr>
+        <p:blipFill>
+          <a:blip r:embed="rId6"/>
+          <a:stretch>
+            <a:fillRect/>
+          </a:stretch>
+        </p:blipFill>
+        <p:spPr>
+          <a:xfrm>
+            <a:off x="849705" y="1690687"/>
+            <a:ext cx="3697911" cy="5001536"/>
+          </a:xfrm>
+          <a:prstGeom prst="rect">
+            <a:avLst/>
+          </a:prstGeom>
+        </p:spPr>
+      </p:pic>
+      <p:pic>
+        <p:nvPicPr>
+          <p:cNvPr id="17" name="그림 16">
+            <a:extLst>
+              <a:ext uri="{FF2B5EF4-FFF2-40B4-BE49-F238E27FC236}">
+                <a16:creationId xmlns:a16="http://schemas.microsoft.com/office/drawing/2014/main" id="{19288096-4817-7E38-8C21-8DEBD32BF1AB}"/>
+              </a:ext>
+            </a:extLst>
+          </p:cNvPr>
+          <p:cNvPicPr>
+            <a:picLocks noChangeAspect="1"/>
+          </p:cNvPicPr>
+          <p:nvPr/>
+        </p:nvPicPr>
+        <p:blipFill>
+          <a:blip r:embed="rId7"/>
+          <a:stretch>
+            <a:fillRect/>
+          </a:stretch>
+        </p:blipFill>
+        <p:spPr>
+          <a:xfrm>
+            <a:off x="838200" y="1690686"/>
+            <a:ext cx="4813205" cy="5001108"/>
+          </a:xfrm>
+          <a:prstGeom prst="rect">
+            <a:avLst/>
+          </a:prstGeom>
+        </p:spPr>
+      </p:pic>
+    </p:spTree>
+    <p:extLst>
+      <p:ext uri="{BB962C8B-B14F-4D97-AF65-F5344CB8AC3E}">
+        <p14:creationId xmlns:p14="http://schemas.microsoft.com/office/powerpoint/2010/main" val="3636577623"/>
+      </p:ext>
+    </p:extLst>
+  </p:cSld>
+  <p:clrMapOvr>
+    <a:masterClrMapping/>
+  </p:clrMapOvr>
+  <p:timing>
+    <p:tnLst>
+      <p:par>
+        <p:cTn id="1" dur="indefinite" restart="never" nodeType="tmRoot">
+          <p:childTnLst>
+            <p:seq concurrent="1" nextAc="seek">
+              <p:cTn id="2" dur="indefinite" nodeType="mainSeq">
+                <p:childTnLst>
+                  <p:par>
+                    <p:cTn id="3" fill="hold">
+                      <p:stCondLst>
+                        <p:cond delay="indefinite"/>
+                      </p:stCondLst>
+                      <p:childTnLst>
+                        <p:par>
+                          <p:cTn id="4" fill="hold">
+                            <p:stCondLst>
+                              <p:cond delay="0"/>
+                            </p:stCondLst>
+                            <p:childTnLst>
+                              <p:par>
+                                <p:cTn id="5" presetID="1" presetClass="entr" presetSubtype="0" fill="hold" nodeType="clickEffect">
+                                  <p:stCondLst>
+                                    <p:cond delay="0"/>
+                                  </p:stCondLst>
+                                  <p:childTnLst>
+                                    <p:set>
+                                      <p:cBhvr>
+                                        <p:cTn id="6" dur="1" fill="hold">
+                                          <p:stCondLst>
+                                            <p:cond delay="0"/>
+                                          </p:stCondLst>
+                                        </p:cTn>
+                                        <p:tgtEl>
+                                          <p:spTgt spid="5"/>
+                                        </p:tgtEl>
+                                        <p:attrNameLst>
+                                          <p:attrName>style.visibility</p:attrName>
+                                        </p:attrNameLst>
+                                      </p:cBhvr>
+                                      <p:to>
+                                        <p:strVal val="visible"/>
+                                      </p:to>
+                                    </p:set>
+                                  </p:childTnLst>
+                                </p:cTn>
+                              </p:par>
+                            </p:childTnLst>
+                          </p:cTn>
+                        </p:par>
+                      </p:childTnLst>
+                    </p:cTn>
+                  </p:par>
+                  <p:par>
+                    <p:cTn id="7" fill="hold">
+                      <p:stCondLst>
+                        <p:cond delay="indefinite"/>
+                      </p:stCondLst>
+                      <p:childTnLst>
+                        <p:par>
+                          <p:cTn id="8" fill="hold">
+                            <p:stCondLst>
+                              <p:cond delay="0"/>
+                            </p:stCondLst>
+                            <p:childTnLst>
+                              <p:par>
+                                <p:cTn id="9" presetID="1" presetClass="entr" presetSubtype="0" fill="hold" nodeType="clickEffect">
+                                  <p:stCondLst>
+                                    <p:cond delay="0"/>
+                                  </p:stCondLst>
+                                  <p:childTnLst>
+                                    <p:set>
+                                      <p:cBhvr>
+                                        <p:cTn id="10" dur="1" fill="hold">
+                                          <p:stCondLst>
+                                            <p:cond delay="0"/>
+                                          </p:stCondLst>
+                                        </p:cTn>
+                                        <p:tgtEl>
+                                          <p:spTgt spid="7"/>
+                                        </p:tgtEl>
+                                        <p:attrNameLst>
+                                          <p:attrName>style.visibility</p:attrName>
+                                        </p:attrNameLst>
+                                      </p:cBhvr>
+                                      <p:to>
+                                        <p:strVal val="visible"/>
+                                      </p:to>
+                                    </p:set>
+                                  </p:childTnLst>
+                                </p:cTn>
+                              </p:par>
+                            </p:childTnLst>
+                          </p:cTn>
+                        </p:par>
+                      </p:childTnLst>
+                    </p:cTn>
+                  </p:par>
+                  <p:par>
+                    <p:cTn id="11" fill="hold">
+                      <p:stCondLst>
+                        <p:cond delay="indefinite"/>
+                      </p:stCondLst>
+                      <p:childTnLst>
+                        <p:par>
+                          <p:cTn id="12" fill="hold">
+                            <p:stCondLst>
+                              <p:cond delay="0"/>
+                            </p:stCondLst>
+                            <p:childTnLst>
+                              <p:par>
+                                <p:cTn id="13" presetID="1" presetClass="entr" presetSubtype="0" fill="hold" nodeType="clickEffect">
+                                  <p:stCondLst>
+                                    <p:cond delay="0"/>
+                                  </p:stCondLst>
+                                  <p:childTnLst>
+                                    <p:set>
+                                      <p:cBhvr>
+                                        <p:cTn id="14" dur="1" fill="hold">
+                                          <p:stCondLst>
+                                            <p:cond delay="0"/>
+                                          </p:stCondLst>
+                                        </p:cTn>
+                                        <p:tgtEl>
+                                          <p:spTgt spid="9"/>
+                                        </p:tgtEl>
+                                        <p:attrNameLst>
+                                          <p:attrName>style.visibility</p:attrName>
+                                        </p:attrNameLst>
+                                      </p:cBhvr>
+                                      <p:to>
+                                        <p:strVal val="visible"/>
+                                      </p:to>
+                                    </p:set>
+                                  </p:childTnLst>
+                                </p:cTn>
+                              </p:par>
+                            </p:childTnLst>
+                          </p:cTn>
+                        </p:par>
+                      </p:childTnLst>
+                    </p:cTn>
+                  </p:par>
+                  <p:par>
+                    <p:cTn id="15" fill="hold">
+                      <p:stCondLst>
+                        <p:cond delay="indefinite"/>
+                      </p:stCondLst>
+                      <p:childTnLst>
+                        <p:par>
+                          <p:cTn id="16" fill="hold">
+                            <p:stCondLst>
+                              <p:cond delay="0"/>
+                            </p:stCondLst>
+                            <p:childTnLst>
+                              <p:par>
+                                <p:cTn id="17" presetID="1" presetClass="entr" presetSubtype="0" fill="hold" nodeType="clickEffect">
+                                  <p:stCondLst>
+                                    <p:cond delay="0"/>
+                                  </p:stCondLst>
+                                  <p:childTnLst>
+                                    <p:set>
+                                      <p:cBhvr>
+                                        <p:cTn id="18" dur="1" fill="hold">
+                                          <p:stCondLst>
+                                            <p:cond delay="0"/>
+                                          </p:stCondLst>
+                                        </p:cTn>
+                                        <p:tgtEl>
+                                          <p:spTgt spid="13"/>
+                                        </p:tgtEl>
+                                        <p:attrNameLst>
+                                          <p:attrName>style.visibility</p:attrName>
+                                        </p:attrNameLst>
+                                      </p:cBhvr>
+                                      <p:to>
+                                        <p:strVal val="visible"/>
+                                      </p:to>
+                                    </p:set>
+                                  </p:childTnLst>
+                                </p:cTn>
+                              </p:par>
+                            </p:childTnLst>
+                          </p:cTn>
+                        </p:par>
+                      </p:childTnLst>
+                    </p:cTn>
+                  </p:par>
+                  <p:par>
+                    <p:cTn id="19" fill="hold">
+                      <p:stCondLst>
+                        <p:cond delay="indefinite"/>
+                      </p:stCondLst>
+                      <p:childTnLst>
+                        <p:par>
+                          <p:cTn id="20" fill="hold">
+                            <p:stCondLst>
+                              <p:cond delay="0"/>
+                            </p:stCondLst>
+                            <p:childTnLst>
+                              <p:par>
+                                <p:cTn id="21" presetID="1" presetClass="entr" presetSubtype="0" fill="hold" nodeType="clickEffect">
+                                  <p:stCondLst>
+                                    <p:cond delay="0"/>
+                                  </p:stCondLst>
+                                  <p:childTnLst>
+                                    <p:set>
+                                      <p:cBhvr>
+                                        <p:cTn id="22" dur="1" fill="hold">
+                                          <p:stCondLst>
+                                            <p:cond delay="0"/>
+                                          </p:stCondLst>
+                                        </p:cTn>
+                                        <p:tgtEl>
+                                          <p:spTgt spid="15"/>
+                                        </p:tgtEl>
+                                        <p:attrNameLst>
+                                          <p:attrName>style.visibility</p:attrName>
+                                        </p:attrNameLst>
+                                      </p:cBhvr>
+                                      <p:to>
+                                        <p:strVal val="visible"/>
+                                      </p:to>
+                                    </p:set>
+                                  </p:childTnLst>
+                                </p:cTn>
+                              </p:par>
+                            </p:childTnLst>
+                          </p:cTn>
+                        </p:par>
+                      </p:childTnLst>
+                    </p:cTn>
+                  </p:par>
+                  <p:par>
+                    <p:cTn id="23" fill="hold">
+                      <p:stCondLst>
+                        <p:cond delay="indefinite"/>
+                      </p:stCondLst>
+                      <p:childTnLst>
+                        <p:par>
+                          <p:cTn id="24" fill="hold">
+                            <p:stCondLst>
+                              <p:cond delay="0"/>
+                            </p:stCondLst>
+                            <p:childTnLst>
+                              <p:par>
+                                <p:cTn id="25" presetID="1" presetClass="entr" presetSubtype="0" fill="hold" nodeType="clickEffect">
+                                  <p:stCondLst>
+                                    <p:cond delay="0"/>
+                                  </p:stCondLst>
+                                  <p:childTnLst>
+                                    <p:set>
+                                      <p:cBhvr>
+                                        <p:cTn id="26" dur="1" fill="hold">
+                                          <p:stCondLst>
+                                            <p:cond delay="0"/>
+                                          </p:stCondLst>
+                                        </p:cTn>
+                                        <p:tgtEl>
+                                          <p:spTgt spid="17"/>
+                                        </p:tgtEl>
+                                        <p:attrNameLst>
+                                          <p:attrName>style.visibility</p:attrName>
+                                        </p:attrNameLst>
+                                      </p:cBhvr>
+                                      <p:to>
+                                        <p:strVal val="visible"/>
+                                      </p:to>
+                                    </p:set>
+                                  </p:childTnLst>
+                                </p:cTn>
+                              </p:par>
+                            </p:childTnLst>
+                          </p:cTn>
+                        </p:par>
+                      </p:childTnLst>
+                    </p:cTn>
+                  </p:par>
+                </p:childTnLst>
+              </p:cTn>
+              <p:prevCondLst>
+                <p:cond evt="onPrev" delay="0">
+                  <p:tgtEl>
+                    <p:sldTgt/>
+                  </p:tgtEl>
+                </p:cond>
+              </p:prevCondLst>
+              <p:nextCondLst>
+                <p:cond evt="onNext" delay="0">
+                  <p:tgtEl>
+                    <p:sldTgt/>
+                  </p:tgtEl>
+                </p:cond>
+              </p:nextCondLst>
+            </p:seq>
+          </p:childTnLst>
+        </p:cTn>
+      </p:par>
+    </p:tnLst>
+  </p:timing>
+</p:sld>
+</file>
+
+<file path=ppt/slides/slide21.xml><?xml version="1.0" encoding="utf-8"?>
+<p:sld xmlns:a="http://schemas.openxmlformats.org/drawingml/2006/main" xmlns:r="http://schemas.openxmlformats.org/officeDocument/2006/relationships" xmlns:p="http://schemas.openxmlformats.org/presentationml/2006/main">
+  <p:cSld>
+    <p:spTree>
+      <p:nvGrpSpPr>
+        <p:cNvPr id="1" name=""/>
+        <p:cNvGrpSpPr/>
+        <p:nvPr/>
+      </p:nvGrpSpPr>
+      <p:grpSpPr>
+        <a:xfrm>
+          <a:off x="0" y="0"/>
+          <a:ext cx="0" cy="0"/>
+          <a:chOff x="0" y="0"/>
+          <a:chExt cx="0" cy="0"/>
+        </a:xfrm>
+      </p:grpSpPr>
+      <p:sp>
+        <p:nvSpPr>
+          <p:cNvPr id="2" name="제목 1">
+            <a:extLst>
+              <a:ext uri="{FF2B5EF4-FFF2-40B4-BE49-F238E27FC236}">
+                <a16:creationId xmlns:a16="http://schemas.microsoft.com/office/drawing/2014/main" id="{5091D06D-2AD0-BDD8-614B-C5E790028459}"/>
+              </a:ext>
+            </a:extLst>
+          </p:cNvPr>
+          <p:cNvSpPr>
+            <a:spLocks noGrp="1"/>
+          </p:cNvSpPr>
+          <p:nvPr>
+            <p:ph type="title"/>
+          </p:nvPr>
+        </p:nvSpPr>
+        <p:spPr/>
+        <p:txBody>
+          <a:bodyPr/>
+          <a:lstStyle/>
+          <a:p>
+            <a:r>
+              <a:rPr lang="en-US" altLang="ko-KR" dirty="0" err="1"/>
+              <a:t>mycat.c</a:t>
+            </a:r>
+            <a:r>
+              <a:rPr lang="en-US" altLang="ko-KR" dirty="0"/>
+              <a:t> (1)</a:t>
+            </a:r>
+            <a:endParaRPr lang="ko-KR" altLang="en-US" dirty="0"/>
+          </a:p>
+        </p:txBody>
+      </p:sp>
+      <p:sp>
+        <p:nvSpPr>
+          <p:cNvPr id="4" name="TextBox 3">
+            <a:extLst>
+              <a:ext uri="{FF2B5EF4-FFF2-40B4-BE49-F238E27FC236}">
+                <a16:creationId xmlns:a16="http://schemas.microsoft.com/office/drawing/2014/main" id="{96285340-CA5A-8195-C000-1AA559FA0F62}"/>
+              </a:ext>
+            </a:extLst>
+          </p:cNvPr>
+          <p:cNvSpPr txBox="1"/>
+          <p:nvPr/>
+        </p:nvSpPr>
+        <p:spPr>
+          <a:xfrm>
+            <a:off x="838200" y="1341120"/>
+            <a:ext cx="4352474" cy="5324535"/>
+          </a:xfrm>
+          <a:prstGeom prst="rect">
+            <a:avLst/>
+          </a:prstGeom>
+          <a:noFill/>
+        </p:spPr>
+        <p:txBody>
+          <a:bodyPr wrap="none" rtlCol="0">
+            <a:spAutoFit/>
+          </a:bodyPr>
+          <a:lstStyle/>
+          <a:p>
+            <a:r>
+              <a:rPr lang="en-US" altLang="ko-KR" sz="1000" dirty="0">
+                <a:solidFill>
+                  <a:srgbClr val="0000FF"/>
+                </a:solidFill>
+                <a:latin typeface="돋움체" panose="020B0609000101010101" pitchFamily="49" charset="-127"/>
+                <a:ea typeface="돋움체" panose="020B0609000101010101" pitchFamily="49" charset="-127"/>
+              </a:rPr>
+              <a:t>int</a:t>
+            </a:r>
+            <a:r>
+              <a:rPr lang="en-US" altLang="ko-KR" sz="1000" dirty="0">
+                <a:solidFill>
+                  <a:srgbClr val="000000"/>
+                </a:solidFill>
+                <a:latin typeface="돋움체" panose="020B0609000101010101" pitchFamily="49" charset="-127"/>
+                <a:ea typeface="돋움체" panose="020B0609000101010101" pitchFamily="49" charset="-127"/>
+              </a:rPr>
+              <a:t> main(</a:t>
+            </a:r>
+            <a:r>
+              <a:rPr lang="en-US" altLang="ko-KR" sz="1000" dirty="0">
+                <a:solidFill>
+                  <a:srgbClr val="0000FF"/>
+                </a:solidFill>
+                <a:latin typeface="돋움체" panose="020B0609000101010101" pitchFamily="49" charset="-127"/>
+                <a:ea typeface="돋움체" panose="020B0609000101010101" pitchFamily="49" charset="-127"/>
+              </a:rPr>
+              <a:t>int</a:t>
+            </a:r>
+            <a:r>
+              <a:rPr lang="en-US" altLang="ko-KR" sz="1000" dirty="0">
+                <a:solidFill>
+                  <a:srgbClr val="000000"/>
+                </a:solidFill>
+                <a:latin typeface="돋움체" panose="020B0609000101010101" pitchFamily="49" charset="-127"/>
+                <a:ea typeface="돋움체" panose="020B0609000101010101" pitchFamily="49" charset="-127"/>
+              </a:rPr>
+              <a:t> </a:t>
+            </a:r>
+            <a:r>
+              <a:rPr lang="en-US" altLang="ko-KR" sz="1000" dirty="0" err="1">
+                <a:solidFill>
+                  <a:srgbClr val="000000"/>
+                </a:solidFill>
+                <a:latin typeface="돋움체" panose="020B0609000101010101" pitchFamily="49" charset="-127"/>
+                <a:ea typeface="돋움체" panose="020B0609000101010101" pitchFamily="49" charset="-127"/>
+              </a:rPr>
+              <a:t>argc</a:t>
+            </a:r>
+            <a:r>
+              <a:rPr lang="en-US" altLang="ko-KR" sz="1000" dirty="0">
+                <a:solidFill>
+                  <a:srgbClr val="000000"/>
+                </a:solidFill>
+                <a:latin typeface="돋움체" panose="020B0609000101010101" pitchFamily="49" charset="-127"/>
+                <a:ea typeface="돋움체" panose="020B0609000101010101" pitchFamily="49" charset="-127"/>
+              </a:rPr>
+              <a:t>, </a:t>
+            </a:r>
+            <a:r>
+              <a:rPr lang="en-US" altLang="ko-KR" sz="1000" dirty="0">
+                <a:solidFill>
+                  <a:srgbClr val="0000FF"/>
+                </a:solidFill>
+                <a:latin typeface="돋움체" panose="020B0609000101010101" pitchFamily="49" charset="-127"/>
+                <a:ea typeface="돋움체" panose="020B0609000101010101" pitchFamily="49" charset="-127"/>
+              </a:rPr>
+              <a:t>char</a:t>
+            </a:r>
+            <a:r>
+              <a:rPr lang="en-US" altLang="ko-KR" sz="1000" dirty="0">
+                <a:solidFill>
+                  <a:srgbClr val="000000"/>
+                </a:solidFill>
+                <a:latin typeface="돋움체" panose="020B0609000101010101" pitchFamily="49" charset="-127"/>
+                <a:ea typeface="돋움체" panose="020B0609000101010101" pitchFamily="49" charset="-127"/>
+              </a:rPr>
+              <a:t>* </a:t>
+            </a:r>
+            <a:r>
+              <a:rPr lang="en-US" altLang="ko-KR" sz="1000" dirty="0" err="1">
+                <a:solidFill>
+                  <a:srgbClr val="000000"/>
+                </a:solidFill>
+                <a:latin typeface="돋움체" panose="020B0609000101010101" pitchFamily="49" charset="-127"/>
+                <a:ea typeface="돋움체" panose="020B0609000101010101" pitchFamily="49" charset="-127"/>
+              </a:rPr>
+              <a:t>argv</a:t>
+            </a:r>
+            <a:r>
+              <a:rPr lang="en-US" altLang="ko-KR" sz="1000" dirty="0">
+                <a:solidFill>
+                  <a:srgbClr val="000000"/>
+                </a:solidFill>
+                <a:latin typeface="돋움체" panose="020B0609000101010101" pitchFamily="49" charset="-127"/>
+                <a:ea typeface="돋움체" panose="020B0609000101010101" pitchFamily="49" charset="-127"/>
+              </a:rPr>
+              <a:t>[]) {</a:t>
+            </a:r>
+          </a:p>
+          <a:p>
+            <a:r>
+              <a:rPr lang="en-US" altLang="ko-KR" sz="1000" dirty="0">
+                <a:solidFill>
+                  <a:srgbClr val="000000"/>
+                </a:solidFill>
+                <a:latin typeface="돋움체" panose="020B0609000101010101" pitchFamily="49" charset="-127"/>
+                <a:ea typeface="돋움체" panose="020B0609000101010101" pitchFamily="49" charset="-127"/>
+              </a:rPr>
+              <a:t>    </a:t>
+            </a:r>
+            <a:r>
+              <a:rPr lang="en-US" altLang="ko-KR" sz="1000" dirty="0">
+                <a:solidFill>
+                  <a:srgbClr val="0000FF"/>
+                </a:solidFill>
+                <a:latin typeface="돋움체" panose="020B0609000101010101" pitchFamily="49" charset="-127"/>
+                <a:ea typeface="돋움체" panose="020B0609000101010101" pitchFamily="49" charset="-127"/>
+              </a:rPr>
+              <a:t>int</a:t>
+            </a:r>
+            <a:r>
+              <a:rPr lang="en-US" altLang="ko-KR" sz="1000" dirty="0">
+                <a:solidFill>
+                  <a:srgbClr val="000000"/>
+                </a:solidFill>
+                <a:latin typeface="돋움체" panose="020B0609000101010101" pitchFamily="49" charset="-127"/>
+                <a:ea typeface="돋움체" panose="020B0609000101010101" pitchFamily="49" charset="-127"/>
+              </a:rPr>
+              <a:t> </a:t>
+            </a:r>
+            <a:r>
+              <a:rPr lang="en-US" altLang="ko-KR" sz="1000" dirty="0" err="1">
+                <a:solidFill>
+                  <a:srgbClr val="000000"/>
+                </a:solidFill>
+                <a:latin typeface="돋움체" panose="020B0609000101010101" pitchFamily="49" charset="-127"/>
+                <a:ea typeface="돋움체" panose="020B0609000101010101" pitchFamily="49" charset="-127"/>
+              </a:rPr>
+              <a:t>number_lines</a:t>
+            </a:r>
+            <a:r>
+              <a:rPr lang="en-US" altLang="ko-KR" sz="1000" dirty="0">
+                <a:solidFill>
+                  <a:srgbClr val="000000"/>
+                </a:solidFill>
+                <a:latin typeface="돋움체" panose="020B0609000101010101" pitchFamily="49" charset="-127"/>
+                <a:ea typeface="돋움체" panose="020B0609000101010101" pitchFamily="49" charset="-127"/>
+              </a:rPr>
+              <a:t> = 0;</a:t>
+            </a:r>
+          </a:p>
+          <a:p>
+            <a:r>
+              <a:rPr lang="en-US" altLang="ko-KR" sz="1000" dirty="0">
+                <a:solidFill>
+                  <a:srgbClr val="000000"/>
+                </a:solidFill>
+                <a:latin typeface="돋움체" panose="020B0609000101010101" pitchFamily="49" charset="-127"/>
+                <a:ea typeface="돋움체" panose="020B0609000101010101" pitchFamily="49" charset="-127"/>
+              </a:rPr>
+              <a:t>    </a:t>
+            </a:r>
+            <a:r>
+              <a:rPr lang="en-US" altLang="ko-KR" sz="1000" dirty="0">
+                <a:solidFill>
+                  <a:srgbClr val="0000FF"/>
+                </a:solidFill>
+                <a:latin typeface="돋움체" panose="020B0609000101010101" pitchFamily="49" charset="-127"/>
+                <a:ea typeface="돋움체" panose="020B0609000101010101" pitchFamily="49" charset="-127"/>
+              </a:rPr>
+              <a:t>int</a:t>
+            </a:r>
+            <a:r>
+              <a:rPr lang="en-US" altLang="ko-KR" sz="1000" dirty="0">
+                <a:solidFill>
+                  <a:srgbClr val="000000"/>
+                </a:solidFill>
+                <a:latin typeface="돋움체" panose="020B0609000101010101" pitchFamily="49" charset="-127"/>
+                <a:ea typeface="돋움체" panose="020B0609000101010101" pitchFamily="49" charset="-127"/>
+              </a:rPr>
+              <a:t> </a:t>
+            </a:r>
+            <a:r>
+              <a:rPr lang="en-US" altLang="ko-KR" sz="1000" dirty="0" err="1">
+                <a:solidFill>
+                  <a:srgbClr val="000000"/>
+                </a:solidFill>
+                <a:latin typeface="돋움체" panose="020B0609000101010101" pitchFamily="49" charset="-127"/>
+                <a:ea typeface="돋움체" panose="020B0609000101010101" pitchFamily="49" charset="-127"/>
+              </a:rPr>
+              <a:t>show_ends</a:t>
+            </a:r>
+            <a:r>
+              <a:rPr lang="en-US" altLang="ko-KR" sz="1000" dirty="0">
+                <a:solidFill>
+                  <a:srgbClr val="000000"/>
+                </a:solidFill>
+                <a:latin typeface="돋움체" panose="020B0609000101010101" pitchFamily="49" charset="-127"/>
+                <a:ea typeface="돋움체" panose="020B0609000101010101" pitchFamily="49" charset="-127"/>
+              </a:rPr>
+              <a:t> = 0;</a:t>
+            </a:r>
+          </a:p>
+          <a:p>
+            <a:r>
+              <a:rPr lang="en-US" altLang="ko-KR" sz="1000" dirty="0">
+                <a:solidFill>
+                  <a:srgbClr val="000000"/>
+                </a:solidFill>
+                <a:latin typeface="돋움체" panose="020B0609000101010101" pitchFamily="49" charset="-127"/>
+                <a:ea typeface="돋움체" panose="020B0609000101010101" pitchFamily="49" charset="-127"/>
+              </a:rPr>
+              <a:t>    </a:t>
+            </a:r>
+            <a:r>
+              <a:rPr lang="en-US" altLang="ko-KR" sz="1000" dirty="0">
+                <a:solidFill>
+                  <a:srgbClr val="0000FF"/>
+                </a:solidFill>
+                <a:latin typeface="돋움체" panose="020B0609000101010101" pitchFamily="49" charset="-127"/>
+                <a:ea typeface="돋움체" panose="020B0609000101010101" pitchFamily="49" charset="-127"/>
+              </a:rPr>
+              <a:t>int</a:t>
+            </a:r>
+            <a:r>
+              <a:rPr lang="en-US" altLang="ko-KR" sz="1000" dirty="0">
+                <a:solidFill>
+                  <a:srgbClr val="000000"/>
+                </a:solidFill>
+                <a:latin typeface="돋움체" panose="020B0609000101010101" pitchFamily="49" charset="-127"/>
+                <a:ea typeface="돋움체" panose="020B0609000101010101" pitchFamily="49" charset="-127"/>
+              </a:rPr>
+              <a:t> </a:t>
+            </a:r>
+            <a:r>
+              <a:rPr lang="en-US" altLang="ko-KR" sz="1000" dirty="0" err="1">
+                <a:solidFill>
+                  <a:srgbClr val="000000"/>
+                </a:solidFill>
+                <a:latin typeface="돋움체" panose="020B0609000101010101" pitchFamily="49" charset="-127"/>
+                <a:ea typeface="돋움체" panose="020B0609000101010101" pitchFamily="49" charset="-127"/>
+              </a:rPr>
+              <a:t>show_tabs</a:t>
+            </a:r>
+            <a:r>
+              <a:rPr lang="en-US" altLang="ko-KR" sz="1000" dirty="0">
+                <a:solidFill>
+                  <a:srgbClr val="000000"/>
+                </a:solidFill>
+                <a:latin typeface="돋움체" panose="020B0609000101010101" pitchFamily="49" charset="-127"/>
+                <a:ea typeface="돋움체" panose="020B0609000101010101" pitchFamily="49" charset="-127"/>
+              </a:rPr>
+              <a:t> = 0;</a:t>
+            </a:r>
+          </a:p>
+          <a:p>
+            <a:r>
+              <a:rPr lang="en-US" altLang="ko-KR" sz="1000" dirty="0">
+                <a:solidFill>
+                  <a:srgbClr val="000000"/>
+                </a:solidFill>
+                <a:latin typeface="돋움체" panose="020B0609000101010101" pitchFamily="49" charset="-127"/>
+                <a:ea typeface="돋움체" panose="020B0609000101010101" pitchFamily="49" charset="-127"/>
+              </a:rPr>
+              <a:t>    </a:t>
+            </a:r>
+            <a:r>
+              <a:rPr lang="en-US" altLang="ko-KR" sz="1000" dirty="0">
+                <a:solidFill>
+                  <a:srgbClr val="0000FF"/>
+                </a:solidFill>
+                <a:latin typeface="돋움체" panose="020B0609000101010101" pitchFamily="49" charset="-127"/>
+                <a:ea typeface="돋움체" panose="020B0609000101010101" pitchFamily="49" charset="-127"/>
+              </a:rPr>
+              <a:t>int</a:t>
+            </a:r>
+            <a:r>
+              <a:rPr lang="en-US" altLang="ko-KR" sz="1000" dirty="0">
+                <a:solidFill>
+                  <a:srgbClr val="000000"/>
+                </a:solidFill>
+                <a:latin typeface="돋움체" panose="020B0609000101010101" pitchFamily="49" charset="-127"/>
+                <a:ea typeface="돋움체" panose="020B0609000101010101" pitchFamily="49" charset="-127"/>
+              </a:rPr>
+              <a:t> </a:t>
+            </a:r>
+            <a:r>
+              <a:rPr lang="en-US" altLang="ko-KR" sz="1000" dirty="0" err="1">
+                <a:solidFill>
+                  <a:srgbClr val="000000"/>
+                </a:solidFill>
+                <a:latin typeface="돋움체" panose="020B0609000101010101" pitchFamily="49" charset="-127"/>
+                <a:ea typeface="돋움체" panose="020B0609000101010101" pitchFamily="49" charset="-127"/>
+              </a:rPr>
+              <a:t>show_nonprint</a:t>
+            </a:r>
+            <a:r>
+              <a:rPr lang="en-US" altLang="ko-KR" sz="1000" dirty="0">
+                <a:solidFill>
+                  <a:srgbClr val="000000"/>
+                </a:solidFill>
+                <a:latin typeface="돋움체" panose="020B0609000101010101" pitchFamily="49" charset="-127"/>
+                <a:ea typeface="돋움체" panose="020B0609000101010101" pitchFamily="49" charset="-127"/>
+              </a:rPr>
+              <a:t> = 0;</a:t>
+            </a:r>
+          </a:p>
+          <a:p>
+            <a:r>
+              <a:rPr lang="en-US" altLang="ko-KR" sz="1000" dirty="0">
+                <a:solidFill>
+                  <a:srgbClr val="000000"/>
+                </a:solidFill>
+                <a:latin typeface="돋움체" panose="020B0609000101010101" pitchFamily="49" charset="-127"/>
+                <a:ea typeface="돋움체" panose="020B0609000101010101" pitchFamily="49" charset="-127"/>
+              </a:rPr>
+              <a:t>    </a:t>
+            </a:r>
+            <a:r>
+              <a:rPr lang="en-US" altLang="ko-KR" sz="1000" dirty="0">
+                <a:solidFill>
+                  <a:srgbClr val="0000FF"/>
+                </a:solidFill>
+                <a:latin typeface="돋움체" panose="020B0609000101010101" pitchFamily="49" charset="-127"/>
+                <a:ea typeface="돋움체" panose="020B0609000101010101" pitchFamily="49" charset="-127"/>
+              </a:rPr>
+              <a:t>int</a:t>
+            </a:r>
+            <a:r>
+              <a:rPr lang="en-US" altLang="ko-KR" sz="1000" dirty="0">
+                <a:solidFill>
+                  <a:srgbClr val="000000"/>
+                </a:solidFill>
+                <a:latin typeface="돋움체" panose="020B0609000101010101" pitchFamily="49" charset="-127"/>
+                <a:ea typeface="돋움체" panose="020B0609000101010101" pitchFamily="49" charset="-127"/>
+              </a:rPr>
+              <a:t> </a:t>
+            </a:r>
+            <a:r>
+              <a:rPr lang="en-US" altLang="ko-KR" sz="1000" dirty="0" err="1">
+                <a:solidFill>
+                  <a:srgbClr val="000000"/>
+                </a:solidFill>
+                <a:latin typeface="돋움체" panose="020B0609000101010101" pitchFamily="49" charset="-127"/>
+                <a:ea typeface="돋움체" panose="020B0609000101010101" pitchFamily="49" charset="-127"/>
+              </a:rPr>
+              <a:t>squeeze_blank</a:t>
+            </a:r>
+            <a:r>
+              <a:rPr lang="en-US" altLang="ko-KR" sz="1000" dirty="0">
+                <a:solidFill>
+                  <a:srgbClr val="000000"/>
+                </a:solidFill>
+                <a:latin typeface="돋움체" panose="020B0609000101010101" pitchFamily="49" charset="-127"/>
+                <a:ea typeface="돋움체" panose="020B0609000101010101" pitchFamily="49" charset="-127"/>
+              </a:rPr>
+              <a:t> = 0;</a:t>
+            </a:r>
+          </a:p>
+          <a:p>
+            <a:endParaRPr lang="ko-KR" altLang="en-US" sz="1000" dirty="0">
+              <a:solidFill>
+                <a:srgbClr val="000000"/>
+              </a:solidFill>
+              <a:latin typeface="돋움체" panose="020B0609000101010101" pitchFamily="49" charset="-127"/>
+              <a:ea typeface="돋움체" panose="020B0609000101010101" pitchFamily="49" charset="-127"/>
+            </a:endParaRPr>
+          </a:p>
+          <a:p>
+            <a:r>
+              <a:rPr lang="en-US" altLang="ko-KR" sz="1000" dirty="0">
+                <a:solidFill>
+                  <a:srgbClr val="000000"/>
+                </a:solidFill>
+                <a:latin typeface="돋움체" panose="020B0609000101010101" pitchFamily="49" charset="-127"/>
+                <a:ea typeface="돋움체" panose="020B0609000101010101" pitchFamily="49" charset="-127"/>
+              </a:rPr>
+              <a:t>    </a:t>
+            </a:r>
+            <a:r>
+              <a:rPr lang="en-US" altLang="ko-KR" sz="1000" dirty="0">
+                <a:solidFill>
+                  <a:srgbClr val="0000FF"/>
+                </a:solidFill>
+                <a:latin typeface="돋움체" panose="020B0609000101010101" pitchFamily="49" charset="-127"/>
+                <a:ea typeface="돋움체" panose="020B0609000101010101" pitchFamily="49" charset="-127"/>
+              </a:rPr>
+              <a:t>int</a:t>
+            </a:r>
+            <a:r>
+              <a:rPr lang="en-US" altLang="ko-KR" sz="1000" dirty="0">
+                <a:solidFill>
+                  <a:srgbClr val="000000"/>
+                </a:solidFill>
+                <a:latin typeface="돋움체" panose="020B0609000101010101" pitchFamily="49" charset="-127"/>
+                <a:ea typeface="돋움체" panose="020B0609000101010101" pitchFamily="49" charset="-127"/>
+              </a:rPr>
+              <a:t> opt;</a:t>
+            </a:r>
+          </a:p>
+          <a:p>
+            <a:r>
+              <a:rPr lang="en-US" altLang="ko-KR" sz="1000" dirty="0">
+                <a:solidFill>
+                  <a:srgbClr val="000000"/>
+                </a:solidFill>
+                <a:latin typeface="돋움체" panose="020B0609000101010101" pitchFamily="49" charset="-127"/>
+                <a:ea typeface="돋움체" panose="020B0609000101010101" pitchFamily="49" charset="-127"/>
+              </a:rPr>
+              <a:t>    </a:t>
+            </a:r>
+            <a:r>
+              <a:rPr lang="en-US" altLang="ko-KR" sz="1000" dirty="0">
+                <a:solidFill>
+                  <a:srgbClr val="0000FF"/>
+                </a:solidFill>
+                <a:latin typeface="돋움체" panose="020B0609000101010101" pitchFamily="49" charset="-127"/>
+                <a:ea typeface="돋움체" panose="020B0609000101010101" pitchFamily="49" charset="-127"/>
+              </a:rPr>
+              <a:t>while</a:t>
+            </a:r>
+            <a:r>
+              <a:rPr lang="en-US" altLang="ko-KR" sz="1000" dirty="0">
+                <a:solidFill>
+                  <a:srgbClr val="000000"/>
+                </a:solidFill>
+                <a:latin typeface="돋움체" panose="020B0609000101010101" pitchFamily="49" charset="-127"/>
+                <a:ea typeface="돋움체" panose="020B0609000101010101" pitchFamily="49" charset="-127"/>
+              </a:rPr>
+              <a:t> ((opt = </a:t>
+            </a:r>
+            <a:r>
+              <a:rPr lang="en-US" altLang="ko-KR" sz="1000" dirty="0" err="1">
+                <a:solidFill>
+                  <a:srgbClr val="000000"/>
+                </a:solidFill>
+                <a:latin typeface="돋움체" panose="020B0609000101010101" pitchFamily="49" charset="-127"/>
+                <a:ea typeface="돋움체" panose="020B0609000101010101" pitchFamily="49" charset="-127"/>
+              </a:rPr>
+              <a:t>getopt</a:t>
+            </a:r>
+            <a:r>
+              <a:rPr lang="en-US" altLang="ko-KR" sz="1000" dirty="0">
+                <a:solidFill>
+                  <a:srgbClr val="000000"/>
+                </a:solidFill>
+                <a:latin typeface="돋움체" panose="020B0609000101010101" pitchFamily="49" charset="-127"/>
+                <a:ea typeface="돋움체" panose="020B0609000101010101" pitchFamily="49" charset="-127"/>
+              </a:rPr>
+              <a:t>(</a:t>
+            </a:r>
+            <a:r>
+              <a:rPr lang="en-US" altLang="ko-KR" sz="1000" dirty="0" err="1">
+                <a:solidFill>
+                  <a:srgbClr val="000000"/>
+                </a:solidFill>
+                <a:latin typeface="돋움체" panose="020B0609000101010101" pitchFamily="49" charset="-127"/>
+                <a:ea typeface="돋움체" panose="020B0609000101010101" pitchFamily="49" charset="-127"/>
+              </a:rPr>
+              <a:t>argc</a:t>
+            </a:r>
+            <a:r>
+              <a:rPr lang="en-US" altLang="ko-KR" sz="1000" dirty="0">
+                <a:solidFill>
+                  <a:srgbClr val="000000"/>
+                </a:solidFill>
+                <a:latin typeface="돋움체" panose="020B0609000101010101" pitchFamily="49" charset="-127"/>
+                <a:ea typeface="돋움체" panose="020B0609000101010101" pitchFamily="49" charset="-127"/>
+              </a:rPr>
+              <a:t>, </a:t>
+            </a:r>
+            <a:r>
+              <a:rPr lang="en-US" altLang="ko-KR" sz="1000" dirty="0" err="1">
+                <a:solidFill>
+                  <a:srgbClr val="000000"/>
+                </a:solidFill>
+                <a:latin typeface="돋움체" panose="020B0609000101010101" pitchFamily="49" charset="-127"/>
+                <a:ea typeface="돋움체" panose="020B0609000101010101" pitchFamily="49" charset="-127"/>
+              </a:rPr>
+              <a:t>argv</a:t>
+            </a:r>
+            <a:r>
+              <a:rPr lang="en-US" altLang="ko-KR" sz="1000" dirty="0">
+                <a:solidFill>
+                  <a:srgbClr val="000000"/>
+                </a:solidFill>
+                <a:latin typeface="돋움체" panose="020B0609000101010101" pitchFamily="49" charset="-127"/>
+                <a:ea typeface="돋움체" panose="020B0609000101010101" pitchFamily="49" charset="-127"/>
+              </a:rPr>
+              <a:t>, </a:t>
+            </a:r>
+            <a:r>
+              <a:rPr lang="en-US" altLang="ko-KR" sz="1000" dirty="0">
+                <a:solidFill>
+                  <a:srgbClr val="A31515"/>
+                </a:solidFill>
+                <a:latin typeface="돋움체" panose="020B0609000101010101" pitchFamily="49" charset="-127"/>
+                <a:ea typeface="돋움체" panose="020B0609000101010101" pitchFamily="49" charset="-127"/>
+              </a:rPr>
+              <a:t>"</a:t>
+            </a:r>
+            <a:r>
+              <a:rPr lang="en-US" altLang="ko-KR" sz="1000" dirty="0" err="1">
+                <a:solidFill>
+                  <a:srgbClr val="A31515"/>
+                </a:solidFill>
+                <a:latin typeface="돋움체" panose="020B0609000101010101" pitchFamily="49" charset="-127"/>
+                <a:ea typeface="돋움체" panose="020B0609000101010101" pitchFamily="49" charset="-127"/>
+              </a:rPr>
+              <a:t>nbsETv</a:t>
+            </a:r>
+            <a:r>
+              <a:rPr lang="en-US" altLang="ko-KR" sz="1000" dirty="0">
+                <a:solidFill>
+                  <a:srgbClr val="A31515"/>
+                </a:solidFill>
+                <a:latin typeface="돋움체" panose="020B0609000101010101" pitchFamily="49" charset="-127"/>
+                <a:ea typeface="돋움체" panose="020B0609000101010101" pitchFamily="49" charset="-127"/>
+              </a:rPr>
+              <a:t>"</a:t>
+            </a:r>
+            <a:r>
+              <a:rPr lang="en-US" altLang="ko-KR" sz="1000" dirty="0">
+                <a:solidFill>
+                  <a:srgbClr val="000000"/>
+                </a:solidFill>
+                <a:latin typeface="돋움체" panose="020B0609000101010101" pitchFamily="49" charset="-127"/>
+                <a:ea typeface="돋움체" panose="020B0609000101010101" pitchFamily="49" charset="-127"/>
+              </a:rPr>
+              <a:t>)) != -1) {</a:t>
+            </a:r>
+          </a:p>
+          <a:p>
+            <a:r>
+              <a:rPr lang="en-US" altLang="ko-KR" sz="1000" dirty="0">
+                <a:solidFill>
+                  <a:srgbClr val="000000"/>
+                </a:solidFill>
+                <a:latin typeface="돋움체" panose="020B0609000101010101" pitchFamily="49" charset="-127"/>
+                <a:ea typeface="돋움체" panose="020B0609000101010101" pitchFamily="49" charset="-127"/>
+              </a:rPr>
+              <a:t>        </a:t>
+            </a:r>
+            <a:r>
+              <a:rPr lang="en-US" altLang="ko-KR" sz="1000" dirty="0">
+                <a:solidFill>
+                  <a:srgbClr val="0000FF"/>
+                </a:solidFill>
+                <a:latin typeface="돋움체" panose="020B0609000101010101" pitchFamily="49" charset="-127"/>
+                <a:ea typeface="돋움체" panose="020B0609000101010101" pitchFamily="49" charset="-127"/>
+              </a:rPr>
+              <a:t>switch</a:t>
+            </a:r>
+            <a:r>
+              <a:rPr lang="en-US" altLang="ko-KR" sz="1000" dirty="0">
+                <a:solidFill>
+                  <a:srgbClr val="000000"/>
+                </a:solidFill>
+                <a:latin typeface="돋움체" panose="020B0609000101010101" pitchFamily="49" charset="-127"/>
+                <a:ea typeface="돋움체" panose="020B0609000101010101" pitchFamily="49" charset="-127"/>
+              </a:rPr>
+              <a:t> (opt) {</a:t>
+            </a:r>
+          </a:p>
+          <a:p>
+            <a:r>
+              <a:rPr lang="en-US" altLang="ko-KR" sz="1000" dirty="0">
+                <a:solidFill>
+                  <a:srgbClr val="000000"/>
+                </a:solidFill>
+                <a:latin typeface="돋움체" panose="020B0609000101010101" pitchFamily="49" charset="-127"/>
+                <a:ea typeface="돋움체" panose="020B0609000101010101" pitchFamily="49" charset="-127"/>
+              </a:rPr>
+              <a:t>            </a:t>
+            </a:r>
+            <a:r>
+              <a:rPr lang="en-US" altLang="ko-KR" sz="1000" dirty="0">
+                <a:solidFill>
+                  <a:srgbClr val="0000FF"/>
+                </a:solidFill>
+                <a:latin typeface="돋움체" panose="020B0609000101010101" pitchFamily="49" charset="-127"/>
+                <a:ea typeface="돋움체" panose="020B0609000101010101" pitchFamily="49" charset="-127"/>
+              </a:rPr>
+              <a:t>case</a:t>
+            </a:r>
+            <a:r>
+              <a:rPr lang="en-US" altLang="ko-KR" sz="1000" dirty="0">
+                <a:solidFill>
+                  <a:srgbClr val="000000"/>
+                </a:solidFill>
+                <a:latin typeface="돋움체" panose="020B0609000101010101" pitchFamily="49" charset="-127"/>
+                <a:ea typeface="돋움체" panose="020B0609000101010101" pitchFamily="49" charset="-127"/>
+              </a:rPr>
+              <a:t> </a:t>
+            </a:r>
+            <a:r>
+              <a:rPr lang="en-US" altLang="ko-KR" sz="1000" dirty="0">
+                <a:solidFill>
+                  <a:srgbClr val="A31515"/>
+                </a:solidFill>
+                <a:latin typeface="돋움체" panose="020B0609000101010101" pitchFamily="49" charset="-127"/>
+                <a:ea typeface="돋움체" panose="020B0609000101010101" pitchFamily="49" charset="-127"/>
+              </a:rPr>
+              <a:t>'n'</a:t>
+            </a:r>
+            <a:r>
+              <a:rPr lang="en-US" altLang="ko-KR" sz="1000" dirty="0">
+                <a:solidFill>
+                  <a:srgbClr val="000000"/>
+                </a:solidFill>
+                <a:latin typeface="돋움체" panose="020B0609000101010101" pitchFamily="49" charset="-127"/>
+                <a:ea typeface="돋움체" panose="020B0609000101010101" pitchFamily="49" charset="-127"/>
+              </a:rPr>
+              <a:t>:</a:t>
+            </a:r>
+          </a:p>
+          <a:p>
+            <a:r>
+              <a:rPr lang="en-US" altLang="ko-KR" sz="1000" dirty="0">
+                <a:solidFill>
+                  <a:srgbClr val="000000"/>
+                </a:solidFill>
+                <a:latin typeface="돋움체" panose="020B0609000101010101" pitchFamily="49" charset="-127"/>
+                <a:ea typeface="돋움체" panose="020B0609000101010101" pitchFamily="49" charset="-127"/>
+              </a:rPr>
+              <a:t>                </a:t>
+            </a:r>
+            <a:r>
+              <a:rPr lang="en-US" altLang="ko-KR" sz="1000" dirty="0" err="1">
+                <a:solidFill>
+                  <a:srgbClr val="000000"/>
+                </a:solidFill>
+                <a:latin typeface="돋움체" panose="020B0609000101010101" pitchFamily="49" charset="-127"/>
+                <a:ea typeface="돋움체" panose="020B0609000101010101" pitchFamily="49" charset="-127"/>
+              </a:rPr>
+              <a:t>number_lines</a:t>
+            </a:r>
+            <a:r>
+              <a:rPr lang="en-US" altLang="ko-KR" sz="1000" dirty="0">
+                <a:solidFill>
+                  <a:srgbClr val="000000"/>
+                </a:solidFill>
+                <a:latin typeface="돋움체" panose="020B0609000101010101" pitchFamily="49" charset="-127"/>
+                <a:ea typeface="돋움체" panose="020B0609000101010101" pitchFamily="49" charset="-127"/>
+              </a:rPr>
+              <a:t> = 1;</a:t>
+            </a:r>
+          </a:p>
+          <a:p>
+            <a:r>
+              <a:rPr lang="en-US" altLang="ko-KR" sz="1000" dirty="0">
+                <a:solidFill>
+                  <a:srgbClr val="000000"/>
+                </a:solidFill>
+                <a:latin typeface="돋움체" panose="020B0609000101010101" pitchFamily="49" charset="-127"/>
+                <a:ea typeface="돋움체" panose="020B0609000101010101" pitchFamily="49" charset="-127"/>
+              </a:rPr>
+              <a:t>                </a:t>
+            </a:r>
+            <a:r>
+              <a:rPr lang="en-US" altLang="ko-KR" sz="1000" dirty="0">
+                <a:solidFill>
+                  <a:srgbClr val="0000FF"/>
+                </a:solidFill>
+                <a:latin typeface="돋움체" panose="020B0609000101010101" pitchFamily="49" charset="-127"/>
+                <a:ea typeface="돋움체" panose="020B0609000101010101" pitchFamily="49" charset="-127"/>
+              </a:rPr>
+              <a:t>break</a:t>
+            </a:r>
+            <a:r>
+              <a:rPr lang="en-US" altLang="ko-KR" sz="1000" dirty="0">
+                <a:solidFill>
+                  <a:srgbClr val="000000"/>
+                </a:solidFill>
+                <a:latin typeface="돋움체" panose="020B0609000101010101" pitchFamily="49" charset="-127"/>
+                <a:ea typeface="돋움체" panose="020B0609000101010101" pitchFamily="49" charset="-127"/>
+              </a:rPr>
+              <a:t>;</a:t>
+            </a:r>
+          </a:p>
+          <a:p>
+            <a:r>
+              <a:rPr lang="en-US" altLang="ko-KR" sz="1000" dirty="0">
+                <a:solidFill>
+                  <a:srgbClr val="000000"/>
+                </a:solidFill>
+                <a:latin typeface="돋움체" panose="020B0609000101010101" pitchFamily="49" charset="-127"/>
+                <a:ea typeface="돋움체" panose="020B0609000101010101" pitchFamily="49" charset="-127"/>
+              </a:rPr>
+              <a:t>            </a:t>
+            </a:r>
+            <a:r>
+              <a:rPr lang="en-US" altLang="ko-KR" sz="1000" dirty="0">
+                <a:solidFill>
+                  <a:srgbClr val="0000FF"/>
+                </a:solidFill>
+                <a:latin typeface="돋움체" panose="020B0609000101010101" pitchFamily="49" charset="-127"/>
+                <a:ea typeface="돋움체" panose="020B0609000101010101" pitchFamily="49" charset="-127"/>
+              </a:rPr>
+              <a:t>case</a:t>
+            </a:r>
+            <a:r>
+              <a:rPr lang="en-US" altLang="ko-KR" sz="1000" dirty="0">
+                <a:solidFill>
+                  <a:srgbClr val="000000"/>
+                </a:solidFill>
+                <a:latin typeface="돋움체" panose="020B0609000101010101" pitchFamily="49" charset="-127"/>
+                <a:ea typeface="돋움체" panose="020B0609000101010101" pitchFamily="49" charset="-127"/>
+              </a:rPr>
+              <a:t> </a:t>
+            </a:r>
+            <a:r>
+              <a:rPr lang="en-US" altLang="ko-KR" sz="1000" dirty="0">
+                <a:solidFill>
+                  <a:srgbClr val="A31515"/>
+                </a:solidFill>
+                <a:latin typeface="돋움체" panose="020B0609000101010101" pitchFamily="49" charset="-127"/>
+                <a:ea typeface="돋움체" panose="020B0609000101010101" pitchFamily="49" charset="-127"/>
+              </a:rPr>
+              <a:t>'b'</a:t>
+            </a:r>
+            <a:r>
+              <a:rPr lang="en-US" altLang="ko-KR" sz="1000" dirty="0">
+                <a:solidFill>
+                  <a:srgbClr val="000000"/>
+                </a:solidFill>
+                <a:latin typeface="돋움체" panose="020B0609000101010101" pitchFamily="49" charset="-127"/>
+                <a:ea typeface="돋움체" panose="020B0609000101010101" pitchFamily="49" charset="-127"/>
+              </a:rPr>
+              <a:t>:</a:t>
+            </a:r>
+          </a:p>
+          <a:p>
+            <a:r>
+              <a:rPr lang="en-US" altLang="ko-KR" sz="1000" dirty="0">
+                <a:solidFill>
+                  <a:srgbClr val="000000"/>
+                </a:solidFill>
+                <a:latin typeface="돋움체" panose="020B0609000101010101" pitchFamily="49" charset="-127"/>
+                <a:ea typeface="돋움체" panose="020B0609000101010101" pitchFamily="49" charset="-127"/>
+              </a:rPr>
+              <a:t>                </a:t>
+            </a:r>
+            <a:r>
+              <a:rPr lang="en-US" altLang="ko-KR" sz="1000" dirty="0" err="1">
+                <a:solidFill>
+                  <a:srgbClr val="000000"/>
+                </a:solidFill>
+                <a:latin typeface="돋움체" panose="020B0609000101010101" pitchFamily="49" charset="-127"/>
+                <a:ea typeface="돋움체" panose="020B0609000101010101" pitchFamily="49" charset="-127"/>
+              </a:rPr>
+              <a:t>number_lines</a:t>
+            </a:r>
+            <a:r>
+              <a:rPr lang="en-US" altLang="ko-KR" sz="1000" dirty="0">
+                <a:solidFill>
+                  <a:srgbClr val="000000"/>
+                </a:solidFill>
+                <a:latin typeface="돋움체" panose="020B0609000101010101" pitchFamily="49" charset="-127"/>
+                <a:ea typeface="돋움체" panose="020B0609000101010101" pitchFamily="49" charset="-127"/>
+              </a:rPr>
+              <a:t> = 1;</a:t>
+            </a:r>
+          </a:p>
+          <a:p>
+            <a:r>
+              <a:rPr lang="en-US" altLang="ko-KR" sz="1000" dirty="0">
+                <a:solidFill>
+                  <a:srgbClr val="000000"/>
+                </a:solidFill>
+                <a:latin typeface="돋움체" panose="020B0609000101010101" pitchFamily="49" charset="-127"/>
+                <a:ea typeface="돋움체" panose="020B0609000101010101" pitchFamily="49" charset="-127"/>
+              </a:rPr>
+              <a:t>                </a:t>
+            </a:r>
+            <a:r>
+              <a:rPr lang="en-US" altLang="ko-KR" sz="1000" dirty="0" err="1">
+                <a:solidFill>
+                  <a:srgbClr val="000000"/>
+                </a:solidFill>
+                <a:latin typeface="돋움체" panose="020B0609000101010101" pitchFamily="49" charset="-127"/>
+                <a:ea typeface="돋움체" panose="020B0609000101010101" pitchFamily="49" charset="-127"/>
+              </a:rPr>
+              <a:t>squeeze_blank</a:t>
+            </a:r>
+            <a:r>
+              <a:rPr lang="en-US" altLang="ko-KR" sz="1000" dirty="0">
+                <a:solidFill>
+                  <a:srgbClr val="000000"/>
+                </a:solidFill>
+                <a:latin typeface="돋움체" panose="020B0609000101010101" pitchFamily="49" charset="-127"/>
+                <a:ea typeface="돋움체" panose="020B0609000101010101" pitchFamily="49" charset="-127"/>
+              </a:rPr>
+              <a:t> = 1;</a:t>
+            </a:r>
+          </a:p>
+          <a:p>
+            <a:r>
+              <a:rPr lang="en-US" altLang="ko-KR" sz="1000" dirty="0">
+                <a:solidFill>
+                  <a:srgbClr val="000000"/>
+                </a:solidFill>
+                <a:latin typeface="돋움체" panose="020B0609000101010101" pitchFamily="49" charset="-127"/>
+                <a:ea typeface="돋움체" panose="020B0609000101010101" pitchFamily="49" charset="-127"/>
+              </a:rPr>
+              <a:t>                </a:t>
+            </a:r>
+            <a:r>
+              <a:rPr lang="en-US" altLang="ko-KR" sz="1000" dirty="0">
+                <a:solidFill>
+                  <a:srgbClr val="0000FF"/>
+                </a:solidFill>
+                <a:latin typeface="돋움체" panose="020B0609000101010101" pitchFamily="49" charset="-127"/>
+                <a:ea typeface="돋움체" panose="020B0609000101010101" pitchFamily="49" charset="-127"/>
+              </a:rPr>
+              <a:t>break</a:t>
+            </a:r>
+            <a:r>
+              <a:rPr lang="en-US" altLang="ko-KR" sz="1000" dirty="0">
+                <a:solidFill>
+                  <a:srgbClr val="000000"/>
+                </a:solidFill>
+                <a:latin typeface="돋움체" panose="020B0609000101010101" pitchFamily="49" charset="-127"/>
+                <a:ea typeface="돋움체" panose="020B0609000101010101" pitchFamily="49" charset="-127"/>
+              </a:rPr>
+              <a:t>;</a:t>
+            </a:r>
+          </a:p>
+          <a:p>
+            <a:r>
+              <a:rPr lang="en-US" altLang="ko-KR" sz="1000" dirty="0">
+                <a:solidFill>
+                  <a:srgbClr val="000000"/>
+                </a:solidFill>
+                <a:latin typeface="돋움체" panose="020B0609000101010101" pitchFamily="49" charset="-127"/>
+                <a:ea typeface="돋움체" panose="020B0609000101010101" pitchFamily="49" charset="-127"/>
+              </a:rPr>
+              <a:t>            </a:t>
+            </a:r>
+            <a:r>
+              <a:rPr lang="en-US" altLang="ko-KR" sz="1000" dirty="0">
+                <a:solidFill>
+                  <a:srgbClr val="0000FF"/>
+                </a:solidFill>
+                <a:latin typeface="돋움체" panose="020B0609000101010101" pitchFamily="49" charset="-127"/>
+                <a:ea typeface="돋움체" panose="020B0609000101010101" pitchFamily="49" charset="-127"/>
+              </a:rPr>
+              <a:t>case</a:t>
+            </a:r>
+            <a:r>
+              <a:rPr lang="en-US" altLang="ko-KR" sz="1000" dirty="0">
+                <a:solidFill>
+                  <a:srgbClr val="000000"/>
+                </a:solidFill>
+                <a:latin typeface="돋움체" panose="020B0609000101010101" pitchFamily="49" charset="-127"/>
+                <a:ea typeface="돋움체" panose="020B0609000101010101" pitchFamily="49" charset="-127"/>
+              </a:rPr>
+              <a:t> </a:t>
+            </a:r>
+            <a:r>
+              <a:rPr lang="en-US" altLang="ko-KR" sz="1000" dirty="0">
+                <a:solidFill>
+                  <a:srgbClr val="A31515"/>
+                </a:solidFill>
+                <a:latin typeface="돋움체" panose="020B0609000101010101" pitchFamily="49" charset="-127"/>
+                <a:ea typeface="돋움체" panose="020B0609000101010101" pitchFamily="49" charset="-127"/>
+              </a:rPr>
+              <a:t>'E'</a:t>
+            </a:r>
+            <a:r>
+              <a:rPr lang="en-US" altLang="ko-KR" sz="1000" dirty="0">
+                <a:solidFill>
+                  <a:srgbClr val="000000"/>
+                </a:solidFill>
+                <a:latin typeface="돋움체" panose="020B0609000101010101" pitchFamily="49" charset="-127"/>
+                <a:ea typeface="돋움체" panose="020B0609000101010101" pitchFamily="49" charset="-127"/>
+              </a:rPr>
+              <a:t>:</a:t>
+            </a:r>
+          </a:p>
+          <a:p>
+            <a:r>
+              <a:rPr lang="en-US" altLang="ko-KR" sz="1000" dirty="0">
+                <a:solidFill>
+                  <a:srgbClr val="000000"/>
+                </a:solidFill>
+                <a:latin typeface="돋움체" panose="020B0609000101010101" pitchFamily="49" charset="-127"/>
+                <a:ea typeface="돋움체" panose="020B0609000101010101" pitchFamily="49" charset="-127"/>
+              </a:rPr>
+              <a:t>                </a:t>
+            </a:r>
+            <a:r>
+              <a:rPr lang="en-US" altLang="ko-KR" sz="1000" dirty="0" err="1">
+                <a:solidFill>
+                  <a:srgbClr val="000000"/>
+                </a:solidFill>
+                <a:latin typeface="돋움체" panose="020B0609000101010101" pitchFamily="49" charset="-127"/>
+                <a:ea typeface="돋움체" panose="020B0609000101010101" pitchFamily="49" charset="-127"/>
+              </a:rPr>
+              <a:t>show_ends</a:t>
+            </a:r>
+            <a:r>
+              <a:rPr lang="en-US" altLang="ko-KR" sz="1000" dirty="0">
+                <a:solidFill>
+                  <a:srgbClr val="000000"/>
+                </a:solidFill>
+                <a:latin typeface="돋움체" panose="020B0609000101010101" pitchFamily="49" charset="-127"/>
+                <a:ea typeface="돋움체" panose="020B0609000101010101" pitchFamily="49" charset="-127"/>
+              </a:rPr>
+              <a:t> = 1;</a:t>
+            </a:r>
+          </a:p>
+          <a:p>
+            <a:r>
+              <a:rPr lang="en-US" altLang="ko-KR" sz="1000" dirty="0">
+                <a:solidFill>
+                  <a:srgbClr val="000000"/>
+                </a:solidFill>
+                <a:latin typeface="돋움체" panose="020B0609000101010101" pitchFamily="49" charset="-127"/>
+                <a:ea typeface="돋움체" panose="020B0609000101010101" pitchFamily="49" charset="-127"/>
+              </a:rPr>
+              <a:t>                </a:t>
+            </a:r>
+            <a:r>
+              <a:rPr lang="en-US" altLang="ko-KR" sz="1000" dirty="0">
+                <a:solidFill>
+                  <a:srgbClr val="0000FF"/>
+                </a:solidFill>
+                <a:latin typeface="돋움체" panose="020B0609000101010101" pitchFamily="49" charset="-127"/>
+                <a:ea typeface="돋움체" panose="020B0609000101010101" pitchFamily="49" charset="-127"/>
+              </a:rPr>
+              <a:t>break</a:t>
+            </a:r>
+            <a:r>
+              <a:rPr lang="en-US" altLang="ko-KR" sz="1000" dirty="0">
+                <a:solidFill>
+                  <a:srgbClr val="000000"/>
+                </a:solidFill>
+                <a:latin typeface="돋움체" panose="020B0609000101010101" pitchFamily="49" charset="-127"/>
+                <a:ea typeface="돋움체" panose="020B0609000101010101" pitchFamily="49" charset="-127"/>
+              </a:rPr>
+              <a:t>;</a:t>
+            </a:r>
+          </a:p>
+          <a:p>
+            <a:r>
+              <a:rPr lang="en-US" altLang="ko-KR" sz="1000" dirty="0">
+                <a:solidFill>
+                  <a:srgbClr val="000000"/>
+                </a:solidFill>
+                <a:latin typeface="돋움체" panose="020B0609000101010101" pitchFamily="49" charset="-127"/>
+                <a:ea typeface="돋움체" panose="020B0609000101010101" pitchFamily="49" charset="-127"/>
+              </a:rPr>
+              <a:t>            </a:t>
+            </a:r>
+            <a:r>
+              <a:rPr lang="en-US" altLang="ko-KR" sz="1000" dirty="0">
+                <a:solidFill>
+                  <a:srgbClr val="0000FF"/>
+                </a:solidFill>
+                <a:latin typeface="돋움체" panose="020B0609000101010101" pitchFamily="49" charset="-127"/>
+                <a:ea typeface="돋움체" panose="020B0609000101010101" pitchFamily="49" charset="-127"/>
+              </a:rPr>
+              <a:t>case</a:t>
+            </a:r>
+            <a:r>
+              <a:rPr lang="en-US" altLang="ko-KR" sz="1000" dirty="0">
+                <a:solidFill>
+                  <a:srgbClr val="000000"/>
+                </a:solidFill>
+                <a:latin typeface="돋움체" panose="020B0609000101010101" pitchFamily="49" charset="-127"/>
+                <a:ea typeface="돋움체" panose="020B0609000101010101" pitchFamily="49" charset="-127"/>
+              </a:rPr>
+              <a:t> </a:t>
+            </a:r>
+            <a:r>
+              <a:rPr lang="en-US" altLang="ko-KR" sz="1000" dirty="0">
+                <a:solidFill>
+                  <a:srgbClr val="A31515"/>
+                </a:solidFill>
+                <a:latin typeface="돋움체" panose="020B0609000101010101" pitchFamily="49" charset="-127"/>
+                <a:ea typeface="돋움체" panose="020B0609000101010101" pitchFamily="49" charset="-127"/>
+              </a:rPr>
+              <a:t>'T'</a:t>
+            </a:r>
+            <a:r>
+              <a:rPr lang="en-US" altLang="ko-KR" sz="1000" dirty="0">
+                <a:solidFill>
+                  <a:srgbClr val="000000"/>
+                </a:solidFill>
+                <a:latin typeface="돋움체" panose="020B0609000101010101" pitchFamily="49" charset="-127"/>
+                <a:ea typeface="돋움체" panose="020B0609000101010101" pitchFamily="49" charset="-127"/>
+              </a:rPr>
+              <a:t>:</a:t>
+            </a:r>
+          </a:p>
+          <a:p>
+            <a:r>
+              <a:rPr lang="en-US" altLang="ko-KR" sz="1000" dirty="0">
+                <a:solidFill>
+                  <a:srgbClr val="000000"/>
+                </a:solidFill>
+                <a:latin typeface="돋움체" panose="020B0609000101010101" pitchFamily="49" charset="-127"/>
+                <a:ea typeface="돋움체" panose="020B0609000101010101" pitchFamily="49" charset="-127"/>
+              </a:rPr>
+              <a:t>                </a:t>
+            </a:r>
+            <a:r>
+              <a:rPr lang="en-US" altLang="ko-KR" sz="1000" dirty="0" err="1">
+                <a:solidFill>
+                  <a:srgbClr val="000000"/>
+                </a:solidFill>
+                <a:latin typeface="돋움체" panose="020B0609000101010101" pitchFamily="49" charset="-127"/>
+                <a:ea typeface="돋움체" panose="020B0609000101010101" pitchFamily="49" charset="-127"/>
+              </a:rPr>
+              <a:t>show_tabs</a:t>
+            </a:r>
+            <a:r>
+              <a:rPr lang="en-US" altLang="ko-KR" sz="1000" dirty="0">
+                <a:solidFill>
+                  <a:srgbClr val="000000"/>
+                </a:solidFill>
+                <a:latin typeface="돋움체" panose="020B0609000101010101" pitchFamily="49" charset="-127"/>
+                <a:ea typeface="돋움체" panose="020B0609000101010101" pitchFamily="49" charset="-127"/>
+              </a:rPr>
+              <a:t> = 1;</a:t>
+            </a:r>
+          </a:p>
+          <a:p>
+            <a:r>
+              <a:rPr lang="en-US" altLang="ko-KR" sz="1000" dirty="0">
+                <a:solidFill>
+                  <a:srgbClr val="000000"/>
+                </a:solidFill>
+                <a:latin typeface="돋움체" panose="020B0609000101010101" pitchFamily="49" charset="-127"/>
+                <a:ea typeface="돋움체" panose="020B0609000101010101" pitchFamily="49" charset="-127"/>
+              </a:rPr>
+              <a:t>                </a:t>
+            </a:r>
+            <a:r>
+              <a:rPr lang="en-US" altLang="ko-KR" sz="1000" dirty="0">
+                <a:solidFill>
+                  <a:srgbClr val="0000FF"/>
+                </a:solidFill>
+                <a:latin typeface="돋움체" panose="020B0609000101010101" pitchFamily="49" charset="-127"/>
+                <a:ea typeface="돋움체" panose="020B0609000101010101" pitchFamily="49" charset="-127"/>
+              </a:rPr>
+              <a:t>break</a:t>
+            </a:r>
+            <a:r>
+              <a:rPr lang="en-US" altLang="ko-KR" sz="1000" dirty="0">
+                <a:solidFill>
+                  <a:srgbClr val="000000"/>
+                </a:solidFill>
+                <a:latin typeface="돋움체" panose="020B0609000101010101" pitchFamily="49" charset="-127"/>
+                <a:ea typeface="돋움체" panose="020B0609000101010101" pitchFamily="49" charset="-127"/>
+              </a:rPr>
+              <a:t>;</a:t>
+            </a:r>
+          </a:p>
+          <a:p>
+            <a:r>
+              <a:rPr lang="en-US" altLang="ko-KR" sz="1000" dirty="0">
+                <a:solidFill>
+                  <a:srgbClr val="000000"/>
+                </a:solidFill>
+                <a:latin typeface="돋움체" panose="020B0609000101010101" pitchFamily="49" charset="-127"/>
+                <a:ea typeface="돋움체" panose="020B0609000101010101" pitchFamily="49" charset="-127"/>
+              </a:rPr>
+              <a:t>            </a:t>
+            </a:r>
+            <a:r>
+              <a:rPr lang="en-US" altLang="ko-KR" sz="1000" dirty="0">
+                <a:solidFill>
+                  <a:srgbClr val="0000FF"/>
+                </a:solidFill>
+                <a:latin typeface="돋움체" panose="020B0609000101010101" pitchFamily="49" charset="-127"/>
+                <a:ea typeface="돋움체" panose="020B0609000101010101" pitchFamily="49" charset="-127"/>
+              </a:rPr>
+              <a:t>case</a:t>
+            </a:r>
+            <a:r>
+              <a:rPr lang="en-US" altLang="ko-KR" sz="1000" dirty="0">
+                <a:solidFill>
+                  <a:srgbClr val="000000"/>
+                </a:solidFill>
+                <a:latin typeface="돋움체" panose="020B0609000101010101" pitchFamily="49" charset="-127"/>
+                <a:ea typeface="돋움체" panose="020B0609000101010101" pitchFamily="49" charset="-127"/>
+              </a:rPr>
+              <a:t> </a:t>
+            </a:r>
+            <a:r>
+              <a:rPr lang="en-US" altLang="ko-KR" sz="1000" dirty="0">
+                <a:solidFill>
+                  <a:srgbClr val="A31515"/>
+                </a:solidFill>
+                <a:latin typeface="돋움체" panose="020B0609000101010101" pitchFamily="49" charset="-127"/>
+                <a:ea typeface="돋움체" panose="020B0609000101010101" pitchFamily="49" charset="-127"/>
+              </a:rPr>
+              <a:t>'v'</a:t>
+            </a:r>
+            <a:r>
+              <a:rPr lang="en-US" altLang="ko-KR" sz="1000" dirty="0">
+                <a:solidFill>
+                  <a:srgbClr val="000000"/>
+                </a:solidFill>
+                <a:latin typeface="돋움체" panose="020B0609000101010101" pitchFamily="49" charset="-127"/>
+                <a:ea typeface="돋움체" panose="020B0609000101010101" pitchFamily="49" charset="-127"/>
+              </a:rPr>
+              <a:t>:</a:t>
+            </a:r>
+          </a:p>
+          <a:p>
+            <a:r>
+              <a:rPr lang="en-US" altLang="ko-KR" sz="1000" dirty="0">
+                <a:solidFill>
+                  <a:srgbClr val="000000"/>
+                </a:solidFill>
+                <a:latin typeface="돋움체" panose="020B0609000101010101" pitchFamily="49" charset="-127"/>
+                <a:ea typeface="돋움체" panose="020B0609000101010101" pitchFamily="49" charset="-127"/>
+              </a:rPr>
+              <a:t>                </a:t>
+            </a:r>
+            <a:r>
+              <a:rPr lang="en-US" altLang="ko-KR" sz="1000" dirty="0" err="1">
+                <a:solidFill>
+                  <a:srgbClr val="000000"/>
+                </a:solidFill>
+                <a:latin typeface="돋움체" panose="020B0609000101010101" pitchFamily="49" charset="-127"/>
+                <a:ea typeface="돋움체" panose="020B0609000101010101" pitchFamily="49" charset="-127"/>
+              </a:rPr>
+              <a:t>show_nonprint</a:t>
+            </a:r>
+            <a:r>
+              <a:rPr lang="en-US" altLang="ko-KR" sz="1000" dirty="0">
+                <a:solidFill>
+                  <a:srgbClr val="000000"/>
+                </a:solidFill>
+                <a:latin typeface="돋움체" panose="020B0609000101010101" pitchFamily="49" charset="-127"/>
+                <a:ea typeface="돋움체" panose="020B0609000101010101" pitchFamily="49" charset="-127"/>
+              </a:rPr>
+              <a:t> = 1;</a:t>
+            </a:r>
+          </a:p>
+          <a:p>
+            <a:r>
+              <a:rPr lang="en-US" altLang="ko-KR" sz="1000" dirty="0">
+                <a:solidFill>
+                  <a:srgbClr val="000000"/>
+                </a:solidFill>
+                <a:latin typeface="돋움체" panose="020B0609000101010101" pitchFamily="49" charset="-127"/>
+                <a:ea typeface="돋움체" panose="020B0609000101010101" pitchFamily="49" charset="-127"/>
+              </a:rPr>
+              <a:t>                </a:t>
+            </a:r>
+            <a:r>
+              <a:rPr lang="en-US" altLang="ko-KR" sz="1000" dirty="0">
+                <a:solidFill>
+                  <a:srgbClr val="0000FF"/>
+                </a:solidFill>
+                <a:latin typeface="돋움체" panose="020B0609000101010101" pitchFamily="49" charset="-127"/>
+                <a:ea typeface="돋움체" panose="020B0609000101010101" pitchFamily="49" charset="-127"/>
+              </a:rPr>
+              <a:t>break</a:t>
+            </a:r>
+            <a:r>
+              <a:rPr lang="en-US" altLang="ko-KR" sz="1000" dirty="0">
+                <a:solidFill>
+                  <a:srgbClr val="000000"/>
+                </a:solidFill>
+                <a:latin typeface="돋움체" panose="020B0609000101010101" pitchFamily="49" charset="-127"/>
+                <a:ea typeface="돋움체" panose="020B0609000101010101" pitchFamily="49" charset="-127"/>
+              </a:rPr>
+              <a:t>;</a:t>
+            </a:r>
+          </a:p>
+          <a:p>
+            <a:r>
+              <a:rPr lang="en-US" altLang="ko-KR" sz="1000" dirty="0">
+                <a:solidFill>
+                  <a:srgbClr val="000000"/>
+                </a:solidFill>
+                <a:latin typeface="돋움체" panose="020B0609000101010101" pitchFamily="49" charset="-127"/>
+                <a:ea typeface="돋움체" panose="020B0609000101010101" pitchFamily="49" charset="-127"/>
+              </a:rPr>
+              <a:t>            </a:t>
+            </a:r>
+            <a:r>
+              <a:rPr lang="en-US" altLang="ko-KR" sz="1000" dirty="0">
+                <a:solidFill>
+                  <a:srgbClr val="0000FF"/>
+                </a:solidFill>
+                <a:latin typeface="돋움체" panose="020B0609000101010101" pitchFamily="49" charset="-127"/>
+                <a:ea typeface="돋움체" panose="020B0609000101010101" pitchFamily="49" charset="-127"/>
+              </a:rPr>
+              <a:t>case</a:t>
+            </a:r>
+            <a:r>
+              <a:rPr lang="en-US" altLang="ko-KR" sz="1000" dirty="0">
+                <a:solidFill>
+                  <a:srgbClr val="000000"/>
+                </a:solidFill>
+                <a:latin typeface="돋움체" panose="020B0609000101010101" pitchFamily="49" charset="-127"/>
+                <a:ea typeface="돋움체" panose="020B0609000101010101" pitchFamily="49" charset="-127"/>
+              </a:rPr>
+              <a:t> </a:t>
+            </a:r>
+            <a:r>
+              <a:rPr lang="en-US" altLang="ko-KR" sz="1000" dirty="0">
+                <a:solidFill>
+                  <a:srgbClr val="A31515"/>
+                </a:solidFill>
+                <a:latin typeface="돋움체" panose="020B0609000101010101" pitchFamily="49" charset="-127"/>
+                <a:ea typeface="돋움체" panose="020B0609000101010101" pitchFamily="49" charset="-127"/>
+              </a:rPr>
+              <a:t>'s'</a:t>
+            </a:r>
+            <a:r>
+              <a:rPr lang="en-US" altLang="ko-KR" sz="1000" dirty="0">
+                <a:solidFill>
+                  <a:srgbClr val="000000"/>
+                </a:solidFill>
+                <a:latin typeface="돋움체" panose="020B0609000101010101" pitchFamily="49" charset="-127"/>
+                <a:ea typeface="돋움체" panose="020B0609000101010101" pitchFamily="49" charset="-127"/>
+              </a:rPr>
+              <a:t>:</a:t>
+            </a:r>
+          </a:p>
+          <a:p>
+            <a:r>
+              <a:rPr lang="en-US" altLang="ko-KR" sz="1000" dirty="0">
+                <a:solidFill>
+                  <a:srgbClr val="000000"/>
+                </a:solidFill>
+                <a:latin typeface="돋움체" panose="020B0609000101010101" pitchFamily="49" charset="-127"/>
+                <a:ea typeface="돋움체" panose="020B0609000101010101" pitchFamily="49" charset="-127"/>
+              </a:rPr>
+              <a:t>                </a:t>
+            </a:r>
+            <a:r>
+              <a:rPr lang="en-US" altLang="ko-KR" sz="1000" dirty="0" err="1">
+                <a:solidFill>
+                  <a:srgbClr val="000000"/>
+                </a:solidFill>
+                <a:latin typeface="돋움체" panose="020B0609000101010101" pitchFamily="49" charset="-127"/>
+                <a:ea typeface="돋움체" panose="020B0609000101010101" pitchFamily="49" charset="-127"/>
+              </a:rPr>
+              <a:t>squeeze_blank</a:t>
+            </a:r>
+            <a:r>
+              <a:rPr lang="en-US" altLang="ko-KR" sz="1000" dirty="0">
+                <a:solidFill>
+                  <a:srgbClr val="000000"/>
+                </a:solidFill>
+                <a:latin typeface="돋움체" panose="020B0609000101010101" pitchFamily="49" charset="-127"/>
+                <a:ea typeface="돋움체" panose="020B0609000101010101" pitchFamily="49" charset="-127"/>
+              </a:rPr>
+              <a:t> = 1;</a:t>
+            </a:r>
+          </a:p>
+          <a:p>
+            <a:r>
+              <a:rPr lang="en-US" altLang="ko-KR" sz="1000" dirty="0">
+                <a:solidFill>
+                  <a:srgbClr val="000000"/>
+                </a:solidFill>
+                <a:latin typeface="돋움체" panose="020B0609000101010101" pitchFamily="49" charset="-127"/>
+                <a:ea typeface="돋움체" panose="020B0609000101010101" pitchFamily="49" charset="-127"/>
+              </a:rPr>
+              <a:t>                </a:t>
+            </a:r>
+            <a:r>
+              <a:rPr lang="en-US" altLang="ko-KR" sz="1000" dirty="0">
+                <a:solidFill>
+                  <a:srgbClr val="0000FF"/>
+                </a:solidFill>
+                <a:latin typeface="돋움체" panose="020B0609000101010101" pitchFamily="49" charset="-127"/>
+                <a:ea typeface="돋움체" panose="020B0609000101010101" pitchFamily="49" charset="-127"/>
+              </a:rPr>
+              <a:t>break</a:t>
+            </a:r>
+            <a:r>
+              <a:rPr lang="en-US" altLang="ko-KR" sz="1000" dirty="0">
+                <a:solidFill>
+                  <a:srgbClr val="000000"/>
+                </a:solidFill>
+                <a:latin typeface="돋움체" panose="020B0609000101010101" pitchFamily="49" charset="-127"/>
+                <a:ea typeface="돋움체" panose="020B0609000101010101" pitchFamily="49" charset="-127"/>
+              </a:rPr>
+              <a:t>;</a:t>
+            </a:r>
+          </a:p>
+          <a:p>
+            <a:r>
+              <a:rPr lang="en-US" altLang="ko-KR" sz="1000" dirty="0">
+                <a:solidFill>
+                  <a:srgbClr val="000000"/>
+                </a:solidFill>
+                <a:latin typeface="돋움체" panose="020B0609000101010101" pitchFamily="49" charset="-127"/>
+                <a:ea typeface="돋움체" panose="020B0609000101010101" pitchFamily="49" charset="-127"/>
+              </a:rPr>
+              <a:t>            </a:t>
+            </a:r>
+            <a:r>
+              <a:rPr lang="en-US" altLang="ko-KR" sz="1000" dirty="0">
+                <a:solidFill>
+                  <a:srgbClr val="0000FF"/>
+                </a:solidFill>
+                <a:latin typeface="돋움체" panose="020B0609000101010101" pitchFamily="49" charset="-127"/>
+                <a:ea typeface="돋움체" panose="020B0609000101010101" pitchFamily="49" charset="-127"/>
+              </a:rPr>
+              <a:t>default</a:t>
+            </a:r>
+            <a:r>
+              <a:rPr lang="en-US" altLang="ko-KR" sz="1000" dirty="0">
+                <a:solidFill>
+                  <a:srgbClr val="000000"/>
+                </a:solidFill>
+                <a:latin typeface="돋움체" panose="020B0609000101010101" pitchFamily="49" charset="-127"/>
+                <a:ea typeface="돋움체" panose="020B0609000101010101" pitchFamily="49" charset="-127"/>
+              </a:rPr>
+              <a:t>:</a:t>
+            </a:r>
+          </a:p>
+          <a:p>
+            <a:r>
+              <a:rPr lang="de-DE" altLang="ko-KR" sz="1000" dirty="0">
+                <a:solidFill>
+                  <a:srgbClr val="000000"/>
+                </a:solidFill>
+                <a:latin typeface="돋움체" panose="020B0609000101010101" pitchFamily="49" charset="-127"/>
+                <a:ea typeface="돋움체" panose="020B0609000101010101" pitchFamily="49" charset="-127"/>
+              </a:rPr>
+              <a:t>                fprintf(stderr, </a:t>
+            </a:r>
+            <a:r>
+              <a:rPr lang="de-DE" altLang="ko-KR" sz="1000" dirty="0">
+                <a:solidFill>
+                  <a:srgbClr val="A31515"/>
+                </a:solidFill>
+                <a:latin typeface="돋움체" panose="020B0609000101010101" pitchFamily="49" charset="-127"/>
+                <a:ea typeface="돋움체" panose="020B0609000101010101" pitchFamily="49" charset="-127"/>
+              </a:rPr>
+              <a:t>"Invalid option: -%c\n"</a:t>
+            </a:r>
+            <a:r>
+              <a:rPr lang="de-DE" altLang="ko-KR" sz="1000" dirty="0">
+                <a:solidFill>
+                  <a:srgbClr val="000000"/>
+                </a:solidFill>
+                <a:latin typeface="돋움체" panose="020B0609000101010101" pitchFamily="49" charset="-127"/>
+                <a:ea typeface="돋움체" panose="020B0609000101010101" pitchFamily="49" charset="-127"/>
+              </a:rPr>
+              <a:t>, optopt);</a:t>
+            </a:r>
+          </a:p>
+          <a:p>
+            <a:r>
+              <a:rPr lang="en-US" altLang="ko-KR" sz="1000" dirty="0">
+                <a:solidFill>
+                  <a:srgbClr val="000000"/>
+                </a:solidFill>
+                <a:latin typeface="돋움체" panose="020B0609000101010101" pitchFamily="49" charset="-127"/>
+                <a:ea typeface="돋움체" panose="020B0609000101010101" pitchFamily="49" charset="-127"/>
+              </a:rPr>
+              <a:t>                </a:t>
+            </a:r>
+            <a:r>
+              <a:rPr lang="en-US" altLang="ko-KR" sz="1000" dirty="0">
+                <a:solidFill>
+                  <a:srgbClr val="0000FF"/>
+                </a:solidFill>
+                <a:latin typeface="돋움체" panose="020B0609000101010101" pitchFamily="49" charset="-127"/>
+                <a:ea typeface="돋움체" panose="020B0609000101010101" pitchFamily="49" charset="-127"/>
+              </a:rPr>
+              <a:t>return</a:t>
+            </a:r>
+            <a:r>
+              <a:rPr lang="en-US" altLang="ko-KR" sz="1000" dirty="0">
+                <a:solidFill>
+                  <a:srgbClr val="000000"/>
+                </a:solidFill>
+                <a:latin typeface="돋움체" panose="020B0609000101010101" pitchFamily="49" charset="-127"/>
+                <a:ea typeface="돋움체" panose="020B0609000101010101" pitchFamily="49" charset="-127"/>
+              </a:rPr>
+              <a:t> 1;</a:t>
+            </a:r>
+          </a:p>
+          <a:p>
+            <a:r>
+              <a:rPr lang="ko-KR" altLang="en-US" sz="1000" dirty="0">
+                <a:solidFill>
+                  <a:srgbClr val="000000"/>
+                </a:solidFill>
+                <a:latin typeface="돋움체" panose="020B0609000101010101" pitchFamily="49" charset="-127"/>
+                <a:ea typeface="돋움체" panose="020B0609000101010101" pitchFamily="49" charset="-127"/>
+              </a:rPr>
+              <a:t>        </a:t>
+            </a:r>
+            <a:r>
+              <a:rPr lang="en-US" altLang="ko-KR" sz="1000" dirty="0">
+                <a:solidFill>
+                  <a:srgbClr val="000000"/>
+                </a:solidFill>
+                <a:latin typeface="돋움체" panose="020B0609000101010101" pitchFamily="49" charset="-127"/>
+                <a:ea typeface="돋움체" panose="020B0609000101010101" pitchFamily="49" charset="-127"/>
+              </a:rPr>
+              <a:t>}</a:t>
+            </a:r>
+          </a:p>
+          <a:p>
+            <a:r>
+              <a:rPr lang="ko-KR" altLang="en-US" sz="1000" dirty="0">
+                <a:solidFill>
+                  <a:srgbClr val="000000"/>
+                </a:solidFill>
+                <a:latin typeface="돋움체" panose="020B0609000101010101" pitchFamily="49" charset="-127"/>
+                <a:ea typeface="돋움체" panose="020B0609000101010101" pitchFamily="49" charset="-127"/>
+              </a:rPr>
+              <a:t>    </a:t>
+            </a:r>
+            <a:r>
+              <a:rPr lang="en-US" altLang="ko-KR" sz="1000" dirty="0">
+                <a:solidFill>
+                  <a:srgbClr val="000000"/>
+                </a:solidFill>
+                <a:latin typeface="돋움체" panose="020B0609000101010101" pitchFamily="49" charset="-127"/>
+                <a:ea typeface="돋움체" panose="020B0609000101010101" pitchFamily="49" charset="-127"/>
+              </a:rPr>
+              <a:t>}</a:t>
+            </a:r>
+          </a:p>
+        </p:txBody>
+      </p:sp>
+      <p:sp>
+        <p:nvSpPr>
+          <p:cNvPr id="5" name="TextBox 4">
+            <a:extLst>
+              <a:ext uri="{FF2B5EF4-FFF2-40B4-BE49-F238E27FC236}">
+                <a16:creationId xmlns:a16="http://schemas.microsoft.com/office/drawing/2014/main" id="{A35FE5DC-A4D9-7695-42F8-CDD89965841D}"/>
+              </a:ext>
+            </a:extLst>
+          </p:cNvPr>
+          <p:cNvSpPr txBox="1"/>
+          <p:nvPr/>
+        </p:nvSpPr>
+        <p:spPr>
+          <a:xfrm>
+            <a:off x="8674608" y="2286000"/>
+            <a:ext cx="184731" cy="369332"/>
+          </a:xfrm>
+          <a:prstGeom prst="rect">
+            <a:avLst/>
+          </a:prstGeom>
+          <a:noFill/>
+        </p:spPr>
+        <p:txBody>
+          <a:bodyPr wrap="none" rtlCol="0">
+            <a:spAutoFit/>
+          </a:bodyPr>
+          <a:lstStyle/>
+          <a:p>
+            <a:endParaRPr lang="ko-KR" altLang="en-US" dirty="0"/>
+          </a:p>
+        </p:txBody>
+      </p:sp>
+      <p:sp>
+        <p:nvSpPr>
+          <p:cNvPr id="6" name="TextBox 5">
+            <a:extLst>
+              <a:ext uri="{FF2B5EF4-FFF2-40B4-BE49-F238E27FC236}">
+                <a16:creationId xmlns:a16="http://schemas.microsoft.com/office/drawing/2014/main" id="{017C4518-AFA3-6D53-0146-03E9810F4561}"/>
+              </a:ext>
+            </a:extLst>
+          </p:cNvPr>
+          <p:cNvSpPr txBox="1"/>
+          <p:nvPr/>
+        </p:nvSpPr>
+        <p:spPr>
+          <a:xfrm>
+            <a:off x="5876544" y="1341120"/>
+            <a:ext cx="6147837" cy="1785104"/>
+          </a:xfrm>
+          <a:prstGeom prst="rect">
+            <a:avLst/>
+          </a:prstGeom>
+          <a:noFill/>
+        </p:spPr>
+        <p:txBody>
+          <a:bodyPr wrap="none" rtlCol="0">
+            <a:spAutoFit/>
+          </a:bodyPr>
+          <a:lstStyle/>
+          <a:p>
+            <a:r>
+              <a:rPr lang="ko-KR" altLang="en-US" sz="1000" dirty="0">
+                <a:solidFill>
+                  <a:srgbClr val="000000"/>
+                </a:solidFill>
+                <a:latin typeface="돋움체" panose="020B0609000101010101" pitchFamily="49" charset="-127"/>
+                <a:ea typeface="돋움체" panose="020B0609000101010101" pitchFamily="49" charset="-127"/>
+              </a:rPr>
+              <a:t> </a:t>
+            </a:r>
+            <a:r>
+              <a:rPr lang="en-US" altLang="ko-KR" sz="1000" dirty="0">
+                <a:solidFill>
+                  <a:srgbClr val="008000"/>
+                </a:solidFill>
+                <a:latin typeface="돋움체" panose="020B0609000101010101" pitchFamily="49" charset="-127"/>
+                <a:ea typeface="돋움체" panose="020B0609000101010101" pitchFamily="49" charset="-127"/>
+              </a:rPr>
+              <a:t>// </a:t>
+            </a:r>
+            <a:r>
+              <a:rPr lang="ko-KR" altLang="en-US" sz="1000" dirty="0">
+                <a:solidFill>
+                  <a:srgbClr val="008000"/>
+                </a:solidFill>
+                <a:latin typeface="돋움체" panose="020B0609000101010101" pitchFamily="49" charset="-127"/>
+                <a:ea typeface="돋움체" panose="020B0609000101010101" pitchFamily="49" charset="-127"/>
+              </a:rPr>
+              <a:t>입력 받은 파일이 하나도 </a:t>
+            </a:r>
+            <a:r>
+              <a:rPr lang="ko-KR" altLang="en-US" sz="1000" dirty="0" err="1">
+                <a:solidFill>
+                  <a:srgbClr val="008000"/>
+                </a:solidFill>
+                <a:latin typeface="돋움체" panose="020B0609000101010101" pitchFamily="49" charset="-127"/>
+                <a:ea typeface="돋움체" panose="020B0609000101010101" pitchFamily="49" charset="-127"/>
+              </a:rPr>
+              <a:t>없을시</a:t>
+            </a:r>
+            <a:endParaRPr lang="ko-KR" altLang="en-US" sz="1000" dirty="0">
+              <a:solidFill>
+                <a:srgbClr val="000000"/>
+              </a:solidFill>
+              <a:latin typeface="돋움체" panose="020B0609000101010101" pitchFamily="49" charset="-127"/>
+              <a:ea typeface="돋움체" panose="020B0609000101010101" pitchFamily="49" charset="-127"/>
+            </a:endParaRPr>
+          </a:p>
+          <a:p>
+            <a:r>
+              <a:rPr lang="en-US" altLang="ko-KR" sz="1000" dirty="0">
+                <a:solidFill>
+                  <a:srgbClr val="000000"/>
+                </a:solidFill>
+                <a:latin typeface="돋움체" panose="020B0609000101010101" pitchFamily="49" charset="-127"/>
+                <a:ea typeface="돋움체" panose="020B0609000101010101" pitchFamily="49" charset="-127"/>
+              </a:rPr>
+              <a:t>    </a:t>
+            </a:r>
+            <a:r>
+              <a:rPr lang="en-US" altLang="ko-KR" sz="1000" dirty="0">
+                <a:solidFill>
+                  <a:srgbClr val="0000FF"/>
+                </a:solidFill>
+                <a:latin typeface="돋움체" panose="020B0609000101010101" pitchFamily="49" charset="-127"/>
+                <a:ea typeface="돋움체" panose="020B0609000101010101" pitchFamily="49" charset="-127"/>
+              </a:rPr>
+              <a:t>if</a:t>
+            </a:r>
+            <a:r>
+              <a:rPr lang="en-US" altLang="ko-KR" sz="1000" dirty="0">
+                <a:solidFill>
+                  <a:srgbClr val="000000"/>
+                </a:solidFill>
+                <a:latin typeface="돋움체" panose="020B0609000101010101" pitchFamily="49" charset="-127"/>
+                <a:ea typeface="돋움체" panose="020B0609000101010101" pitchFamily="49" charset="-127"/>
+              </a:rPr>
+              <a:t> (</a:t>
+            </a:r>
+            <a:r>
+              <a:rPr lang="en-US" altLang="ko-KR" sz="1000" dirty="0" err="1">
+                <a:solidFill>
+                  <a:srgbClr val="000000"/>
+                </a:solidFill>
+                <a:latin typeface="돋움체" panose="020B0609000101010101" pitchFamily="49" charset="-127"/>
+                <a:ea typeface="돋움체" panose="020B0609000101010101" pitchFamily="49" charset="-127"/>
+              </a:rPr>
+              <a:t>optind</a:t>
+            </a:r>
+            <a:r>
+              <a:rPr lang="en-US" altLang="ko-KR" sz="1000" dirty="0">
+                <a:solidFill>
+                  <a:srgbClr val="000000"/>
+                </a:solidFill>
+                <a:latin typeface="돋움체" panose="020B0609000101010101" pitchFamily="49" charset="-127"/>
+                <a:ea typeface="돋움체" panose="020B0609000101010101" pitchFamily="49" charset="-127"/>
+              </a:rPr>
+              <a:t> &gt;= </a:t>
+            </a:r>
+            <a:r>
+              <a:rPr lang="en-US" altLang="ko-KR" sz="1000" dirty="0" err="1">
+                <a:solidFill>
+                  <a:srgbClr val="000000"/>
+                </a:solidFill>
+                <a:latin typeface="돋움체" panose="020B0609000101010101" pitchFamily="49" charset="-127"/>
+                <a:ea typeface="돋움체" panose="020B0609000101010101" pitchFamily="49" charset="-127"/>
+              </a:rPr>
+              <a:t>argc</a:t>
+            </a:r>
+            <a:r>
+              <a:rPr lang="en-US" altLang="ko-KR" sz="1000" dirty="0">
+                <a:solidFill>
+                  <a:srgbClr val="000000"/>
+                </a:solidFill>
+                <a:latin typeface="돋움체" panose="020B0609000101010101" pitchFamily="49" charset="-127"/>
+                <a:ea typeface="돋움체" panose="020B0609000101010101" pitchFamily="49" charset="-127"/>
+              </a:rPr>
+              <a:t>) {</a:t>
+            </a:r>
+          </a:p>
+          <a:p>
+            <a:r>
+              <a:rPr lang="en-US" altLang="ko-KR" sz="1000" dirty="0">
+                <a:solidFill>
+                  <a:srgbClr val="000000"/>
+                </a:solidFill>
+                <a:latin typeface="돋움체" panose="020B0609000101010101" pitchFamily="49" charset="-127"/>
+                <a:ea typeface="돋움체" panose="020B0609000101010101" pitchFamily="49" charset="-127"/>
+              </a:rPr>
+              <a:t>        </a:t>
+            </a:r>
+            <a:r>
+              <a:rPr lang="en-US" altLang="ko-KR" sz="1000" dirty="0" err="1">
+                <a:solidFill>
+                  <a:srgbClr val="000000"/>
+                </a:solidFill>
+                <a:latin typeface="돋움체" panose="020B0609000101010101" pitchFamily="49" charset="-127"/>
+                <a:ea typeface="돋움체" panose="020B0609000101010101" pitchFamily="49" charset="-127"/>
+              </a:rPr>
+              <a:t>fprintf</a:t>
+            </a:r>
+            <a:r>
+              <a:rPr lang="en-US" altLang="ko-KR" sz="1000" dirty="0">
+                <a:solidFill>
+                  <a:srgbClr val="000000"/>
+                </a:solidFill>
+                <a:latin typeface="돋움체" panose="020B0609000101010101" pitchFamily="49" charset="-127"/>
+                <a:ea typeface="돋움체" panose="020B0609000101010101" pitchFamily="49" charset="-127"/>
+              </a:rPr>
+              <a:t>(stderr, </a:t>
+            </a:r>
+            <a:r>
+              <a:rPr lang="en-US" altLang="ko-KR" sz="1000" dirty="0">
+                <a:solidFill>
+                  <a:srgbClr val="A31515"/>
+                </a:solidFill>
+                <a:latin typeface="돋움체" panose="020B0609000101010101" pitchFamily="49" charset="-127"/>
+                <a:ea typeface="돋움체" panose="020B0609000101010101" pitchFamily="49" charset="-127"/>
+              </a:rPr>
+              <a:t>"Usage: %s [options] &lt;file&gt;\n"</a:t>
+            </a:r>
+            <a:r>
+              <a:rPr lang="en-US" altLang="ko-KR" sz="1000" dirty="0">
+                <a:solidFill>
+                  <a:srgbClr val="000000"/>
+                </a:solidFill>
+                <a:latin typeface="돋움체" panose="020B0609000101010101" pitchFamily="49" charset="-127"/>
+                <a:ea typeface="돋움체" panose="020B0609000101010101" pitchFamily="49" charset="-127"/>
+              </a:rPr>
+              <a:t>, </a:t>
+            </a:r>
+            <a:r>
+              <a:rPr lang="en-US" altLang="ko-KR" sz="1000" dirty="0" err="1">
+                <a:solidFill>
+                  <a:srgbClr val="000000"/>
+                </a:solidFill>
+                <a:latin typeface="돋움체" panose="020B0609000101010101" pitchFamily="49" charset="-127"/>
+                <a:ea typeface="돋움체" panose="020B0609000101010101" pitchFamily="49" charset="-127"/>
+              </a:rPr>
+              <a:t>argv</a:t>
+            </a:r>
+            <a:r>
+              <a:rPr lang="en-US" altLang="ko-KR" sz="1000" dirty="0">
+                <a:solidFill>
+                  <a:srgbClr val="000000"/>
+                </a:solidFill>
+                <a:latin typeface="돋움체" panose="020B0609000101010101" pitchFamily="49" charset="-127"/>
+                <a:ea typeface="돋움체" panose="020B0609000101010101" pitchFamily="49" charset="-127"/>
+              </a:rPr>
+              <a:t>[0]);</a:t>
+            </a:r>
+          </a:p>
+          <a:p>
+            <a:r>
+              <a:rPr lang="en-US" altLang="ko-KR" sz="1000" dirty="0">
+                <a:solidFill>
+                  <a:srgbClr val="000000"/>
+                </a:solidFill>
+                <a:latin typeface="돋움체" panose="020B0609000101010101" pitchFamily="49" charset="-127"/>
+                <a:ea typeface="돋움체" panose="020B0609000101010101" pitchFamily="49" charset="-127"/>
+              </a:rPr>
+              <a:t>        </a:t>
+            </a:r>
+            <a:r>
+              <a:rPr lang="en-US" altLang="ko-KR" sz="1000" dirty="0">
+                <a:solidFill>
+                  <a:srgbClr val="0000FF"/>
+                </a:solidFill>
+                <a:latin typeface="돋움체" panose="020B0609000101010101" pitchFamily="49" charset="-127"/>
+                <a:ea typeface="돋움체" panose="020B0609000101010101" pitchFamily="49" charset="-127"/>
+              </a:rPr>
+              <a:t>return</a:t>
+            </a:r>
+            <a:r>
+              <a:rPr lang="en-US" altLang="ko-KR" sz="1000" dirty="0">
+                <a:solidFill>
+                  <a:srgbClr val="000000"/>
+                </a:solidFill>
+                <a:latin typeface="돋움체" panose="020B0609000101010101" pitchFamily="49" charset="-127"/>
+                <a:ea typeface="돋움체" panose="020B0609000101010101" pitchFamily="49" charset="-127"/>
+              </a:rPr>
+              <a:t> 1;</a:t>
+            </a:r>
+          </a:p>
+          <a:p>
+            <a:r>
+              <a:rPr lang="ko-KR" altLang="en-US" sz="1000" dirty="0">
+                <a:solidFill>
+                  <a:srgbClr val="000000"/>
+                </a:solidFill>
+                <a:latin typeface="돋움체" panose="020B0609000101010101" pitchFamily="49" charset="-127"/>
+                <a:ea typeface="돋움체" panose="020B0609000101010101" pitchFamily="49" charset="-127"/>
+              </a:rPr>
+              <a:t>    </a:t>
+            </a:r>
+            <a:r>
+              <a:rPr lang="en-US" altLang="ko-KR" sz="1000" dirty="0">
+                <a:solidFill>
+                  <a:srgbClr val="000000"/>
+                </a:solidFill>
+                <a:latin typeface="돋움체" panose="020B0609000101010101" pitchFamily="49" charset="-127"/>
+                <a:ea typeface="돋움체" panose="020B0609000101010101" pitchFamily="49" charset="-127"/>
+              </a:rPr>
+              <a:t>}</a:t>
+            </a:r>
+          </a:p>
+          <a:p>
+            <a:endParaRPr lang="ko-KR" altLang="en-US" sz="1000" dirty="0">
+              <a:solidFill>
+                <a:srgbClr val="000000"/>
+              </a:solidFill>
+              <a:latin typeface="돋움체" panose="020B0609000101010101" pitchFamily="49" charset="-127"/>
+              <a:ea typeface="돋움체" panose="020B0609000101010101" pitchFamily="49" charset="-127"/>
+            </a:endParaRPr>
+          </a:p>
+          <a:p>
+            <a:r>
+              <a:rPr lang="en-US" altLang="ko-KR" sz="1000" dirty="0">
+                <a:solidFill>
+                  <a:srgbClr val="000000"/>
+                </a:solidFill>
+                <a:latin typeface="돋움체" panose="020B0609000101010101" pitchFamily="49" charset="-127"/>
+                <a:ea typeface="돋움체" panose="020B0609000101010101" pitchFamily="49" charset="-127"/>
+              </a:rPr>
+              <a:t>    </a:t>
+            </a:r>
+            <a:r>
+              <a:rPr lang="en-US" altLang="ko-KR" sz="1000" dirty="0">
+                <a:solidFill>
+                  <a:srgbClr val="0000FF"/>
+                </a:solidFill>
+                <a:latin typeface="돋움체" panose="020B0609000101010101" pitchFamily="49" charset="-127"/>
+                <a:ea typeface="돋움체" panose="020B0609000101010101" pitchFamily="49" charset="-127"/>
+              </a:rPr>
+              <a:t>const</a:t>
+            </a:r>
+            <a:r>
+              <a:rPr lang="en-US" altLang="ko-KR" sz="1000" dirty="0">
+                <a:solidFill>
+                  <a:srgbClr val="000000"/>
+                </a:solidFill>
+                <a:latin typeface="돋움체" panose="020B0609000101010101" pitchFamily="49" charset="-127"/>
+                <a:ea typeface="돋움체" panose="020B0609000101010101" pitchFamily="49" charset="-127"/>
+              </a:rPr>
+              <a:t> </a:t>
+            </a:r>
+            <a:r>
+              <a:rPr lang="en-US" altLang="ko-KR" sz="1000" dirty="0">
+                <a:solidFill>
+                  <a:srgbClr val="0000FF"/>
+                </a:solidFill>
+                <a:latin typeface="돋움체" panose="020B0609000101010101" pitchFamily="49" charset="-127"/>
+                <a:ea typeface="돋움체" panose="020B0609000101010101" pitchFamily="49" charset="-127"/>
+              </a:rPr>
+              <a:t>char</a:t>
+            </a:r>
+            <a:r>
+              <a:rPr lang="en-US" altLang="ko-KR" sz="1000" dirty="0">
+                <a:solidFill>
+                  <a:srgbClr val="000000"/>
+                </a:solidFill>
+                <a:latin typeface="돋움체" panose="020B0609000101010101" pitchFamily="49" charset="-127"/>
+                <a:ea typeface="돋움체" panose="020B0609000101010101" pitchFamily="49" charset="-127"/>
+              </a:rPr>
+              <a:t>* filename = </a:t>
+            </a:r>
+            <a:r>
+              <a:rPr lang="en-US" altLang="ko-KR" sz="1000" dirty="0" err="1">
+                <a:solidFill>
+                  <a:srgbClr val="000000"/>
+                </a:solidFill>
+                <a:latin typeface="돋움체" panose="020B0609000101010101" pitchFamily="49" charset="-127"/>
+                <a:ea typeface="돋움체" panose="020B0609000101010101" pitchFamily="49" charset="-127"/>
+              </a:rPr>
+              <a:t>argv</a:t>
+            </a:r>
+            <a:r>
+              <a:rPr lang="en-US" altLang="ko-KR" sz="1000" dirty="0">
+                <a:solidFill>
+                  <a:srgbClr val="000000"/>
+                </a:solidFill>
+                <a:latin typeface="돋움체" panose="020B0609000101010101" pitchFamily="49" charset="-127"/>
+                <a:ea typeface="돋움체" panose="020B0609000101010101" pitchFamily="49" charset="-127"/>
+              </a:rPr>
+              <a:t>[</a:t>
+            </a:r>
+            <a:r>
+              <a:rPr lang="en-US" altLang="ko-KR" sz="1000" dirty="0" err="1">
+                <a:solidFill>
+                  <a:srgbClr val="000000"/>
+                </a:solidFill>
+                <a:latin typeface="돋움체" panose="020B0609000101010101" pitchFamily="49" charset="-127"/>
+                <a:ea typeface="돋움체" panose="020B0609000101010101" pitchFamily="49" charset="-127"/>
+              </a:rPr>
+              <a:t>optind</a:t>
+            </a:r>
+            <a:r>
+              <a:rPr lang="en-US" altLang="ko-KR" sz="1000" dirty="0">
+                <a:solidFill>
+                  <a:srgbClr val="000000"/>
+                </a:solidFill>
+                <a:latin typeface="돋움체" panose="020B0609000101010101" pitchFamily="49" charset="-127"/>
+                <a:ea typeface="돋움체" panose="020B0609000101010101" pitchFamily="49" charset="-127"/>
+              </a:rPr>
+              <a:t>];</a:t>
+            </a:r>
+          </a:p>
+          <a:p>
+            <a:r>
+              <a:rPr lang="en-US" altLang="ko-KR" sz="1000" dirty="0">
+                <a:solidFill>
+                  <a:srgbClr val="000000"/>
+                </a:solidFill>
+                <a:latin typeface="돋움체" panose="020B0609000101010101" pitchFamily="49" charset="-127"/>
+                <a:ea typeface="돋움체" panose="020B0609000101010101" pitchFamily="49" charset="-127"/>
+              </a:rPr>
+              <a:t>    </a:t>
+            </a:r>
+            <a:r>
+              <a:rPr lang="en-US" altLang="ko-KR" sz="1000" dirty="0" err="1">
+                <a:solidFill>
+                  <a:srgbClr val="000000"/>
+                </a:solidFill>
+                <a:latin typeface="돋움체" panose="020B0609000101010101" pitchFamily="49" charset="-127"/>
+                <a:ea typeface="돋움체" panose="020B0609000101010101" pitchFamily="49" charset="-127"/>
+              </a:rPr>
+              <a:t>display_file</a:t>
+            </a:r>
+            <a:r>
+              <a:rPr lang="en-US" altLang="ko-KR" sz="1000" dirty="0">
+                <a:solidFill>
+                  <a:srgbClr val="000000"/>
+                </a:solidFill>
+                <a:latin typeface="돋움체" panose="020B0609000101010101" pitchFamily="49" charset="-127"/>
+                <a:ea typeface="돋움체" panose="020B0609000101010101" pitchFamily="49" charset="-127"/>
+              </a:rPr>
+              <a:t>(filename, </a:t>
+            </a:r>
+            <a:r>
+              <a:rPr lang="en-US" altLang="ko-KR" sz="1000" dirty="0" err="1">
+                <a:solidFill>
+                  <a:srgbClr val="000000"/>
+                </a:solidFill>
+                <a:latin typeface="돋움체" panose="020B0609000101010101" pitchFamily="49" charset="-127"/>
+                <a:ea typeface="돋움체" panose="020B0609000101010101" pitchFamily="49" charset="-127"/>
+              </a:rPr>
+              <a:t>number_lines</a:t>
+            </a:r>
+            <a:r>
+              <a:rPr lang="en-US" altLang="ko-KR" sz="1000" dirty="0">
+                <a:solidFill>
+                  <a:srgbClr val="000000"/>
+                </a:solidFill>
+                <a:latin typeface="돋움체" panose="020B0609000101010101" pitchFamily="49" charset="-127"/>
+                <a:ea typeface="돋움체" panose="020B0609000101010101" pitchFamily="49" charset="-127"/>
+              </a:rPr>
+              <a:t>, </a:t>
+            </a:r>
+            <a:r>
+              <a:rPr lang="en-US" altLang="ko-KR" sz="1000" dirty="0" err="1">
+                <a:solidFill>
+                  <a:srgbClr val="000000"/>
+                </a:solidFill>
+                <a:latin typeface="돋움체" panose="020B0609000101010101" pitchFamily="49" charset="-127"/>
+                <a:ea typeface="돋움체" panose="020B0609000101010101" pitchFamily="49" charset="-127"/>
+              </a:rPr>
+              <a:t>show_ends</a:t>
+            </a:r>
+            <a:r>
+              <a:rPr lang="en-US" altLang="ko-KR" sz="1000" dirty="0">
+                <a:solidFill>
+                  <a:srgbClr val="000000"/>
+                </a:solidFill>
+                <a:latin typeface="돋움체" panose="020B0609000101010101" pitchFamily="49" charset="-127"/>
+                <a:ea typeface="돋움체" panose="020B0609000101010101" pitchFamily="49" charset="-127"/>
+              </a:rPr>
+              <a:t>, </a:t>
+            </a:r>
+            <a:r>
+              <a:rPr lang="en-US" altLang="ko-KR" sz="1000" dirty="0" err="1">
+                <a:solidFill>
+                  <a:srgbClr val="000000"/>
+                </a:solidFill>
+                <a:latin typeface="돋움체" panose="020B0609000101010101" pitchFamily="49" charset="-127"/>
+                <a:ea typeface="돋움체" panose="020B0609000101010101" pitchFamily="49" charset="-127"/>
+              </a:rPr>
+              <a:t>show_tabs</a:t>
+            </a:r>
+            <a:r>
+              <a:rPr lang="en-US" altLang="ko-KR" sz="1000" dirty="0">
+                <a:solidFill>
+                  <a:srgbClr val="000000"/>
+                </a:solidFill>
+                <a:latin typeface="돋움체" panose="020B0609000101010101" pitchFamily="49" charset="-127"/>
+                <a:ea typeface="돋움체" panose="020B0609000101010101" pitchFamily="49" charset="-127"/>
+              </a:rPr>
+              <a:t>, </a:t>
+            </a:r>
+            <a:r>
+              <a:rPr lang="en-US" altLang="ko-KR" sz="1000" dirty="0" err="1">
+                <a:solidFill>
+                  <a:srgbClr val="000000"/>
+                </a:solidFill>
+                <a:latin typeface="돋움체" panose="020B0609000101010101" pitchFamily="49" charset="-127"/>
+                <a:ea typeface="돋움체" panose="020B0609000101010101" pitchFamily="49" charset="-127"/>
+              </a:rPr>
+              <a:t>show_nonprint</a:t>
+            </a:r>
+            <a:r>
+              <a:rPr lang="en-US" altLang="ko-KR" sz="1000" dirty="0">
+                <a:solidFill>
+                  <a:srgbClr val="000000"/>
+                </a:solidFill>
+                <a:latin typeface="돋움체" panose="020B0609000101010101" pitchFamily="49" charset="-127"/>
+                <a:ea typeface="돋움체" panose="020B0609000101010101" pitchFamily="49" charset="-127"/>
+              </a:rPr>
+              <a:t>, </a:t>
+            </a:r>
+            <a:r>
+              <a:rPr lang="en-US" altLang="ko-KR" sz="1000" dirty="0" err="1">
+                <a:solidFill>
+                  <a:srgbClr val="000000"/>
+                </a:solidFill>
+                <a:latin typeface="돋움체" panose="020B0609000101010101" pitchFamily="49" charset="-127"/>
+                <a:ea typeface="돋움체" panose="020B0609000101010101" pitchFamily="49" charset="-127"/>
+              </a:rPr>
+              <a:t>squeeze_blank</a:t>
+            </a:r>
+            <a:r>
+              <a:rPr lang="en-US" altLang="ko-KR" sz="1000" dirty="0">
+                <a:solidFill>
+                  <a:srgbClr val="000000"/>
+                </a:solidFill>
+                <a:latin typeface="돋움체" panose="020B0609000101010101" pitchFamily="49" charset="-127"/>
+                <a:ea typeface="돋움체" panose="020B0609000101010101" pitchFamily="49" charset="-127"/>
+              </a:rPr>
+              <a:t>);</a:t>
+            </a:r>
+          </a:p>
+          <a:p>
+            <a:endParaRPr lang="ko-KR" altLang="en-US" sz="1000" dirty="0">
+              <a:solidFill>
+                <a:srgbClr val="000000"/>
+              </a:solidFill>
+              <a:latin typeface="돋움체" panose="020B0609000101010101" pitchFamily="49" charset="-127"/>
+              <a:ea typeface="돋움체" panose="020B0609000101010101" pitchFamily="49" charset="-127"/>
+            </a:endParaRPr>
+          </a:p>
+          <a:p>
+            <a:r>
+              <a:rPr lang="en-US" altLang="ko-KR" sz="1000" dirty="0">
+                <a:solidFill>
+                  <a:srgbClr val="000000"/>
+                </a:solidFill>
+                <a:latin typeface="돋움체" panose="020B0609000101010101" pitchFamily="49" charset="-127"/>
+                <a:ea typeface="돋움체" panose="020B0609000101010101" pitchFamily="49" charset="-127"/>
+              </a:rPr>
+              <a:t>    </a:t>
+            </a:r>
+            <a:r>
+              <a:rPr lang="en-US" altLang="ko-KR" sz="1000" dirty="0">
+                <a:solidFill>
+                  <a:srgbClr val="0000FF"/>
+                </a:solidFill>
+                <a:latin typeface="돋움체" panose="020B0609000101010101" pitchFamily="49" charset="-127"/>
+                <a:ea typeface="돋움체" panose="020B0609000101010101" pitchFamily="49" charset="-127"/>
+              </a:rPr>
+              <a:t>return</a:t>
+            </a:r>
+            <a:r>
+              <a:rPr lang="en-US" altLang="ko-KR" sz="1000" dirty="0">
+                <a:solidFill>
+                  <a:srgbClr val="000000"/>
+                </a:solidFill>
+                <a:latin typeface="돋움체" panose="020B0609000101010101" pitchFamily="49" charset="-127"/>
+                <a:ea typeface="돋움체" panose="020B0609000101010101" pitchFamily="49" charset="-127"/>
+              </a:rPr>
+              <a:t> 0;</a:t>
+            </a:r>
+          </a:p>
+          <a:p>
+            <a:r>
+              <a:rPr lang="en-US" altLang="ko-KR" sz="1000" dirty="0">
+                <a:solidFill>
+                  <a:srgbClr val="000000"/>
+                </a:solidFill>
+                <a:latin typeface="돋움체" panose="020B0609000101010101" pitchFamily="49" charset="-127"/>
+                <a:ea typeface="돋움체" panose="020B0609000101010101" pitchFamily="49" charset="-127"/>
+              </a:rPr>
+              <a:t>}</a:t>
+            </a:r>
+            <a:endParaRPr lang="ko-KR" altLang="en-US" sz="1000" dirty="0"/>
+          </a:p>
+        </p:txBody>
+      </p:sp>
+    </p:spTree>
+    <p:extLst>
+      <p:ext uri="{BB962C8B-B14F-4D97-AF65-F5344CB8AC3E}">
+        <p14:creationId xmlns:p14="http://schemas.microsoft.com/office/powerpoint/2010/main" val="831499832"/>
+      </p:ext>
+    </p:extLst>
+  </p:cSld>
+  <p:clrMapOvr>
+    <a:masterClrMapping/>
+  </p:clrMapOvr>
+</p:sld>
+</file>
+
+<file path=ppt/slides/slide22.xml><?xml version="1.0" encoding="utf-8"?>
+<p:sld xmlns:a="http://schemas.openxmlformats.org/drawingml/2006/main" xmlns:r="http://schemas.openxmlformats.org/officeDocument/2006/relationships" xmlns:p="http://schemas.openxmlformats.org/presentationml/2006/main">
+  <p:cSld>
+    <p:spTree>
+      <p:nvGrpSpPr>
+        <p:cNvPr id="1" name=""/>
+        <p:cNvGrpSpPr/>
+        <p:nvPr/>
+      </p:nvGrpSpPr>
+      <p:grpSpPr>
+        <a:xfrm>
+          <a:off x="0" y="0"/>
+          <a:ext cx="0" cy="0"/>
+          <a:chOff x="0" y="0"/>
+          <a:chExt cx="0" cy="0"/>
+        </a:xfrm>
+      </p:grpSpPr>
+      <p:sp>
+        <p:nvSpPr>
+          <p:cNvPr id="2" name="제목 1">
+            <a:extLst>
+              <a:ext uri="{FF2B5EF4-FFF2-40B4-BE49-F238E27FC236}">
+                <a16:creationId xmlns:a16="http://schemas.microsoft.com/office/drawing/2014/main" id="{3FCC9872-082C-9FE7-25A7-3B58BBA9B50A}"/>
+              </a:ext>
+            </a:extLst>
+          </p:cNvPr>
+          <p:cNvSpPr>
+            <a:spLocks noGrp="1"/>
+          </p:cNvSpPr>
+          <p:nvPr>
+            <p:ph type="title"/>
+          </p:nvPr>
+        </p:nvSpPr>
+        <p:spPr/>
+        <p:txBody>
+          <a:bodyPr/>
+          <a:lstStyle/>
+          <a:p>
+            <a:r>
+              <a:rPr lang="en-US" altLang="ko-KR" dirty="0" err="1"/>
+              <a:t>mycat.c</a:t>
+            </a:r>
+            <a:r>
+              <a:rPr lang="en-US" altLang="ko-KR"/>
+              <a:t> (2)</a:t>
+            </a:r>
+            <a:endParaRPr lang="ko-KR" altLang="en-US"/>
+          </a:p>
+        </p:txBody>
+      </p:sp>
+      <p:sp>
+        <p:nvSpPr>
+          <p:cNvPr id="3" name="내용 개체 틀 2">
+            <a:extLst>
+              <a:ext uri="{FF2B5EF4-FFF2-40B4-BE49-F238E27FC236}">
+                <a16:creationId xmlns:a16="http://schemas.microsoft.com/office/drawing/2014/main" id="{FB913292-31CD-8E9D-F619-9605B064E454}"/>
+              </a:ext>
+            </a:extLst>
+          </p:cNvPr>
+          <p:cNvSpPr>
+            <a:spLocks noGrp="1"/>
+          </p:cNvSpPr>
+          <p:nvPr>
+            <p:ph idx="1"/>
+          </p:nvPr>
+        </p:nvSpPr>
+        <p:spPr/>
+        <p:txBody>
+          <a:bodyPr/>
+          <a:lstStyle/>
+          <a:p>
+            <a:endParaRPr lang="ko-KR" altLang="en-US"/>
+          </a:p>
+        </p:txBody>
+      </p:sp>
+    </p:spTree>
+    <p:extLst>
+      <p:ext uri="{BB962C8B-B14F-4D97-AF65-F5344CB8AC3E}">
+        <p14:creationId xmlns:p14="http://schemas.microsoft.com/office/powerpoint/2010/main" val="2384116495"/>
       </p:ext>
     </p:extLst>
   </p:cSld>

--- a/Sys_final/SysP 기말.pptx
+++ b/Sys_final/SysP 기말.pptx
@@ -50,7 +50,7 @@
     <p:sldId id="298" r:id="rId44"/>
   </p:sldIdLst>
   <p:sldSz cx="12192000" cy="6858000"/>
-  <p:notesSz cx="6858000" cy="9144000"/>
+  <p:notesSz cx="6797675" cy="9926638"/>
   <p:defaultTextStyle>
     <a:defPPr>
       <a:defRPr lang="ko-KR"/>
@@ -301,7 +301,7 @@
           <a:p>
             <a:fld id="{5F49F4F1-57EE-49A9-A1AA-F463A547ADAF}" type="datetimeFigureOut">
               <a:rPr lang="ko-KR" altLang="en-US" smtClean="0"/>
-              <a:t>2023-06-10</a:t>
+              <a:t>2023-06-13</a:t>
             </a:fld>
             <a:endParaRPr lang="ko-KR" altLang="en-US"/>
           </a:p>
@@ -499,7 +499,7 @@
           <a:p>
             <a:fld id="{5F49F4F1-57EE-49A9-A1AA-F463A547ADAF}" type="datetimeFigureOut">
               <a:rPr lang="ko-KR" altLang="en-US" smtClean="0"/>
-              <a:t>2023-06-10</a:t>
+              <a:t>2023-06-13</a:t>
             </a:fld>
             <a:endParaRPr lang="ko-KR" altLang="en-US"/>
           </a:p>
@@ -707,7 +707,7 @@
           <a:p>
             <a:fld id="{5F49F4F1-57EE-49A9-A1AA-F463A547ADAF}" type="datetimeFigureOut">
               <a:rPr lang="ko-KR" altLang="en-US" smtClean="0"/>
-              <a:t>2023-06-10</a:t>
+              <a:t>2023-06-13</a:t>
             </a:fld>
             <a:endParaRPr lang="ko-KR" altLang="en-US"/>
           </a:p>
@@ -905,7 +905,7 @@
           <a:p>
             <a:fld id="{5F49F4F1-57EE-49A9-A1AA-F463A547ADAF}" type="datetimeFigureOut">
               <a:rPr lang="ko-KR" altLang="en-US" smtClean="0"/>
-              <a:t>2023-06-10</a:t>
+              <a:t>2023-06-13</a:t>
             </a:fld>
             <a:endParaRPr lang="ko-KR" altLang="en-US"/>
           </a:p>
@@ -1180,7 +1180,7 @@
           <a:p>
             <a:fld id="{5F49F4F1-57EE-49A9-A1AA-F463A547ADAF}" type="datetimeFigureOut">
               <a:rPr lang="ko-KR" altLang="en-US" smtClean="0"/>
-              <a:t>2023-06-10</a:t>
+              <a:t>2023-06-13</a:t>
             </a:fld>
             <a:endParaRPr lang="ko-KR" altLang="en-US"/>
           </a:p>
@@ -1445,7 +1445,7 @@
           <a:p>
             <a:fld id="{5F49F4F1-57EE-49A9-A1AA-F463A547ADAF}" type="datetimeFigureOut">
               <a:rPr lang="ko-KR" altLang="en-US" smtClean="0"/>
-              <a:t>2023-06-10</a:t>
+              <a:t>2023-06-13</a:t>
             </a:fld>
             <a:endParaRPr lang="ko-KR" altLang="en-US"/>
           </a:p>
@@ -1857,7 +1857,7 @@
           <a:p>
             <a:fld id="{5F49F4F1-57EE-49A9-A1AA-F463A547ADAF}" type="datetimeFigureOut">
               <a:rPr lang="ko-KR" altLang="en-US" smtClean="0"/>
-              <a:t>2023-06-10</a:t>
+              <a:t>2023-06-13</a:t>
             </a:fld>
             <a:endParaRPr lang="ko-KR" altLang="en-US"/>
           </a:p>
@@ -1998,7 +1998,7 @@
           <a:p>
             <a:fld id="{5F49F4F1-57EE-49A9-A1AA-F463A547ADAF}" type="datetimeFigureOut">
               <a:rPr lang="ko-KR" altLang="en-US" smtClean="0"/>
-              <a:t>2023-06-10</a:t>
+              <a:t>2023-06-13</a:t>
             </a:fld>
             <a:endParaRPr lang="ko-KR" altLang="en-US"/>
           </a:p>
@@ -2111,7 +2111,7 @@
           <a:p>
             <a:fld id="{5F49F4F1-57EE-49A9-A1AA-F463A547ADAF}" type="datetimeFigureOut">
               <a:rPr lang="ko-KR" altLang="en-US" smtClean="0"/>
-              <a:t>2023-06-10</a:t>
+              <a:t>2023-06-13</a:t>
             </a:fld>
             <a:endParaRPr lang="ko-KR" altLang="en-US"/>
           </a:p>
@@ -2422,7 +2422,7 @@
           <a:p>
             <a:fld id="{5F49F4F1-57EE-49A9-A1AA-F463A547ADAF}" type="datetimeFigureOut">
               <a:rPr lang="ko-KR" altLang="en-US" smtClean="0"/>
-              <a:t>2023-06-10</a:t>
+              <a:t>2023-06-13</a:t>
             </a:fld>
             <a:endParaRPr lang="ko-KR" altLang="en-US"/>
           </a:p>
@@ -2710,7 +2710,7 @@
           <a:p>
             <a:fld id="{5F49F4F1-57EE-49A9-A1AA-F463A547ADAF}" type="datetimeFigureOut">
               <a:rPr lang="ko-KR" altLang="en-US" smtClean="0"/>
-              <a:t>2023-06-10</a:t>
+              <a:t>2023-06-13</a:t>
             </a:fld>
             <a:endParaRPr lang="ko-KR" altLang="en-US"/>
           </a:p>
@@ -2951,7 +2951,7 @@
           <a:p>
             <a:fld id="{5F49F4F1-57EE-49A9-A1AA-F463A547ADAF}" type="datetimeFigureOut">
               <a:rPr lang="ko-KR" altLang="en-US" smtClean="0"/>
-              <a:t>2023-06-10</a:t>
+              <a:t>2023-06-13</a:t>
             </a:fld>
             <a:endParaRPr lang="ko-KR" altLang="en-US"/>
           </a:p>
@@ -7606,6 +7606,100 @@
           </a:p>
         </p:txBody>
       </p:sp>
+      <p:pic>
+        <p:nvPicPr>
+          <p:cNvPr id="1026" name="Picture 2">
+            <a:extLst>
+              <a:ext uri="{FF2B5EF4-FFF2-40B4-BE49-F238E27FC236}">
+                <a16:creationId xmlns:a16="http://schemas.microsoft.com/office/drawing/2014/main" id="{AC18D3C4-5D29-38FC-AF82-6CEC8F98C4F9}"/>
+              </a:ext>
+            </a:extLst>
+          </p:cNvPr>
+          <p:cNvPicPr>
+            <a:picLocks noChangeAspect="1" noChangeArrowheads="1"/>
+          </p:cNvPicPr>
+          <p:nvPr/>
+        </p:nvPicPr>
+        <p:blipFill>
+          <a:blip r:embed="rId2">
+            <a:extLst>
+              <a:ext uri="{28A0092B-C50C-407E-A947-70E740481C1C}">
+                <a14:useLocalDpi xmlns:a14="http://schemas.microsoft.com/office/drawing/2010/main" val="0"/>
+              </a:ext>
+            </a:extLst>
+          </a:blip>
+          <a:srcRect/>
+          <a:stretch>
+            <a:fillRect/>
+          </a:stretch>
+        </p:blipFill>
+        <p:spPr bwMode="auto">
+          <a:xfrm>
+            <a:off x="838200" y="1825625"/>
+            <a:ext cx="7492744" cy="4896421"/>
+          </a:xfrm>
+          <a:prstGeom prst="rect">
+            <a:avLst/>
+          </a:prstGeom>
+          <a:noFill/>
+          <a:extLst>
+            <a:ext uri="{909E8E84-426E-40DD-AFC4-6F175D3DCCD1}">
+              <a14:hiddenFill xmlns:a14="http://schemas.microsoft.com/office/drawing/2010/main">
+                <a:solidFill>
+                  <a:srgbClr val="FFFFFF"/>
+                </a:solidFill>
+              </a14:hiddenFill>
+            </a:ext>
+          </a:extLst>
+        </p:spPr>
+      </p:pic>
+      <p:pic>
+        <p:nvPicPr>
+          <p:cNvPr id="1028" name="Picture 4">
+            <a:extLst>
+              <a:ext uri="{FF2B5EF4-FFF2-40B4-BE49-F238E27FC236}">
+                <a16:creationId xmlns:a16="http://schemas.microsoft.com/office/drawing/2014/main" id="{28A191A6-B214-E5F5-BB1D-9695BA27ED7E}"/>
+              </a:ext>
+            </a:extLst>
+          </p:cNvPr>
+          <p:cNvPicPr>
+            <a:picLocks noChangeAspect="1" noChangeArrowheads="1"/>
+          </p:cNvPicPr>
+          <p:nvPr/>
+        </p:nvPicPr>
+        <p:blipFill>
+          <a:blip r:embed="rId3">
+            <a:extLst>
+              <a:ext uri="{28A0092B-C50C-407E-A947-70E740481C1C}">
+                <a14:useLocalDpi xmlns:a14="http://schemas.microsoft.com/office/drawing/2010/main" val="0"/>
+              </a:ext>
+            </a:extLst>
+          </a:blip>
+          <a:srcRect/>
+          <a:stretch>
+            <a:fillRect/>
+          </a:stretch>
+        </p:blipFill>
+        <p:spPr bwMode="auto">
+          <a:xfrm>
+            <a:off x="838200" y="1825625"/>
+            <a:ext cx="7749291" cy="4843307"/>
+          </a:xfrm>
+          <a:prstGeom prst="rect">
+            <a:avLst/>
+          </a:prstGeom>
+          <a:noFill/>
+          <a:extLst>
+            <a:ext uri="{909E8E84-426E-40DD-AFC4-6F175D3DCCD1}">
+              <a14:hiddenFill xmlns:a14="http://schemas.microsoft.com/office/drawing/2010/main">
+                <a:solidFill>
+                  <a:srgbClr val="FFFFFF"/>
+                </a:solidFill>
+              </a14:hiddenFill>
+            </a:ext>
+          </a:extLst>
+        </p:spPr>
+      </p:pic>
     </p:spTree>
     <p:extLst>
       <p:ext uri="{BB962C8B-B14F-4D97-AF65-F5344CB8AC3E}">
@@ -7616,6 +7710,126 @@
   <p:clrMapOvr>
     <a:masterClrMapping/>
   </p:clrMapOvr>
+  <p:timing>
+    <p:tnLst>
+      <p:par>
+        <p:cTn id="1" dur="indefinite" restart="never" nodeType="tmRoot">
+          <p:childTnLst>
+            <p:seq concurrent="1" nextAc="seek">
+              <p:cTn id="2" dur="indefinite" nodeType="mainSeq">
+                <p:childTnLst>
+                  <p:par>
+                    <p:cTn id="3" fill="hold">
+                      <p:stCondLst>
+                        <p:cond delay="indefinite"/>
+                      </p:stCondLst>
+                      <p:childTnLst>
+                        <p:par>
+                          <p:cTn id="4" fill="hold">
+                            <p:stCondLst>
+                              <p:cond delay="0"/>
+                            </p:stCondLst>
+                            <p:childTnLst>
+                              <p:par>
+                                <p:cTn id="5" presetID="1" presetClass="entr" presetSubtype="0" fill="hold" nodeType="clickEffect">
+                                  <p:stCondLst>
+                                    <p:cond delay="0"/>
+                                  </p:stCondLst>
+                                  <p:childTnLst>
+                                    <p:set>
+                                      <p:cBhvr>
+                                        <p:cTn id="6" dur="1" fill="hold">
+                                          <p:stCondLst>
+                                            <p:cond delay="0"/>
+                                          </p:stCondLst>
+                                        </p:cTn>
+                                        <p:tgtEl>
+                                          <p:spTgt spid="1026"/>
+                                        </p:tgtEl>
+                                        <p:attrNameLst>
+                                          <p:attrName>style.visibility</p:attrName>
+                                        </p:attrNameLst>
+                                      </p:cBhvr>
+                                      <p:to>
+                                        <p:strVal val="visible"/>
+                                      </p:to>
+                                    </p:set>
+                                  </p:childTnLst>
+                                </p:cTn>
+                              </p:par>
+                            </p:childTnLst>
+                          </p:cTn>
+                        </p:par>
+                      </p:childTnLst>
+                    </p:cTn>
+                  </p:par>
+                  <p:par>
+                    <p:cTn id="7" fill="hold">
+                      <p:stCondLst>
+                        <p:cond delay="indefinite"/>
+                      </p:stCondLst>
+                      <p:childTnLst>
+                        <p:par>
+                          <p:cTn id="8" fill="hold">
+                            <p:stCondLst>
+                              <p:cond delay="0"/>
+                            </p:stCondLst>
+                            <p:childTnLst>
+                              <p:par>
+                                <p:cTn id="9" presetID="1" presetClass="entr" presetSubtype="0" fill="hold" nodeType="clickEffect">
+                                  <p:stCondLst>
+                                    <p:cond delay="0"/>
+                                  </p:stCondLst>
+                                  <p:childTnLst>
+                                    <p:set>
+                                      <p:cBhvr>
+                                        <p:cTn id="10" dur="1" fill="hold">
+                                          <p:stCondLst>
+                                            <p:cond delay="0"/>
+                                          </p:stCondLst>
+                                        </p:cTn>
+                                        <p:tgtEl>
+                                          <p:spTgt spid="1028"/>
+                                        </p:tgtEl>
+                                        <p:attrNameLst>
+                                          <p:attrName>style.visibility</p:attrName>
+                                        </p:attrNameLst>
+                                      </p:cBhvr>
+                                      <p:to>
+                                        <p:strVal val="visible"/>
+                                      </p:to>
+                                    </p:set>
+                                  </p:childTnLst>
+                                </p:cTn>
+                              </p:par>
+                            </p:childTnLst>
+                          </p:cTn>
+                        </p:par>
+                      </p:childTnLst>
+                    </p:cTn>
+                  </p:par>
+                </p:childTnLst>
+              </p:cTn>
+              <p:prevCondLst>
+                <p:cond evt="onPrev" delay="0">
+                  <p:tgtEl>
+                    <p:sldTgt/>
+                  </p:tgtEl>
+                </p:cond>
+              </p:prevCondLst>
+              <p:nextCondLst>
+                <p:cond evt="onNext" delay="0">
+                  <p:tgtEl>
+                    <p:sldTgt/>
+                  </p:tgtEl>
+                </p:cond>
+              </p:nextCondLst>
+            </p:seq>
+          </p:childTnLst>
+        </p:cTn>
+      </p:par>
+    </p:tnLst>
+  </p:timing>
 </p:sld>
 </file>
 
@@ -29120,6 +29334,15 @@
             <a:endParaRPr lang="en-US" altLang="ko-KR" dirty="0"/>
           </a:p>
           <a:p>
+            <a:r>
+              <a:rPr lang="en-US" altLang="ko-KR" dirty="0">
+                <a:hlinkClick r:id="rId3"/>
+              </a:rPr>
+              <a:t>https://github.com/alscjf1329/SysP_3-1/tree/main/Sys_final</a:t>
+            </a:r>
+            <a:endParaRPr lang="en-US" altLang="ko-KR" dirty="0"/>
+          </a:p>
+          <a:p>
             <a:endParaRPr lang="en-US" altLang="ko-KR" dirty="0"/>
           </a:p>
           <a:p>
